--- a/Aplikacje MVC.pptx
+++ b/Aplikacje MVC.pptx
@@ -93,9 +93,20 @@
     <p:sldId id="349" r:id="rId87"/>
     <p:sldId id="347" r:id="rId88"/>
     <p:sldId id="348" r:id="rId89"/>
-    <p:sldId id="272" r:id="rId90"/>
-    <p:sldId id="322" r:id="rId91"/>
-    <p:sldId id="274" r:id="rId92"/>
+    <p:sldId id="354" r:id="rId90"/>
+    <p:sldId id="360" r:id="rId91"/>
+    <p:sldId id="359" r:id="rId92"/>
+    <p:sldId id="361" r:id="rId93"/>
+    <p:sldId id="362" r:id="rId94"/>
+    <p:sldId id="363" r:id="rId95"/>
+    <p:sldId id="364" r:id="rId96"/>
+    <p:sldId id="365" r:id="rId97"/>
+    <p:sldId id="355" r:id="rId98"/>
+    <p:sldId id="356" r:id="rId99"/>
+    <p:sldId id="357" r:id="rId100"/>
+    <p:sldId id="358" r:id="rId101"/>
+    <p:sldId id="322" r:id="rId102"/>
+    <p:sldId id="274" r:id="rId103"/>
   </p:sldIdLst>
   <p:sldSz cx="9144000" cy="6858000" type="screen4x3"/>
   <p:notesSz cx="6858000" cy="9144000"/>
@@ -4081,6 +4092,355 @@
 </p:sld>
 </file>
 
+<file path=ppt/slides/slide100.xml><?xml version="1.0" encoding="utf-8"?>
+<p:sld xmlns:a="http://schemas.openxmlformats.org/drawingml/2006/main" xmlns:r="http://schemas.openxmlformats.org/officeDocument/2006/relationships" xmlns:p="http://schemas.openxmlformats.org/presentationml/2006/main">
+  <p:cSld>
+    <p:spTree>
+      <p:nvGrpSpPr>
+        <p:cNvPr id="1" name=""/>
+        <p:cNvGrpSpPr/>
+        <p:nvPr/>
+      </p:nvGrpSpPr>
+      <p:grpSpPr>
+        <a:xfrm>
+          <a:off x="0" y="0"/>
+          <a:ext cx="0" cy="0"/>
+          <a:chOff x="0" y="0"/>
+          <a:chExt cx="0" cy="0"/>
+        </a:xfrm>
+      </p:grpSpPr>
+      <p:sp>
+        <p:nvSpPr>
+          <p:cNvPr id="2" name="Tytuł 1"/>
+          <p:cNvSpPr>
+            <a:spLocks noGrp="1"/>
+          </p:cNvSpPr>
+          <p:nvPr>
+            <p:ph type="title"/>
+          </p:nvPr>
+        </p:nvSpPr>
+        <p:spPr/>
+        <p:txBody>
+          <a:bodyPr>
+            <a:normAutofit fontScale="90000"/>
+          </a:bodyPr>
+          <a:lstStyle/>
+          <a:p>
+            <a:r>
+              <a:rPr lang="pl-PL" dirty="0" smtClean="0"/>
+              <a:t>Wyszukiwanie apartamentów – widok końcowy</a:t>
+            </a:r>
+            <a:endParaRPr lang="pl-PL" dirty="0"/>
+          </a:p>
+        </p:txBody>
+      </p:sp>
+      <p:pic>
+        <p:nvPicPr>
+          <p:cNvPr id="4" name="Symbol zastępczy zawartości 3"/>
+          <p:cNvPicPr>
+            <a:picLocks noGrp="1" noChangeAspect="1"/>
+          </p:cNvPicPr>
+          <p:nvPr>
+            <p:ph idx="1"/>
+          </p:nvPr>
+        </p:nvPicPr>
+        <p:blipFill>
+          <a:blip r:embed="rId2"/>
+          <a:stretch>
+            <a:fillRect/>
+          </a:stretch>
+        </p:blipFill>
+        <p:spPr>
+          <a:xfrm>
+            <a:off x="457200" y="1840706"/>
+            <a:ext cx="7467600" cy="4044950"/>
+          </a:xfrm>
+          <a:prstGeom prst="rect">
+            <a:avLst/>
+          </a:prstGeom>
+        </p:spPr>
+      </p:pic>
+    </p:spTree>
+    <p:extLst>
+      <p:ext uri="{BB962C8B-B14F-4D97-AF65-F5344CB8AC3E}">
+        <p14:creationId xmlns:p14="http://schemas.microsoft.com/office/powerpoint/2010/main" val="163988945"/>
+      </p:ext>
+    </p:extLst>
+  </p:cSld>
+  <p:clrMapOvr>
+    <a:masterClrMapping/>
+  </p:clrMapOvr>
+</p:sld>
+</file>
+
+<file path=ppt/slides/slide101.xml><?xml version="1.0" encoding="utf-8"?>
+<p:sld xmlns:a="http://schemas.openxmlformats.org/drawingml/2006/main" xmlns:r="http://schemas.openxmlformats.org/officeDocument/2006/relationships" xmlns:p="http://schemas.openxmlformats.org/presentationml/2006/main">
+  <p:cSld>
+    <p:spTree>
+      <p:nvGrpSpPr>
+        <p:cNvPr id="1" name=""/>
+        <p:cNvGrpSpPr/>
+        <p:nvPr/>
+      </p:nvGrpSpPr>
+      <p:grpSpPr>
+        <a:xfrm>
+          <a:off x="0" y="0"/>
+          <a:ext cx="0" cy="0"/>
+          <a:chOff x="0" y="0"/>
+          <a:chExt cx="0" cy="0"/>
+        </a:xfrm>
+      </p:grpSpPr>
+      <p:sp>
+        <p:nvSpPr>
+          <p:cNvPr id="2" name="Tytuł 1"/>
+          <p:cNvSpPr>
+            <a:spLocks noGrp="1"/>
+          </p:cNvSpPr>
+          <p:nvPr>
+            <p:ph type="title"/>
+          </p:nvPr>
+        </p:nvSpPr>
+        <p:spPr/>
+        <p:txBody>
+          <a:bodyPr/>
+          <a:lstStyle/>
+          <a:p>
+            <a:r>
+              <a:rPr lang="pl-PL" dirty="0" smtClean="0"/>
+              <a:t>Bibliografia</a:t>
+            </a:r>
+            <a:endParaRPr lang="pl-PL" dirty="0"/>
+          </a:p>
+        </p:txBody>
+      </p:sp>
+      <p:sp>
+        <p:nvSpPr>
+          <p:cNvPr id="3" name="Symbol zastępczy zawartości 2"/>
+          <p:cNvSpPr>
+            <a:spLocks noGrp="1"/>
+          </p:cNvSpPr>
+          <p:nvPr>
+            <p:ph idx="1"/>
+          </p:nvPr>
+        </p:nvSpPr>
+        <p:spPr>
+          <a:xfrm>
+            <a:off x="457200" y="1417638"/>
+            <a:ext cx="7467600" cy="5440362"/>
+          </a:xfrm>
+        </p:spPr>
+        <p:txBody>
+          <a:bodyPr>
+            <a:normAutofit fontScale="55000" lnSpcReduction="20000"/>
+          </a:bodyPr>
+          <a:lstStyle/>
+          <a:p>
+            <a:r>
+              <a:rPr lang="pl-PL" dirty="0" smtClean="0">
+                <a:hlinkClick r:id="rId2"/>
+              </a:rPr>
+              <a:t>www.asp.net/mvc/overview/getting-started/introduction/adding-a-controller</a:t>
+            </a:r>
+            <a:endParaRPr lang="pl-PL" dirty="0">
+              <a:hlinkClick r:id="rId2"/>
+            </a:endParaRPr>
+          </a:p>
+          <a:p>
+            <a:r>
+              <a:rPr lang="pl-PL" dirty="0" smtClean="0">
+                <a:hlinkClick r:id="rId2"/>
+              </a:rPr>
+              <a:t>www.codeproject.com/Tips/786243/ASP-NET-MVC-CheckBoxList-Basic-Implementation</a:t>
+            </a:r>
+            <a:endParaRPr lang="pl-PL" dirty="0" smtClean="0"/>
+          </a:p>
+          <a:p>
+            <a:r>
+              <a:rPr lang="pl-PL" dirty="0" smtClean="0">
+                <a:hlinkClick r:id="rId3"/>
+              </a:rPr>
+              <a:t>www.asp.net/mvc/overview/getting-started/getting-started-with-ef-using-mvc/creating-a-more-complex-data-model-for-an-asp-net-mvc-application</a:t>
+            </a:r>
+            <a:endParaRPr lang="pl-PL" dirty="0" smtClean="0"/>
+          </a:p>
+          <a:p>
+            <a:r>
+              <a:rPr lang="pl-PL" dirty="0" smtClean="0">
+                <a:hlinkClick r:id="rId4"/>
+              </a:rPr>
+              <a:t>stackoverflow.com/</a:t>
+            </a:r>
+            <a:r>
+              <a:rPr lang="pl-PL" dirty="0" err="1" smtClean="0">
+                <a:hlinkClick r:id="rId4"/>
+              </a:rPr>
+              <a:t>questions</a:t>
+            </a:r>
+            <a:r>
+              <a:rPr lang="pl-PL" dirty="0" smtClean="0">
+                <a:hlinkClick r:id="rId4"/>
+              </a:rPr>
+              <a:t>/19913447/user-in-entity-type-mvc5-ef6</a:t>
+            </a:r>
+            <a:endParaRPr lang="pl-PL" dirty="0" smtClean="0"/>
+          </a:p>
+          <a:p>
+            <a:r>
+              <a:rPr lang="pl-PL" dirty="0" smtClean="0">
+                <a:hlinkClick r:id="rId5"/>
+              </a:rPr>
+              <a:t>www.asp.net/mvc/overview/getting-started/getting-started-with-ef-using-mvc/migrations-and-deployment-with-the-entity-framework-in-an-asp-net-mvc-application</a:t>
+            </a:r>
+            <a:endParaRPr lang="pl-PL" dirty="0" smtClean="0"/>
+          </a:p>
+          <a:p>
+            <a:r>
+              <a:rPr lang="pl-PL" dirty="0" smtClean="0">
+                <a:hlinkClick r:id="rId6"/>
+              </a:rPr>
+              <a:t>stackoverflow.com/</a:t>
+            </a:r>
+            <a:r>
+              <a:rPr lang="pl-PL" dirty="0" err="1" smtClean="0">
+                <a:hlinkClick r:id="rId6"/>
+              </a:rPr>
+              <a:t>questions</a:t>
+            </a:r>
+            <a:r>
+              <a:rPr lang="pl-PL" dirty="0" smtClean="0">
+                <a:hlinkClick r:id="rId6"/>
+              </a:rPr>
+              <a:t>/14612813/entity-framework-code-first-using-one-column-as-primary-key-and-another-as-auto</a:t>
+            </a:r>
+            <a:endParaRPr lang="pl-PL" dirty="0" smtClean="0"/>
+          </a:p>
+          <a:p>
+            <a:r>
+              <a:rPr lang="pl-PL" dirty="0" smtClean="0">
+                <a:hlinkClick r:id="rId7"/>
+              </a:rPr>
+              <a:t>www.asp.net/mvc/overview/getting-started/getting-started-with-ef-using-mvc/creating-an-entity-framework-data-model-for-an-asp-net-mvc-application</a:t>
+            </a:r>
+            <a:endParaRPr lang="pl-PL" dirty="0" smtClean="0"/>
+          </a:p>
+          <a:p>
+            <a:r>
+              <a:rPr lang="pl-PL" dirty="0">
+                <a:hlinkClick r:id="rId8"/>
+              </a:rPr>
+              <a:t>http://</a:t>
+            </a:r>
+            <a:r>
+              <a:rPr lang="pl-PL" dirty="0" smtClean="0">
+                <a:hlinkClick r:id="rId8"/>
+              </a:rPr>
+              <a:t>stackoverflow.com/questions/33906482/asp-net-mvc-5-change-mvc-application-culture</a:t>
+            </a:r>
+            <a:endParaRPr lang="pl-PL" dirty="0" smtClean="0"/>
+          </a:p>
+          <a:p>
+            <a:r>
+              <a:rPr lang="pl-PL" dirty="0">
+                <a:hlinkClick r:id="rId9"/>
+              </a:rPr>
+              <a:t>https://</a:t>
+            </a:r>
+            <a:r>
+              <a:rPr lang="pl-PL" dirty="0" smtClean="0">
+                <a:hlinkClick r:id="rId9"/>
+              </a:rPr>
+              <a:t>forums.asp.net/t/1975676.aspx?Tutorial+for+Adding+Datepicker+in+MVC+5</a:t>
+            </a:r>
+            <a:endParaRPr lang="pl-PL" dirty="0" smtClean="0"/>
+          </a:p>
+          <a:p>
+            <a:r>
+              <a:rPr lang="pl-PL" dirty="0">
+                <a:hlinkClick r:id="rId10"/>
+              </a:rPr>
+              <a:t>http://</a:t>
+            </a:r>
+            <a:r>
+              <a:rPr lang="pl-PL" dirty="0" smtClean="0">
+                <a:hlinkClick r:id="rId10"/>
+              </a:rPr>
+              <a:t>stackoverflow.com/questions/18288675/display-datetime-value-in-dd-mm-yyyy-format-in-asp-net-mvc</a:t>
+            </a:r>
+            <a:endParaRPr lang="pl-PL" dirty="0" smtClean="0"/>
+          </a:p>
+        </p:txBody>
+      </p:sp>
+    </p:spTree>
+    <p:extLst>
+      <p:ext uri="{BB962C8B-B14F-4D97-AF65-F5344CB8AC3E}">
+        <p14:creationId xmlns:p14="http://schemas.microsoft.com/office/powerpoint/2010/main" val="4060204283"/>
+      </p:ext>
+    </p:extLst>
+  </p:cSld>
+  <p:clrMapOvr>
+    <a:masterClrMapping/>
+  </p:clrMapOvr>
+</p:sld>
+</file>
+
+<file path=ppt/slides/slide102.xml><?xml version="1.0" encoding="utf-8"?>
+<p:sld xmlns:a="http://schemas.openxmlformats.org/drawingml/2006/main" xmlns:r="http://schemas.openxmlformats.org/officeDocument/2006/relationships" xmlns:p="http://schemas.openxmlformats.org/presentationml/2006/main">
+  <p:cSld>
+    <p:spTree>
+      <p:nvGrpSpPr>
+        <p:cNvPr id="1" name=""/>
+        <p:cNvGrpSpPr/>
+        <p:nvPr/>
+      </p:nvGrpSpPr>
+      <p:grpSpPr>
+        <a:xfrm>
+          <a:off x="0" y="0"/>
+          <a:ext cx="0" cy="0"/>
+          <a:chOff x="0" y="0"/>
+          <a:chExt cx="0" cy="0"/>
+        </a:xfrm>
+      </p:grpSpPr>
+      <p:sp>
+        <p:nvSpPr>
+          <p:cNvPr id="2" name="Tytuł 1"/>
+          <p:cNvSpPr>
+            <a:spLocks noGrp="1"/>
+          </p:cNvSpPr>
+          <p:nvPr>
+            <p:ph type="title"/>
+          </p:nvPr>
+        </p:nvSpPr>
+        <p:spPr>
+          <a:xfrm>
+            <a:off x="467544" y="2564904"/>
+            <a:ext cx="7470648" cy="1143000"/>
+          </a:xfrm>
+        </p:spPr>
+        <p:txBody>
+          <a:bodyPr/>
+          <a:lstStyle/>
+          <a:p>
+            <a:r>
+              <a:rPr lang="pl-PL" dirty="0" smtClean="0"/>
+              <a:t>Dziękuję za uwagę!</a:t>
+            </a:r>
+            <a:endParaRPr lang="pl-PL" dirty="0"/>
+          </a:p>
+        </p:txBody>
+      </p:sp>
+    </p:spTree>
+    <p:extLst>
+      <p:ext uri="{BB962C8B-B14F-4D97-AF65-F5344CB8AC3E}">
+        <p14:creationId xmlns:p14="http://schemas.microsoft.com/office/powerpoint/2010/main" val="3475680267"/>
+      </p:ext>
+    </p:extLst>
+  </p:cSld>
+  <p:clrMapOvr>
+    <a:masterClrMapping/>
+  </p:clrMapOvr>
+</p:sld>
+</file>
+
 <file path=ppt/slides/slide11.xml><?xml version="1.0" encoding="utf-8"?>
 <p:sld xmlns:a="http://schemas.openxmlformats.org/drawingml/2006/main" xmlns:r="http://schemas.openxmlformats.org/officeDocument/2006/relationships" xmlns:p="http://schemas.openxmlformats.org/presentationml/2006/main">
   <p:cSld>
@@ -17348,16 +17708,8 @@
           <a:lstStyle/>
           <a:p>
             <a:r>
-              <a:rPr lang="pl-PL" dirty="0" err="1" smtClean="0"/>
-              <a:t>Partial</a:t>
-            </a:r>
-            <a:r>
-              <a:rPr lang="pl-PL" dirty="0" smtClean="0"/>
-              <a:t> </a:t>
-            </a:r>
-            <a:r>
-              <a:rPr lang="pl-PL" dirty="0" err="1" smtClean="0"/>
-              <a:t>view</a:t>
+              <a:rPr lang="pl-PL" dirty="0" smtClean="0"/>
+              <a:t>Edycja własnego konta</a:t>
             </a:r>
             <a:endParaRPr lang="pl-PL" dirty="0"/>
           </a:p>
@@ -17375,9 +17727,77 @@
         </p:nvSpPr>
         <p:spPr/>
         <p:txBody>
-          <a:bodyPr/>
-          <a:lstStyle/>
-          <a:p>
+          <a:bodyPr>
+            <a:normAutofit fontScale="77500" lnSpcReduction="20000"/>
+          </a:bodyPr>
+          <a:lstStyle/>
+          <a:p>
+            <a:pPr marL="36576" indent="0">
+              <a:buNone/>
+            </a:pPr>
+            <a:r>
+              <a:rPr lang="pl-PL" dirty="0" smtClean="0"/>
+              <a:t>Domyślnie w aplikacji MVC w ustawieniach konta można zmieniać jedynie hasło (można także definiować logowania z zewnętrznych kont i numery telefonów, jednak w tym przypadku aplikacja tego nie obejmuje, dlatego tę część należy usunąć).</a:t>
+            </a:r>
+          </a:p>
+          <a:p>
+            <a:pPr marL="36576" indent="0">
+              <a:buNone/>
+            </a:pPr>
+            <a:r>
+              <a:rPr lang="pl-PL" dirty="0" smtClean="0"/>
+              <a:t>Aby dodać możliwość zmiany innych pól użytkownika, należy dokonać następujących zmian:</a:t>
+            </a:r>
+          </a:p>
+          <a:p>
+            <a:r>
+              <a:rPr lang="pl-PL" b="1" dirty="0" smtClean="0"/>
+              <a:t>W modelu</a:t>
+            </a:r>
+            <a:r>
+              <a:rPr lang="pl-PL" dirty="0" smtClean="0"/>
+              <a:t>: do modelu </a:t>
+            </a:r>
+            <a:r>
+              <a:rPr lang="pl-PL" dirty="0" err="1" smtClean="0"/>
+              <a:t>IndexViewModel</a:t>
+            </a:r>
+            <a:r>
+              <a:rPr lang="pl-PL" dirty="0" smtClean="0"/>
+              <a:t> w pliku </a:t>
+            </a:r>
+            <a:r>
+              <a:rPr lang="pl-PL" dirty="0" err="1" smtClean="0"/>
+              <a:t>ManageViewModels.cs</a:t>
+            </a:r>
+            <a:r>
+              <a:rPr lang="pl-PL" dirty="0" smtClean="0"/>
+              <a:t> dodać pola </a:t>
+            </a:r>
+            <a:r>
+              <a:rPr lang="pl-PL" dirty="0" err="1" smtClean="0"/>
+              <a:t>Imie</a:t>
+            </a:r>
+            <a:r>
+              <a:rPr lang="pl-PL" dirty="0" smtClean="0"/>
+              <a:t>, Nazwisko i Email, takie jak w modelu </a:t>
+            </a:r>
+            <a:r>
+              <a:rPr lang="pl-PL" dirty="0" err="1" smtClean="0"/>
+              <a:t>RegisterViewModel</a:t>
+            </a:r>
+            <a:r>
+              <a:rPr lang="pl-PL" dirty="0" smtClean="0"/>
+              <a:t>. Usunąć wszystkie pozostałe pola, z wyjątkiem </a:t>
+            </a:r>
+            <a:r>
+              <a:rPr lang="pl-PL" dirty="0" err="1" smtClean="0"/>
+              <a:t>HasPassword</a:t>
+            </a:r>
+            <a:r>
+              <a:rPr lang="pl-PL" dirty="0" smtClean="0"/>
+              <a:t>.</a:t>
+            </a:r>
             <a:endParaRPr lang="pl-PL" dirty="0"/>
           </a:p>
         </p:txBody>
@@ -17385,7 +17805,7 @@
     </p:spTree>
     <p:extLst>
       <p:ext uri="{BB962C8B-B14F-4D97-AF65-F5344CB8AC3E}">
-        <p14:creationId xmlns:p14="http://schemas.microsoft.com/office/powerpoint/2010/main" val="4056625123"/>
+        <p14:creationId xmlns:p14="http://schemas.microsoft.com/office/powerpoint/2010/main" val="1695476067"/>
       </p:ext>
     </p:extLst>
   </p:cSld>
@@ -17519,7 +17939,7 @@
           <a:p>
             <a:r>
               <a:rPr lang="pl-PL" dirty="0" smtClean="0"/>
-              <a:t>Bibliografia</a:t>
+              <a:t>Edycja własnego konta</a:t>
             </a:r>
             <a:endParaRPr lang="pl-PL" dirty="0"/>
           </a:p>
@@ -17538,119 +17958,91 @@
         <p:spPr/>
         <p:txBody>
           <a:bodyPr>
-            <a:normAutofit fontScale="55000" lnSpcReduction="20000"/>
+            <a:normAutofit fontScale="70000" lnSpcReduction="20000"/>
           </a:bodyPr>
           <a:lstStyle/>
           <a:p>
             <a:r>
-              <a:rPr lang="pl-PL" dirty="0" smtClean="0">
-                <a:hlinkClick r:id="rId2"/>
-              </a:rPr>
-              <a:t>www.asp.net/mvc/overview/getting-started/introduction/adding-a-controller</a:t>
-            </a:r>
-            <a:endParaRPr lang="pl-PL" dirty="0">
-              <a:hlinkClick r:id="rId2"/>
-            </a:endParaRPr>
-          </a:p>
-          <a:p>
-            <a:r>
-              <a:rPr lang="pl-PL" dirty="0" smtClean="0">
-                <a:hlinkClick r:id="rId2"/>
-              </a:rPr>
-              <a:t>www.codeproject.com/Tips/786243/ASP-NET-MVC-CheckBoxList-Basic-Implementation</a:t>
-            </a:r>
-            <a:endParaRPr lang="pl-PL" dirty="0" smtClean="0"/>
-          </a:p>
-          <a:p>
-            <a:r>
-              <a:rPr lang="pl-PL" dirty="0" smtClean="0">
-                <a:hlinkClick r:id="rId3"/>
-              </a:rPr>
-              <a:t>www.asp.net/mvc/overview/getting-started/getting-started-with-ef-using-mvc/creating-a-more-complex-data-model-for-an-asp-net-mvc-application</a:t>
-            </a:r>
-            <a:endParaRPr lang="pl-PL" dirty="0" smtClean="0"/>
-          </a:p>
-          <a:p>
-            <a:r>
-              <a:rPr lang="pl-PL" dirty="0" smtClean="0">
-                <a:hlinkClick r:id="rId4"/>
-              </a:rPr>
-              <a:t>stackoverflow.com/</a:t>
-            </a:r>
-            <a:r>
-              <a:rPr lang="pl-PL" dirty="0" err="1" smtClean="0">
-                <a:hlinkClick r:id="rId4"/>
-              </a:rPr>
-              <a:t>questions</a:t>
-            </a:r>
-            <a:r>
-              <a:rPr lang="pl-PL" dirty="0" smtClean="0">
-                <a:hlinkClick r:id="rId4"/>
-              </a:rPr>
-              <a:t>/19913447/user-in-entity-type-mvc5-ef6</a:t>
-            </a:r>
-            <a:endParaRPr lang="pl-PL" dirty="0" smtClean="0"/>
-          </a:p>
-          <a:p>
-            <a:r>
-              <a:rPr lang="pl-PL" dirty="0" smtClean="0">
-                <a:hlinkClick r:id="rId5"/>
-              </a:rPr>
-              <a:t>www.asp.net/mvc/overview/getting-started/getting-started-with-ef-using-mvc/migrations-and-deployment-with-the-entity-framework-in-an-asp-net-mvc-application</a:t>
-            </a:r>
-            <a:endParaRPr lang="pl-PL" dirty="0" smtClean="0"/>
-          </a:p>
-          <a:p>
-            <a:r>
-              <a:rPr lang="pl-PL" dirty="0" smtClean="0">
-                <a:hlinkClick r:id="rId6"/>
-              </a:rPr>
-              <a:t>stackoverflow.com/</a:t>
-            </a:r>
-            <a:r>
-              <a:rPr lang="pl-PL" dirty="0" err="1" smtClean="0">
-                <a:hlinkClick r:id="rId6"/>
-              </a:rPr>
-              <a:t>questions</a:t>
-            </a:r>
-            <a:r>
-              <a:rPr lang="pl-PL" dirty="0" smtClean="0">
-                <a:hlinkClick r:id="rId6"/>
-              </a:rPr>
-              <a:t>/14612813/entity-framework-code-first-using-one-column-as-primary-key-and-another-as-auto</a:t>
-            </a:r>
-            <a:endParaRPr lang="pl-PL" dirty="0" smtClean="0"/>
-          </a:p>
-          <a:p>
-            <a:r>
-              <a:rPr lang="pl-PL" dirty="0" smtClean="0">
-                <a:hlinkClick r:id="rId7"/>
-              </a:rPr>
-              <a:t>www.asp.net/mvc/overview/getting-started/getting-started-with-ef-using-mvc/creating-an-entity-framework-data-model-for-an-asp-net-mvc-application</a:t>
-            </a:r>
-            <a:endParaRPr lang="pl-PL" dirty="0" smtClean="0"/>
-          </a:p>
-          <a:p>
-            <a:r>
-              <a:rPr lang="pl-PL" dirty="0">
-                <a:hlinkClick r:id="rId8"/>
-              </a:rPr>
-              <a:t>http://</a:t>
-            </a:r>
-            <a:r>
-              <a:rPr lang="pl-PL" dirty="0" smtClean="0">
-                <a:hlinkClick r:id="rId8"/>
-              </a:rPr>
-              <a:t>stackoverflow.com/questions/33906482/asp-net-mvc-5-change-mvc-application-culture</a:t>
-            </a:r>
-            <a:endParaRPr lang="pl-PL" dirty="0" smtClean="0"/>
+              <a:rPr lang="pl-PL" b="1" dirty="0" smtClean="0"/>
+              <a:t>W widoku</a:t>
+            </a:r>
+            <a:r>
+              <a:rPr lang="pl-PL" dirty="0" smtClean="0"/>
+              <a:t>: w widoku Index kontrolera </a:t>
+            </a:r>
+            <a:r>
+              <a:rPr lang="pl-PL" dirty="0" err="1" smtClean="0"/>
+              <a:t>Manage</a:t>
+            </a:r>
+            <a:r>
+              <a:rPr lang="pl-PL" dirty="0" smtClean="0"/>
+              <a:t> wkleić fragmenty z widoku </a:t>
+            </a:r>
+            <a:r>
+              <a:rPr lang="pl-PL" dirty="0" err="1" smtClean="0"/>
+              <a:t>Accout</a:t>
+            </a:r>
+            <a:r>
+              <a:rPr lang="pl-PL" dirty="0" smtClean="0"/>
+              <a:t>/Edit odpowiadające za edycję emaila, imienia i nazwiska oraz przycisk Zapisz. Następnie otoczyć fragment widoku obejmujący wszystkie edytowalne pola i przycisk Zapisz odpowiednio skonfigurowanym fragmentem @</a:t>
+            </a:r>
+            <a:r>
+              <a:rPr lang="pl-PL" dirty="0" err="1" smtClean="0"/>
+              <a:t>using</a:t>
+            </a:r>
+            <a:r>
+              <a:rPr lang="pl-PL" dirty="0" smtClean="0"/>
+              <a:t> (</a:t>
+            </a:r>
+            <a:r>
+              <a:rPr lang="pl-PL" dirty="0" err="1" smtClean="0"/>
+              <a:t>Html.BeginForm</a:t>
+            </a:r>
+            <a:r>
+              <a:rPr lang="pl-PL" dirty="0" smtClean="0"/>
+              <a:t>(…)) { } opisanym wcześniej. Usunąć zakomentowane fragmenty (aby nie zaciemniały kodu) oraz fragment odpowiadający za zewnętrzne logowanie.</a:t>
+            </a:r>
+          </a:p>
+          <a:p>
+            <a:r>
+              <a:rPr lang="pl-PL" b="1" dirty="0" smtClean="0"/>
+              <a:t>W kontrolerze</a:t>
+            </a:r>
+            <a:r>
+              <a:rPr lang="pl-PL" dirty="0" smtClean="0"/>
+              <a:t>: w akcji GET Index pobrać zalogowanego użytkownika, przypisać jego dane do obiektu </a:t>
+            </a:r>
+            <a:r>
+              <a:rPr lang="pl-PL" dirty="0" err="1" smtClean="0"/>
+              <a:t>IndexViewModel</a:t>
+            </a:r>
+            <a:r>
+              <a:rPr lang="pl-PL" dirty="0" smtClean="0"/>
+              <a:t> i przekazać go do widoku. Utworzyć akcję POST Index, która sprawdza, czy model jest poprawny (</a:t>
+            </a:r>
+            <a:r>
+              <a:rPr lang="pl-PL" dirty="0" err="1" smtClean="0"/>
+              <a:t>ModelState.IsValid</a:t>
+            </a:r>
+            <a:r>
+              <a:rPr lang="pl-PL" dirty="0" smtClean="0"/>
+              <a:t>), jeżeli nie, to wraca do widoku, a jeśli tak, pobiera zalogowanego użytkownika, modyfikuje jego pola i zapisuje podobnie jak w </a:t>
+            </a:r>
+            <a:r>
+              <a:rPr lang="pl-PL" dirty="0" err="1" smtClean="0"/>
+              <a:t>Account</a:t>
+            </a:r>
+            <a:r>
+              <a:rPr lang="pl-PL" dirty="0" smtClean="0"/>
+              <a:t>/Edit, a następnie wraca do strony domowej.</a:t>
+            </a:r>
           </a:p>
         </p:txBody>
       </p:sp>
     </p:spTree>
     <p:extLst>
       <p:ext uri="{BB962C8B-B14F-4D97-AF65-F5344CB8AC3E}">
-        <p14:creationId xmlns:p14="http://schemas.microsoft.com/office/powerpoint/2010/main" val="4060204283"/>
+        <p14:creationId xmlns:p14="http://schemas.microsoft.com/office/powerpoint/2010/main" val="833216177"/>
       </p:ext>
     </p:extLst>
   </p:cSld>
@@ -17687,28 +18079,1234 @@
             <p:ph type="title"/>
           </p:nvPr>
         </p:nvSpPr>
+        <p:spPr/>
+        <p:txBody>
+          <a:bodyPr>
+            <a:normAutofit fontScale="90000"/>
+          </a:bodyPr>
+          <a:lstStyle/>
+          <a:p>
+            <a:r>
+              <a:rPr lang="pl-PL" dirty="0" smtClean="0"/>
+              <a:t>Edycja własnego konta – widok końcowy</a:t>
+            </a:r>
+            <a:endParaRPr lang="pl-PL" dirty="0"/>
+          </a:p>
+        </p:txBody>
+      </p:sp>
+      <p:pic>
+        <p:nvPicPr>
+          <p:cNvPr id="4" name="Symbol zastępczy zawartości 3"/>
+          <p:cNvPicPr>
+            <a:picLocks noGrp="1" noChangeAspect="1"/>
+          </p:cNvPicPr>
+          <p:nvPr>
+            <p:ph idx="1"/>
+          </p:nvPr>
+        </p:nvPicPr>
+        <p:blipFill>
+          <a:blip r:embed="rId2"/>
+          <a:stretch>
+            <a:fillRect/>
+          </a:stretch>
+        </p:blipFill>
         <p:spPr>
           <a:xfrm>
-            <a:off x="467544" y="2564904"/>
-            <a:ext cx="7470648" cy="1143000"/>
+            <a:off x="457200" y="1603789"/>
+            <a:ext cx="7467600" cy="4518785"/>
           </a:xfrm>
+          <a:prstGeom prst="rect">
+            <a:avLst/>
+          </a:prstGeom>
         </p:spPr>
-        <p:txBody>
-          <a:bodyPr/>
-          <a:lstStyle/>
-          <a:p>
-            <a:r>
-              <a:rPr lang="pl-PL" dirty="0" smtClean="0"/>
-              <a:t>Dziękuję za uwagę!</a:t>
-            </a:r>
-            <a:endParaRPr lang="pl-PL" dirty="0"/>
-          </a:p>
-        </p:txBody>
-      </p:sp>
+      </p:pic>
     </p:spTree>
     <p:extLst>
       <p:ext uri="{BB962C8B-B14F-4D97-AF65-F5344CB8AC3E}">
-        <p14:creationId xmlns:p14="http://schemas.microsoft.com/office/powerpoint/2010/main" val="3475680267"/>
+        <p14:creationId xmlns:p14="http://schemas.microsoft.com/office/powerpoint/2010/main" val="3800181263"/>
+      </p:ext>
+    </p:extLst>
+  </p:cSld>
+  <p:clrMapOvr>
+    <a:masterClrMapping/>
+  </p:clrMapOvr>
+</p:sld>
+</file>
+
+<file path=ppt/slides/slide92.xml><?xml version="1.0" encoding="utf-8"?>
+<p:sld xmlns:a="http://schemas.openxmlformats.org/drawingml/2006/main" xmlns:r="http://schemas.openxmlformats.org/officeDocument/2006/relationships" xmlns:p="http://schemas.openxmlformats.org/presentationml/2006/main">
+  <p:cSld>
+    <p:spTree>
+      <p:nvGrpSpPr>
+        <p:cNvPr id="1" name=""/>
+        <p:cNvGrpSpPr/>
+        <p:nvPr/>
+      </p:nvGrpSpPr>
+      <p:grpSpPr>
+        <a:xfrm>
+          <a:off x="0" y="0"/>
+          <a:ext cx="0" cy="0"/>
+          <a:chOff x="0" y="0"/>
+          <a:chExt cx="0" cy="0"/>
+        </a:xfrm>
+      </p:grpSpPr>
+      <p:sp>
+        <p:nvSpPr>
+          <p:cNvPr id="2" name="Tytuł 1"/>
+          <p:cNvSpPr>
+            <a:spLocks noGrp="1"/>
+          </p:cNvSpPr>
+          <p:nvPr>
+            <p:ph type="title"/>
+          </p:nvPr>
+        </p:nvSpPr>
+        <p:spPr/>
+        <p:txBody>
+          <a:bodyPr/>
+          <a:lstStyle/>
+          <a:p>
+            <a:r>
+              <a:rPr lang="pl-PL" dirty="0" smtClean="0"/>
+              <a:t>Wyszukiwanie apartamentów</a:t>
+            </a:r>
+            <a:endParaRPr lang="pl-PL" dirty="0"/>
+          </a:p>
+        </p:txBody>
+      </p:sp>
+      <p:sp>
+        <p:nvSpPr>
+          <p:cNvPr id="3" name="Symbol zastępczy zawartości 2"/>
+          <p:cNvSpPr>
+            <a:spLocks noGrp="1"/>
+          </p:cNvSpPr>
+          <p:nvPr>
+            <p:ph idx="1"/>
+          </p:nvPr>
+        </p:nvSpPr>
+        <p:spPr/>
+        <p:txBody>
+          <a:bodyPr>
+            <a:normAutofit fontScale="77500" lnSpcReduction="20000"/>
+          </a:bodyPr>
+          <a:lstStyle/>
+          <a:p>
+            <a:pPr marL="36576" indent="0">
+              <a:buNone/>
+            </a:pPr>
+            <a:r>
+              <a:rPr lang="pl-PL" dirty="0" smtClean="0"/>
+              <a:t>Automatycznie wygenerowany widok Apartamenty/Index, którego zawartość wykorzystano do utworzenia listy apartamentów dla właściciela, posłuży w aplikacji jako ekran wyszukiwania apartamentów zgodnych z wymaganiami klienta.</a:t>
+            </a:r>
+          </a:p>
+          <a:p>
+            <a:pPr marL="36576" indent="0">
+              <a:buNone/>
+            </a:pPr>
+            <a:r>
+              <a:rPr lang="pl-PL" dirty="0" smtClean="0"/>
+              <a:t>Do parametrów uwzględnionych w wyszukiwaniu będą należeć: miasto, ilość osób, cena minimalna i maksymalna, data dostępności i udogodnienia.</a:t>
+            </a:r>
+          </a:p>
+          <a:p>
+            <a:pPr marL="36576" indent="0">
+              <a:buNone/>
+            </a:pPr>
+            <a:r>
+              <a:rPr lang="pl-PL" dirty="0" smtClean="0"/>
+              <a:t>Apartamenty zgodne z wymaganiami wyświetlane będą w kolejności najlepiej ocenianych, a następnie po nazwie.</a:t>
+            </a:r>
+          </a:p>
+          <a:p>
+            <a:pPr marL="36576" indent="0">
+              <a:buNone/>
+            </a:pPr>
+            <a:r>
+              <a:rPr lang="pl-PL" dirty="0" smtClean="0"/>
+              <a:t>Lista apartamentów będzie się znajdowała na osobnym widoku, wygenerowanym wewnątrz widoku Index.</a:t>
+            </a:r>
+          </a:p>
+        </p:txBody>
+      </p:sp>
+    </p:spTree>
+    <p:extLst>
+      <p:ext uri="{BB962C8B-B14F-4D97-AF65-F5344CB8AC3E}">
+        <p14:creationId xmlns:p14="http://schemas.microsoft.com/office/powerpoint/2010/main" val="2337690827"/>
+      </p:ext>
+    </p:extLst>
+  </p:cSld>
+  <p:clrMapOvr>
+    <a:masterClrMapping/>
+  </p:clrMapOvr>
+</p:sld>
+</file>
+
+<file path=ppt/slides/slide93.xml><?xml version="1.0" encoding="utf-8"?>
+<p:sld xmlns:a="http://schemas.openxmlformats.org/drawingml/2006/main" xmlns:r="http://schemas.openxmlformats.org/officeDocument/2006/relationships" xmlns:p="http://schemas.openxmlformats.org/presentationml/2006/main">
+  <p:cSld>
+    <p:spTree>
+      <p:nvGrpSpPr>
+        <p:cNvPr id="1" name=""/>
+        <p:cNvGrpSpPr/>
+        <p:nvPr/>
+      </p:nvGrpSpPr>
+      <p:grpSpPr>
+        <a:xfrm>
+          <a:off x="0" y="0"/>
+          <a:ext cx="0" cy="0"/>
+          <a:chOff x="0" y="0"/>
+          <a:chExt cx="0" cy="0"/>
+        </a:xfrm>
+      </p:grpSpPr>
+      <p:sp>
+        <p:nvSpPr>
+          <p:cNvPr id="2" name="Tytuł 1"/>
+          <p:cNvSpPr>
+            <a:spLocks noGrp="1"/>
+          </p:cNvSpPr>
+          <p:nvPr>
+            <p:ph type="title"/>
+          </p:nvPr>
+        </p:nvSpPr>
+        <p:spPr/>
+        <p:txBody>
+          <a:bodyPr/>
+          <a:lstStyle/>
+          <a:p>
+            <a:r>
+              <a:rPr lang="pl-PL" dirty="0" smtClean="0"/>
+              <a:t>Widoki częściowe</a:t>
+            </a:r>
+            <a:endParaRPr lang="pl-PL" dirty="0"/>
+          </a:p>
+        </p:txBody>
+      </p:sp>
+      <p:sp>
+        <p:nvSpPr>
+          <p:cNvPr id="3" name="Symbol zastępczy zawartości 2"/>
+          <p:cNvSpPr>
+            <a:spLocks noGrp="1"/>
+          </p:cNvSpPr>
+          <p:nvPr>
+            <p:ph idx="1"/>
+          </p:nvPr>
+        </p:nvSpPr>
+        <p:spPr/>
+        <p:txBody>
+          <a:bodyPr>
+            <a:normAutofit fontScale="70000" lnSpcReduction="20000"/>
+          </a:bodyPr>
+          <a:lstStyle/>
+          <a:p>
+            <a:r>
+              <a:rPr lang="pl-PL" dirty="0" smtClean="0"/>
+              <a:t>Widoki częściowe (</a:t>
+            </a:r>
+            <a:r>
+              <a:rPr lang="pl-PL" dirty="0" err="1" smtClean="0"/>
+              <a:t>partial</a:t>
+            </a:r>
+            <a:r>
+              <a:rPr lang="pl-PL" dirty="0" smtClean="0"/>
+              <a:t> </a:t>
+            </a:r>
+            <a:r>
+              <a:rPr lang="pl-PL" dirty="0" err="1" smtClean="0"/>
+              <a:t>views</a:t>
+            </a:r>
+            <a:r>
+              <a:rPr lang="pl-PL" dirty="0" smtClean="0"/>
+              <a:t>) służą do wydzielenia jakiejś części interfejsu strony, którą następnie można kilkakrotnie wykorzystywać. Tworzy się je także w celu oddzielenia jednego fragmentu interfejsu od drugiego, aby pokazać ich odrębność.</a:t>
+            </a:r>
+          </a:p>
+          <a:p>
+            <a:r>
+              <a:rPr lang="pl-PL" dirty="0" smtClean="0"/>
+              <a:t>Widok częściowy może być wywoływany z wnętrza widoku głównego bezpośrednio lub przez akcję zwracającą wynik </a:t>
+            </a:r>
+            <a:r>
+              <a:rPr lang="pl-PL" dirty="0" err="1" smtClean="0"/>
+              <a:t>Partial</a:t>
+            </a:r>
+            <a:r>
+              <a:rPr lang="pl-PL" dirty="0" smtClean="0"/>
+              <a:t>(</a:t>
+            </a:r>
+            <a:r>
+              <a:rPr lang="pl-PL" i="1" dirty="0" smtClean="0"/>
+              <a:t>widok</a:t>
+            </a:r>
+            <a:r>
+              <a:rPr lang="pl-PL" dirty="0" smtClean="0"/>
+              <a:t>).</a:t>
+            </a:r>
+          </a:p>
+          <a:p>
+            <a:r>
+              <a:rPr lang="pl-PL" dirty="0" smtClean="0"/>
+              <a:t>Ma on osobny model, a także osobne </a:t>
+            </a:r>
+            <a:r>
+              <a:rPr lang="pl-PL" dirty="0" err="1" smtClean="0"/>
+              <a:t>ViewBag</a:t>
+            </a:r>
+            <a:r>
+              <a:rPr lang="pl-PL" dirty="0" smtClean="0"/>
+              <a:t>, </a:t>
+            </a:r>
+            <a:r>
+              <a:rPr lang="pl-PL" dirty="0" err="1" smtClean="0"/>
+              <a:t>ViewData</a:t>
+            </a:r>
+            <a:r>
+              <a:rPr lang="pl-PL" dirty="0" smtClean="0"/>
+              <a:t> i inne elementy.</a:t>
+            </a:r>
+          </a:p>
+          <a:p>
+            <a:r>
+              <a:rPr lang="pl-PL" dirty="0" smtClean="0"/>
+              <a:t>Wywoływane w widoku częściowym skrypty powinny być definiowane w widoku głównym.</a:t>
+            </a:r>
+          </a:p>
+          <a:p>
+            <a:r>
+              <a:rPr lang="pl-PL" dirty="0" smtClean="0"/>
+              <a:t>Nazwa widoku częściowego powinna zaczynać się od znaku „_” – w MVC widoki rozpoczynające się od tego znaku nie są traktowane jako strony i nie można ich wywołać bezpośrednio z wyszukiwarki.</a:t>
+            </a:r>
+          </a:p>
+        </p:txBody>
+      </p:sp>
+    </p:spTree>
+    <p:extLst>
+      <p:ext uri="{BB962C8B-B14F-4D97-AF65-F5344CB8AC3E}">
+        <p14:creationId xmlns:p14="http://schemas.microsoft.com/office/powerpoint/2010/main" val="3022055943"/>
+      </p:ext>
+    </p:extLst>
+  </p:cSld>
+  <p:clrMapOvr>
+    <a:masterClrMapping/>
+  </p:clrMapOvr>
+</p:sld>
+</file>
+
+<file path=ppt/slides/slide94.xml><?xml version="1.0" encoding="utf-8"?>
+<p:sld xmlns:a="http://schemas.openxmlformats.org/drawingml/2006/main" xmlns:r="http://schemas.openxmlformats.org/officeDocument/2006/relationships" xmlns:p="http://schemas.openxmlformats.org/presentationml/2006/main">
+  <p:cSld>
+    <p:spTree>
+      <p:nvGrpSpPr>
+        <p:cNvPr id="1" name=""/>
+        <p:cNvGrpSpPr/>
+        <p:nvPr/>
+      </p:nvGrpSpPr>
+      <p:grpSpPr>
+        <a:xfrm>
+          <a:off x="0" y="0"/>
+          <a:ext cx="0" cy="0"/>
+          <a:chOff x="0" y="0"/>
+          <a:chExt cx="0" cy="0"/>
+        </a:xfrm>
+      </p:grpSpPr>
+      <p:sp>
+        <p:nvSpPr>
+          <p:cNvPr id="2" name="Tytuł 1"/>
+          <p:cNvSpPr>
+            <a:spLocks noGrp="1"/>
+          </p:cNvSpPr>
+          <p:nvPr>
+            <p:ph type="title"/>
+          </p:nvPr>
+        </p:nvSpPr>
+        <p:spPr/>
+        <p:txBody>
+          <a:bodyPr>
+            <a:normAutofit fontScale="90000"/>
+          </a:bodyPr>
+          <a:lstStyle/>
+          <a:p>
+            <a:r>
+              <a:rPr lang="pl-PL" dirty="0" smtClean="0"/>
+              <a:t>Wyszukiwanie apartamentów – tworzenie widoku częściowego</a:t>
+            </a:r>
+            <a:endParaRPr lang="pl-PL" dirty="0"/>
+          </a:p>
+        </p:txBody>
+      </p:sp>
+      <p:sp>
+        <p:nvSpPr>
+          <p:cNvPr id="3" name="Symbol zastępczy zawartości 2"/>
+          <p:cNvSpPr>
+            <a:spLocks noGrp="1"/>
+          </p:cNvSpPr>
+          <p:nvPr>
+            <p:ph idx="1"/>
+          </p:nvPr>
+        </p:nvSpPr>
+        <p:spPr/>
+        <p:txBody>
+          <a:bodyPr>
+            <a:normAutofit fontScale="77500" lnSpcReduction="20000"/>
+          </a:bodyPr>
+          <a:lstStyle/>
+          <a:p>
+            <a:pPr marL="36576" indent="0">
+              <a:buNone/>
+            </a:pPr>
+            <a:r>
+              <a:rPr lang="pl-PL" dirty="0" smtClean="0"/>
+              <a:t>Aby utworzyć model częściowy dodano do folderu </a:t>
+            </a:r>
+            <a:r>
+              <a:rPr lang="pl-PL" dirty="0" err="1" smtClean="0"/>
+              <a:t>Views</a:t>
+            </a:r>
+            <a:r>
+              <a:rPr lang="pl-PL" dirty="0" smtClean="0"/>
+              <a:t>/Apartamenty nowy widok o nazwie _</a:t>
+            </a:r>
+            <a:r>
+              <a:rPr lang="pl-PL" dirty="0" err="1" smtClean="0"/>
+              <a:t>ApartamentyLista</a:t>
+            </a:r>
+            <a:r>
+              <a:rPr lang="pl-PL" dirty="0" smtClean="0"/>
+              <a:t>, a następnie skopiowano do niego zawartość widoku Apartamenty/Index (bez nagłówka, jedynie model, tytuł widoku i tabelę). Skopiowany fragment usunięto z widoku – później w tym miejscu wywołany zostanie widok częściowy.</a:t>
+            </a:r>
+          </a:p>
+          <a:p>
+            <a:pPr marL="36576" indent="0">
+              <a:buNone/>
+            </a:pPr>
+            <a:r>
+              <a:rPr lang="pl-PL" dirty="0" smtClean="0"/>
+              <a:t>Następnie w kontrolerze dodano pustą akcję </a:t>
+            </a:r>
+            <a:r>
+              <a:rPr lang="pl-PL" dirty="0" err="1" smtClean="0"/>
+              <a:t>ApartamentyLista</a:t>
+            </a:r>
+            <a:r>
+              <a:rPr lang="pl-PL" dirty="0" smtClean="0"/>
+              <a:t> – na razie bezparametrową, zwracającą wartość </a:t>
+            </a:r>
+            <a:r>
+              <a:rPr lang="pl-PL" dirty="0" err="1" smtClean="0"/>
+              <a:t>PartialView</a:t>
+            </a:r>
+            <a:r>
+              <a:rPr lang="pl-PL" dirty="0" smtClean="0"/>
+              <a:t>(„_</a:t>
+            </a:r>
+            <a:r>
+              <a:rPr lang="pl-PL" dirty="0" err="1" smtClean="0"/>
+              <a:t>ApartamentyLista</a:t>
+            </a:r>
+            <a:r>
+              <a:rPr lang="pl-PL" dirty="0" smtClean="0"/>
+              <a:t>”). W tej akcji zostanie później dodane pobieranie wyfiltrowanych apartamentów z bazy.</a:t>
+            </a:r>
+          </a:p>
+        </p:txBody>
+      </p:sp>
+    </p:spTree>
+    <p:extLst>
+      <p:ext uri="{BB962C8B-B14F-4D97-AF65-F5344CB8AC3E}">
+        <p14:creationId xmlns:p14="http://schemas.microsoft.com/office/powerpoint/2010/main" val="1069942030"/>
+      </p:ext>
+    </p:extLst>
+  </p:cSld>
+  <p:clrMapOvr>
+    <a:masterClrMapping/>
+  </p:clrMapOvr>
+</p:sld>
+</file>
+
+<file path=ppt/slides/slide95.xml><?xml version="1.0" encoding="utf-8"?>
+<p:sld xmlns:a="http://schemas.openxmlformats.org/drawingml/2006/main" xmlns:r="http://schemas.openxmlformats.org/officeDocument/2006/relationships" xmlns:p="http://schemas.openxmlformats.org/presentationml/2006/main">
+  <p:cSld>
+    <p:spTree>
+      <p:nvGrpSpPr>
+        <p:cNvPr id="1" name=""/>
+        <p:cNvGrpSpPr/>
+        <p:nvPr/>
+      </p:nvGrpSpPr>
+      <p:grpSpPr>
+        <a:xfrm>
+          <a:off x="0" y="0"/>
+          <a:ext cx="0" cy="0"/>
+          <a:chOff x="0" y="0"/>
+          <a:chExt cx="0" cy="0"/>
+        </a:xfrm>
+      </p:grpSpPr>
+      <p:sp>
+        <p:nvSpPr>
+          <p:cNvPr id="2" name="Tytuł 1"/>
+          <p:cNvSpPr>
+            <a:spLocks noGrp="1"/>
+          </p:cNvSpPr>
+          <p:nvPr>
+            <p:ph type="title"/>
+          </p:nvPr>
+        </p:nvSpPr>
+        <p:spPr/>
+        <p:txBody>
+          <a:bodyPr>
+            <a:normAutofit fontScale="90000"/>
+          </a:bodyPr>
+          <a:lstStyle/>
+          <a:p>
+            <a:r>
+              <a:rPr lang="pl-PL" dirty="0" smtClean="0"/>
+              <a:t>Wyszukiwanie apartamentów - </a:t>
+            </a:r>
+            <a:r>
+              <a:rPr lang="pl-PL" dirty="0" err="1" smtClean="0"/>
+              <a:t>ApartamentyFilterViewModel</a:t>
+            </a:r>
+            <a:endParaRPr lang="pl-PL" dirty="0"/>
+          </a:p>
+        </p:txBody>
+      </p:sp>
+      <p:sp>
+        <p:nvSpPr>
+          <p:cNvPr id="3" name="Symbol zastępczy zawartości 2"/>
+          <p:cNvSpPr>
+            <a:spLocks noGrp="1"/>
+          </p:cNvSpPr>
+          <p:nvPr>
+            <p:ph idx="1"/>
+          </p:nvPr>
+        </p:nvSpPr>
+        <p:spPr>
+          <a:xfrm>
+            <a:off x="457200" y="1600200"/>
+            <a:ext cx="4330824" cy="4525963"/>
+          </a:xfrm>
+        </p:spPr>
+        <p:txBody>
+          <a:bodyPr>
+            <a:normAutofit fontScale="62500" lnSpcReduction="20000"/>
+          </a:bodyPr>
+          <a:lstStyle/>
+          <a:p>
+            <a:pPr marL="36576" indent="0">
+              <a:buNone/>
+            </a:pPr>
+            <a:r>
+              <a:rPr lang="pl-PL" dirty="0" smtClean="0"/>
+              <a:t>Modelem w widoku częściowym jest lista apartamentów. W widoku głównym modelem będzie nowo utworzona klasa </a:t>
+            </a:r>
+            <a:r>
+              <a:rPr lang="pl-PL" dirty="0" err="1" smtClean="0"/>
+              <a:t>ApartamentyFilterViewModel</a:t>
+            </a:r>
+            <a:r>
+              <a:rPr lang="pl-PL" dirty="0" smtClean="0"/>
+              <a:t>. Reprezentuje ona filtr wyszukiwania i będzie przekazywana jako argument wejściowy do widoku częściowego, w którym nastąpi odfiltrowanie wyników.</a:t>
+            </a:r>
+          </a:p>
+          <a:p>
+            <a:pPr marL="36576" indent="0">
+              <a:buNone/>
+            </a:pPr>
+            <a:r>
+              <a:rPr lang="pl-PL" dirty="0" smtClean="0"/>
+              <a:t>Klasa składa się z </a:t>
+            </a:r>
+            <a:r>
+              <a:rPr lang="pl-PL" dirty="0"/>
+              <a:t>właściwości </a:t>
+            </a:r>
+            <a:r>
+              <a:rPr lang="pl-PL" dirty="0" smtClean="0"/>
+              <a:t>reprezentujących kolejne kryteria filtrowania. Dla właściwości, w których filtrowanie jest opcjonalne (wszystkie oprócz dat pobytu) do typu dodano znak ‚?’, co oznacza, że wartość jest </a:t>
+            </a:r>
+            <a:r>
+              <a:rPr lang="pl-PL" dirty="0" err="1" smtClean="0"/>
+              <a:t>nullowalna</a:t>
+            </a:r>
+            <a:r>
+              <a:rPr lang="pl-PL" dirty="0" smtClean="0"/>
+              <a:t>.</a:t>
+            </a:r>
+          </a:p>
+        </p:txBody>
+      </p:sp>
+      <p:pic>
+        <p:nvPicPr>
+          <p:cNvPr id="4" name="Obraz 3"/>
+          <p:cNvPicPr>
+            <a:picLocks noChangeAspect="1"/>
+          </p:cNvPicPr>
+          <p:nvPr/>
+        </p:nvPicPr>
+        <p:blipFill>
+          <a:blip r:embed="rId2"/>
+          <a:stretch>
+            <a:fillRect/>
+          </a:stretch>
+        </p:blipFill>
+        <p:spPr>
+          <a:xfrm>
+            <a:off x="4932040" y="1600200"/>
+            <a:ext cx="3724275" cy="4295775"/>
+          </a:xfrm>
+          <a:prstGeom prst="rect">
+            <a:avLst/>
+          </a:prstGeom>
+        </p:spPr>
+      </p:pic>
+    </p:spTree>
+    <p:extLst>
+      <p:ext uri="{BB962C8B-B14F-4D97-AF65-F5344CB8AC3E}">
+        <p14:creationId xmlns:p14="http://schemas.microsoft.com/office/powerpoint/2010/main" val="3520014384"/>
+      </p:ext>
+    </p:extLst>
+  </p:cSld>
+  <p:clrMapOvr>
+    <a:masterClrMapping/>
+  </p:clrMapOvr>
+</p:sld>
+</file>
+
+<file path=ppt/slides/slide96.xml><?xml version="1.0" encoding="utf-8"?>
+<p:sld xmlns:a="http://schemas.openxmlformats.org/drawingml/2006/main" xmlns:r="http://schemas.openxmlformats.org/officeDocument/2006/relationships" xmlns:p="http://schemas.openxmlformats.org/presentationml/2006/main">
+  <p:cSld>
+    <p:spTree>
+      <p:nvGrpSpPr>
+        <p:cNvPr id="1" name=""/>
+        <p:cNvGrpSpPr/>
+        <p:nvPr/>
+      </p:nvGrpSpPr>
+      <p:grpSpPr>
+        <a:xfrm>
+          <a:off x="0" y="0"/>
+          <a:ext cx="0" cy="0"/>
+          <a:chOff x="0" y="0"/>
+          <a:chExt cx="0" cy="0"/>
+        </a:xfrm>
+      </p:grpSpPr>
+      <p:sp>
+        <p:nvSpPr>
+          <p:cNvPr id="2" name="Tytuł 1"/>
+          <p:cNvSpPr>
+            <a:spLocks noGrp="1"/>
+          </p:cNvSpPr>
+          <p:nvPr>
+            <p:ph type="title"/>
+          </p:nvPr>
+        </p:nvSpPr>
+        <p:spPr/>
+        <p:txBody>
+          <a:bodyPr/>
+          <a:lstStyle/>
+          <a:p>
+            <a:endParaRPr lang="pl-PL"/>
+          </a:p>
+        </p:txBody>
+      </p:sp>
+      <p:sp>
+        <p:nvSpPr>
+          <p:cNvPr id="3" name="Symbol zastępczy zawartości 2"/>
+          <p:cNvSpPr>
+            <a:spLocks noGrp="1"/>
+          </p:cNvSpPr>
+          <p:nvPr>
+            <p:ph idx="1"/>
+          </p:nvPr>
+        </p:nvSpPr>
+        <p:spPr/>
+        <p:txBody>
+          <a:bodyPr/>
+          <a:lstStyle/>
+          <a:p>
+            <a:endParaRPr lang="pl-PL"/>
+          </a:p>
+        </p:txBody>
+      </p:sp>
+    </p:spTree>
+    <p:extLst>
+      <p:ext uri="{BB962C8B-B14F-4D97-AF65-F5344CB8AC3E}">
+        <p14:creationId xmlns:p14="http://schemas.microsoft.com/office/powerpoint/2010/main" val="1151657519"/>
+      </p:ext>
+    </p:extLst>
+  </p:cSld>
+  <p:clrMapOvr>
+    <a:masterClrMapping/>
+  </p:clrMapOvr>
+</p:sld>
+</file>
+
+<file path=ppt/slides/slide97.xml><?xml version="1.0" encoding="utf-8"?>
+<p:sld xmlns:a="http://schemas.openxmlformats.org/drawingml/2006/main" xmlns:r="http://schemas.openxmlformats.org/officeDocument/2006/relationships" xmlns:p="http://schemas.openxmlformats.org/presentationml/2006/main">
+  <p:cSld>
+    <p:spTree>
+      <p:nvGrpSpPr>
+        <p:cNvPr id="1" name=""/>
+        <p:cNvGrpSpPr/>
+        <p:nvPr/>
+      </p:nvGrpSpPr>
+      <p:grpSpPr>
+        <a:xfrm>
+          <a:off x="0" y="0"/>
+          <a:ext cx="0" cy="0"/>
+          <a:chOff x="0" y="0"/>
+          <a:chExt cx="0" cy="0"/>
+        </a:xfrm>
+      </p:grpSpPr>
+      <p:sp>
+        <p:nvSpPr>
+          <p:cNvPr id="2" name="Tytuł 1"/>
+          <p:cNvSpPr>
+            <a:spLocks noGrp="1"/>
+          </p:cNvSpPr>
+          <p:nvPr>
+            <p:ph type="title"/>
+          </p:nvPr>
+        </p:nvSpPr>
+        <p:spPr/>
+        <p:txBody>
+          <a:bodyPr>
+            <a:normAutofit fontScale="90000"/>
+          </a:bodyPr>
+          <a:lstStyle/>
+          <a:p>
+            <a:r>
+              <a:rPr lang="pl-PL" dirty="0" smtClean="0"/>
+              <a:t>Kontrolka wyboru daty – instalowanie pakietu </a:t>
+            </a:r>
+            <a:r>
+              <a:rPr lang="pl-PL" dirty="0" err="1" smtClean="0"/>
+              <a:t>jQuery.UI</a:t>
+            </a:r>
+            <a:endParaRPr lang="pl-PL" dirty="0"/>
+          </a:p>
+        </p:txBody>
+      </p:sp>
+      <p:sp>
+        <p:nvSpPr>
+          <p:cNvPr id="3" name="Symbol zastępczy zawartości 2"/>
+          <p:cNvSpPr>
+            <a:spLocks noGrp="1"/>
+          </p:cNvSpPr>
+          <p:nvPr>
+            <p:ph idx="1"/>
+          </p:nvPr>
+        </p:nvSpPr>
+        <p:spPr>
+          <a:xfrm>
+            <a:off x="457200" y="1600200"/>
+            <a:ext cx="7467600" cy="2103439"/>
+          </a:xfrm>
+        </p:spPr>
+        <p:txBody>
+          <a:bodyPr>
+            <a:normAutofit fontScale="77500" lnSpcReduction="20000"/>
+          </a:bodyPr>
+          <a:lstStyle/>
+          <a:p>
+            <a:pPr marL="36576" indent="0">
+              <a:buNone/>
+            </a:pPr>
+            <a:r>
+              <a:rPr lang="pl-PL" dirty="0" smtClean="0"/>
+              <a:t>Do widoku Apartamenty/Index należy dodać również opcję wyboru terminu pobytu. Należy to zrobić za pomocą kontrolki wyboru daty.</a:t>
+            </a:r>
+          </a:p>
+          <a:p>
+            <a:pPr marL="36576" indent="0">
+              <a:buNone/>
+            </a:pPr>
+            <a:r>
+              <a:rPr lang="pl-PL" dirty="0" smtClean="0"/>
+              <a:t>Aby to zrobić należy dodać do aplikacji pakiet </a:t>
+            </a:r>
+            <a:r>
+              <a:rPr lang="pl-PL" dirty="0" err="1" smtClean="0"/>
+              <a:t>jQuery.UI.Combined</a:t>
+            </a:r>
+            <a:r>
+              <a:rPr lang="pl-PL" dirty="0" smtClean="0"/>
+              <a:t>, będący rozszerzeniem standardowo dołączonego do projektu pakietu </a:t>
+            </a:r>
+            <a:r>
+              <a:rPr lang="pl-PL" dirty="0" err="1" smtClean="0"/>
+              <a:t>jQuery</a:t>
+            </a:r>
+            <a:r>
+              <a:rPr lang="pl-PL" dirty="0" smtClean="0"/>
+              <a:t>.</a:t>
+            </a:r>
+            <a:endParaRPr lang="pl-PL" dirty="0"/>
+          </a:p>
+        </p:txBody>
+      </p:sp>
+      <p:pic>
+        <p:nvPicPr>
+          <p:cNvPr id="6" name="Obraz 5"/>
+          <p:cNvPicPr>
+            <a:picLocks noChangeAspect="1"/>
+          </p:cNvPicPr>
+          <p:nvPr/>
+        </p:nvPicPr>
+        <p:blipFill>
+          <a:blip r:embed="rId2"/>
+          <a:stretch>
+            <a:fillRect/>
+          </a:stretch>
+        </p:blipFill>
+        <p:spPr>
+          <a:xfrm>
+            <a:off x="457200" y="4302599"/>
+            <a:ext cx="7373268" cy="1606345"/>
+          </a:xfrm>
+          <a:prstGeom prst="rect">
+            <a:avLst/>
+          </a:prstGeom>
+        </p:spPr>
+      </p:pic>
+      <p:pic>
+        <p:nvPicPr>
+          <p:cNvPr id="4" name="Obraz 3"/>
+          <p:cNvPicPr>
+            <a:picLocks noChangeAspect="1"/>
+          </p:cNvPicPr>
+          <p:nvPr/>
+        </p:nvPicPr>
+        <p:blipFill>
+          <a:blip r:embed="rId3"/>
+          <a:stretch>
+            <a:fillRect/>
+          </a:stretch>
+        </p:blipFill>
+        <p:spPr>
+          <a:xfrm>
+            <a:off x="4860032" y="4077072"/>
+            <a:ext cx="3667125" cy="2057400"/>
+          </a:xfrm>
+          <a:prstGeom prst="rect">
+            <a:avLst/>
+          </a:prstGeom>
+        </p:spPr>
+      </p:pic>
+    </p:spTree>
+    <p:extLst>
+      <p:ext uri="{BB962C8B-B14F-4D97-AF65-F5344CB8AC3E}">
+        <p14:creationId xmlns:p14="http://schemas.microsoft.com/office/powerpoint/2010/main" val="4098400564"/>
+      </p:ext>
+    </p:extLst>
+  </p:cSld>
+  <p:clrMapOvr>
+    <a:masterClrMapping/>
+  </p:clrMapOvr>
+</p:sld>
+</file>
+
+<file path=ppt/slides/slide98.xml><?xml version="1.0" encoding="utf-8"?>
+<p:sld xmlns:a="http://schemas.openxmlformats.org/drawingml/2006/main" xmlns:r="http://schemas.openxmlformats.org/officeDocument/2006/relationships" xmlns:p="http://schemas.openxmlformats.org/presentationml/2006/main">
+  <p:cSld>
+    <p:spTree>
+      <p:nvGrpSpPr>
+        <p:cNvPr id="1" name=""/>
+        <p:cNvGrpSpPr/>
+        <p:nvPr/>
+      </p:nvGrpSpPr>
+      <p:grpSpPr>
+        <a:xfrm>
+          <a:off x="0" y="0"/>
+          <a:ext cx="0" cy="0"/>
+          <a:chOff x="0" y="0"/>
+          <a:chExt cx="0" cy="0"/>
+        </a:xfrm>
+      </p:grpSpPr>
+      <p:sp>
+        <p:nvSpPr>
+          <p:cNvPr id="2" name="Tytuł 1"/>
+          <p:cNvSpPr>
+            <a:spLocks noGrp="1"/>
+          </p:cNvSpPr>
+          <p:nvPr>
+            <p:ph type="title"/>
+          </p:nvPr>
+        </p:nvSpPr>
+        <p:spPr/>
+        <p:txBody>
+          <a:bodyPr>
+            <a:normAutofit fontScale="90000"/>
+          </a:bodyPr>
+          <a:lstStyle/>
+          <a:p>
+            <a:r>
+              <a:rPr lang="pl-PL" dirty="0"/>
+              <a:t>Kontrolka wyboru </a:t>
+            </a:r>
+            <a:r>
+              <a:rPr lang="pl-PL" dirty="0" smtClean="0"/>
+              <a:t>daty – dołączanie skryptów i stylów</a:t>
+            </a:r>
+            <a:endParaRPr lang="pl-PL" dirty="0"/>
+          </a:p>
+        </p:txBody>
+      </p:sp>
+      <p:sp>
+        <p:nvSpPr>
+          <p:cNvPr id="3" name="Symbol zastępczy zawartości 2"/>
+          <p:cNvSpPr>
+            <a:spLocks noGrp="1"/>
+          </p:cNvSpPr>
+          <p:nvPr>
+            <p:ph idx="1"/>
+          </p:nvPr>
+        </p:nvSpPr>
+        <p:spPr>
+          <a:xfrm>
+            <a:off x="457200" y="1600201"/>
+            <a:ext cx="7467600" cy="1900807"/>
+          </a:xfrm>
+        </p:spPr>
+        <p:txBody>
+          <a:bodyPr>
+            <a:normAutofit fontScale="47500" lnSpcReduction="20000"/>
+          </a:bodyPr>
+          <a:lstStyle/>
+          <a:p>
+            <a:pPr marL="36576" indent="0">
+              <a:buNone/>
+            </a:pPr>
+            <a:r>
+              <a:rPr lang="pl-PL" dirty="0" smtClean="0"/>
+              <a:t>Po zainstalowaniu pakietu należy dołączyć do aplikacji odpowiednie skrypty. Załączanie skryptów (a także innych elementów, np. stylów) definiowane jest w pliku </a:t>
+            </a:r>
+            <a:r>
+              <a:rPr lang="pl-PL" dirty="0" err="1" smtClean="0"/>
+              <a:t>App_Start</a:t>
+            </a:r>
+            <a:r>
+              <a:rPr lang="pl-PL" dirty="0" smtClean="0"/>
+              <a:t>/</a:t>
+            </a:r>
+            <a:r>
+              <a:rPr lang="pl-PL" dirty="0" err="1" smtClean="0"/>
+              <a:t>BundleConfig.cs</a:t>
+            </a:r>
+            <a:r>
+              <a:rPr lang="pl-PL" dirty="0" smtClean="0"/>
+              <a:t>. Załączone w tym miejscu pliki umieszczane są w wirtualnej lokalizacji, z której należy je „wyciągnąć” w widoku </a:t>
+            </a:r>
+            <a:r>
+              <a:rPr lang="pl-PL" dirty="0" err="1" smtClean="0"/>
+              <a:t>Views</a:t>
+            </a:r>
+            <a:r>
+              <a:rPr lang="pl-PL" dirty="0" smtClean="0"/>
+              <a:t>/</a:t>
+            </a:r>
+            <a:r>
+              <a:rPr lang="pl-PL" dirty="0" err="1" smtClean="0"/>
+              <a:t>Shared</a:t>
+            </a:r>
+            <a:r>
+              <a:rPr lang="pl-PL" dirty="0" smtClean="0"/>
+              <a:t>/_</a:t>
+            </a:r>
+            <a:r>
+              <a:rPr lang="pl-PL" dirty="0" err="1" smtClean="0"/>
+              <a:t>Layout.cshtml</a:t>
+            </a:r>
+            <a:r>
+              <a:rPr lang="pl-PL" dirty="0" smtClean="0"/>
+              <a:t> za pomocą wyrażenia @</a:t>
+            </a:r>
+            <a:r>
+              <a:rPr lang="pl-PL" dirty="0" err="1" smtClean="0"/>
+              <a:t>Scripts.Render</a:t>
+            </a:r>
+            <a:r>
+              <a:rPr lang="pl-PL" dirty="0" smtClean="0"/>
+              <a:t>(„</a:t>
+            </a:r>
+            <a:r>
+              <a:rPr lang="pl-PL" i="1" dirty="0" smtClean="0"/>
+              <a:t>ścieżka</a:t>
+            </a:r>
+            <a:r>
+              <a:rPr lang="pl-PL" dirty="0" smtClean="0"/>
+              <a:t>”) (kod załączający domyślne skrypty znajduje się na końcu pliku). Na koniec należy dodać odpowiednią funkcję do widoku, w którym planujemy użyć kontrolki. Funkcja </a:t>
+            </a:r>
+            <a:r>
+              <a:rPr lang="pl-PL" dirty="0" err="1" smtClean="0"/>
+              <a:t>function</a:t>
+            </a:r>
+            <a:r>
+              <a:rPr lang="pl-PL" dirty="0" smtClean="0"/>
+              <a:t>(), umieszczona w górnej części pliku w sekcji @</a:t>
+            </a:r>
+            <a:r>
+              <a:rPr lang="pl-PL" dirty="0" err="1" smtClean="0"/>
+              <a:t>section</a:t>
+            </a:r>
+            <a:r>
+              <a:rPr lang="pl-PL" dirty="0" smtClean="0"/>
+              <a:t> scripts { }  powinna mieć postać jak przedstawiono poniżej. Wywoływana jest ona automatycznie przy ładowaniu strony i dla każdej kontrolki z klasy „</a:t>
+            </a:r>
+            <a:r>
+              <a:rPr lang="pl-PL" dirty="0" err="1" smtClean="0"/>
+              <a:t>datepicker</a:t>
+            </a:r>
+            <a:r>
+              <a:rPr lang="pl-PL" dirty="0" smtClean="0"/>
+              <a:t>” inicjalizuje ona obsługę wyświetlania kalendarza.</a:t>
+            </a:r>
+            <a:endParaRPr lang="pl-PL" dirty="0"/>
+          </a:p>
+        </p:txBody>
+      </p:sp>
+      <p:pic>
+        <p:nvPicPr>
+          <p:cNvPr id="9" name="Obraz 8"/>
+          <p:cNvPicPr>
+            <a:picLocks noChangeAspect="1"/>
+          </p:cNvPicPr>
+          <p:nvPr/>
+        </p:nvPicPr>
+        <p:blipFill>
+          <a:blip r:embed="rId2"/>
+          <a:stretch>
+            <a:fillRect/>
+          </a:stretch>
+        </p:blipFill>
+        <p:spPr>
+          <a:xfrm>
+            <a:off x="457200" y="3501008"/>
+            <a:ext cx="4565919" cy="3057587"/>
+          </a:xfrm>
+          <a:prstGeom prst="rect">
+            <a:avLst/>
+          </a:prstGeom>
+        </p:spPr>
+      </p:pic>
+      <p:pic>
+        <p:nvPicPr>
+          <p:cNvPr id="8" name="Obraz 7"/>
+          <p:cNvPicPr>
+            <a:picLocks noChangeAspect="1"/>
+          </p:cNvPicPr>
+          <p:nvPr/>
+        </p:nvPicPr>
+        <p:blipFill>
+          <a:blip r:embed="rId3"/>
+          <a:stretch>
+            <a:fillRect/>
+          </a:stretch>
+        </p:blipFill>
+        <p:spPr>
+          <a:xfrm>
+            <a:off x="5364088" y="3501008"/>
+            <a:ext cx="2436887" cy="790730"/>
+          </a:xfrm>
+          <a:prstGeom prst="rect">
+            <a:avLst/>
+          </a:prstGeom>
+        </p:spPr>
+      </p:pic>
+      <p:pic>
+        <p:nvPicPr>
+          <p:cNvPr id="10" name="Obraz 9"/>
+          <p:cNvPicPr>
+            <a:picLocks noChangeAspect="1"/>
+          </p:cNvPicPr>
+          <p:nvPr/>
+        </p:nvPicPr>
+        <p:blipFill>
+          <a:blip r:embed="rId4"/>
+          <a:stretch>
+            <a:fillRect/>
+          </a:stretch>
+        </p:blipFill>
+        <p:spPr>
+          <a:xfrm>
+            <a:off x="5364088" y="4473304"/>
+            <a:ext cx="2436887" cy="1184067"/>
+          </a:xfrm>
+          <a:prstGeom prst="rect">
+            <a:avLst/>
+          </a:prstGeom>
+        </p:spPr>
+      </p:pic>
+    </p:spTree>
+    <p:extLst>
+      <p:ext uri="{BB962C8B-B14F-4D97-AF65-F5344CB8AC3E}">
+        <p14:creationId xmlns:p14="http://schemas.microsoft.com/office/powerpoint/2010/main" val="4190425181"/>
+      </p:ext>
+    </p:extLst>
+  </p:cSld>
+  <p:clrMapOvr>
+    <a:masterClrMapping/>
+  </p:clrMapOvr>
+</p:sld>
+</file>
+
+<file path=ppt/slides/slide99.xml><?xml version="1.0" encoding="utf-8"?>
+<p:sld xmlns:a="http://schemas.openxmlformats.org/drawingml/2006/main" xmlns:r="http://schemas.openxmlformats.org/officeDocument/2006/relationships" xmlns:p="http://schemas.openxmlformats.org/presentationml/2006/main">
+  <p:cSld>
+    <p:spTree>
+      <p:nvGrpSpPr>
+        <p:cNvPr id="1" name=""/>
+        <p:cNvGrpSpPr/>
+        <p:nvPr/>
+      </p:nvGrpSpPr>
+      <p:grpSpPr>
+        <a:xfrm>
+          <a:off x="0" y="0"/>
+          <a:ext cx="0" cy="0"/>
+          <a:chOff x="0" y="0"/>
+          <a:chExt cx="0" cy="0"/>
+        </a:xfrm>
+      </p:grpSpPr>
+      <p:sp>
+        <p:nvSpPr>
+          <p:cNvPr id="2" name="Tytuł 1"/>
+          <p:cNvSpPr>
+            <a:spLocks noGrp="1"/>
+          </p:cNvSpPr>
+          <p:nvPr>
+            <p:ph type="title"/>
+          </p:nvPr>
+        </p:nvSpPr>
+        <p:spPr/>
+        <p:txBody>
+          <a:bodyPr>
+            <a:normAutofit fontScale="90000"/>
+          </a:bodyPr>
+          <a:lstStyle/>
+          <a:p>
+            <a:r>
+              <a:rPr lang="pl-PL" dirty="0"/>
+              <a:t>Kontrolka wyboru </a:t>
+            </a:r>
+            <a:r>
+              <a:rPr lang="pl-PL" dirty="0" smtClean="0"/>
+              <a:t>daty – dodawanie kontrolek</a:t>
+            </a:r>
+            <a:endParaRPr lang="pl-PL" dirty="0"/>
+          </a:p>
+        </p:txBody>
+      </p:sp>
+      <p:sp>
+        <p:nvSpPr>
+          <p:cNvPr id="3" name="Symbol zastępczy zawartości 2"/>
+          <p:cNvSpPr>
+            <a:spLocks noGrp="1"/>
+          </p:cNvSpPr>
+          <p:nvPr>
+            <p:ph idx="1"/>
+          </p:nvPr>
+        </p:nvSpPr>
+        <p:spPr>
+          <a:xfrm>
+            <a:off x="457200" y="1600201"/>
+            <a:ext cx="7467600" cy="2332856"/>
+          </a:xfrm>
+        </p:spPr>
+        <p:txBody>
+          <a:bodyPr>
+            <a:normAutofit fontScale="62500" lnSpcReduction="20000"/>
+          </a:bodyPr>
+          <a:lstStyle/>
+          <a:p>
+            <a:pPr marL="36576" indent="0">
+              <a:buNone/>
+            </a:pPr>
+            <a:r>
+              <a:rPr lang="pl-PL" dirty="0" smtClean="0"/>
+              <a:t>Po załączeniu odpowiednich elementów należało dodać do widoku dwa elementy typu </a:t>
+            </a:r>
+            <a:r>
+              <a:rPr lang="pl-PL" dirty="0" err="1" smtClean="0"/>
+              <a:t>Html.TextBoxFor</a:t>
+            </a:r>
+            <a:r>
+              <a:rPr lang="pl-PL" dirty="0" smtClean="0"/>
+              <a:t> – jeden dla daty od, drugi dla daty do – skopiowane z poprzednio używanych kontrolek. Należało w nich określić format wyświetlanego łańcucha znaków – w tym przypadku będzie to </a:t>
+            </a:r>
+            <a:r>
+              <a:rPr lang="pl-PL" dirty="0" err="1" smtClean="0"/>
+              <a:t>dd</a:t>
+            </a:r>
+            <a:r>
+              <a:rPr lang="pl-PL" dirty="0" smtClean="0"/>
+              <a:t>/MM/</a:t>
+            </a:r>
+            <a:r>
+              <a:rPr lang="pl-PL" dirty="0" err="1" smtClean="0"/>
+              <a:t>yyyy</a:t>
+            </a:r>
+            <a:r>
+              <a:rPr lang="pl-PL" dirty="0" smtClean="0"/>
+              <a:t>. Format należało podać jako drugi parametr obiektu </a:t>
+            </a:r>
+            <a:r>
+              <a:rPr lang="pl-PL" dirty="0" err="1" smtClean="0"/>
+              <a:t>Html.TextBoxFor</a:t>
+            </a:r>
+            <a:r>
+              <a:rPr lang="pl-PL" dirty="0" smtClean="0"/>
+              <a:t> (przed definiowaniem parametrów HTML) w formie: „{0:</a:t>
+            </a:r>
+            <a:r>
+              <a:rPr lang="pl-PL" i="1" dirty="0" smtClean="0"/>
+              <a:t>format</a:t>
+            </a:r>
+            <a:r>
+              <a:rPr lang="pl-PL" dirty="0" smtClean="0"/>
+              <a:t>}”. Do parametru </a:t>
+            </a:r>
+            <a:r>
+              <a:rPr lang="pl-PL" dirty="0" err="1" smtClean="0"/>
+              <a:t>class</a:t>
+            </a:r>
+            <a:r>
+              <a:rPr lang="pl-PL" dirty="0" smtClean="0"/>
+              <a:t> w trzecim argumencie należało dodać klasę „</a:t>
+            </a:r>
+            <a:r>
+              <a:rPr lang="pl-PL" dirty="0" err="1" smtClean="0"/>
+              <a:t>datepicker</a:t>
+            </a:r>
+            <a:r>
+              <a:rPr lang="pl-PL" dirty="0" smtClean="0"/>
+              <a:t>”. Tak zmodyfikowany kod powinien mieć następującą postać:</a:t>
+            </a:r>
+          </a:p>
+        </p:txBody>
+      </p:sp>
+      <p:pic>
+        <p:nvPicPr>
+          <p:cNvPr id="4" name="Obraz 3"/>
+          <p:cNvPicPr>
+            <a:picLocks noChangeAspect="1"/>
+          </p:cNvPicPr>
+          <p:nvPr/>
+        </p:nvPicPr>
+        <p:blipFill>
+          <a:blip r:embed="rId2"/>
+          <a:stretch>
+            <a:fillRect/>
+          </a:stretch>
+        </p:blipFill>
+        <p:spPr>
+          <a:xfrm>
+            <a:off x="179512" y="3933057"/>
+            <a:ext cx="8705850" cy="2076450"/>
+          </a:xfrm>
+          <a:prstGeom prst="rect">
+            <a:avLst/>
+          </a:prstGeom>
+        </p:spPr>
+      </p:pic>
+    </p:spTree>
+    <p:extLst>
+      <p:ext uri="{BB962C8B-B14F-4D97-AF65-F5344CB8AC3E}">
+        <p14:creationId xmlns:p14="http://schemas.microsoft.com/office/powerpoint/2010/main" val="3940521010"/>
       </p:ext>
     </p:extLst>
   </p:cSld>

--- a/Aplikacje MVC.pptx
+++ b/Aplikacje MVC.pptx
@@ -34,79 +34,97 @@
     <p:sldId id="263" r:id="rId28"/>
     <p:sldId id="295" r:id="rId29"/>
     <p:sldId id="353" r:id="rId30"/>
-    <p:sldId id="265" r:id="rId31"/>
-    <p:sldId id="296" r:id="rId32"/>
-    <p:sldId id="297" r:id="rId33"/>
-    <p:sldId id="298" r:id="rId34"/>
-    <p:sldId id="299" r:id="rId35"/>
-    <p:sldId id="268" r:id="rId36"/>
-    <p:sldId id="300" r:id="rId37"/>
-    <p:sldId id="301" r:id="rId38"/>
-    <p:sldId id="302" r:id="rId39"/>
-    <p:sldId id="303" r:id="rId40"/>
-    <p:sldId id="304" r:id="rId41"/>
-    <p:sldId id="305" r:id="rId42"/>
-    <p:sldId id="306" r:id="rId43"/>
-    <p:sldId id="308" r:id="rId44"/>
-    <p:sldId id="307" r:id="rId45"/>
-    <p:sldId id="309" r:id="rId46"/>
-    <p:sldId id="310" r:id="rId47"/>
-    <p:sldId id="311" r:id="rId48"/>
-    <p:sldId id="312" r:id="rId49"/>
-    <p:sldId id="313" r:id="rId50"/>
-    <p:sldId id="314" r:id="rId51"/>
-    <p:sldId id="315" r:id="rId52"/>
-    <p:sldId id="316" r:id="rId53"/>
-    <p:sldId id="317" r:id="rId54"/>
-    <p:sldId id="318" r:id="rId55"/>
-    <p:sldId id="319" r:id="rId56"/>
-    <p:sldId id="320" r:id="rId57"/>
-    <p:sldId id="321" r:id="rId58"/>
-    <p:sldId id="323" r:id="rId59"/>
-    <p:sldId id="324" r:id="rId60"/>
-    <p:sldId id="325" r:id="rId61"/>
-    <p:sldId id="326" r:id="rId62"/>
-    <p:sldId id="327" r:id="rId63"/>
-    <p:sldId id="328" r:id="rId64"/>
-    <p:sldId id="332" r:id="rId65"/>
-    <p:sldId id="329" r:id="rId66"/>
-    <p:sldId id="330" r:id="rId67"/>
-    <p:sldId id="333" r:id="rId68"/>
-    <p:sldId id="331" r:id="rId69"/>
-    <p:sldId id="270" r:id="rId70"/>
-    <p:sldId id="334" r:id="rId71"/>
-    <p:sldId id="335" r:id="rId72"/>
-    <p:sldId id="336" r:id="rId73"/>
-    <p:sldId id="337" r:id="rId74"/>
-    <p:sldId id="338" r:id="rId75"/>
-    <p:sldId id="339" r:id="rId76"/>
-    <p:sldId id="340" r:id="rId77"/>
-    <p:sldId id="341" r:id="rId78"/>
-    <p:sldId id="342" r:id="rId79"/>
-    <p:sldId id="343" r:id="rId80"/>
-    <p:sldId id="344" r:id="rId81"/>
-    <p:sldId id="351" r:id="rId82"/>
-    <p:sldId id="352" r:id="rId83"/>
-    <p:sldId id="345" r:id="rId84"/>
-    <p:sldId id="350" r:id="rId85"/>
-    <p:sldId id="346" r:id="rId86"/>
-    <p:sldId id="349" r:id="rId87"/>
-    <p:sldId id="347" r:id="rId88"/>
-    <p:sldId id="348" r:id="rId89"/>
-    <p:sldId id="354" r:id="rId90"/>
-    <p:sldId id="360" r:id="rId91"/>
-    <p:sldId id="359" r:id="rId92"/>
-    <p:sldId id="361" r:id="rId93"/>
-    <p:sldId id="362" r:id="rId94"/>
-    <p:sldId id="363" r:id="rId95"/>
-    <p:sldId id="364" r:id="rId96"/>
-    <p:sldId id="365" r:id="rId97"/>
-    <p:sldId id="355" r:id="rId98"/>
-    <p:sldId id="356" r:id="rId99"/>
-    <p:sldId id="357" r:id="rId100"/>
-    <p:sldId id="358" r:id="rId101"/>
-    <p:sldId id="322" r:id="rId102"/>
-    <p:sldId id="274" r:id="rId103"/>
+    <p:sldId id="386" r:id="rId31"/>
+    <p:sldId id="265" r:id="rId32"/>
+    <p:sldId id="296" r:id="rId33"/>
+    <p:sldId id="297" r:id="rId34"/>
+    <p:sldId id="298" r:id="rId35"/>
+    <p:sldId id="299" r:id="rId36"/>
+    <p:sldId id="268" r:id="rId37"/>
+    <p:sldId id="300" r:id="rId38"/>
+    <p:sldId id="301" r:id="rId39"/>
+    <p:sldId id="302" r:id="rId40"/>
+    <p:sldId id="303" r:id="rId41"/>
+    <p:sldId id="304" r:id="rId42"/>
+    <p:sldId id="305" r:id="rId43"/>
+    <p:sldId id="306" r:id="rId44"/>
+    <p:sldId id="308" r:id="rId45"/>
+    <p:sldId id="307" r:id="rId46"/>
+    <p:sldId id="309" r:id="rId47"/>
+    <p:sldId id="310" r:id="rId48"/>
+    <p:sldId id="311" r:id="rId49"/>
+    <p:sldId id="312" r:id="rId50"/>
+    <p:sldId id="313" r:id="rId51"/>
+    <p:sldId id="314" r:id="rId52"/>
+    <p:sldId id="315" r:id="rId53"/>
+    <p:sldId id="316" r:id="rId54"/>
+    <p:sldId id="317" r:id="rId55"/>
+    <p:sldId id="318" r:id="rId56"/>
+    <p:sldId id="319" r:id="rId57"/>
+    <p:sldId id="320" r:id="rId58"/>
+    <p:sldId id="321" r:id="rId59"/>
+    <p:sldId id="323" r:id="rId60"/>
+    <p:sldId id="324" r:id="rId61"/>
+    <p:sldId id="325" r:id="rId62"/>
+    <p:sldId id="326" r:id="rId63"/>
+    <p:sldId id="327" r:id="rId64"/>
+    <p:sldId id="328" r:id="rId65"/>
+    <p:sldId id="332" r:id="rId66"/>
+    <p:sldId id="329" r:id="rId67"/>
+    <p:sldId id="330" r:id="rId68"/>
+    <p:sldId id="333" r:id="rId69"/>
+    <p:sldId id="331" r:id="rId70"/>
+    <p:sldId id="270" r:id="rId71"/>
+    <p:sldId id="334" r:id="rId72"/>
+    <p:sldId id="335" r:id="rId73"/>
+    <p:sldId id="336" r:id="rId74"/>
+    <p:sldId id="337" r:id="rId75"/>
+    <p:sldId id="338" r:id="rId76"/>
+    <p:sldId id="339" r:id="rId77"/>
+    <p:sldId id="340" r:id="rId78"/>
+    <p:sldId id="341" r:id="rId79"/>
+    <p:sldId id="342" r:id="rId80"/>
+    <p:sldId id="343" r:id="rId81"/>
+    <p:sldId id="344" r:id="rId82"/>
+    <p:sldId id="351" r:id="rId83"/>
+    <p:sldId id="352" r:id="rId84"/>
+    <p:sldId id="345" r:id="rId85"/>
+    <p:sldId id="350" r:id="rId86"/>
+    <p:sldId id="346" r:id="rId87"/>
+    <p:sldId id="349" r:id="rId88"/>
+    <p:sldId id="347" r:id="rId89"/>
+    <p:sldId id="348" r:id="rId90"/>
+    <p:sldId id="354" r:id="rId91"/>
+    <p:sldId id="360" r:id="rId92"/>
+    <p:sldId id="359" r:id="rId93"/>
+    <p:sldId id="361" r:id="rId94"/>
+    <p:sldId id="362" r:id="rId95"/>
+    <p:sldId id="363" r:id="rId96"/>
+    <p:sldId id="364" r:id="rId97"/>
+    <p:sldId id="365" r:id="rId98"/>
+    <p:sldId id="367" r:id="rId99"/>
+    <p:sldId id="370" r:id="rId100"/>
+    <p:sldId id="366" r:id="rId101"/>
+    <p:sldId id="368" r:id="rId102"/>
+    <p:sldId id="369" r:id="rId103"/>
+    <p:sldId id="373" r:id="rId104"/>
+    <p:sldId id="372" r:id="rId105"/>
+    <p:sldId id="355" r:id="rId106"/>
+    <p:sldId id="356" r:id="rId107"/>
+    <p:sldId id="387" r:id="rId108"/>
+    <p:sldId id="357" r:id="rId109"/>
+    <p:sldId id="358" r:id="rId110"/>
+    <p:sldId id="374" r:id="rId111"/>
+    <p:sldId id="384" r:id="rId112"/>
+    <p:sldId id="383" r:id="rId113"/>
+    <p:sldId id="376" r:id="rId114"/>
+    <p:sldId id="379" r:id="rId115"/>
+    <p:sldId id="381" r:id="rId116"/>
+    <p:sldId id="380" r:id="rId117"/>
+    <p:sldId id="377" r:id="rId118"/>
+    <p:sldId id="378" r:id="rId119"/>
+    <p:sldId id="322" r:id="rId120"/>
+    <p:sldId id="274" r:id="rId121"/>
   </p:sldIdLst>
   <p:sldSz cx="9144000" cy="6858000" type="screen4x3"/>
   <p:notesSz cx="6858000" cy="9144000"/>
@@ -608,7 +626,7 @@
           <a:p>
             <a:fld id="{D8F8C714-F9B8-4473-9782-8121E8E2FD3F}" type="datetimeFigureOut">
               <a:rPr lang="pl-PL" smtClean="0"/>
-              <a:t>2016-11-29</a:t>
+              <a:t>2016-12-02</a:t>
             </a:fld>
             <a:endParaRPr lang="pl-PL"/>
           </a:p>
@@ -773,7 +791,7 @@
           <a:p>
             <a:fld id="{D8F8C714-F9B8-4473-9782-8121E8E2FD3F}" type="datetimeFigureOut">
               <a:rPr lang="pl-PL" smtClean="0"/>
-              <a:t>2016-11-29</a:t>
+              <a:t>2016-12-02</a:t>
             </a:fld>
             <a:endParaRPr lang="pl-PL"/>
           </a:p>
@@ -948,7 +966,7 @@
           <a:p>
             <a:fld id="{D8F8C714-F9B8-4473-9782-8121E8E2FD3F}" type="datetimeFigureOut">
               <a:rPr lang="pl-PL" smtClean="0"/>
-              <a:t>2016-11-29</a:t>
+              <a:t>2016-12-02</a:t>
             </a:fld>
             <a:endParaRPr lang="pl-PL"/>
           </a:p>
@@ -1117,7 +1135,7 @@
           <a:p>
             <a:fld id="{D8F8C714-F9B8-4473-9782-8121E8E2FD3F}" type="datetimeFigureOut">
               <a:rPr lang="pl-PL" smtClean="0"/>
-              <a:t>2016-11-29</a:t>
+              <a:t>2016-12-02</a:t>
             </a:fld>
             <a:endParaRPr lang="pl-PL"/>
           </a:p>
@@ -1572,7 +1590,7 @@
           <a:p>
             <a:fld id="{D8F8C714-F9B8-4473-9782-8121E8E2FD3F}" type="datetimeFigureOut">
               <a:rPr lang="pl-PL" smtClean="0"/>
-              <a:t>2016-11-29</a:t>
+              <a:t>2016-12-02</a:t>
             </a:fld>
             <a:endParaRPr lang="pl-PL"/>
           </a:p>
@@ -1836,7 +1854,7 @@
           <a:p>
             <a:fld id="{D8F8C714-F9B8-4473-9782-8121E8E2FD3F}" type="datetimeFigureOut">
               <a:rPr lang="pl-PL" smtClean="0"/>
-              <a:t>2016-11-29</a:t>
+              <a:t>2016-12-02</a:t>
             </a:fld>
             <a:endParaRPr lang="pl-PL"/>
           </a:p>
@@ -2210,7 +2228,7 @@
           <a:p>
             <a:fld id="{D8F8C714-F9B8-4473-9782-8121E8E2FD3F}" type="datetimeFigureOut">
               <a:rPr lang="pl-PL" smtClean="0"/>
-              <a:t>2016-11-29</a:t>
+              <a:t>2016-12-02</a:t>
             </a:fld>
             <a:endParaRPr lang="pl-PL"/>
           </a:p>
@@ -2332,7 +2350,7 @@
           <a:p>
             <a:fld id="{D8F8C714-F9B8-4473-9782-8121E8E2FD3F}" type="datetimeFigureOut">
               <a:rPr lang="pl-PL" smtClean="0"/>
-              <a:t>2016-11-29</a:t>
+              <a:t>2016-12-02</a:t>
             </a:fld>
             <a:endParaRPr lang="pl-PL"/>
           </a:p>
@@ -2422,7 +2440,7 @@
           <a:p>
             <a:fld id="{D8F8C714-F9B8-4473-9782-8121E8E2FD3F}" type="datetimeFigureOut">
               <a:rPr lang="pl-PL" smtClean="0"/>
-              <a:t>2016-11-29</a:t>
+              <a:t>2016-12-02</a:t>
             </a:fld>
             <a:endParaRPr lang="pl-PL"/>
           </a:p>
@@ -2671,7 +2689,7 @@
           <a:p>
             <a:fld id="{D8F8C714-F9B8-4473-9782-8121E8E2FD3F}" type="datetimeFigureOut">
               <a:rPr lang="pl-PL" smtClean="0"/>
-              <a:t>2016-11-29</a:t>
+              <a:t>2016-12-02</a:t>
             </a:fld>
             <a:endParaRPr lang="pl-PL"/>
           </a:p>
@@ -2930,7 +2948,7 @@
           <a:p>
             <a:fld id="{D8F8C714-F9B8-4473-9782-8121E8E2FD3F}" type="datetimeFigureOut">
               <a:rPr lang="pl-PL" smtClean="0"/>
-              <a:t>2016-11-29</a:t>
+              <a:t>2016-12-02</a:t>
             </a:fld>
             <a:endParaRPr lang="pl-PL"/>
           </a:p>
@@ -3334,7 +3352,7 @@
           <a:p>
             <a:fld id="{D8F8C714-F9B8-4473-9782-8121E8E2FD3F}" type="datetimeFigureOut">
               <a:rPr lang="pl-PL" smtClean="0"/>
-              <a:t>2016-11-29</a:t>
+              <a:t>2016-12-02</a:t>
             </a:fld>
             <a:endParaRPr lang="pl-PL"/>
           </a:p>
@@ -4127,8 +4145,109 @@
           <a:lstStyle/>
           <a:p>
             <a:r>
-              <a:rPr lang="pl-PL" dirty="0" smtClean="0"/>
-              <a:t>Wyszukiwanie apartamentów – widok końcowy</a:t>
+              <a:rPr lang="pl-PL" dirty="0"/>
+              <a:t>Wyszukiwanie apartamentów </a:t>
+            </a:r>
+            <a:r>
+              <a:rPr lang="pl-PL" dirty="0" smtClean="0"/>
+              <a:t>– filtrowanie za pomocą predykatu</a:t>
+            </a:r>
+            <a:endParaRPr lang="pl-PL" dirty="0"/>
+          </a:p>
+        </p:txBody>
+      </p:sp>
+      <p:sp>
+        <p:nvSpPr>
+          <p:cNvPr id="3" name="Symbol zastępczy zawartości 2"/>
+          <p:cNvSpPr>
+            <a:spLocks noGrp="1"/>
+          </p:cNvSpPr>
+          <p:nvPr>
+            <p:ph idx="1"/>
+          </p:nvPr>
+        </p:nvSpPr>
+        <p:spPr>
+          <a:xfrm>
+            <a:off x="457200" y="1600201"/>
+            <a:ext cx="7467600" cy="2404864"/>
+          </a:xfrm>
+        </p:spPr>
+        <p:txBody>
+          <a:bodyPr>
+            <a:normAutofit fontScale="70000" lnSpcReduction="20000"/>
+          </a:bodyPr>
+          <a:lstStyle/>
+          <a:p>
+            <a:pPr marL="36576" indent="0">
+              <a:buNone/>
+            </a:pPr>
+            <a:r>
+              <a:rPr lang="pl-PL" dirty="0" smtClean="0"/>
+              <a:t>Ponieważ zapytanie w zależności od parametrów filtra może przyjmować różne postacie, najlepszym rozwiązaniem jest utworzenie dynamicznego zapytania, do którego człony doklejane będą w zależności od parametrów filtra. Aby utworzyć takie dynamiczne zapytanie (predykat) należy zainstalować pakiet </a:t>
+            </a:r>
+            <a:r>
+              <a:rPr lang="pl-PL" dirty="0" err="1" smtClean="0"/>
+              <a:t>LinqKit</a:t>
+            </a:r>
+            <a:r>
+              <a:rPr lang="pl-PL" dirty="0" smtClean="0"/>
+              <a:t>. Należy tego dokonać przez menadżera pakietów </a:t>
+            </a:r>
+            <a:r>
+              <a:rPr lang="pl-PL" dirty="0" err="1" smtClean="0"/>
+              <a:t>NuGet</a:t>
+            </a:r>
+            <a:r>
+              <a:rPr lang="pl-PL" dirty="0" smtClean="0"/>
+              <a:t>. Zainstalowanie pakietu i dodanie do kontrolera fragmentu </a:t>
+            </a:r>
+            <a:r>
+              <a:rPr lang="pl-PL" dirty="0" err="1" smtClean="0">
+                <a:solidFill>
+                  <a:schemeClr val="accent6">
+                    <a:lumMod val="60000"/>
+                    <a:lumOff val="40000"/>
+                  </a:schemeClr>
+                </a:solidFill>
+              </a:rPr>
+              <a:t>using</a:t>
+            </a:r>
+            <a:r>
+              <a:rPr lang="pl-PL" dirty="0" smtClean="0">
+                <a:solidFill>
+                  <a:schemeClr val="accent6">
+                    <a:lumMod val="60000"/>
+                    <a:lumOff val="40000"/>
+                  </a:schemeClr>
+                </a:solidFill>
+              </a:rPr>
+              <a:t> </a:t>
+            </a:r>
+            <a:r>
+              <a:rPr lang="pl-PL" dirty="0" err="1" smtClean="0">
+                <a:solidFill>
+                  <a:schemeClr val="accent6">
+                    <a:lumMod val="60000"/>
+                    <a:lumOff val="40000"/>
+                  </a:schemeClr>
+                </a:solidFill>
+              </a:rPr>
+              <a:t>LinqKit</a:t>
+            </a:r>
+            <a:r>
+              <a:rPr lang="pl-PL" dirty="0" smtClean="0">
+                <a:solidFill>
+                  <a:schemeClr val="accent6">
+                    <a:lumMod val="60000"/>
+                    <a:lumOff val="40000"/>
+                  </a:schemeClr>
+                </a:solidFill>
+              </a:rPr>
+              <a:t>;</a:t>
+            </a:r>
+            <a:r>
+              <a:rPr lang="pl-PL" dirty="0" smtClean="0"/>
+              <a:t> umożliwi utworzenie dynamicznego zapytania.</a:t>
             </a:r>
             <a:endParaRPr lang="pl-PL" dirty="0"/>
           </a:p>
@@ -4136,13 +4255,11 @@
       </p:sp>
       <p:pic>
         <p:nvPicPr>
-          <p:cNvPr id="4" name="Symbol zastępczy zawartości 3"/>
+          <p:cNvPr id="5" name="Obraz 4"/>
           <p:cNvPicPr>
-            <a:picLocks noGrp="1" noChangeAspect="1"/>
+            <a:picLocks noChangeAspect="1"/>
           </p:cNvPicPr>
-          <p:nvPr>
-            <p:ph idx="1"/>
-          </p:nvPr>
+          <p:nvPr/>
         </p:nvPicPr>
         <p:blipFill>
           <a:blip r:embed="rId2"/>
@@ -4152,8 +4269,32 @@
         </p:blipFill>
         <p:spPr>
           <a:xfrm>
-            <a:off x="457200" y="1840706"/>
-            <a:ext cx="7467600" cy="4044950"/>
+            <a:off x="469497" y="4332549"/>
+            <a:ext cx="7719844" cy="1767557"/>
+          </a:xfrm>
+          <a:prstGeom prst="rect">
+            <a:avLst/>
+          </a:prstGeom>
+        </p:spPr>
+      </p:pic>
+      <p:pic>
+        <p:nvPicPr>
+          <p:cNvPr id="4" name="Obraz 3"/>
+          <p:cNvPicPr>
+            <a:picLocks noChangeAspect="1"/>
+          </p:cNvPicPr>
+          <p:nvPr/>
+        </p:nvPicPr>
+        <p:blipFill>
+          <a:blip r:embed="rId3"/>
+          <a:stretch>
+            <a:fillRect/>
+          </a:stretch>
+        </p:blipFill>
+        <p:spPr>
+          <a:xfrm>
+            <a:off x="4716016" y="4187628"/>
+            <a:ext cx="3667125" cy="2057400"/>
           </a:xfrm>
           <a:prstGeom prst="rect">
             <a:avLst/>
@@ -4163,7 +4304,7 @@
     </p:spTree>
     <p:extLst>
       <p:ext uri="{BB962C8B-B14F-4D97-AF65-F5344CB8AC3E}">
-        <p14:creationId xmlns:p14="http://schemas.microsoft.com/office/powerpoint/2010/main" val="163988945"/>
+        <p14:creationId xmlns:p14="http://schemas.microsoft.com/office/powerpoint/2010/main" val="1856615480"/>
       </p:ext>
     </p:extLst>
   </p:cSld>
@@ -4202,178 +4343,203 @@
         </p:nvSpPr>
         <p:spPr/>
         <p:txBody>
-          <a:bodyPr/>
-          <a:lstStyle/>
-          <a:p>
-            <a:r>
-              <a:rPr lang="pl-PL" dirty="0" smtClean="0"/>
-              <a:t>Bibliografia</a:t>
+          <a:bodyPr>
+            <a:normAutofit fontScale="90000"/>
+          </a:bodyPr>
+          <a:lstStyle/>
+          <a:p>
+            <a:r>
+              <a:rPr lang="pl-PL" dirty="0"/>
+              <a:t>Wyszukiwanie apartamentów – filtrowanie za pomocą predykatu</a:t>
+            </a:r>
+          </a:p>
+        </p:txBody>
+      </p:sp>
+      <p:sp>
+        <p:nvSpPr>
+          <p:cNvPr id="3" name="Symbol zastępczy zawartości 2"/>
+          <p:cNvSpPr>
+            <a:spLocks noGrp="1"/>
+          </p:cNvSpPr>
+          <p:nvPr>
+            <p:ph idx="1"/>
+          </p:nvPr>
+        </p:nvSpPr>
+        <p:spPr/>
+        <p:txBody>
+          <a:bodyPr>
+            <a:normAutofit fontScale="62500" lnSpcReduction="20000"/>
+          </a:bodyPr>
+          <a:lstStyle/>
+          <a:p>
+            <a:pPr marL="36576" indent="0">
+              <a:buNone/>
+            </a:pPr>
+            <a:r>
+              <a:rPr lang="pl-PL" dirty="0" smtClean="0"/>
+              <a:t>Nowy predykat z domyślną wartością </a:t>
+            </a:r>
+            <a:r>
+              <a:rPr lang="pl-PL" dirty="0" err="1" smtClean="0"/>
+              <a:t>true</a:t>
+            </a:r>
+            <a:r>
+              <a:rPr lang="pl-PL" dirty="0" smtClean="0"/>
+              <a:t> tworzony jest przy pomocy instrukcji </a:t>
+            </a:r>
+            <a:r>
+              <a:rPr lang="pl-PL" dirty="0" err="1" smtClean="0">
+                <a:solidFill>
+                  <a:schemeClr val="accent6">
+                    <a:lumMod val="60000"/>
+                    <a:lumOff val="40000"/>
+                  </a:schemeClr>
+                </a:solidFill>
+              </a:rPr>
+              <a:t>PredicateBuilder.New</a:t>
+            </a:r>
+            <a:r>
+              <a:rPr lang="pl-PL" dirty="0" smtClean="0">
+                <a:solidFill>
+                  <a:schemeClr val="accent6">
+                    <a:lumMod val="60000"/>
+                    <a:lumOff val="40000"/>
+                  </a:schemeClr>
+                </a:solidFill>
+              </a:rPr>
+              <a:t>&lt;&gt;(</a:t>
+            </a:r>
+            <a:r>
+              <a:rPr lang="pl-PL" dirty="0" err="1" smtClean="0">
+                <a:solidFill>
+                  <a:schemeClr val="accent6">
+                    <a:lumMod val="60000"/>
+                    <a:lumOff val="40000"/>
+                  </a:schemeClr>
+                </a:solidFill>
+              </a:rPr>
+              <a:t>true</a:t>
+            </a:r>
+            <a:r>
+              <a:rPr lang="pl-PL" dirty="0" smtClean="0">
+                <a:solidFill>
+                  <a:schemeClr val="accent6">
+                    <a:lumMod val="60000"/>
+                    <a:lumOff val="40000"/>
+                  </a:schemeClr>
+                </a:solidFill>
+              </a:rPr>
+              <a:t>)</a:t>
+            </a:r>
+            <a:r>
+              <a:rPr lang="pl-PL" dirty="0" smtClean="0"/>
+              <a:t>. Aby dodać do predykatu warunek filtrowania będący koniunkcją poprzedniego, należy użyć instrukcji:</a:t>
+            </a:r>
+          </a:p>
+          <a:p>
+            <a:pPr marL="36576" indent="0">
+              <a:buNone/>
+            </a:pPr>
+            <a:r>
+              <a:rPr lang="pl-PL" dirty="0" err="1" smtClean="0">
+                <a:solidFill>
+                  <a:schemeClr val="accent6">
+                    <a:lumMod val="60000"/>
+                    <a:lumOff val="40000"/>
+                  </a:schemeClr>
+                </a:solidFill>
+              </a:rPr>
+              <a:t>predicate</a:t>
+            </a:r>
+            <a:r>
+              <a:rPr lang="pl-PL" dirty="0" smtClean="0">
+                <a:solidFill>
+                  <a:schemeClr val="accent6">
+                    <a:lumMod val="60000"/>
+                    <a:lumOff val="40000"/>
+                  </a:schemeClr>
+                </a:solidFill>
+              </a:rPr>
+              <a:t> = </a:t>
+            </a:r>
+            <a:r>
+              <a:rPr lang="pl-PL" dirty="0" err="1" smtClean="0">
+                <a:solidFill>
+                  <a:schemeClr val="accent6">
+                    <a:lumMod val="60000"/>
+                    <a:lumOff val="40000"/>
+                  </a:schemeClr>
+                </a:solidFill>
+              </a:rPr>
+              <a:t>predicate.And</a:t>
+            </a:r>
+            <a:r>
+              <a:rPr lang="pl-PL" dirty="0" smtClean="0">
+                <a:solidFill>
+                  <a:schemeClr val="accent6">
+                    <a:lumMod val="60000"/>
+                    <a:lumOff val="40000"/>
+                  </a:schemeClr>
+                </a:solidFill>
+              </a:rPr>
+              <a:t>(</a:t>
+            </a:r>
+            <a:r>
+              <a:rPr lang="pl-PL" i="1" dirty="0" err="1" smtClean="0">
+                <a:solidFill>
+                  <a:schemeClr val="accent6">
+                    <a:lumMod val="60000"/>
+                    <a:lumOff val="40000"/>
+                  </a:schemeClr>
+                </a:solidFill>
+              </a:rPr>
+              <a:t>wyrażenie_linq</a:t>
+            </a:r>
+            <a:r>
+              <a:rPr lang="pl-PL" dirty="0" smtClean="0">
+                <a:solidFill>
+                  <a:schemeClr val="accent6">
+                    <a:lumMod val="60000"/>
+                    <a:lumOff val="40000"/>
+                  </a:schemeClr>
+                </a:solidFill>
+              </a:rPr>
+              <a:t>)</a:t>
+            </a:r>
+          </a:p>
+          <a:p>
+            <a:pPr marL="36576" indent="0">
+              <a:buNone/>
+            </a:pPr>
+            <a:r>
+              <a:rPr lang="pl-PL" dirty="0" smtClean="0"/>
+              <a:t>Można też użyć instrukcji Or, jeżeli chcemy uzyskać alternatywę.</a:t>
+            </a:r>
+          </a:p>
+          <a:p>
+            <a:pPr marL="36576" indent="0">
+              <a:buNone/>
+            </a:pPr>
+            <a:r>
+              <a:rPr lang="pl-PL" dirty="0" smtClean="0"/>
+              <a:t>Ważne: W tym przypadku wyrażenia będzie trzeba rozbić na dwa oddzielne predykaty, gdyż dla zapytań wykonywanych bezpośrednio na kontekście bazodanowym zapytanie konwertowane jest na SQL i przekazywane bezpośrednio do bazy – znacznie przyspiesza to działanie zapytania, jednak uniemożliwia stosowanie złożonych funkcji. Dane wykonywane są w aplikacji dopiero po wykonaniu funkcji </a:t>
+            </a:r>
+            <a:r>
+              <a:rPr lang="pl-PL" dirty="0" err="1" smtClean="0"/>
+              <a:t>ToList</a:t>
+            </a:r>
+            <a:r>
+              <a:rPr lang="pl-PL" dirty="0" smtClean="0"/>
+              <a:t>() (stąd pozornie nadmiarowe stosowanie tej funkcji w poprzednich fragmentach kodu). Pierwsze zapytanie – proste – zostanie zatem wykonane na bazie, a drugie – złożone – dopiero w aplikacji.</a:t>
             </a:r>
             <a:endParaRPr lang="pl-PL" dirty="0"/>
-          </a:p>
-        </p:txBody>
-      </p:sp>
-      <p:sp>
-        <p:nvSpPr>
-          <p:cNvPr id="3" name="Symbol zastępczy zawartości 2"/>
-          <p:cNvSpPr>
-            <a:spLocks noGrp="1"/>
-          </p:cNvSpPr>
-          <p:nvPr>
-            <p:ph idx="1"/>
-          </p:nvPr>
-        </p:nvSpPr>
-        <p:spPr>
-          <a:xfrm>
-            <a:off x="457200" y="1417638"/>
-            <a:ext cx="7467600" cy="5440362"/>
-          </a:xfrm>
-        </p:spPr>
-        <p:txBody>
-          <a:bodyPr>
-            <a:normAutofit fontScale="55000" lnSpcReduction="20000"/>
-          </a:bodyPr>
-          <a:lstStyle/>
-          <a:p>
-            <a:r>
-              <a:rPr lang="pl-PL" dirty="0" smtClean="0">
-                <a:hlinkClick r:id="rId2"/>
-              </a:rPr>
-              <a:t>www.asp.net/mvc/overview/getting-started/introduction/adding-a-controller</a:t>
-            </a:r>
-            <a:endParaRPr lang="pl-PL" dirty="0">
-              <a:hlinkClick r:id="rId2"/>
-            </a:endParaRPr>
-          </a:p>
-          <a:p>
-            <a:r>
-              <a:rPr lang="pl-PL" dirty="0" smtClean="0">
-                <a:hlinkClick r:id="rId2"/>
-              </a:rPr>
-              <a:t>www.codeproject.com/Tips/786243/ASP-NET-MVC-CheckBoxList-Basic-Implementation</a:t>
-            </a:r>
-            <a:endParaRPr lang="pl-PL" dirty="0" smtClean="0"/>
-          </a:p>
-          <a:p>
-            <a:r>
-              <a:rPr lang="pl-PL" dirty="0" smtClean="0">
-                <a:hlinkClick r:id="rId3"/>
-              </a:rPr>
-              <a:t>www.asp.net/mvc/overview/getting-started/getting-started-with-ef-using-mvc/creating-a-more-complex-data-model-for-an-asp-net-mvc-application</a:t>
-            </a:r>
-            <a:endParaRPr lang="pl-PL" dirty="0" smtClean="0"/>
-          </a:p>
-          <a:p>
-            <a:r>
-              <a:rPr lang="pl-PL" dirty="0" smtClean="0">
-                <a:hlinkClick r:id="rId4"/>
-              </a:rPr>
-              <a:t>stackoverflow.com/</a:t>
-            </a:r>
-            <a:r>
-              <a:rPr lang="pl-PL" dirty="0" err="1" smtClean="0">
-                <a:hlinkClick r:id="rId4"/>
-              </a:rPr>
-              <a:t>questions</a:t>
-            </a:r>
-            <a:r>
-              <a:rPr lang="pl-PL" dirty="0" smtClean="0">
-                <a:hlinkClick r:id="rId4"/>
-              </a:rPr>
-              <a:t>/19913447/user-in-entity-type-mvc5-ef6</a:t>
-            </a:r>
-            <a:endParaRPr lang="pl-PL" dirty="0" smtClean="0"/>
-          </a:p>
-          <a:p>
-            <a:r>
-              <a:rPr lang="pl-PL" dirty="0" smtClean="0">
-                <a:hlinkClick r:id="rId5"/>
-              </a:rPr>
-              <a:t>www.asp.net/mvc/overview/getting-started/getting-started-with-ef-using-mvc/migrations-and-deployment-with-the-entity-framework-in-an-asp-net-mvc-application</a:t>
-            </a:r>
-            <a:endParaRPr lang="pl-PL" dirty="0" smtClean="0"/>
-          </a:p>
-          <a:p>
-            <a:r>
-              <a:rPr lang="pl-PL" dirty="0" smtClean="0">
-                <a:hlinkClick r:id="rId6"/>
-              </a:rPr>
-              <a:t>stackoverflow.com/</a:t>
-            </a:r>
-            <a:r>
-              <a:rPr lang="pl-PL" dirty="0" err="1" smtClean="0">
-                <a:hlinkClick r:id="rId6"/>
-              </a:rPr>
-              <a:t>questions</a:t>
-            </a:r>
-            <a:r>
-              <a:rPr lang="pl-PL" dirty="0" smtClean="0">
-                <a:hlinkClick r:id="rId6"/>
-              </a:rPr>
-              <a:t>/14612813/entity-framework-code-first-using-one-column-as-primary-key-and-another-as-auto</a:t>
-            </a:r>
-            <a:endParaRPr lang="pl-PL" dirty="0" smtClean="0"/>
-          </a:p>
-          <a:p>
-            <a:r>
-              <a:rPr lang="pl-PL" dirty="0" smtClean="0">
-                <a:hlinkClick r:id="rId7"/>
-              </a:rPr>
-              <a:t>www.asp.net/mvc/overview/getting-started/getting-started-with-ef-using-mvc/creating-an-entity-framework-data-model-for-an-asp-net-mvc-application</a:t>
-            </a:r>
-            <a:endParaRPr lang="pl-PL" dirty="0" smtClean="0"/>
-          </a:p>
-          <a:p>
-            <a:r>
-              <a:rPr lang="pl-PL" dirty="0">
-                <a:hlinkClick r:id="rId8"/>
-              </a:rPr>
-              <a:t>http://</a:t>
-            </a:r>
-            <a:r>
-              <a:rPr lang="pl-PL" dirty="0" smtClean="0">
-                <a:hlinkClick r:id="rId8"/>
-              </a:rPr>
-              <a:t>stackoverflow.com/questions/33906482/asp-net-mvc-5-change-mvc-application-culture</a:t>
-            </a:r>
-            <a:endParaRPr lang="pl-PL" dirty="0" smtClean="0"/>
-          </a:p>
-          <a:p>
-            <a:r>
-              <a:rPr lang="pl-PL" dirty="0">
-                <a:hlinkClick r:id="rId9"/>
-              </a:rPr>
-              <a:t>https://</a:t>
-            </a:r>
-            <a:r>
-              <a:rPr lang="pl-PL" dirty="0" smtClean="0">
-                <a:hlinkClick r:id="rId9"/>
-              </a:rPr>
-              <a:t>forums.asp.net/t/1975676.aspx?Tutorial+for+Adding+Datepicker+in+MVC+5</a:t>
-            </a:r>
-            <a:endParaRPr lang="pl-PL" dirty="0" smtClean="0"/>
-          </a:p>
-          <a:p>
-            <a:r>
-              <a:rPr lang="pl-PL" dirty="0">
-                <a:hlinkClick r:id="rId10"/>
-              </a:rPr>
-              <a:t>http://</a:t>
-            </a:r>
-            <a:r>
-              <a:rPr lang="pl-PL" dirty="0" smtClean="0">
-                <a:hlinkClick r:id="rId10"/>
-              </a:rPr>
-              <a:t>stackoverflow.com/questions/18288675/display-datetime-value-in-dd-mm-yyyy-format-in-asp-net-mvc</a:t>
-            </a:r>
-            <a:endParaRPr lang="pl-PL" dirty="0" smtClean="0"/>
           </a:p>
         </p:txBody>
       </p:sp>
     </p:spTree>
     <p:extLst>
       <p:ext uri="{BB962C8B-B14F-4D97-AF65-F5344CB8AC3E}">
-        <p14:creationId xmlns:p14="http://schemas.microsoft.com/office/powerpoint/2010/main" val="4060204283"/>
+        <p14:creationId xmlns:p14="http://schemas.microsoft.com/office/powerpoint/2010/main" val="3427645970"/>
       </p:ext>
     </p:extLst>
   </p:cSld>
@@ -4410,28 +4576,1554 @@
             <p:ph type="title"/>
           </p:nvPr>
         </p:nvSpPr>
+        <p:spPr/>
+        <p:txBody>
+          <a:bodyPr>
+            <a:normAutofit fontScale="90000"/>
+          </a:bodyPr>
+          <a:lstStyle/>
+          <a:p>
+            <a:r>
+              <a:rPr lang="pl-PL" dirty="0"/>
+              <a:t>Wyszukiwanie apartamentów – </a:t>
+            </a:r>
+            <a:r>
+              <a:rPr lang="pl-PL" dirty="0" smtClean="0"/>
+              <a:t>akcja </a:t>
+            </a:r>
+            <a:r>
+              <a:rPr lang="pl-PL" dirty="0" err="1" smtClean="0"/>
+              <a:t>ApartamentyLista</a:t>
+            </a:r>
+            <a:endParaRPr lang="pl-PL" dirty="0"/>
+          </a:p>
+        </p:txBody>
+      </p:sp>
+      <p:pic>
+        <p:nvPicPr>
+          <p:cNvPr id="4" name="Symbol zastępczy zawartości 3"/>
+          <p:cNvPicPr>
+            <a:picLocks noGrp="1" noChangeAspect="1"/>
+          </p:cNvPicPr>
+          <p:nvPr>
+            <p:ph idx="1"/>
+          </p:nvPr>
+        </p:nvPicPr>
+        <p:blipFill>
+          <a:blip r:embed="rId2"/>
+          <a:stretch>
+            <a:fillRect/>
+          </a:stretch>
+        </p:blipFill>
         <p:spPr>
           <a:xfrm>
-            <a:off x="467544" y="2564904"/>
-            <a:ext cx="7470648" cy="1143000"/>
+            <a:off x="457200" y="1979953"/>
+            <a:ext cx="7467600" cy="3766457"/>
           </a:xfrm>
+          <a:prstGeom prst="rect">
+            <a:avLst/>
+          </a:prstGeom>
         </p:spPr>
-        <p:txBody>
-          <a:bodyPr/>
-          <a:lstStyle/>
-          <a:p>
-            <a:r>
-              <a:rPr lang="pl-PL" dirty="0" smtClean="0"/>
-              <a:t>Dziękuję za uwagę!</a:t>
-            </a:r>
-            <a:endParaRPr lang="pl-PL" dirty="0"/>
-          </a:p>
-        </p:txBody>
-      </p:sp>
+      </p:pic>
     </p:spTree>
     <p:extLst>
       <p:ext uri="{BB962C8B-B14F-4D97-AF65-F5344CB8AC3E}">
-        <p14:creationId xmlns:p14="http://schemas.microsoft.com/office/powerpoint/2010/main" val="3475680267"/>
+        <p14:creationId xmlns:p14="http://schemas.microsoft.com/office/powerpoint/2010/main" val="1942601489"/>
+      </p:ext>
+    </p:extLst>
+  </p:cSld>
+  <p:clrMapOvr>
+    <a:masterClrMapping/>
+  </p:clrMapOvr>
+</p:sld>
+</file>
+
+<file path=ppt/slides/slide103.xml><?xml version="1.0" encoding="utf-8"?>
+<p:sld xmlns:a="http://schemas.openxmlformats.org/drawingml/2006/main" xmlns:r="http://schemas.openxmlformats.org/officeDocument/2006/relationships" xmlns:p="http://schemas.openxmlformats.org/presentationml/2006/main">
+  <p:cSld>
+    <p:spTree>
+      <p:nvGrpSpPr>
+        <p:cNvPr id="1" name=""/>
+        <p:cNvGrpSpPr/>
+        <p:nvPr/>
+      </p:nvGrpSpPr>
+      <p:grpSpPr>
+        <a:xfrm>
+          <a:off x="0" y="0"/>
+          <a:ext cx="0" cy="0"/>
+          <a:chOff x="0" y="0"/>
+          <a:chExt cx="0" cy="0"/>
+        </a:xfrm>
+      </p:grpSpPr>
+      <p:sp>
+        <p:nvSpPr>
+          <p:cNvPr id="2" name="Tytuł 1"/>
+          <p:cNvSpPr>
+            <a:spLocks noGrp="1"/>
+          </p:cNvSpPr>
+          <p:nvPr>
+            <p:ph type="title"/>
+          </p:nvPr>
+        </p:nvSpPr>
+        <p:spPr/>
+        <p:txBody>
+          <a:bodyPr>
+            <a:normAutofit fontScale="90000"/>
+          </a:bodyPr>
+          <a:lstStyle/>
+          <a:p>
+            <a:r>
+              <a:rPr lang="pl-PL" dirty="0"/>
+              <a:t>Wyszukiwanie apartamentów – widok Index</a:t>
+            </a:r>
+          </a:p>
+        </p:txBody>
+      </p:sp>
+      <p:sp>
+        <p:nvSpPr>
+          <p:cNvPr id="3" name="Symbol zastępczy zawartości 2"/>
+          <p:cNvSpPr>
+            <a:spLocks noGrp="1"/>
+          </p:cNvSpPr>
+          <p:nvPr>
+            <p:ph idx="1"/>
+          </p:nvPr>
+        </p:nvSpPr>
+        <p:spPr/>
+        <p:txBody>
+          <a:bodyPr>
+            <a:normAutofit fontScale="62500" lnSpcReduction="20000"/>
+          </a:bodyPr>
+          <a:lstStyle/>
+          <a:p>
+            <a:pPr marL="36576" indent="0">
+              <a:buNone/>
+            </a:pPr>
+            <a:r>
+              <a:rPr lang="pl-PL" dirty="0"/>
+              <a:t>Z widoku usunięta została lista apartamentów i pozostał w niej tylko nagłówek. Należy zmienić jego treść na „Wyszukiwanie apartamentów”, a pod spodem dodać mechanizm filtrowania i widok częściowy. Cały kod od nagłówka w dół należy otoczyć instrukcją </a:t>
+            </a:r>
+            <a:r>
+              <a:rPr lang="pl-PL" dirty="0">
+                <a:solidFill>
+                  <a:schemeClr val="accent6">
+                    <a:lumMod val="60000"/>
+                    <a:lumOff val="40000"/>
+                  </a:schemeClr>
+                </a:solidFill>
+              </a:rPr>
+              <a:t>@</a:t>
+            </a:r>
+            <a:r>
+              <a:rPr lang="pl-PL" dirty="0" err="1">
+                <a:solidFill>
+                  <a:schemeClr val="accent6">
+                    <a:lumMod val="60000"/>
+                    <a:lumOff val="40000"/>
+                  </a:schemeClr>
+                </a:solidFill>
+              </a:rPr>
+              <a:t>using</a:t>
+            </a:r>
+            <a:r>
+              <a:rPr lang="pl-PL" dirty="0">
+                <a:solidFill>
+                  <a:schemeClr val="accent6">
+                    <a:lumMod val="60000"/>
+                    <a:lumOff val="40000"/>
+                  </a:schemeClr>
+                </a:solidFill>
+              </a:rPr>
+              <a:t>(</a:t>
+            </a:r>
+            <a:r>
+              <a:rPr lang="pl-PL" dirty="0" err="1">
+                <a:solidFill>
+                  <a:schemeClr val="accent6">
+                    <a:lumMod val="60000"/>
+                    <a:lumOff val="40000"/>
+                  </a:schemeClr>
+                </a:solidFill>
+              </a:rPr>
+              <a:t>Html.BeginForm</a:t>
+            </a:r>
+            <a:r>
+              <a:rPr lang="pl-PL" dirty="0">
+                <a:solidFill>
+                  <a:schemeClr val="accent6">
+                    <a:lumMod val="60000"/>
+                    <a:lumOff val="40000"/>
+                  </a:schemeClr>
+                </a:solidFill>
+              </a:rPr>
+              <a:t>())</a:t>
+            </a:r>
+            <a:r>
+              <a:rPr lang="pl-PL" dirty="0"/>
+              <a:t>.</a:t>
+            </a:r>
+          </a:p>
+          <a:p>
+            <a:pPr marL="36576" indent="0">
+              <a:buNone/>
+            </a:pPr>
+            <a:r>
+              <a:rPr lang="pl-PL" dirty="0"/>
+              <a:t>Widok częściowy zostanie dodany do strony przy pomocy elementu @</a:t>
+            </a:r>
+            <a:r>
+              <a:rPr lang="pl-PL" dirty="0" err="1"/>
+              <a:t>Html.Action</a:t>
+            </a:r>
+            <a:r>
+              <a:rPr lang="pl-PL" dirty="0"/>
+              <a:t>:</a:t>
+            </a:r>
+          </a:p>
+          <a:p>
+            <a:pPr marL="36576" indent="0">
+              <a:buNone/>
+            </a:pPr>
+            <a:r>
+              <a:rPr lang="pl-PL" dirty="0">
+                <a:solidFill>
+                  <a:schemeClr val="accent6">
+                    <a:lumMod val="60000"/>
+                    <a:lumOff val="40000"/>
+                  </a:schemeClr>
+                </a:solidFill>
+              </a:rPr>
+              <a:t>@</a:t>
+            </a:r>
+            <a:r>
+              <a:rPr lang="pl-PL" dirty="0" err="1">
+                <a:solidFill>
+                  <a:schemeClr val="accent6">
+                    <a:lumMod val="60000"/>
+                    <a:lumOff val="40000"/>
+                  </a:schemeClr>
+                </a:solidFill>
+              </a:rPr>
+              <a:t>Html.Action</a:t>
+            </a:r>
+            <a:r>
+              <a:rPr lang="pl-PL" dirty="0">
+                <a:solidFill>
+                  <a:schemeClr val="accent6">
+                    <a:lumMod val="60000"/>
+                    <a:lumOff val="40000"/>
+                  </a:schemeClr>
+                </a:solidFill>
+              </a:rPr>
+              <a:t>("</a:t>
+            </a:r>
+            <a:r>
+              <a:rPr lang="pl-PL" dirty="0" err="1">
+                <a:solidFill>
+                  <a:schemeClr val="accent6">
+                    <a:lumMod val="60000"/>
+                    <a:lumOff val="40000"/>
+                  </a:schemeClr>
+                </a:solidFill>
+              </a:rPr>
+              <a:t>ApartamentyLista</a:t>
+            </a:r>
+            <a:r>
+              <a:rPr lang="pl-PL" dirty="0">
+                <a:solidFill>
+                  <a:schemeClr val="accent6">
+                    <a:lumMod val="60000"/>
+                    <a:lumOff val="40000"/>
+                  </a:schemeClr>
+                </a:solidFill>
+              </a:rPr>
+              <a:t>", </a:t>
+            </a:r>
+            <a:r>
+              <a:rPr lang="pl-PL" dirty="0" err="1">
+                <a:solidFill>
+                  <a:schemeClr val="accent6">
+                    <a:lumMod val="60000"/>
+                    <a:lumOff val="40000"/>
+                  </a:schemeClr>
+                </a:solidFill>
+              </a:rPr>
+              <a:t>new</a:t>
+            </a:r>
+            <a:r>
+              <a:rPr lang="pl-PL" dirty="0">
+                <a:solidFill>
+                  <a:schemeClr val="accent6">
+                    <a:lumMod val="60000"/>
+                    <a:lumOff val="40000"/>
+                  </a:schemeClr>
+                </a:solidFill>
+              </a:rPr>
+              <a:t> { filtr = Model })</a:t>
+            </a:r>
+          </a:p>
+          <a:p>
+            <a:pPr marL="36576" indent="0">
+              <a:buNone/>
+            </a:pPr>
+            <a:r>
+              <a:rPr lang="pl-PL" dirty="0"/>
+              <a:t>Wywołuje on określoną akcję z argumentami i umieszcza jej wynik w miejscu wywołania.</a:t>
+            </a:r>
+          </a:p>
+          <a:p>
+            <a:pPr marL="36576" indent="0">
+              <a:buNone/>
+            </a:pPr>
+            <a:r>
+              <a:rPr lang="pl-PL" dirty="0"/>
+              <a:t>Powyżej umieszczony zostanie mechanizm filtrowania. Struktura kontrolek będzie skopiowana z dowolnego widoku służącego do modyfikacji danych. Podobnie jak w poprzednich przypadkach dodane zostaną elementy @</a:t>
+            </a:r>
+            <a:r>
+              <a:rPr lang="pl-PL" dirty="0" err="1"/>
+              <a:t>Html.LabelFor</a:t>
+            </a:r>
+            <a:r>
+              <a:rPr lang="pl-PL" dirty="0"/>
+              <a:t>, @</a:t>
+            </a:r>
+            <a:r>
+              <a:rPr lang="pl-PL" dirty="0" err="1"/>
+              <a:t>Html.EditorFor</a:t>
+            </a:r>
+            <a:r>
+              <a:rPr lang="pl-PL" dirty="0"/>
+              <a:t> i @</a:t>
+            </a:r>
+            <a:r>
+              <a:rPr lang="pl-PL" dirty="0" err="1"/>
+              <a:t>Html.DropDownListFor</a:t>
+            </a:r>
+            <a:r>
+              <a:rPr lang="pl-PL" dirty="0"/>
+              <a:t>, a także generowana w pętli </a:t>
+            </a:r>
+            <a:r>
+              <a:rPr lang="pl-PL" dirty="0" err="1"/>
+              <a:t>foreach</a:t>
+            </a:r>
+            <a:r>
+              <a:rPr lang="pl-PL" dirty="0"/>
+              <a:t> lista </a:t>
+            </a:r>
+            <a:r>
+              <a:rPr lang="pl-PL" dirty="0" err="1"/>
+              <a:t>checkboxów</a:t>
+            </a:r>
+            <a:r>
+              <a:rPr lang="pl-PL" dirty="0" smtClean="0"/>
+              <a:t>. Na razie pominięte zostanie dodawanie kontrolek z datami.</a:t>
+            </a:r>
+            <a:endParaRPr lang="pl-PL" dirty="0"/>
+          </a:p>
+        </p:txBody>
+      </p:sp>
+    </p:spTree>
+    <p:extLst>
+      <p:ext uri="{BB962C8B-B14F-4D97-AF65-F5344CB8AC3E}">
+        <p14:creationId xmlns:p14="http://schemas.microsoft.com/office/powerpoint/2010/main" val="1266131854"/>
+      </p:ext>
+    </p:extLst>
+  </p:cSld>
+  <p:clrMapOvr>
+    <a:masterClrMapping/>
+  </p:clrMapOvr>
+</p:sld>
+</file>
+
+<file path=ppt/slides/slide104.xml><?xml version="1.0" encoding="utf-8"?>
+<p:sld xmlns:a="http://schemas.openxmlformats.org/drawingml/2006/main" xmlns:r="http://schemas.openxmlformats.org/officeDocument/2006/relationships" xmlns:p="http://schemas.openxmlformats.org/presentationml/2006/main">
+  <p:cSld>
+    <p:spTree>
+      <p:nvGrpSpPr>
+        <p:cNvPr id="1" name=""/>
+        <p:cNvGrpSpPr/>
+        <p:nvPr/>
+      </p:nvGrpSpPr>
+      <p:grpSpPr>
+        <a:xfrm>
+          <a:off x="0" y="0"/>
+          <a:ext cx="0" cy="0"/>
+          <a:chOff x="0" y="0"/>
+          <a:chExt cx="0" cy="0"/>
+        </a:xfrm>
+      </p:grpSpPr>
+      <p:sp>
+        <p:nvSpPr>
+          <p:cNvPr id="2" name="Tytuł 1"/>
+          <p:cNvSpPr>
+            <a:spLocks noGrp="1"/>
+          </p:cNvSpPr>
+          <p:nvPr>
+            <p:ph type="title"/>
+          </p:nvPr>
+        </p:nvSpPr>
+        <p:spPr/>
+        <p:txBody>
+          <a:bodyPr>
+            <a:normAutofit fontScale="90000"/>
+          </a:bodyPr>
+          <a:lstStyle/>
+          <a:p>
+            <a:r>
+              <a:rPr lang="pl-PL" dirty="0"/>
+              <a:t>Wyszukiwanie apartamentów – widok Index</a:t>
+            </a:r>
+          </a:p>
+        </p:txBody>
+      </p:sp>
+      <p:sp>
+        <p:nvSpPr>
+          <p:cNvPr id="3" name="Symbol zastępczy zawartości 2"/>
+          <p:cNvSpPr>
+            <a:spLocks noGrp="1"/>
+          </p:cNvSpPr>
+          <p:nvPr>
+            <p:ph idx="1"/>
+          </p:nvPr>
+        </p:nvSpPr>
+        <p:spPr/>
+        <p:txBody>
+          <a:bodyPr>
+            <a:normAutofit fontScale="62500" lnSpcReduction="20000"/>
+          </a:bodyPr>
+          <a:lstStyle/>
+          <a:p>
+            <a:pPr marL="36576" indent="0">
+              <a:buNone/>
+            </a:pPr>
+            <a:r>
+              <a:rPr lang="pl-PL" dirty="0"/>
+              <a:t>Na koniec dla lepszego efektu graficznego lista udogodnień zostanie przesunięta na prawo poprzez utworzenie tabeli umieszczenie kontrolek w osobnych jej </a:t>
+            </a:r>
+            <a:r>
+              <a:rPr lang="pl-PL" dirty="0" smtClean="0"/>
+              <a:t>kolumnach.</a:t>
+            </a:r>
+          </a:p>
+          <a:p>
+            <a:pPr marL="36576" indent="0">
+              <a:buNone/>
+            </a:pPr>
+            <a:r>
+              <a:rPr lang="pl-PL" dirty="0" smtClean="0"/>
+              <a:t>Na </a:t>
+            </a:r>
+            <a:r>
+              <a:rPr lang="pl-PL" dirty="0"/>
+              <a:t>koniec cały mechanizm umieszczony zostanie w divie klasy </a:t>
+            </a:r>
+            <a:r>
+              <a:rPr lang="pl-PL" dirty="0" err="1"/>
+              <a:t>jumbotron</a:t>
+            </a:r>
+            <a:r>
+              <a:rPr lang="pl-PL" dirty="0"/>
+              <a:t> – jest to szare pole wydzielające dany fragment od </a:t>
+            </a:r>
+            <a:r>
+              <a:rPr lang="pl-PL" dirty="0" smtClean="0"/>
+              <a:t>reszty.</a:t>
+            </a:r>
+          </a:p>
+          <a:p>
+            <a:pPr marL="36576" indent="0">
+              <a:buNone/>
+            </a:pPr>
+            <a:r>
+              <a:rPr lang="pl-PL" dirty="0" smtClean="0"/>
+              <a:t>Niestety</a:t>
+            </a:r>
+            <a:r>
+              <a:rPr lang="pl-PL" dirty="0"/>
+              <a:t>, umieszczenie kontrolek w divie tej klasy modyfikuje rozmiar i grubość czcionki, dlatego przy każdym obiekcie @</a:t>
+            </a:r>
+            <a:r>
+              <a:rPr lang="pl-PL" dirty="0" err="1"/>
+              <a:t>HtmlLabelFor</a:t>
+            </a:r>
+            <a:r>
+              <a:rPr lang="pl-PL" dirty="0"/>
+              <a:t> należy w drugim argumencie funkcji </a:t>
+            </a:r>
+            <a:r>
+              <a:rPr lang="pl-PL" dirty="0" smtClean="0"/>
+              <a:t>zmienić:</a:t>
+            </a:r>
+          </a:p>
+          <a:p>
+            <a:pPr marL="36576" indent="0">
+              <a:buNone/>
+            </a:pPr>
+            <a:r>
+              <a:rPr lang="pl-PL" dirty="0" err="1" smtClean="0">
+                <a:solidFill>
+                  <a:schemeClr val="accent6">
+                    <a:lumMod val="60000"/>
+                    <a:lumOff val="40000"/>
+                  </a:schemeClr>
+                </a:solidFill>
+                <a:latin typeface="Consolas" panose="020B0609020204030204" pitchFamily="49" charset="0"/>
+                <a:cs typeface="Consolas" panose="020B0609020204030204" pitchFamily="49" charset="0"/>
+              </a:rPr>
+              <a:t>new</a:t>
+            </a:r>
+            <a:r>
+              <a:rPr lang="pl-PL" dirty="0" smtClean="0">
+                <a:solidFill>
+                  <a:schemeClr val="accent6">
+                    <a:lumMod val="60000"/>
+                    <a:lumOff val="40000"/>
+                  </a:schemeClr>
+                </a:solidFill>
+                <a:latin typeface="Consolas" panose="020B0609020204030204" pitchFamily="49" charset="0"/>
+                <a:cs typeface="Consolas" panose="020B0609020204030204" pitchFamily="49" charset="0"/>
+              </a:rPr>
+              <a:t> </a:t>
+            </a:r>
+            <a:r>
+              <a:rPr lang="pl-PL" dirty="0">
+                <a:solidFill>
+                  <a:schemeClr val="accent6">
+                    <a:lumMod val="60000"/>
+                    <a:lumOff val="40000"/>
+                  </a:schemeClr>
+                </a:solidFill>
+                <a:latin typeface="Consolas" panose="020B0609020204030204" pitchFamily="49" charset="0"/>
+                <a:cs typeface="Consolas" panose="020B0609020204030204" pitchFamily="49" charset="0"/>
+              </a:rPr>
+              <a:t>{ @</a:t>
+            </a:r>
+            <a:r>
+              <a:rPr lang="pl-PL" dirty="0" err="1">
+                <a:solidFill>
+                  <a:schemeClr val="accent6">
+                    <a:lumMod val="60000"/>
+                    <a:lumOff val="40000"/>
+                  </a:schemeClr>
+                </a:solidFill>
+                <a:latin typeface="Consolas" panose="020B0609020204030204" pitchFamily="49" charset="0"/>
+                <a:cs typeface="Consolas" panose="020B0609020204030204" pitchFamily="49" charset="0"/>
+              </a:rPr>
+              <a:t>class</a:t>
+            </a:r>
+            <a:r>
+              <a:rPr lang="pl-PL" dirty="0">
+                <a:solidFill>
+                  <a:schemeClr val="accent6">
+                    <a:lumMod val="60000"/>
+                    <a:lumOff val="40000"/>
+                  </a:schemeClr>
+                </a:solidFill>
+                <a:latin typeface="Consolas" panose="020B0609020204030204" pitchFamily="49" charset="0"/>
+                <a:cs typeface="Consolas" panose="020B0609020204030204" pitchFamily="49" charset="0"/>
+              </a:rPr>
+              <a:t> = "col-md-2 </a:t>
+            </a:r>
+            <a:r>
+              <a:rPr lang="pl-PL" dirty="0" err="1">
+                <a:solidFill>
+                  <a:schemeClr val="accent6">
+                    <a:lumMod val="60000"/>
+                    <a:lumOff val="40000"/>
+                  </a:schemeClr>
+                </a:solidFill>
+                <a:latin typeface="Consolas" panose="020B0609020204030204" pitchFamily="49" charset="0"/>
+                <a:cs typeface="Consolas" panose="020B0609020204030204" pitchFamily="49" charset="0"/>
+              </a:rPr>
+              <a:t>control-label</a:t>
+            </a:r>
+            <a:r>
+              <a:rPr lang="pl-PL" dirty="0">
+                <a:solidFill>
+                  <a:schemeClr val="accent6">
+                    <a:lumMod val="60000"/>
+                    <a:lumOff val="40000"/>
+                  </a:schemeClr>
+                </a:solidFill>
+                <a:latin typeface="Consolas" panose="020B0609020204030204" pitchFamily="49" charset="0"/>
+                <a:cs typeface="Consolas" panose="020B0609020204030204" pitchFamily="49" charset="0"/>
+              </a:rPr>
+              <a:t>" </a:t>
+            </a:r>
+            <a:r>
+              <a:rPr lang="pl-PL" dirty="0" smtClean="0">
+                <a:solidFill>
+                  <a:schemeClr val="accent6">
+                    <a:lumMod val="60000"/>
+                    <a:lumOff val="40000"/>
+                  </a:schemeClr>
+                </a:solidFill>
+                <a:latin typeface="Consolas" panose="020B0609020204030204" pitchFamily="49" charset="0"/>
+                <a:cs typeface="Consolas" panose="020B0609020204030204" pitchFamily="49" charset="0"/>
+              </a:rPr>
+              <a:t>}</a:t>
+            </a:r>
+          </a:p>
+          <a:p>
+            <a:pPr marL="36576" indent="0">
+              <a:buNone/>
+            </a:pPr>
+            <a:r>
+              <a:rPr lang="pl-PL" dirty="0"/>
+              <a:t>n</a:t>
+            </a:r>
+            <a:r>
+              <a:rPr lang="pl-PL" dirty="0" smtClean="0"/>
+              <a:t>a:</a:t>
+            </a:r>
+          </a:p>
+          <a:p>
+            <a:pPr marL="36576" indent="0">
+              <a:buNone/>
+            </a:pPr>
+            <a:r>
+              <a:rPr lang="pl-PL" dirty="0" err="1" smtClean="0">
+                <a:solidFill>
+                  <a:schemeClr val="accent6">
+                    <a:lumMod val="60000"/>
+                    <a:lumOff val="40000"/>
+                  </a:schemeClr>
+                </a:solidFill>
+                <a:latin typeface="Consolas" panose="020B0609020204030204" pitchFamily="49" charset="0"/>
+                <a:cs typeface="Consolas" panose="020B0609020204030204" pitchFamily="49" charset="0"/>
+              </a:rPr>
+              <a:t>new</a:t>
+            </a:r>
+            <a:r>
+              <a:rPr lang="pl-PL" dirty="0" smtClean="0">
+                <a:solidFill>
+                  <a:schemeClr val="accent6">
+                    <a:lumMod val="60000"/>
+                    <a:lumOff val="40000"/>
+                  </a:schemeClr>
+                </a:solidFill>
+                <a:latin typeface="Consolas" panose="020B0609020204030204" pitchFamily="49" charset="0"/>
+                <a:cs typeface="Consolas" panose="020B0609020204030204" pitchFamily="49" charset="0"/>
+              </a:rPr>
+              <a:t> </a:t>
+            </a:r>
+            <a:r>
+              <a:rPr lang="pl-PL" dirty="0">
+                <a:solidFill>
+                  <a:schemeClr val="accent6">
+                    <a:lumMod val="60000"/>
+                    <a:lumOff val="40000"/>
+                  </a:schemeClr>
+                </a:solidFill>
+                <a:latin typeface="Consolas" panose="020B0609020204030204" pitchFamily="49" charset="0"/>
+                <a:cs typeface="Consolas" panose="020B0609020204030204" pitchFamily="49" charset="0"/>
+              </a:rPr>
+              <a:t>{ @</a:t>
+            </a:r>
+            <a:r>
+              <a:rPr lang="pl-PL" dirty="0" err="1">
+                <a:solidFill>
+                  <a:schemeClr val="accent6">
+                    <a:lumMod val="60000"/>
+                    <a:lumOff val="40000"/>
+                  </a:schemeClr>
+                </a:solidFill>
+                <a:latin typeface="Consolas" panose="020B0609020204030204" pitchFamily="49" charset="0"/>
+                <a:cs typeface="Consolas" panose="020B0609020204030204" pitchFamily="49" charset="0"/>
+              </a:rPr>
+              <a:t>class</a:t>
+            </a:r>
+            <a:r>
+              <a:rPr lang="pl-PL" dirty="0">
+                <a:solidFill>
+                  <a:schemeClr val="accent6">
+                    <a:lumMod val="60000"/>
+                    <a:lumOff val="40000"/>
+                  </a:schemeClr>
+                </a:solidFill>
+                <a:latin typeface="Consolas" panose="020B0609020204030204" pitchFamily="49" charset="0"/>
+                <a:cs typeface="Consolas" panose="020B0609020204030204" pitchFamily="49" charset="0"/>
+              </a:rPr>
+              <a:t> = "col-md-2 </a:t>
+            </a:r>
+            <a:r>
+              <a:rPr lang="pl-PL" dirty="0" err="1">
+                <a:solidFill>
+                  <a:schemeClr val="accent6">
+                    <a:lumMod val="60000"/>
+                    <a:lumOff val="40000"/>
+                  </a:schemeClr>
+                </a:solidFill>
+                <a:latin typeface="Consolas" panose="020B0609020204030204" pitchFamily="49" charset="0"/>
+                <a:cs typeface="Consolas" panose="020B0609020204030204" pitchFamily="49" charset="0"/>
+              </a:rPr>
+              <a:t>control-label</a:t>
+            </a:r>
+            <a:r>
+              <a:rPr lang="pl-PL" dirty="0">
+                <a:solidFill>
+                  <a:schemeClr val="accent6">
+                    <a:lumMod val="60000"/>
+                    <a:lumOff val="40000"/>
+                  </a:schemeClr>
+                </a:solidFill>
+                <a:latin typeface="Consolas" panose="020B0609020204030204" pitchFamily="49" charset="0"/>
+                <a:cs typeface="Consolas" panose="020B0609020204030204" pitchFamily="49" charset="0"/>
+              </a:rPr>
+              <a:t>", @style = "font-size:15px; </a:t>
+            </a:r>
+            <a:r>
+              <a:rPr lang="pl-PL" dirty="0" err="1">
+                <a:solidFill>
+                  <a:schemeClr val="accent6">
+                    <a:lumMod val="60000"/>
+                    <a:lumOff val="40000"/>
+                  </a:schemeClr>
+                </a:solidFill>
+                <a:latin typeface="Consolas" panose="020B0609020204030204" pitchFamily="49" charset="0"/>
+                <a:cs typeface="Consolas" panose="020B0609020204030204" pitchFamily="49" charset="0"/>
+              </a:rPr>
+              <a:t>font-weight:bold</a:t>
+            </a:r>
+            <a:r>
+              <a:rPr lang="pl-PL" dirty="0">
+                <a:solidFill>
+                  <a:schemeClr val="accent6">
+                    <a:lumMod val="60000"/>
+                    <a:lumOff val="40000"/>
+                  </a:schemeClr>
+                </a:solidFill>
+                <a:latin typeface="Consolas" panose="020B0609020204030204" pitchFamily="49" charset="0"/>
+                <a:cs typeface="Consolas" panose="020B0609020204030204" pitchFamily="49" charset="0"/>
+              </a:rPr>
+              <a:t>" </a:t>
+            </a:r>
+            <a:r>
+              <a:rPr lang="pl-PL" dirty="0" smtClean="0">
+                <a:solidFill>
+                  <a:schemeClr val="accent6">
+                    <a:lumMod val="60000"/>
+                    <a:lumOff val="40000"/>
+                  </a:schemeClr>
+                </a:solidFill>
+                <a:latin typeface="Consolas" panose="020B0609020204030204" pitchFamily="49" charset="0"/>
+                <a:cs typeface="Consolas" panose="020B0609020204030204" pitchFamily="49" charset="0"/>
+              </a:rPr>
+              <a:t>}</a:t>
+            </a:r>
+            <a:endParaRPr lang="pl-PL" dirty="0" smtClean="0">
+              <a:latin typeface="Consolas" panose="020B0609020204030204" pitchFamily="49" charset="0"/>
+              <a:cs typeface="Consolas" panose="020B0609020204030204" pitchFamily="49" charset="0"/>
+            </a:endParaRPr>
+          </a:p>
+          <a:p>
+            <a:pPr marL="36576" indent="0">
+              <a:buNone/>
+            </a:pPr>
+            <a:r>
+              <a:rPr lang="pl-PL" dirty="0" smtClean="0"/>
+              <a:t>Również podczas generowania listy </a:t>
+            </a:r>
+            <a:r>
+              <a:rPr lang="pl-PL" dirty="0" err="1" smtClean="0"/>
+              <a:t>checkboxów</a:t>
+            </a:r>
+            <a:r>
+              <a:rPr lang="pl-PL" dirty="0" smtClean="0"/>
+              <a:t> w obiekcie </a:t>
+            </a:r>
+            <a:r>
+              <a:rPr lang="pl-PL" dirty="0" err="1" smtClean="0"/>
+              <a:t>label</a:t>
+            </a:r>
+            <a:r>
+              <a:rPr lang="pl-PL" dirty="0" smtClean="0"/>
+              <a:t> należy nadpisać styl: </a:t>
+            </a:r>
+            <a:r>
+              <a:rPr lang="pl-PL" dirty="0">
+                <a:solidFill>
+                  <a:schemeClr val="accent6">
+                    <a:lumMod val="60000"/>
+                    <a:lumOff val="40000"/>
+                  </a:schemeClr>
+                </a:solidFill>
+              </a:rPr>
+              <a:t>style="font-size:15px; </a:t>
+            </a:r>
+            <a:r>
+              <a:rPr lang="pl-PL" dirty="0" err="1" smtClean="0">
+                <a:solidFill>
+                  <a:schemeClr val="accent6">
+                    <a:lumMod val="60000"/>
+                    <a:lumOff val="40000"/>
+                  </a:schemeClr>
+                </a:solidFill>
+              </a:rPr>
+              <a:t>font-weight:bold</a:t>
+            </a:r>
+            <a:r>
+              <a:rPr lang="pl-PL" dirty="0">
+                <a:solidFill>
+                  <a:schemeClr val="accent6">
+                    <a:lumMod val="60000"/>
+                    <a:lumOff val="40000"/>
+                  </a:schemeClr>
+                </a:solidFill>
+              </a:rPr>
+              <a:t>"</a:t>
+            </a:r>
+            <a:r>
+              <a:rPr lang="pl-PL" dirty="0" smtClean="0"/>
+              <a:t>.</a:t>
+            </a:r>
+            <a:endParaRPr lang="pl-PL" dirty="0">
+              <a:solidFill>
+                <a:schemeClr val="accent6">
+                  <a:lumMod val="60000"/>
+                  <a:lumOff val="40000"/>
+                </a:schemeClr>
+              </a:solidFill>
+            </a:endParaRPr>
+          </a:p>
+        </p:txBody>
+      </p:sp>
+    </p:spTree>
+    <p:extLst>
+      <p:ext uri="{BB962C8B-B14F-4D97-AF65-F5344CB8AC3E}">
+        <p14:creationId xmlns:p14="http://schemas.microsoft.com/office/powerpoint/2010/main" val="51516897"/>
+      </p:ext>
+    </p:extLst>
+  </p:cSld>
+  <p:clrMapOvr>
+    <a:masterClrMapping/>
+  </p:clrMapOvr>
+</p:sld>
+</file>
+
+<file path=ppt/slides/slide105.xml><?xml version="1.0" encoding="utf-8"?>
+<p:sld xmlns:a="http://schemas.openxmlformats.org/drawingml/2006/main" xmlns:r="http://schemas.openxmlformats.org/officeDocument/2006/relationships" xmlns:p="http://schemas.openxmlformats.org/presentationml/2006/main">
+  <p:cSld>
+    <p:spTree>
+      <p:nvGrpSpPr>
+        <p:cNvPr id="1" name=""/>
+        <p:cNvGrpSpPr/>
+        <p:nvPr/>
+      </p:nvGrpSpPr>
+      <p:grpSpPr>
+        <a:xfrm>
+          <a:off x="0" y="0"/>
+          <a:ext cx="0" cy="0"/>
+          <a:chOff x="0" y="0"/>
+          <a:chExt cx="0" cy="0"/>
+        </a:xfrm>
+      </p:grpSpPr>
+      <p:sp>
+        <p:nvSpPr>
+          <p:cNvPr id="2" name="Tytuł 1"/>
+          <p:cNvSpPr>
+            <a:spLocks noGrp="1"/>
+          </p:cNvSpPr>
+          <p:nvPr>
+            <p:ph type="title"/>
+          </p:nvPr>
+        </p:nvSpPr>
+        <p:spPr/>
+        <p:txBody>
+          <a:bodyPr>
+            <a:normAutofit fontScale="90000"/>
+          </a:bodyPr>
+          <a:lstStyle/>
+          <a:p>
+            <a:r>
+              <a:rPr lang="pl-PL" dirty="0" smtClean="0"/>
+              <a:t>Kontrolka wyboru daty – instalowanie pakietu </a:t>
+            </a:r>
+            <a:r>
+              <a:rPr lang="pl-PL" dirty="0" err="1" smtClean="0"/>
+              <a:t>jQuery.UI</a:t>
+            </a:r>
+            <a:endParaRPr lang="pl-PL" dirty="0"/>
+          </a:p>
+        </p:txBody>
+      </p:sp>
+      <p:sp>
+        <p:nvSpPr>
+          <p:cNvPr id="3" name="Symbol zastępczy zawartości 2"/>
+          <p:cNvSpPr>
+            <a:spLocks noGrp="1"/>
+          </p:cNvSpPr>
+          <p:nvPr>
+            <p:ph idx="1"/>
+          </p:nvPr>
+        </p:nvSpPr>
+        <p:spPr>
+          <a:xfrm>
+            <a:off x="457200" y="1600200"/>
+            <a:ext cx="7467600" cy="2103439"/>
+          </a:xfrm>
+        </p:spPr>
+        <p:txBody>
+          <a:bodyPr>
+            <a:normAutofit fontScale="77500" lnSpcReduction="20000"/>
+          </a:bodyPr>
+          <a:lstStyle/>
+          <a:p>
+            <a:pPr marL="36576" indent="0">
+              <a:buNone/>
+            </a:pPr>
+            <a:r>
+              <a:rPr lang="pl-PL" dirty="0" smtClean="0"/>
+              <a:t>Do widoku Apartamenty/Index należy dodać również opcję wyboru terminu pobytu. Należy to zrobić za pomocą kontrolki wyboru daty.</a:t>
+            </a:r>
+          </a:p>
+          <a:p>
+            <a:pPr marL="36576" indent="0">
+              <a:buNone/>
+            </a:pPr>
+            <a:r>
+              <a:rPr lang="pl-PL" dirty="0" smtClean="0"/>
+              <a:t>Aby to zrobić należy dodać do aplikacji pakiet </a:t>
+            </a:r>
+            <a:r>
+              <a:rPr lang="pl-PL" dirty="0" err="1" smtClean="0"/>
+              <a:t>jQuery.UI.Combined</a:t>
+            </a:r>
+            <a:r>
+              <a:rPr lang="pl-PL" dirty="0" smtClean="0"/>
+              <a:t>, będący rozszerzeniem standardowo dołączonego do projektu pakietu </a:t>
+            </a:r>
+            <a:r>
+              <a:rPr lang="pl-PL" dirty="0" err="1" smtClean="0"/>
+              <a:t>jQuery</a:t>
+            </a:r>
+            <a:r>
+              <a:rPr lang="pl-PL" dirty="0" smtClean="0"/>
+              <a:t>.</a:t>
+            </a:r>
+            <a:endParaRPr lang="pl-PL" dirty="0"/>
+          </a:p>
+        </p:txBody>
+      </p:sp>
+      <p:pic>
+        <p:nvPicPr>
+          <p:cNvPr id="6" name="Obraz 5"/>
+          <p:cNvPicPr>
+            <a:picLocks noChangeAspect="1"/>
+          </p:cNvPicPr>
+          <p:nvPr/>
+        </p:nvPicPr>
+        <p:blipFill>
+          <a:blip r:embed="rId2"/>
+          <a:stretch>
+            <a:fillRect/>
+          </a:stretch>
+        </p:blipFill>
+        <p:spPr>
+          <a:xfrm>
+            <a:off x="504366" y="4077072"/>
+            <a:ext cx="7373268" cy="1606345"/>
+          </a:xfrm>
+          <a:prstGeom prst="rect">
+            <a:avLst/>
+          </a:prstGeom>
+        </p:spPr>
+      </p:pic>
+    </p:spTree>
+    <p:extLst>
+      <p:ext uri="{BB962C8B-B14F-4D97-AF65-F5344CB8AC3E}">
+        <p14:creationId xmlns:p14="http://schemas.microsoft.com/office/powerpoint/2010/main" val="4098400564"/>
+      </p:ext>
+    </p:extLst>
+  </p:cSld>
+  <p:clrMapOvr>
+    <a:masterClrMapping/>
+  </p:clrMapOvr>
+</p:sld>
+</file>
+
+<file path=ppt/slides/slide106.xml><?xml version="1.0" encoding="utf-8"?>
+<p:sld xmlns:a="http://schemas.openxmlformats.org/drawingml/2006/main" xmlns:r="http://schemas.openxmlformats.org/officeDocument/2006/relationships" xmlns:p="http://schemas.openxmlformats.org/presentationml/2006/main">
+  <p:cSld>
+    <p:spTree>
+      <p:nvGrpSpPr>
+        <p:cNvPr id="1" name=""/>
+        <p:cNvGrpSpPr/>
+        <p:nvPr/>
+      </p:nvGrpSpPr>
+      <p:grpSpPr>
+        <a:xfrm>
+          <a:off x="0" y="0"/>
+          <a:ext cx="0" cy="0"/>
+          <a:chOff x="0" y="0"/>
+          <a:chExt cx="0" cy="0"/>
+        </a:xfrm>
+      </p:grpSpPr>
+      <p:sp>
+        <p:nvSpPr>
+          <p:cNvPr id="2" name="Tytuł 1"/>
+          <p:cNvSpPr>
+            <a:spLocks noGrp="1"/>
+          </p:cNvSpPr>
+          <p:nvPr>
+            <p:ph type="title"/>
+          </p:nvPr>
+        </p:nvSpPr>
+        <p:spPr/>
+        <p:txBody>
+          <a:bodyPr>
+            <a:normAutofit fontScale="90000"/>
+          </a:bodyPr>
+          <a:lstStyle/>
+          <a:p>
+            <a:r>
+              <a:rPr lang="pl-PL" dirty="0"/>
+              <a:t>Kontrolka wyboru </a:t>
+            </a:r>
+            <a:r>
+              <a:rPr lang="pl-PL" dirty="0" smtClean="0"/>
+              <a:t>daty – dołączanie skryptów i stylów</a:t>
+            </a:r>
+            <a:endParaRPr lang="pl-PL" dirty="0"/>
+          </a:p>
+        </p:txBody>
+      </p:sp>
+      <p:sp>
+        <p:nvSpPr>
+          <p:cNvPr id="3" name="Symbol zastępczy zawartości 2"/>
+          <p:cNvSpPr>
+            <a:spLocks noGrp="1"/>
+          </p:cNvSpPr>
+          <p:nvPr>
+            <p:ph idx="1"/>
+          </p:nvPr>
+        </p:nvSpPr>
+        <p:spPr>
+          <a:xfrm>
+            <a:off x="457200" y="1600201"/>
+            <a:ext cx="7467600" cy="1900807"/>
+          </a:xfrm>
+        </p:spPr>
+        <p:txBody>
+          <a:bodyPr>
+            <a:normAutofit fontScale="55000" lnSpcReduction="20000"/>
+          </a:bodyPr>
+          <a:lstStyle/>
+          <a:p>
+            <a:pPr marL="36576" indent="0">
+              <a:buNone/>
+            </a:pPr>
+            <a:r>
+              <a:rPr lang="pl-PL" dirty="0" smtClean="0"/>
+              <a:t>Po zainstalowaniu pakietu należy dołączyć do aplikacji odpowiednie skrypty. Załączanie skryptów (a także innych elementów, np. stylów) definiowane jest w pliku </a:t>
+            </a:r>
+            <a:r>
+              <a:rPr lang="pl-PL" dirty="0" err="1" smtClean="0"/>
+              <a:t>App_Start</a:t>
+            </a:r>
+            <a:r>
+              <a:rPr lang="pl-PL" dirty="0" smtClean="0"/>
+              <a:t>/</a:t>
+            </a:r>
+            <a:r>
+              <a:rPr lang="pl-PL" dirty="0" err="1" smtClean="0"/>
+              <a:t>BundleConfig.cs</a:t>
+            </a:r>
+            <a:r>
+              <a:rPr lang="pl-PL" dirty="0" smtClean="0"/>
+              <a:t>. Załączone w tym miejscu pliki umieszczane są w wirtualnej lokalizacji, z której należy je „wyciągnąć” w widoku </a:t>
+            </a:r>
+            <a:r>
+              <a:rPr lang="pl-PL" dirty="0" err="1" smtClean="0"/>
+              <a:t>Views</a:t>
+            </a:r>
+            <a:r>
+              <a:rPr lang="pl-PL" dirty="0" smtClean="0"/>
+              <a:t>/</a:t>
+            </a:r>
+            <a:r>
+              <a:rPr lang="pl-PL" dirty="0" err="1" smtClean="0"/>
+              <a:t>Shared</a:t>
+            </a:r>
+            <a:r>
+              <a:rPr lang="pl-PL" dirty="0" smtClean="0"/>
+              <a:t>/_</a:t>
+            </a:r>
+            <a:r>
+              <a:rPr lang="pl-PL" dirty="0" err="1" smtClean="0"/>
+              <a:t>Layout.cshtml</a:t>
+            </a:r>
+            <a:r>
+              <a:rPr lang="pl-PL" dirty="0" smtClean="0"/>
+              <a:t> za pomocą wyrażenia @</a:t>
+            </a:r>
+            <a:r>
+              <a:rPr lang="pl-PL" dirty="0" err="1" smtClean="0"/>
+              <a:t>Scripts.Render</a:t>
+            </a:r>
+            <a:r>
+              <a:rPr lang="pl-PL" dirty="0" smtClean="0"/>
+              <a:t>(„</a:t>
+            </a:r>
+            <a:r>
+              <a:rPr lang="pl-PL" i="1" dirty="0" smtClean="0"/>
+              <a:t>ścieżka</a:t>
+            </a:r>
+            <a:r>
+              <a:rPr lang="pl-PL" dirty="0" smtClean="0"/>
+              <a:t>”) (kod załączający domyślne skrypty znajduje się na końcu pliku</a:t>
+            </a:r>
+            <a:r>
+              <a:rPr lang="pl-PL" dirty="0" smtClean="0"/>
+              <a:t>).</a:t>
+            </a:r>
+            <a:endParaRPr lang="pl-PL" dirty="0"/>
+          </a:p>
+        </p:txBody>
+      </p:sp>
+      <p:pic>
+        <p:nvPicPr>
+          <p:cNvPr id="9" name="Obraz 8"/>
+          <p:cNvPicPr>
+            <a:picLocks noChangeAspect="1"/>
+          </p:cNvPicPr>
+          <p:nvPr/>
+        </p:nvPicPr>
+        <p:blipFill>
+          <a:blip r:embed="rId2"/>
+          <a:stretch>
+            <a:fillRect/>
+          </a:stretch>
+        </p:blipFill>
+        <p:spPr>
+          <a:xfrm>
+            <a:off x="457200" y="3272678"/>
+            <a:ext cx="4906888" cy="3285918"/>
+          </a:xfrm>
+          <a:prstGeom prst="rect">
+            <a:avLst/>
+          </a:prstGeom>
+        </p:spPr>
+      </p:pic>
+      <p:pic>
+        <p:nvPicPr>
+          <p:cNvPr id="8" name="Obraz 7"/>
+          <p:cNvPicPr>
+            <a:picLocks noChangeAspect="1"/>
+          </p:cNvPicPr>
+          <p:nvPr/>
+        </p:nvPicPr>
+        <p:blipFill>
+          <a:blip r:embed="rId3"/>
+          <a:stretch>
+            <a:fillRect/>
+          </a:stretch>
+        </p:blipFill>
+        <p:spPr>
+          <a:xfrm>
+            <a:off x="5487913" y="3272678"/>
+            <a:ext cx="2436887" cy="790730"/>
+          </a:xfrm>
+          <a:prstGeom prst="rect">
+            <a:avLst/>
+          </a:prstGeom>
+        </p:spPr>
+      </p:pic>
+    </p:spTree>
+    <p:extLst>
+      <p:ext uri="{BB962C8B-B14F-4D97-AF65-F5344CB8AC3E}">
+        <p14:creationId xmlns:p14="http://schemas.microsoft.com/office/powerpoint/2010/main" val="4190425181"/>
+      </p:ext>
+    </p:extLst>
+  </p:cSld>
+  <p:clrMapOvr>
+    <a:masterClrMapping/>
+  </p:clrMapOvr>
+</p:sld>
+</file>
+
+<file path=ppt/slides/slide107.xml><?xml version="1.0" encoding="utf-8"?>
+<p:sld xmlns:a="http://schemas.openxmlformats.org/drawingml/2006/main" xmlns:r="http://schemas.openxmlformats.org/officeDocument/2006/relationships" xmlns:p="http://schemas.openxmlformats.org/presentationml/2006/main">
+  <p:cSld>
+    <p:spTree>
+      <p:nvGrpSpPr>
+        <p:cNvPr id="1" name=""/>
+        <p:cNvGrpSpPr/>
+        <p:nvPr/>
+      </p:nvGrpSpPr>
+      <p:grpSpPr>
+        <a:xfrm>
+          <a:off x="0" y="0"/>
+          <a:ext cx="0" cy="0"/>
+          <a:chOff x="0" y="0"/>
+          <a:chExt cx="0" cy="0"/>
+        </a:xfrm>
+      </p:grpSpPr>
+      <p:sp>
+        <p:nvSpPr>
+          <p:cNvPr id="2" name="Tytuł 1"/>
+          <p:cNvSpPr>
+            <a:spLocks noGrp="1"/>
+          </p:cNvSpPr>
+          <p:nvPr>
+            <p:ph type="title"/>
+          </p:nvPr>
+        </p:nvSpPr>
+        <p:spPr/>
+        <p:txBody>
+          <a:bodyPr>
+            <a:normAutofit fontScale="90000"/>
+          </a:bodyPr>
+          <a:lstStyle/>
+          <a:p>
+            <a:r>
+              <a:rPr lang="pl-PL" dirty="0"/>
+              <a:t>Kontrolka wyboru daty </a:t>
+            </a:r>
+            <a:r>
+              <a:rPr lang="pl-PL" dirty="0" smtClean="0"/>
+              <a:t>– dodawanie funkcji w widoku</a:t>
+            </a:r>
+            <a:endParaRPr lang="pl-PL" dirty="0"/>
+          </a:p>
+        </p:txBody>
+      </p:sp>
+      <p:sp>
+        <p:nvSpPr>
+          <p:cNvPr id="3" name="Symbol zastępczy zawartości 2"/>
+          <p:cNvSpPr>
+            <a:spLocks noGrp="1"/>
+          </p:cNvSpPr>
+          <p:nvPr>
+            <p:ph idx="1"/>
+          </p:nvPr>
+        </p:nvSpPr>
+        <p:spPr/>
+        <p:txBody>
+          <a:bodyPr>
+            <a:normAutofit fontScale="92500" lnSpcReduction="20000"/>
+          </a:bodyPr>
+          <a:lstStyle/>
+          <a:p>
+            <a:pPr marL="36576" indent="0">
+              <a:buNone/>
+            </a:pPr>
+            <a:r>
+              <a:rPr lang="pl-PL" dirty="0"/>
+              <a:t>Na koniec należy dodać odpowiednią funkcję do widoku, w którym planujemy użyć kontrolki. Funkcja </a:t>
+            </a:r>
+            <a:r>
+              <a:rPr lang="pl-PL" dirty="0" err="1"/>
+              <a:t>function</a:t>
+            </a:r>
+            <a:r>
+              <a:rPr lang="pl-PL" dirty="0"/>
+              <a:t>(), umieszczona w górnej części pliku w sekcji @</a:t>
+            </a:r>
+            <a:r>
+              <a:rPr lang="pl-PL" dirty="0" err="1"/>
+              <a:t>section</a:t>
+            </a:r>
+            <a:r>
+              <a:rPr lang="pl-PL" dirty="0"/>
+              <a:t> scripts { }  powinna mieć postać jak przedstawiono poniżej. Wywoływana jest ona automatycznie przy ładowaniu strony i dla każdej kontrolki z klasy „</a:t>
+            </a:r>
+            <a:r>
+              <a:rPr lang="pl-PL" dirty="0" err="1"/>
+              <a:t>datepicker</a:t>
+            </a:r>
+            <a:r>
+              <a:rPr lang="pl-PL" dirty="0"/>
+              <a:t>” inicjalizuje ona obsługę wyświetlania kalendarza</a:t>
+            </a:r>
+            <a:r>
+              <a:rPr lang="pl-PL" dirty="0" smtClean="0"/>
+              <a:t>.</a:t>
+            </a:r>
+          </a:p>
+          <a:p>
+            <a:pPr marL="36576" indent="0">
+              <a:buNone/>
+            </a:pPr>
+            <a:r>
+              <a:rPr lang="pl-PL" dirty="0" smtClean="0"/>
+              <a:t>Do funkcji </a:t>
+            </a:r>
+            <a:r>
+              <a:rPr lang="pl-PL" dirty="0" err="1" smtClean="0"/>
+              <a:t>datepicker</a:t>
+            </a:r>
+            <a:r>
+              <a:rPr lang="pl-PL" dirty="0" smtClean="0"/>
+              <a:t>() inicjalizującej kontrolkę należy dodać dwie właściwości: format daty </a:t>
+            </a:r>
+            <a:endParaRPr lang="pl-PL" dirty="0"/>
+          </a:p>
+          <a:p>
+            <a:pPr marL="36576" indent="0">
+              <a:buNone/>
+            </a:pPr>
+            <a:endParaRPr lang="pl-PL" dirty="0"/>
+          </a:p>
+        </p:txBody>
+      </p:sp>
+    </p:spTree>
+    <p:extLst>
+      <p:ext uri="{BB962C8B-B14F-4D97-AF65-F5344CB8AC3E}">
+        <p14:creationId xmlns:p14="http://schemas.microsoft.com/office/powerpoint/2010/main" val="1774184099"/>
+      </p:ext>
+    </p:extLst>
+  </p:cSld>
+  <p:clrMapOvr>
+    <a:masterClrMapping/>
+  </p:clrMapOvr>
+</p:sld>
+</file>
+
+<file path=ppt/slides/slide108.xml><?xml version="1.0" encoding="utf-8"?>
+<p:sld xmlns:a="http://schemas.openxmlformats.org/drawingml/2006/main" xmlns:r="http://schemas.openxmlformats.org/officeDocument/2006/relationships" xmlns:p="http://schemas.openxmlformats.org/presentationml/2006/main">
+  <p:cSld>
+    <p:spTree>
+      <p:nvGrpSpPr>
+        <p:cNvPr id="1" name=""/>
+        <p:cNvGrpSpPr/>
+        <p:nvPr/>
+      </p:nvGrpSpPr>
+      <p:grpSpPr>
+        <a:xfrm>
+          <a:off x="0" y="0"/>
+          <a:ext cx="0" cy="0"/>
+          <a:chOff x="0" y="0"/>
+          <a:chExt cx="0" cy="0"/>
+        </a:xfrm>
+      </p:grpSpPr>
+      <p:sp>
+        <p:nvSpPr>
+          <p:cNvPr id="2" name="Tytuł 1"/>
+          <p:cNvSpPr>
+            <a:spLocks noGrp="1"/>
+          </p:cNvSpPr>
+          <p:nvPr>
+            <p:ph type="title"/>
+          </p:nvPr>
+        </p:nvSpPr>
+        <p:spPr/>
+        <p:txBody>
+          <a:bodyPr>
+            <a:normAutofit fontScale="90000"/>
+          </a:bodyPr>
+          <a:lstStyle/>
+          <a:p>
+            <a:r>
+              <a:rPr lang="pl-PL" dirty="0"/>
+              <a:t>Kontrolka wyboru </a:t>
+            </a:r>
+            <a:r>
+              <a:rPr lang="pl-PL" dirty="0" smtClean="0"/>
+              <a:t>daty – dodawanie kontrolek</a:t>
+            </a:r>
+            <a:endParaRPr lang="pl-PL" dirty="0"/>
+          </a:p>
+        </p:txBody>
+      </p:sp>
+      <p:sp>
+        <p:nvSpPr>
+          <p:cNvPr id="3" name="Symbol zastępczy zawartości 2"/>
+          <p:cNvSpPr>
+            <a:spLocks noGrp="1"/>
+          </p:cNvSpPr>
+          <p:nvPr>
+            <p:ph idx="1"/>
+          </p:nvPr>
+        </p:nvSpPr>
+        <p:spPr>
+          <a:xfrm>
+            <a:off x="457200" y="1600201"/>
+            <a:ext cx="7467600" cy="2332856"/>
+          </a:xfrm>
+        </p:spPr>
+        <p:txBody>
+          <a:bodyPr>
+            <a:normAutofit fontScale="62500" lnSpcReduction="20000"/>
+          </a:bodyPr>
+          <a:lstStyle/>
+          <a:p>
+            <a:pPr marL="36576" indent="0">
+              <a:buNone/>
+            </a:pPr>
+            <a:r>
+              <a:rPr lang="pl-PL" dirty="0" smtClean="0"/>
+              <a:t>Po załączeniu odpowiednich elementów należało dodać do widoku dwa elementy typu </a:t>
+            </a:r>
+            <a:r>
+              <a:rPr lang="pl-PL" dirty="0" err="1" smtClean="0"/>
+              <a:t>Html.TextBoxFor</a:t>
+            </a:r>
+            <a:r>
+              <a:rPr lang="pl-PL" dirty="0" smtClean="0"/>
+              <a:t> – jeden dla daty od, drugi dla daty do – skopiowane z poprzednio używanych kontrolek. Należało w nich określić format wyświetlanego łańcucha znaków – w tym przypadku będzie to </a:t>
+            </a:r>
+            <a:r>
+              <a:rPr lang="pl-PL" dirty="0" err="1" smtClean="0"/>
+              <a:t>dd</a:t>
+            </a:r>
+            <a:r>
+              <a:rPr lang="pl-PL" dirty="0" smtClean="0"/>
+              <a:t>/MM/</a:t>
+            </a:r>
+            <a:r>
+              <a:rPr lang="pl-PL" dirty="0" err="1" smtClean="0"/>
+              <a:t>yyyy</a:t>
+            </a:r>
+            <a:r>
+              <a:rPr lang="pl-PL" dirty="0" smtClean="0"/>
+              <a:t>. Format należało podać jako drugi parametr obiektu </a:t>
+            </a:r>
+            <a:r>
+              <a:rPr lang="pl-PL" dirty="0" err="1" smtClean="0"/>
+              <a:t>Html.TextBoxFor</a:t>
+            </a:r>
+            <a:r>
+              <a:rPr lang="pl-PL" dirty="0" smtClean="0"/>
+              <a:t> (przed definiowaniem parametrów HTML) w formie: „{0:</a:t>
+            </a:r>
+            <a:r>
+              <a:rPr lang="pl-PL" i="1" dirty="0" smtClean="0"/>
+              <a:t>format</a:t>
+            </a:r>
+            <a:r>
+              <a:rPr lang="pl-PL" dirty="0" smtClean="0"/>
+              <a:t>}”. Do parametru </a:t>
+            </a:r>
+            <a:r>
+              <a:rPr lang="pl-PL" dirty="0" err="1" smtClean="0"/>
+              <a:t>class</a:t>
+            </a:r>
+            <a:r>
+              <a:rPr lang="pl-PL" dirty="0" smtClean="0"/>
+              <a:t> w trzecim argumencie należało dodać klasę „</a:t>
+            </a:r>
+            <a:r>
+              <a:rPr lang="pl-PL" dirty="0" err="1" smtClean="0"/>
+              <a:t>datepicker</a:t>
+            </a:r>
+            <a:r>
+              <a:rPr lang="pl-PL" dirty="0" smtClean="0"/>
+              <a:t>”. Tak zmodyfikowany kod powinien mieć następującą postać:</a:t>
+            </a:r>
+          </a:p>
+        </p:txBody>
+      </p:sp>
+      <p:pic>
+        <p:nvPicPr>
+          <p:cNvPr id="4" name="Obraz 3"/>
+          <p:cNvPicPr>
+            <a:picLocks noChangeAspect="1"/>
+          </p:cNvPicPr>
+          <p:nvPr/>
+        </p:nvPicPr>
+        <p:blipFill>
+          <a:blip r:embed="rId2"/>
+          <a:stretch>
+            <a:fillRect/>
+          </a:stretch>
+        </p:blipFill>
+        <p:spPr>
+          <a:xfrm>
+            <a:off x="179512" y="3933057"/>
+            <a:ext cx="8705850" cy="2076450"/>
+          </a:xfrm>
+          <a:prstGeom prst="rect">
+            <a:avLst/>
+          </a:prstGeom>
+        </p:spPr>
+      </p:pic>
+    </p:spTree>
+    <p:extLst>
+      <p:ext uri="{BB962C8B-B14F-4D97-AF65-F5344CB8AC3E}">
+        <p14:creationId xmlns:p14="http://schemas.microsoft.com/office/powerpoint/2010/main" val="3940521010"/>
+      </p:ext>
+    </p:extLst>
+  </p:cSld>
+  <p:clrMapOvr>
+    <a:masterClrMapping/>
+  </p:clrMapOvr>
+</p:sld>
+</file>
+
+<file path=ppt/slides/slide109.xml><?xml version="1.0" encoding="utf-8"?>
+<p:sld xmlns:a="http://schemas.openxmlformats.org/drawingml/2006/main" xmlns:r="http://schemas.openxmlformats.org/officeDocument/2006/relationships" xmlns:p="http://schemas.openxmlformats.org/presentationml/2006/main">
+  <p:cSld>
+    <p:spTree>
+      <p:nvGrpSpPr>
+        <p:cNvPr id="1" name=""/>
+        <p:cNvGrpSpPr/>
+        <p:nvPr/>
+      </p:nvGrpSpPr>
+      <p:grpSpPr>
+        <a:xfrm>
+          <a:off x="0" y="0"/>
+          <a:ext cx="0" cy="0"/>
+          <a:chOff x="0" y="0"/>
+          <a:chExt cx="0" cy="0"/>
+        </a:xfrm>
+      </p:grpSpPr>
+      <p:sp>
+        <p:nvSpPr>
+          <p:cNvPr id="2" name="Tytuł 1"/>
+          <p:cNvSpPr>
+            <a:spLocks noGrp="1"/>
+          </p:cNvSpPr>
+          <p:nvPr>
+            <p:ph type="title"/>
+          </p:nvPr>
+        </p:nvSpPr>
+        <p:spPr/>
+        <p:txBody>
+          <a:bodyPr>
+            <a:normAutofit fontScale="90000"/>
+          </a:bodyPr>
+          <a:lstStyle/>
+          <a:p>
+            <a:r>
+              <a:rPr lang="pl-PL" dirty="0" smtClean="0"/>
+              <a:t>Wyszukiwanie apartamentów – widok końcowy</a:t>
+            </a:r>
+            <a:endParaRPr lang="pl-PL" dirty="0"/>
+          </a:p>
+        </p:txBody>
+      </p:sp>
+      <p:pic>
+        <p:nvPicPr>
+          <p:cNvPr id="4" name="Symbol zastępczy zawartości 3"/>
+          <p:cNvPicPr>
+            <a:picLocks noGrp="1" noChangeAspect="1"/>
+          </p:cNvPicPr>
+          <p:nvPr>
+            <p:ph idx="1"/>
+          </p:nvPr>
+        </p:nvPicPr>
+        <p:blipFill>
+          <a:blip r:embed="rId2"/>
+          <a:stretch>
+            <a:fillRect/>
+          </a:stretch>
+        </p:blipFill>
+        <p:spPr>
+          <a:xfrm>
+            <a:off x="457200" y="1840706"/>
+            <a:ext cx="7467600" cy="4044950"/>
+          </a:xfrm>
+          <a:prstGeom prst="rect">
+            <a:avLst/>
+          </a:prstGeom>
+        </p:spPr>
+      </p:pic>
+    </p:spTree>
+    <p:extLst>
+      <p:ext uri="{BB962C8B-B14F-4D97-AF65-F5344CB8AC3E}">
+        <p14:creationId xmlns:p14="http://schemas.microsoft.com/office/powerpoint/2010/main" val="163988945"/>
       </p:ext>
     </p:extLst>
   </p:cSld>
@@ -4591,6 +6283,1250 @@
 </p:sld>
 </file>
 
+<file path=ppt/slides/slide110.xml><?xml version="1.0" encoding="utf-8"?>
+<p:sld xmlns:a="http://schemas.openxmlformats.org/drawingml/2006/main" xmlns:r="http://schemas.openxmlformats.org/officeDocument/2006/relationships" xmlns:p="http://schemas.openxmlformats.org/presentationml/2006/main">
+  <p:cSld>
+    <p:spTree>
+      <p:nvGrpSpPr>
+        <p:cNvPr id="1" name=""/>
+        <p:cNvGrpSpPr/>
+        <p:nvPr/>
+      </p:nvGrpSpPr>
+      <p:grpSpPr>
+        <a:xfrm>
+          <a:off x="0" y="0"/>
+          <a:ext cx="0" cy="0"/>
+          <a:chOff x="0" y="0"/>
+          <a:chExt cx="0" cy="0"/>
+        </a:xfrm>
+      </p:grpSpPr>
+      <p:sp>
+        <p:nvSpPr>
+          <p:cNvPr id="2" name="Tytuł 1"/>
+          <p:cNvSpPr>
+            <a:spLocks noGrp="1"/>
+          </p:cNvSpPr>
+          <p:nvPr>
+            <p:ph type="title"/>
+          </p:nvPr>
+        </p:nvSpPr>
+        <p:spPr/>
+        <p:txBody>
+          <a:bodyPr>
+            <a:normAutofit fontScale="90000"/>
+          </a:bodyPr>
+          <a:lstStyle/>
+          <a:p>
+            <a:r>
+              <a:rPr lang="pl-PL" dirty="0" smtClean="0"/>
+              <a:t>Rezerwacja apartamentu – model</a:t>
+            </a:r>
+            <a:endParaRPr lang="pl-PL" dirty="0"/>
+          </a:p>
+        </p:txBody>
+      </p:sp>
+      <p:sp>
+        <p:nvSpPr>
+          <p:cNvPr id="3" name="Symbol zastępczy zawartości 2"/>
+          <p:cNvSpPr>
+            <a:spLocks noGrp="1"/>
+          </p:cNvSpPr>
+          <p:nvPr>
+            <p:ph idx="1"/>
+          </p:nvPr>
+        </p:nvSpPr>
+        <p:spPr>
+          <a:xfrm>
+            <a:off x="457200" y="1600201"/>
+            <a:ext cx="7467600" cy="2260848"/>
+          </a:xfrm>
+        </p:spPr>
+        <p:txBody>
+          <a:bodyPr>
+            <a:normAutofit fontScale="62500" lnSpcReduction="20000"/>
+          </a:bodyPr>
+          <a:lstStyle/>
+          <a:p>
+            <a:pPr marL="36576" indent="0">
+              <a:buNone/>
+            </a:pPr>
+            <a:r>
+              <a:rPr lang="pl-PL" dirty="0" smtClean="0"/>
+              <a:t>Podczas rezerwacji apartamentu należy wyświetlić wszystkie informacje szczegółowe o apartamencie oraz daty rozpoczęcia i zakończenia pobytu. Utworzony zatem zostanie nowy widok służący do wyświetlania tych danych. Będzie on dziedziczył z klasy </a:t>
+            </a:r>
+            <a:r>
+              <a:rPr lang="pl-PL" dirty="0" err="1" smtClean="0"/>
+              <a:t>ApartamentyDisplayViewModel</a:t>
+            </a:r>
+            <a:r>
+              <a:rPr lang="pl-PL" dirty="0" smtClean="0"/>
+              <a:t>. </a:t>
+            </a:r>
+            <a:r>
+              <a:rPr lang="pl-PL" dirty="0"/>
+              <a:t>J</a:t>
+            </a:r>
+            <a:r>
+              <a:rPr lang="pl-PL" dirty="0" smtClean="0"/>
+              <a:t>ego konstruktor będzie przyjmował obiekt klasy Apartamenty i wykonywał tę samą operację co konstruktor, z którego dziedziczy. Dodatkowo klasa będzie miała dwa pola: </a:t>
+            </a:r>
+            <a:r>
+              <a:rPr lang="pl-PL" dirty="0" err="1" smtClean="0"/>
+              <a:t>DataOd</a:t>
+            </a:r>
+            <a:r>
+              <a:rPr lang="pl-PL" dirty="0" smtClean="0"/>
+              <a:t> i </a:t>
+            </a:r>
+            <a:r>
+              <a:rPr lang="pl-PL" dirty="0" err="1" smtClean="0"/>
+              <a:t>DataDo</a:t>
+            </a:r>
+            <a:r>
+              <a:rPr lang="pl-PL" dirty="0" smtClean="0"/>
+              <a:t>, takie same jak w </a:t>
+            </a:r>
+            <a:r>
+              <a:rPr lang="pl-PL" dirty="0" err="1" smtClean="0"/>
+              <a:t>ApartamentyFilterViewModel</a:t>
+            </a:r>
+            <a:r>
+              <a:rPr lang="pl-PL" dirty="0" smtClean="0"/>
+              <a:t>.</a:t>
+            </a:r>
+            <a:endParaRPr lang="pl-PL" dirty="0"/>
+          </a:p>
+        </p:txBody>
+      </p:sp>
+      <p:pic>
+        <p:nvPicPr>
+          <p:cNvPr id="4" name="Obraz 3"/>
+          <p:cNvPicPr>
+            <a:picLocks noChangeAspect="1"/>
+          </p:cNvPicPr>
+          <p:nvPr/>
+        </p:nvPicPr>
+        <p:blipFill>
+          <a:blip r:embed="rId2"/>
+          <a:stretch>
+            <a:fillRect/>
+          </a:stretch>
+        </p:blipFill>
+        <p:spPr>
+          <a:xfrm>
+            <a:off x="1600200" y="4002057"/>
+            <a:ext cx="5181600" cy="2286000"/>
+          </a:xfrm>
+          <a:prstGeom prst="rect">
+            <a:avLst/>
+          </a:prstGeom>
+        </p:spPr>
+      </p:pic>
+    </p:spTree>
+    <p:extLst>
+      <p:ext uri="{BB962C8B-B14F-4D97-AF65-F5344CB8AC3E}">
+        <p14:creationId xmlns:p14="http://schemas.microsoft.com/office/powerpoint/2010/main" val="2124648071"/>
+      </p:ext>
+    </p:extLst>
+  </p:cSld>
+  <p:clrMapOvr>
+    <a:masterClrMapping/>
+  </p:clrMapOvr>
+</p:sld>
+</file>
+
+<file path=ppt/slides/slide111.xml><?xml version="1.0" encoding="utf-8"?>
+<p:sld xmlns:a="http://schemas.openxmlformats.org/drawingml/2006/main" xmlns:r="http://schemas.openxmlformats.org/officeDocument/2006/relationships" xmlns:p="http://schemas.openxmlformats.org/presentationml/2006/main">
+  <p:cSld>
+    <p:spTree>
+      <p:nvGrpSpPr>
+        <p:cNvPr id="1" name=""/>
+        <p:cNvGrpSpPr/>
+        <p:nvPr/>
+      </p:nvGrpSpPr>
+      <p:grpSpPr>
+        <a:xfrm>
+          <a:off x="0" y="0"/>
+          <a:ext cx="0" cy="0"/>
+          <a:chOff x="0" y="0"/>
+          <a:chExt cx="0" cy="0"/>
+        </a:xfrm>
+      </p:grpSpPr>
+      <p:sp>
+        <p:nvSpPr>
+          <p:cNvPr id="2" name="Tytuł 1"/>
+          <p:cNvSpPr>
+            <a:spLocks noGrp="1"/>
+          </p:cNvSpPr>
+          <p:nvPr>
+            <p:ph type="title"/>
+          </p:nvPr>
+        </p:nvSpPr>
+        <p:spPr/>
+        <p:txBody>
+          <a:bodyPr>
+            <a:normAutofit fontScale="90000"/>
+          </a:bodyPr>
+          <a:lstStyle/>
+          <a:p>
+            <a:r>
+              <a:rPr lang="pl-PL" dirty="0"/>
+              <a:t>Rezerwacja apartamentu - widok</a:t>
+            </a:r>
+          </a:p>
+        </p:txBody>
+      </p:sp>
+      <p:sp>
+        <p:nvSpPr>
+          <p:cNvPr id="3" name="Symbol zastępczy zawartości 2"/>
+          <p:cNvSpPr>
+            <a:spLocks noGrp="1"/>
+          </p:cNvSpPr>
+          <p:nvPr>
+            <p:ph idx="1"/>
+          </p:nvPr>
+        </p:nvSpPr>
+        <p:spPr/>
+        <p:txBody>
+          <a:bodyPr>
+            <a:normAutofit fontScale="77500" lnSpcReduction="20000"/>
+          </a:bodyPr>
+          <a:lstStyle/>
+          <a:p>
+            <a:pPr marL="36576" indent="0">
+              <a:buNone/>
+            </a:pPr>
+            <a:r>
+              <a:rPr lang="pl-PL" dirty="0"/>
+              <a:t>Widok Apartament zostanie wygenerowany automatycznie jako widok typu </a:t>
+            </a:r>
+            <a:r>
+              <a:rPr lang="pl-PL" dirty="0" err="1"/>
+              <a:t>Details</a:t>
+            </a:r>
+            <a:r>
+              <a:rPr lang="pl-PL" dirty="0"/>
+              <a:t> dla modelu </a:t>
+            </a:r>
+            <a:r>
+              <a:rPr lang="pl-PL" dirty="0" err="1"/>
+              <a:t>ApartamentyReserveViewModel</a:t>
+            </a:r>
+            <a:r>
+              <a:rPr lang="pl-PL" dirty="0"/>
+              <a:t>. Do tak utworzonego widoku należy dodać właściwości tylko do odczytu, takie jak Ocena czy </a:t>
+            </a:r>
+            <a:r>
+              <a:rPr lang="pl-PL" dirty="0" err="1"/>
+              <a:t>WlascicielImieNazwisko</a:t>
+            </a:r>
+            <a:r>
+              <a:rPr lang="pl-PL" dirty="0"/>
+              <a:t>. Należy usunąć kontrolki dat i </a:t>
+            </a:r>
+            <a:r>
+              <a:rPr lang="pl-PL" dirty="0" err="1"/>
+              <a:t>IdWlasciciel</a:t>
+            </a:r>
+            <a:r>
+              <a:rPr lang="pl-PL" dirty="0"/>
+              <a:t>.</a:t>
+            </a:r>
+          </a:p>
+          <a:p>
+            <a:pPr marL="36576" indent="0">
+              <a:buNone/>
+            </a:pPr>
+            <a:r>
+              <a:rPr lang="pl-PL" dirty="0"/>
+              <a:t>Na dole widoku należy dodać przycisk „Rezerwuj”, który wyśle dane do akcji POST. Na górze widoku należy dodać kontrolki wyboru daty jak w poprzednim widoku</a:t>
+            </a:r>
+            <a:r>
+              <a:rPr lang="pl-PL" dirty="0" smtClean="0"/>
+              <a:t>.</a:t>
+            </a:r>
+          </a:p>
+          <a:p>
+            <a:pPr marL="36576" indent="0">
+              <a:buNone/>
+            </a:pPr>
+            <a:r>
+              <a:rPr lang="pl-PL" dirty="0" smtClean="0"/>
+              <a:t>Cały obszar od kontrolek daty do przycisku „Rezerwuj” należy otoczyć instrukcją @</a:t>
+            </a:r>
+            <a:r>
+              <a:rPr lang="pl-PL" dirty="0" err="1" smtClean="0"/>
+              <a:t>using</a:t>
+            </a:r>
+            <a:r>
+              <a:rPr lang="pl-PL" dirty="0" smtClean="0"/>
+              <a:t> (</a:t>
+            </a:r>
+            <a:r>
+              <a:rPr lang="pl-PL" dirty="0" err="1" smtClean="0"/>
+              <a:t>Html.BeginForm</a:t>
+            </a:r>
+            <a:r>
+              <a:rPr lang="pl-PL" dirty="0" smtClean="0"/>
+              <a:t>()). Oprócz tego należy dodać element @</a:t>
+            </a:r>
+            <a:r>
+              <a:rPr lang="pl-PL" dirty="0" err="1" smtClean="0"/>
+              <a:t>Html.HiddenFor</a:t>
+            </a:r>
+            <a:r>
+              <a:rPr lang="pl-PL" dirty="0" smtClean="0"/>
+              <a:t>(model =&gt; </a:t>
+            </a:r>
+            <a:r>
+              <a:rPr lang="pl-PL" dirty="0" err="1" smtClean="0"/>
+              <a:t>model.IdApartamentu</a:t>
+            </a:r>
+            <a:r>
+              <a:rPr lang="pl-PL" dirty="0" smtClean="0"/>
+              <a:t>), aby Id apartamentu zostało przesłane do akcji POST.</a:t>
+            </a:r>
+            <a:endParaRPr lang="pl-PL" dirty="0"/>
+          </a:p>
+        </p:txBody>
+      </p:sp>
+    </p:spTree>
+    <p:extLst>
+      <p:ext uri="{BB962C8B-B14F-4D97-AF65-F5344CB8AC3E}">
+        <p14:creationId xmlns:p14="http://schemas.microsoft.com/office/powerpoint/2010/main" val="1935173239"/>
+      </p:ext>
+    </p:extLst>
+  </p:cSld>
+  <p:clrMapOvr>
+    <a:masterClrMapping/>
+  </p:clrMapOvr>
+</p:sld>
+</file>
+
+<file path=ppt/slides/slide112.xml><?xml version="1.0" encoding="utf-8"?>
+<p:sld xmlns:a="http://schemas.openxmlformats.org/drawingml/2006/main" xmlns:r="http://schemas.openxmlformats.org/officeDocument/2006/relationships" xmlns:p="http://schemas.openxmlformats.org/presentationml/2006/main">
+  <p:cSld>
+    <p:spTree>
+      <p:nvGrpSpPr>
+        <p:cNvPr id="1" name=""/>
+        <p:cNvGrpSpPr/>
+        <p:nvPr/>
+      </p:nvGrpSpPr>
+      <p:grpSpPr>
+        <a:xfrm>
+          <a:off x="0" y="0"/>
+          <a:ext cx="0" cy="0"/>
+          <a:chOff x="0" y="0"/>
+          <a:chExt cx="0" cy="0"/>
+        </a:xfrm>
+      </p:grpSpPr>
+      <p:sp>
+        <p:nvSpPr>
+          <p:cNvPr id="2" name="Tytuł 1"/>
+          <p:cNvSpPr>
+            <a:spLocks noGrp="1"/>
+          </p:cNvSpPr>
+          <p:nvPr>
+            <p:ph type="title"/>
+          </p:nvPr>
+        </p:nvSpPr>
+        <p:spPr/>
+        <p:txBody>
+          <a:bodyPr>
+            <a:normAutofit fontScale="90000"/>
+          </a:bodyPr>
+          <a:lstStyle/>
+          <a:p>
+            <a:r>
+              <a:rPr lang="pl-PL" dirty="0" smtClean="0"/>
+              <a:t>Rezerwacja apartamentu - widok</a:t>
+            </a:r>
+            <a:endParaRPr lang="pl-PL" dirty="0"/>
+          </a:p>
+        </p:txBody>
+      </p:sp>
+      <p:sp>
+        <p:nvSpPr>
+          <p:cNvPr id="3" name="Symbol zastępczy zawartości 2"/>
+          <p:cNvSpPr>
+            <a:spLocks noGrp="1"/>
+          </p:cNvSpPr>
+          <p:nvPr>
+            <p:ph idx="1"/>
+          </p:nvPr>
+        </p:nvSpPr>
+        <p:spPr>
+          <a:xfrm>
+            <a:off x="457200" y="1600201"/>
+            <a:ext cx="7467600" cy="2507047"/>
+          </a:xfrm>
+        </p:spPr>
+        <p:txBody>
+          <a:bodyPr>
+            <a:normAutofit fontScale="70000" lnSpcReduction="20000"/>
+          </a:bodyPr>
+          <a:lstStyle/>
+          <a:p>
+            <a:pPr marL="36576" indent="0">
+              <a:buNone/>
+            </a:pPr>
+            <a:r>
+              <a:rPr lang="pl-PL" dirty="0" smtClean="0"/>
+              <a:t>Pod przyciskiem „Rezerwuj” </a:t>
+            </a:r>
+            <a:r>
+              <a:rPr lang="pl-PL" dirty="0" smtClean="0"/>
+              <a:t>należy dodać </a:t>
+            </a:r>
+            <a:r>
+              <a:rPr lang="pl-PL" dirty="0" smtClean="0"/>
+              <a:t>sekcję </a:t>
+            </a:r>
+            <a:r>
+              <a:rPr lang="pl-PL" dirty="0" smtClean="0"/>
+              <a:t>„Komentarze”. Jeżeli właściwość Wizyty dla apartamentu będzie wynosić </a:t>
+            </a:r>
+            <a:r>
+              <a:rPr lang="pl-PL" dirty="0" err="1" smtClean="0"/>
+              <a:t>null</a:t>
+            </a:r>
+            <a:r>
+              <a:rPr lang="pl-PL" dirty="0" smtClean="0"/>
+              <a:t> lub nie będzie żadnych komentarzy, wyświetlony zostanie napis „Brak komentarzy”, w przeciwnym razie wyświetlona zostanie lista komentarzy, gdzie w każdym z nich wyszczególniony jest: autor, termin pobytu, ocena i treść komentarza. Komentarze ułożone są malejąco datą rozpoczęcia </a:t>
+            </a:r>
+            <a:r>
+              <a:rPr lang="pl-PL" dirty="0" smtClean="0"/>
+              <a:t>pobytu.</a:t>
+            </a:r>
+          </a:p>
+        </p:txBody>
+      </p:sp>
+      <p:pic>
+        <p:nvPicPr>
+          <p:cNvPr id="4" name="Obraz 3"/>
+          <p:cNvPicPr>
+            <a:picLocks noChangeAspect="1"/>
+          </p:cNvPicPr>
+          <p:nvPr/>
+        </p:nvPicPr>
+        <p:blipFill>
+          <a:blip r:embed="rId2"/>
+          <a:stretch>
+            <a:fillRect/>
+          </a:stretch>
+        </p:blipFill>
+        <p:spPr>
+          <a:xfrm>
+            <a:off x="936811" y="4289811"/>
+            <a:ext cx="6508378" cy="2164819"/>
+          </a:xfrm>
+          <a:prstGeom prst="rect">
+            <a:avLst/>
+          </a:prstGeom>
+        </p:spPr>
+      </p:pic>
+    </p:spTree>
+    <p:extLst>
+      <p:ext uri="{BB962C8B-B14F-4D97-AF65-F5344CB8AC3E}">
+        <p14:creationId xmlns:p14="http://schemas.microsoft.com/office/powerpoint/2010/main" val="2444690310"/>
+      </p:ext>
+    </p:extLst>
+  </p:cSld>
+  <p:clrMapOvr>
+    <a:masterClrMapping/>
+  </p:clrMapOvr>
+</p:sld>
+</file>
+
+<file path=ppt/slides/slide113.xml><?xml version="1.0" encoding="utf-8"?>
+<p:sld xmlns:a="http://schemas.openxmlformats.org/drawingml/2006/main" xmlns:r="http://schemas.openxmlformats.org/officeDocument/2006/relationships" xmlns:p="http://schemas.openxmlformats.org/presentationml/2006/main">
+  <p:cSld>
+    <p:spTree>
+      <p:nvGrpSpPr>
+        <p:cNvPr id="1" name=""/>
+        <p:cNvGrpSpPr/>
+        <p:nvPr/>
+      </p:nvGrpSpPr>
+      <p:grpSpPr>
+        <a:xfrm>
+          <a:off x="0" y="0"/>
+          <a:ext cx="0" cy="0"/>
+          <a:chOff x="0" y="0"/>
+          <a:chExt cx="0" cy="0"/>
+        </a:xfrm>
+      </p:grpSpPr>
+      <p:sp>
+        <p:nvSpPr>
+          <p:cNvPr id="2" name="Tytuł 1"/>
+          <p:cNvSpPr>
+            <a:spLocks noGrp="1"/>
+          </p:cNvSpPr>
+          <p:nvPr>
+            <p:ph type="title"/>
+          </p:nvPr>
+        </p:nvSpPr>
+        <p:spPr/>
+        <p:txBody>
+          <a:bodyPr>
+            <a:normAutofit fontScale="90000"/>
+          </a:bodyPr>
+          <a:lstStyle/>
+          <a:p>
+            <a:r>
+              <a:rPr lang="pl-PL" dirty="0" smtClean="0"/>
+              <a:t>Rezerwacja </a:t>
+            </a:r>
+            <a:r>
+              <a:rPr lang="pl-PL" dirty="0"/>
+              <a:t>apartamentu </a:t>
+            </a:r>
+            <a:r>
+              <a:rPr lang="pl-PL" dirty="0" smtClean="0"/>
+              <a:t>- kontroler</a:t>
+            </a:r>
+            <a:endParaRPr lang="pl-PL" dirty="0"/>
+          </a:p>
+        </p:txBody>
+      </p:sp>
+      <p:sp>
+        <p:nvSpPr>
+          <p:cNvPr id="3" name="Symbol zastępczy zawartości 2"/>
+          <p:cNvSpPr>
+            <a:spLocks noGrp="1"/>
+          </p:cNvSpPr>
+          <p:nvPr>
+            <p:ph idx="1"/>
+          </p:nvPr>
+        </p:nvSpPr>
+        <p:spPr/>
+        <p:txBody>
+          <a:bodyPr>
+            <a:normAutofit fontScale="70000" lnSpcReduction="20000"/>
+          </a:bodyPr>
+          <a:lstStyle/>
+          <a:p>
+            <a:pPr marL="36576" indent="0">
+              <a:buNone/>
+            </a:pPr>
+            <a:r>
+              <a:rPr lang="pl-PL" dirty="0" smtClean="0"/>
+              <a:t>Akcja GET kontrolera Apartament powinna przyjmować Id apartamentu oraz daty od i do pobytu wybrane podczas filtrowania apartamentów (daty będą przekazywane automatycznie, jednak z możliwością ich edycji).</a:t>
+            </a:r>
+          </a:p>
+          <a:p>
+            <a:pPr marL="36576" indent="0">
+              <a:buNone/>
+            </a:pPr>
+            <a:r>
+              <a:rPr lang="pl-PL" dirty="0" smtClean="0"/>
+              <a:t>Aby przekazać z widoku częściowego datę, dostępną jedynie w widoku głównym i kontrolerze GET, ale nie w widoku </a:t>
+            </a:r>
+            <a:r>
+              <a:rPr lang="pl-PL" dirty="0" err="1" smtClean="0"/>
+              <a:t>ListaApartamenty</a:t>
+            </a:r>
+            <a:r>
+              <a:rPr lang="pl-PL" dirty="0" smtClean="0"/>
+              <a:t>, należy umieścić w </a:t>
+            </a:r>
+            <a:r>
+              <a:rPr lang="pl-PL" dirty="0" err="1" smtClean="0"/>
+              <a:t>ViewData</a:t>
+            </a:r>
+            <a:r>
+              <a:rPr lang="pl-PL" dirty="0" smtClean="0"/>
+              <a:t> wartości dat pobrane z filtra, a następnie przekazać je jako parametr wejściowy do widoku Apartament.</a:t>
+            </a:r>
+          </a:p>
+          <a:p>
+            <a:pPr marL="36576" indent="0">
+              <a:buNone/>
+            </a:pPr>
+            <a:r>
+              <a:rPr lang="pl-PL" dirty="0" smtClean="0"/>
+              <a:t>W akcji POST najpierw zostanie wykonane sprawdzenie, czy data nie koliduje z zarezerwowanymi już wizytami – jeśli tak, powróć do widoku Apartament, jeśli nie, do apartamentu dodana zostanie rezerwacja, którą następnie należy zapisać w bazie i przejść do – jeszcze nie wykonanej – listy wizyt.</a:t>
+            </a:r>
+          </a:p>
+        </p:txBody>
+      </p:sp>
+    </p:spTree>
+    <p:extLst>
+      <p:ext uri="{BB962C8B-B14F-4D97-AF65-F5344CB8AC3E}">
+        <p14:creationId xmlns:p14="http://schemas.microsoft.com/office/powerpoint/2010/main" val="3295154669"/>
+      </p:ext>
+    </p:extLst>
+  </p:cSld>
+  <p:clrMapOvr>
+    <a:masterClrMapping/>
+  </p:clrMapOvr>
+</p:sld>
+</file>
+
+<file path=ppt/slides/slide114.xml><?xml version="1.0" encoding="utf-8"?>
+<p:sld xmlns:a="http://schemas.openxmlformats.org/drawingml/2006/main" xmlns:r="http://schemas.openxmlformats.org/officeDocument/2006/relationships" xmlns:p="http://schemas.openxmlformats.org/presentationml/2006/main">
+  <p:cSld>
+    <p:spTree>
+      <p:nvGrpSpPr>
+        <p:cNvPr id="1" name=""/>
+        <p:cNvGrpSpPr/>
+        <p:nvPr/>
+      </p:nvGrpSpPr>
+      <p:grpSpPr>
+        <a:xfrm>
+          <a:off x="0" y="0"/>
+          <a:ext cx="0" cy="0"/>
+          <a:chOff x="0" y="0"/>
+          <a:chExt cx="0" cy="0"/>
+        </a:xfrm>
+      </p:grpSpPr>
+      <p:sp>
+        <p:nvSpPr>
+          <p:cNvPr id="2" name="Tytuł 1"/>
+          <p:cNvSpPr>
+            <a:spLocks noGrp="1"/>
+          </p:cNvSpPr>
+          <p:nvPr>
+            <p:ph type="title"/>
+          </p:nvPr>
+        </p:nvSpPr>
+        <p:spPr/>
+        <p:txBody>
+          <a:bodyPr>
+            <a:normAutofit fontScale="90000"/>
+          </a:bodyPr>
+          <a:lstStyle/>
+          <a:p>
+            <a:r>
+              <a:rPr lang="pl-PL" dirty="0"/>
+              <a:t>Rezerwacja apartamentu </a:t>
+            </a:r>
+            <a:r>
+              <a:rPr lang="pl-PL" dirty="0" smtClean="0"/>
+              <a:t>- </a:t>
+            </a:r>
+            <a:r>
+              <a:rPr lang="pl-PL" dirty="0"/>
+              <a:t>kontroler</a:t>
+            </a:r>
+          </a:p>
+        </p:txBody>
+      </p:sp>
+      <p:pic>
+        <p:nvPicPr>
+          <p:cNvPr id="7" name="Symbol zastępczy zawartości 6"/>
+          <p:cNvPicPr>
+            <a:picLocks noGrp="1" noChangeAspect="1"/>
+          </p:cNvPicPr>
+          <p:nvPr>
+            <p:ph idx="1"/>
+          </p:nvPr>
+        </p:nvPicPr>
+        <p:blipFill>
+          <a:blip r:embed="rId2"/>
+          <a:stretch>
+            <a:fillRect/>
+          </a:stretch>
+        </p:blipFill>
+        <p:spPr>
+          <a:xfrm>
+            <a:off x="457200" y="1988840"/>
+            <a:ext cx="7143750" cy="3686175"/>
+          </a:xfrm>
+          <a:prstGeom prst="rect">
+            <a:avLst/>
+          </a:prstGeom>
+        </p:spPr>
+      </p:pic>
+      <p:pic>
+        <p:nvPicPr>
+          <p:cNvPr id="8" name="Obraz 7"/>
+          <p:cNvPicPr>
+            <a:picLocks noChangeAspect="1"/>
+          </p:cNvPicPr>
+          <p:nvPr/>
+        </p:nvPicPr>
+        <p:blipFill>
+          <a:blip r:embed="rId3"/>
+          <a:stretch>
+            <a:fillRect/>
+          </a:stretch>
+        </p:blipFill>
+        <p:spPr>
+          <a:xfrm>
+            <a:off x="3707904" y="4531403"/>
+            <a:ext cx="5286375" cy="1743075"/>
+          </a:xfrm>
+          <a:prstGeom prst="rect">
+            <a:avLst/>
+          </a:prstGeom>
+          <a:effectLst>
+            <a:outerShdw blurRad="50800" dist="38100" dir="13500000" algn="br" rotWithShape="0">
+              <a:prstClr val="black">
+                <a:alpha val="40000"/>
+              </a:prstClr>
+            </a:outerShdw>
+          </a:effectLst>
+        </p:spPr>
+      </p:pic>
+    </p:spTree>
+    <p:extLst>
+      <p:ext uri="{BB962C8B-B14F-4D97-AF65-F5344CB8AC3E}">
+        <p14:creationId xmlns:p14="http://schemas.microsoft.com/office/powerpoint/2010/main" val="4121610217"/>
+      </p:ext>
+    </p:extLst>
+  </p:cSld>
+  <p:clrMapOvr>
+    <a:masterClrMapping/>
+  </p:clrMapOvr>
+</p:sld>
+</file>
+
+<file path=ppt/slides/slide115.xml><?xml version="1.0" encoding="utf-8"?>
+<p:sld xmlns:a="http://schemas.openxmlformats.org/drawingml/2006/main" xmlns:r="http://schemas.openxmlformats.org/officeDocument/2006/relationships" xmlns:p="http://schemas.openxmlformats.org/presentationml/2006/main">
+  <p:cSld>
+    <p:spTree>
+      <p:nvGrpSpPr>
+        <p:cNvPr id="1" name=""/>
+        <p:cNvGrpSpPr/>
+        <p:nvPr/>
+      </p:nvGrpSpPr>
+      <p:grpSpPr>
+        <a:xfrm>
+          <a:off x="0" y="0"/>
+          <a:ext cx="0" cy="0"/>
+          <a:chOff x="0" y="0"/>
+          <a:chExt cx="0" cy="0"/>
+        </a:xfrm>
+      </p:grpSpPr>
+      <p:sp>
+        <p:nvSpPr>
+          <p:cNvPr id="2" name="Tytuł 1"/>
+          <p:cNvSpPr>
+            <a:spLocks noGrp="1"/>
+          </p:cNvSpPr>
+          <p:nvPr>
+            <p:ph type="title"/>
+          </p:nvPr>
+        </p:nvSpPr>
+        <p:spPr/>
+        <p:txBody>
+          <a:bodyPr>
+            <a:normAutofit fontScale="90000"/>
+          </a:bodyPr>
+          <a:lstStyle/>
+          <a:p>
+            <a:r>
+              <a:rPr lang="pl-PL" dirty="0" smtClean="0"/>
+              <a:t>Rezerwacja apartamentu – </a:t>
+            </a:r>
+            <a:r>
+              <a:rPr lang="pl-PL" smtClean="0"/>
+              <a:t>widok końcowy</a:t>
+            </a:r>
+            <a:endParaRPr lang="pl-PL" dirty="0"/>
+          </a:p>
+        </p:txBody>
+      </p:sp>
+      <p:pic>
+        <p:nvPicPr>
+          <p:cNvPr id="5" name="Symbol zastępczy zawartości 4"/>
+          <p:cNvPicPr>
+            <a:picLocks noGrp="1" noChangeAspect="1"/>
+          </p:cNvPicPr>
+          <p:nvPr>
+            <p:ph idx="1"/>
+          </p:nvPr>
+        </p:nvPicPr>
+        <p:blipFill>
+          <a:blip r:embed="rId2"/>
+          <a:stretch>
+            <a:fillRect/>
+          </a:stretch>
+        </p:blipFill>
+        <p:spPr>
+          <a:xfrm>
+            <a:off x="1916647" y="1600200"/>
+            <a:ext cx="4548706" cy="4525963"/>
+          </a:xfrm>
+          <a:prstGeom prst="rect">
+            <a:avLst/>
+          </a:prstGeom>
+        </p:spPr>
+      </p:pic>
+    </p:spTree>
+    <p:extLst>
+      <p:ext uri="{BB962C8B-B14F-4D97-AF65-F5344CB8AC3E}">
+        <p14:creationId xmlns:p14="http://schemas.microsoft.com/office/powerpoint/2010/main" val="1554930869"/>
+      </p:ext>
+    </p:extLst>
+  </p:cSld>
+  <p:clrMapOvr>
+    <a:masterClrMapping/>
+  </p:clrMapOvr>
+</p:sld>
+</file>
+
+<file path=ppt/slides/slide116.xml><?xml version="1.0" encoding="utf-8"?>
+<p:sld xmlns:a="http://schemas.openxmlformats.org/drawingml/2006/main" xmlns:r="http://schemas.openxmlformats.org/officeDocument/2006/relationships" xmlns:p="http://schemas.openxmlformats.org/presentationml/2006/main">
+  <p:cSld>
+    <p:spTree>
+      <p:nvGrpSpPr>
+        <p:cNvPr id="1" name=""/>
+        <p:cNvGrpSpPr/>
+        <p:nvPr/>
+      </p:nvGrpSpPr>
+      <p:grpSpPr>
+        <a:xfrm>
+          <a:off x="0" y="0"/>
+          <a:ext cx="0" cy="0"/>
+          <a:chOff x="0" y="0"/>
+          <a:chExt cx="0" cy="0"/>
+        </a:xfrm>
+      </p:grpSpPr>
+      <p:sp>
+        <p:nvSpPr>
+          <p:cNvPr id="2" name="Tytuł 1"/>
+          <p:cNvSpPr>
+            <a:spLocks noGrp="1"/>
+          </p:cNvSpPr>
+          <p:nvPr>
+            <p:ph type="title"/>
+          </p:nvPr>
+        </p:nvSpPr>
+        <p:spPr/>
+        <p:txBody>
+          <a:bodyPr/>
+          <a:lstStyle/>
+          <a:p>
+            <a:r>
+              <a:rPr lang="pl-PL" dirty="0" smtClean="0"/>
+              <a:t>Lista wizyt</a:t>
+            </a:r>
+            <a:endParaRPr lang="pl-PL" dirty="0"/>
+          </a:p>
+        </p:txBody>
+      </p:sp>
+      <p:sp>
+        <p:nvSpPr>
+          <p:cNvPr id="3" name="Symbol zastępczy zawartości 2"/>
+          <p:cNvSpPr>
+            <a:spLocks noGrp="1"/>
+          </p:cNvSpPr>
+          <p:nvPr>
+            <p:ph idx="1"/>
+          </p:nvPr>
+        </p:nvSpPr>
+        <p:spPr/>
+        <p:txBody>
+          <a:bodyPr/>
+          <a:lstStyle/>
+          <a:p>
+            <a:endParaRPr lang="pl-PL"/>
+          </a:p>
+        </p:txBody>
+      </p:sp>
+    </p:spTree>
+    <p:extLst>
+      <p:ext uri="{BB962C8B-B14F-4D97-AF65-F5344CB8AC3E}">
+        <p14:creationId xmlns:p14="http://schemas.microsoft.com/office/powerpoint/2010/main" val="66880897"/>
+      </p:ext>
+    </p:extLst>
+  </p:cSld>
+  <p:clrMapOvr>
+    <a:masterClrMapping/>
+  </p:clrMapOvr>
+</p:sld>
+</file>
+
+<file path=ppt/slides/slide117.xml><?xml version="1.0" encoding="utf-8"?>
+<p:sld xmlns:a="http://schemas.openxmlformats.org/drawingml/2006/main" xmlns:r="http://schemas.openxmlformats.org/officeDocument/2006/relationships" xmlns:p="http://schemas.openxmlformats.org/presentationml/2006/main">
+  <p:cSld>
+    <p:spTree>
+      <p:nvGrpSpPr>
+        <p:cNvPr id="1" name=""/>
+        <p:cNvGrpSpPr/>
+        <p:nvPr/>
+      </p:nvGrpSpPr>
+      <p:grpSpPr>
+        <a:xfrm>
+          <a:off x="0" y="0"/>
+          <a:ext cx="0" cy="0"/>
+          <a:chOff x="0" y="0"/>
+          <a:chExt cx="0" cy="0"/>
+        </a:xfrm>
+      </p:grpSpPr>
+      <p:sp>
+        <p:nvSpPr>
+          <p:cNvPr id="2" name="Tytuł 1"/>
+          <p:cNvSpPr>
+            <a:spLocks noGrp="1"/>
+          </p:cNvSpPr>
+          <p:nvPr>
+            <p:ph type="title"/>
+          </p:nvPr>
+        </p:nvSpPr>
+        <p:spPr/>
+        <p:txBody>
+          <a:bodyPr/>
+          <a:lstStyle/>
+          <a:p>
+            <a:r>
+              <a:rPr lang="pl-PL" dirty="0" smtClean="0"/>
+              <a:t>Komentarze i odpowiedzi</a:t>
+            </a:r>
+            <a:endParaRPr lang="pl-PL" dirty="0"/>
+          </a:p>
+        </p:txBody>
+      </p:sp>
+      <p:sp>
+        <p:nvSpPr>
+          <p:cNvPr id="3" name="Symbol zastępczy zawartości 2"/>
+          <p:cNvSpPr>
+            <a:spLocks noGrp="1"/>
+          </p:cNvSpPr>
+          <p:nvPr>
+            <p:ph idx="1"/>
+          </p:nvPr>
+        </p:nvSpPr>
+        <p:spPr/>
+        <p:txBody>
+          <a:bodyPr/>
+          <a:lstStyle/>
+          <a:p>
+            <a:endParaRPr lang="pl-PL" dirty="0"/>
+          </a:p>
+        </p:txBody>
+      </p:sp>
+    </p:spTree>
+    <p:extLst>
+      <p:ext uri="{BB962C8B-B14F-4D97-AF65-F5344CB8AC3E}">
+        <p14:creationId xmlns:p14="http://schemas.microsoft.com/office/powerpoint/2010/main" val="3651634519"/>
+      </p:ext>
+    </p:extLst>
+  </p:cSld>
+  <p:clrMapOvr>
+    <a:masterClrMapping/>
+  </p:clrMapOvr>
+</p:sld>
+</file>
+
+<file path=ppt/slides/slide118.xml><?xml version="1.0" encoding="utf-8"?>
+<p:sld xmlns:a="http://schemas.openxmlformats.org/drawingml/2006/main" xmlns:r="http://schemas.openxmlformats.org/officeDocument/2006/relationships" xmlns:p="http://schemas.openxmlformats.org/presentationml/2006/main">
+  <p:cSld>
+    <p:spTree>
+      <p:nvGrpSpPr>
+        <p:cNvPr id="1" name=""/>
+        <p:cNvGrpSpPr/>
+        <p:nvPr/>
+      </p:nvGrpSpPr>
+      <p:grpSpPr>
+        <a:xfrm>
+          <a:off x="0" y="0"/>
+          <a:ext cx="0" cy="0"/>
+          <a:chOff x="0" y="0"/>
+          <a:chExt cx="0" cy="0"/>
+        </a:xfrm>
+      </p:grpSpPr>
+      <p:sp>
+        <p:nvSpPr>
+          <p:cNvPr id="2" name="Tytuł 1"/>
+          <p:cNvSpPr>
+            <a:spLocks noGrp="1"/>
+          </p:cNvSpPr>
+          <p:nvPr>
+            <p:ph type="title"/>
+          </p:nvPr>
+        </p:nvSpPr>
+        <p:spPr/>
+        <p:txBody>
+          <a:bodyPr/>
+          <a:lstStyle/>
+          <a:p>
+            <a:r>
+              <a:rPr lang="pl-PL" dirty="0" smtClean="0"/>
+              <a:t>Uprawnienia</a:t>
+            </a:r>
+            <a:endParaRPr lang="pl-PL" dirty="0"/>
+          </a:p>
+        </p:txBody>
+      </p:sp>
+      <p:sp>
+        <p:nvSpPr>
+          <p:cNvPr id="3" name="Symbol zastępczy zawartości 2"/>
+          <p:cNvSpPr>
+            <a:spLocks noGrp="1"/>
+          </p:cNvSpPr>
+          <p:nvPr>
+            <p:ph idx="1"/>
+          </p:nvPr>
+        </p:nvSpPr>
+        <p:spPr/>
+        <p:txBody>
+          <a:bodyPr/>
+          <a:lstStyle/>
+          <a:p>
+            <a:endParaRPr lang="pl-PL"/>
+          </a:p>
+        </p:txBody>
+      </p:sp>
+    </p:spTree>
+    <p:extLst>
+      <p:ext uri="{BB962C8B-B14F-4D97-AF65-F5344CB8AC3E}">
+        <p14:creationId xmlns:p14="http://schemas.microsoft.com/office/powerpoint/2010/main" val="588088974"/>
+      </p:ext>
+    </p:extLst>
+  </p:cSld>
+  <p:clrMapOvr>
+    <a:masterClrMapping/>
+  </p:clrMapOvr>
+</p:sld>
+</file>
+
+<file path=ppt/slides/slide119.xml><?xml version="1.0" encoding="utf-8"?>
+<p:sld xmlns:a="http://schemas.openxmlformats.org/drawingml/2006/main" xmlns:r="http://schemas.openxmlformats.org/officeDocument/2006/relationships" xmlns:p="http://schemas.openxmlformats.org/presentationml/2006/main">
+  <p:cSld>
+    <p:spTree>
+      <p:nvGrpSpPr>
+        <p:cNvPr id="1" name=""/>
+        <p:cNvGrpSpPr/>
+        <p:nvPr/>
+      </p:nvGrpSpPr>
+      <p:grpSpPr>
+        <a:xfrm>
+          <a:off x="0" y="0"/>
+          <a:ext cx="0" cy="0"/>
+          <a:chOff x="0" y="0"/>
+          <a:chExt cx="0" cy="0"/>
+        </a:xfrm>
+      </p:grpSpPr>
+      <p:sp>
+        <p:nvSpPr>
+          <p:cNvPr id="2" name="Tytuł 1"/>
+          <p:cNvSpPr>
+            <a:spLocks noGrp="1"/>
+          </p:cNvSpPr>
+          <p:nvPr>
+            <p:ph type="title"/>
+          </p:nvPr>
+        </p:nvSpPr>
+        <p:spPr/>
+        <p:txBody>
+          <a:bodyPr/>
+          <a:lstStyle/>
+          <a:p>
+            <a:r>
+              <a:rPr lang="pl-PL" dirty="0" smtClean="0"/>
+              <a:t>Bibliografia</a:t>
+            </a:r>
+            <a:endParaRPr lang="pl-PL" dirty="0"/>
+          </a:p>
+        </p:txBody>
+      </p:sp>
+      <p:sp>
+        <p:nvSpPr>
+          <p:cNvPr id="3" name="Symbol zastępczy zawartości 2"/>
+          <p:cNvSpPr>
+            <a:spLocks noGrp="1"/>
+          </p:cNvSpPr>
+          <p:nvPr>
+            <p:ph idx="1"/>
+          </p:nvPr>
+        </p:nvSpPr>
+        <p:spPr>
+          <a:xfrm>
+            <a:off x="457200" y="1417638"/>
+            <a:ext cx="7467600" cy="5440362"/>
+          </a:xfrm>
+        </p:spPr>
+        <p:txBody>
+          <a:bodyPr>
+            <a:normAutofit fontScale="47500" lnSpcReduction="20000"/>
+          </a:bodyPr>
+          <a:lstStyle/>
+          <a:p>
+            <a:r>
+              <a:rPr lang="pl-PL" dirty="0" smtClean="0">
+                <a:hlinkClick r:id="rId2"/>
+              </a:rPr>
+              <a:t>www.asp.net/mvc/overview/getting-started/introduction/adding-a-controller</a:t>
+            </a:r>
+            <a:endParaRPr lang="pl-PL" dirty="0">
+              <a:hlinkClick r:id="rId2"/>
+            </a:endParaRPr>
+          </a:p>
+          <a:p>
+            <a:r>
+              <a:rPr lang="pl-PL" dirty="0" smtClean="0">
+                <a:hlinkClick r:id="rId2"/>
+              </a:rPr>
+              <a:t>www.codeproject.com/Tips/786243/ASP-NET-MVC-CheckBoxList-Basic-Implementation</a:t>
+            </a:r>
+            <a:endParaRPr lang="pl-PL" dirty="0" smtClean="0"/>
+          </a:p>
+          <a:p>
+            <a:r>
+              <a:rPr lang="pl-PL" dirty="0" smtClean="0">
+                <a:hlinkClick r:id="rId3"/>
+              </a:rPr>
+              <a:t>www.asp.net/mvc/overview/getting-started/getting-started-with-ef-using-mvc/creating-a-more-complex-data-model-for-an-asp-net-mvc-application</a:t>
+            </a:r>
+            <a:endParaRPr lang="pl-PL" dirty="0" smtClean="0"/>
+          </a:p>
+          <a:p>
+            <a:r>
+              <a:rPr lang="pl-PL" dirty="0" smtClean="0">
+                <a:hlinkClick r:id="rId4"/>
+              </a:rPr>
+              <a:t>stackoverflow.com/</a:t>
+            </a:r>
+            <a:r>
+              <a:rPr lang="pl-PL" dirty="0" err="1" smtClean="0">
+                <a:hlinkClick r:id="rId4"/>
+              </a:rPr>
+              <a:t>questions</a:t>
+            </a:r>
+            <a:r>
+              <a:rPr lang="pl-PL" dirty="0" smtClean="0">
+                <a:hlinkClick r:id="rId4"/>
+              </a:rPr>
+              <a:t>/19913447/user-in-entity-type-mvc5-ef6</a:t>
+            </a:r>
+            <a:endParaRPr lang="pl-PL" dirty="0" smtClean="0"/>
+          </a:p>
+          <a:p>
+            <a:r>
+              <a:rPr lang="pl-PL" dirty="0" smtClean="0">
+                <a:hlinkClick r:id="rId5"/>
+              </a:rPr>
+              <a:t>www.asp.net/mvc/overview/getting-started/getting-started-with-ef-using-mvc/migrations-and-deployment-with-the-entity-framework-in-an-asp-net-mvc-application</a:t>
+            </a:r>
+            <a:endParaRPr lang="pl-PL" dirty="0" smtClean="0"/>
+          </a:p>
+          <a:p>
+            <a:r>
+              <a:rPr lang="pl-PL" dirty="0" smtClean="0">
+                <a:hlinkClick r:id="rId6"/>
+              </a:rPr>
+              <a:t>stackoverflow.com/</a:t>
+            </a:r>
+            <a:r>
+              <a:rPr lang="pl-PL" dirty="0" err="1" smtClean="0">
+                <a:hlinkClick r:id="rId6"/>
+              </a:rPr>
+              <a:t>questions</a:t>
+            </a:r>
+            <a:r>
+              <a:rPr lang="pl-PL" dirty="0" smtClean="0">
+                <a:hlinkClick r:id="rId6"/>
+              </a:rPr>
+              <a:t>/14612813/entity-framework-code-first-using-one-column-as-primary-key-and-another-as-auto</a:t>
+            </a:r>
+            <a:endParaRPr lang="pl-PL" dirty="0" smtClean="0"/>
+          </a:p>
+          <a:p>
+            <a:r>
+              <a:rPr lang="pl-PL" dirty="0" smtClean="0">
+                <a:hlinkClick r:id="rId7"/>
+              </a:rPr>
+              <a:t>www.asp.net/mvc/overview/getting-started/getting-started-with-ef-using-mvc/creating-an-entity-framework-data-model-for-an-asp-net-mvc-application</a:t>
+            </a:r>
+            <a:endParaRPr lang="pl-PL" dirty="0" smtClean="0"/>
+          </a:p>
+          <a:p>
+            <a:r>
+              <a:rPr lang="pl-PL" dirty="0">
+                <a:hlinkClick r:id="rId8"/>
+              </a:rPr>
+              <a:t>http://stackoverflow.com/questions/33906482/asp-net-mvc-5-change-mvc-application-culture</a:t>
+            </a:r>
+            <a:endParaRPr lang="pl-PL" dirty="0"/>
+          </a:p>
+          <a:p>
+            <a:r>
+              <a:rPr lang="pl-PL" dirty="0">
+                <a:hlinkClick r:id="rId9"/>
+              </a:rPr>
+              <a:t>https://forums.asp.net/t/1975676.aspx?Tutorial+for+Adding+Datepicker+in+MVC+5</a:t>
+            </a:r>
+            <a:endParaRPr lang="pl-PL" dirty="0"/>
+          </a:p>
+          <a:p>
+            <a:r>
+              <a:rPr lang="pl-PL" dirty="0">
+                <a:hlinkClick r:id="rId10"/>
+              </a:rPr>
+              <a:t>http://stackoverflow.com/questions/18288675/display-datetime-value-in-dd-mm-yyyy-format-in-asp-net-mvc</a:t>
+            </a:r>
+            <a:endParaRPr lang="pl-PL" dirty="0">
+              <a:hlinkClick r:id="rId11"/>
+            </a:endParaRPr>
+          </a:p>
+          <a:p>
+            <a:r>
+              <a:rPr lang="pl-PL" dirty="0">
+                <a:hlinkClick r:id="rId12"/>
+              </a:rPr>
+              <a:t>http://</a:t>
+            </a:r>
+            <a:r>
+              <a:rPr lang="pl-PL" dirty="0" smtClean="0">
+                <a:hlinkClick r:id="rId12"/>
+              </a:rPr>
+              <a:t>stackoverflow.com/questions/261345/get-full-request-url-including-parameters-in-controller</a:t>
+            </a:r>
+            <a:endParaRPr lang="pl-PL" dirty="0" smtClean="0"/>
+          </a:p>
+          <a:p>
+            <a:r>
+              <a:rPr lang="pl-PL" dirty="0" smtClean="0">
+                <a:hlinkClick r:id="rId13"/>
+              </a:rPr>
+              <a:t>http</a:t>
+            </a:r>
+            <a:r>
+              <a:rPr lang="pl-PL" dirty="0">
+                <a:hlinkClick r:id="rId13"/>
+              </a:rPr>
+              <a:t>://</a:t>
+            </a:r>
+            <a:r>
+              <a:rPr lang="pl-PL" dirty="0" smtClean="0">
+                <a:hlinkClick r:id="rId13"/>
+              </a:rPr>
+              <a:t>stackoverflow.com/questions/7729286/asp-net-mvc-jquery-ui-datepicker-set-mindate-and-maxdate-from-model-on-ajax-loa</a:t>
+            </a:r>
+            <a:endParaRPr lang="pl-PL" dirty="0" smtClean="0"/>
+          </a:p>
+          <a:p>
+            <a:r>
+              <a:rPr lang="pl-PL" dirty="0">
+                <a:hlinkClick r:id="rId14"/>
+              </a:rPr>
+              <a:t>http://</a:t>
+            </a:r>
+            <a:r>
+              <a:rPr lang="pl-PL" dirty="0" smtClean="0">
+                <a:hlinkClick r:id="rId14"/>
+              </a:rPr>
+              <a:t>stackoverflow.com/questions/15413141/mvc-date-format-and-datepicker</a:t>
+            </a:r>
+            <a:endParaRPr lang="pl-PL" dirty="0" smtClean="0"/>
+          </a:p>
+        </p:txBody>
+      </p:sp>
+    </p:spTree>
+    <p:extLst>
+      <p:ext uri="{BB962C8B-B14F-4D97-AF65-F5344CB8AC3E}">
+        <p14:creationId xmlns:p14="http://schemas.microsoft.com/office/powerpoint/2010/main" val="4060204283"/>
+      </p:ext>
+    </p:extLst>
+  </p:cSld>
+  <p:clrMapOvr>
+    <a:masterClrMapping/>
+  </p:clrMapOvr>
+</p:sld>
+</file>
+
 <file path=ppt/slides/slide12.xml><?xml version="1.0" encoding="utf-8"?>
 <p:sld xmlns:a="http://schemas.openxmlformats.org/drawingml/2006/main" xmlns:r="http://schemas.openxmlformats.org/officeDocument/2006/relationships" xmlns:p="http://schemas.openxmlformats.org/presentationml/2006/main">
   <p:cSld>
@@ -4672,6 +7608,64 @@
     <p:extLst>
       <p:ext uri="{BB962C8B-B14F-4D97-AF65-F5344CB8AC3E}">
         <p14:creationId xmlns:p14="http://schemas.microsoft.com/office/powerpoint/2010/main" val="1573775432"/>
+      </p:ext>
+    </p:extLst>
+  </p:cSld>
+  <p:clrMapOvr>
+    <a:masterClrMapping/>
+  </p:clrMapOvr>
+</p:sld>
+</file>
+
+<file path=ppt/slides/slide120.xml><?xml version="1.0" encoding="utf-8"?>
+<p:sld xmlns:a="http://schemas.openxmlformats.org/drawingml/2006/main" xmlns:r="http://schemas.openxmlformats.org/officeDocument/2006/relationships" xmlns:p="http://schemas.openxmlformats.org/presentationml/2006/main">
+  <p:cSld>
+    <p:spTree>
+      <p:nvGrpSpPr>
+        <p:cNvPr id="1" name=""/>
+        <p:cNvGrpSpPr/>
+        <p:nvPr/>
+      </p:nvGrpSpPr>
+      <p:grpSpPr>
+        <a:xfrm>
+          <a:off x="0" y="0"/>
+          <a:ext cx="0" cy="0"/>
+          <a:chOff x="0" y="0"/>
+          <a:chExt cx="0" cy="0"/>
+        </a:xfrm>
+      </p:grpSpPr>
+      <p:sp>
+        <p:nvSpPr>
+          <p:cNvPr id="2" name="Tytuł 1"/>
+          <p:cNvSpPr>
+            <a:spLocks noGrp="1"/>
+          </p:cNvSpPr>
+          <p:nvPr>
+            <p:ph type="title"/>
+          </p:nvPr>
+        </p:nvSpPr>
+        <p:spPr>
+          <a:xfrm>
+            <a:off x="467544" y="2564904"/>
+            <a:ext cx="7470648" cy="1143000"/>
+          </a:xfrm>
+        </p:spPr>
+        <p:txBody>
+          <a:bodyPr/>
+          <a:lstStyle/>
+          <a:p>
+            <a:r>
+              <a:rPr lang="pl-PL" dirty="0" smtClean="0"/>
+              <a:t>Dziękuję za uwagę!</a:t>
+            </a:r>
+            <a:endParaRPr lang="pl-PL" dirty="0"/>
+          </a:p>
+        </p:txBody>
+      </p:sp>
+    </p:spTree>
+    <p:extLst>
+      <p:ext uri="{BB962C8B-B14F-4D97-AF65-F5344CB8AC3E}">
+        <p14:creationId xmlns:p14="http://schemas.microsoft.com/office/powerpoint/2010/main" val="3475680267"/>
       </p:ext>
     </p:extLst>
   </p:cSld>
@@ -6722,7 +9716,7 @@
         </p:spPr>
         <p:txBody>
           <a:bodyPr>
-            <a:normAutofit fontScale="62500" lnSpcReduction="20000"/>
+            <a:normAutofit fontScale="55000" lnSpcReduction="20000"/>
           </a:bodyPr>
           <a:lstStyle/>
           <a:p>
@@ -6731,7 +9725,15 @@
             </a:pPr>
             <a:r>
               <a:rPr lang="pl-PL" dirty="0" smtClean="0"/>
-              <a:t>Aby wykonać akcję POST można również posłużyć się obiektem </a:t>
+              <a:t>Aby wykonać akcję POST </a:t>
+            </a:r>
+            <a:r>
+              <a:rPr lang="pl-PL" dirty="0" smtClean="0"/>
+              <a:t>w widoku trzeba </a:t>
+            </a:r>
+            <a:r>
+              <a:rPr lang="pl-PL" dirty="0" smtClean="0"/>
+              <a:t>posłużyć się obiektem </a:t>
             </a:r>
             <a:r>
               <a:rPr lang="pl-PL" dirty="0" err="1" smtClean="0"/>
@@ -6851,7 +9853,7 @@
               <a:buNone/>
             </a:pPr>
             <a:r>
-              <a:rPr lang="pl-PL" dirty="0">
+              <a:rPr lang="pl-PL" dirty="0" smtClean="0">
                 <a:solidFill>
                   <a:schemeClr val="accent6">
                     <a:lumMod val="60000"/>
@@ -6859,10 +9861,15 @@
                   </a:schemeClr>
                 </a:solidFill>
               </a:rPr>
-              <a:t>@</a:t>
-            </a:r>
-            <a:r>
-              <a:rPr lang="pl-PL" dirty="0" err="1">
+              <a:t>…</a:t>
+            </a:r>
+          </a:p>
+          <a:p>
+            <a:pPr marL="36576" indent="0">
+              <a:buNone/>
+            </a:pPr>
+            <a:r>
+              <a:rPr lang="pl-PL" dirty="0" smtClean="0">
                 <a:solidFill>
                   <a:schemeClr val="accent6">
                     <a:lumMod val="60000"/>
@@ -6870,18 +9877,7 @@
                   </a:schemeClr>
                 </a:solidFill>
               </a:rPr>
-              <a:t>Html.AntiForgeryToken</a:t>
-            </a:r>
-            <a:r>
-              <a:rPr lang="pl-PL" dirty="0">
-                <a:solidFill>
-                  <a:schemeClr val="accent6">
-                    <a:lumMod val="60000"/>
-                    <a:lumOff val="40000"/>
-                  </a:schemeClr>
-                </a:solidFill>
-              </a:rPr>
-              <a:t>()</a:t>
+              <a:t>}</a:t>
             </a:r>
             <a:endParaRPr lang="pl-PL" dirty="0" smtClean="0">
               <a:solidFill>
@@ -6896,6 +9892,49 @@
             <a:pPr marL="36576" indent="0">
               <a:buNone/>
             </a:pPr>
+            <a:endParaRPr lang="pl-PL" dirty="0"/>
+          </a:p>
+          <a:p>
+            <a:pPr marL="36576" indent="0">
+              <a:buNone/>
+            </a:pPr>
+            <a:r>
+              <a:rPr lang="pl-PL" dirty="0"/>
+              <a:t>W przypadku nie podania argumentu, wywołana zostanie akcja POST o tej samej nazwie jak widok, w tym samym kontrolerze</a:t>
+            </a:r>
+            <a:r>
+              <a:rPr lang="pl-PL" dirty="0" smtClean="0"/>
+              <a:t>.</a:t>
+            </a:r>
+            <a:endParaRPr lang="pl-PL" dirty="0" smtClean="0"/>
+          </a:p>
+          <a:p>
+            <a:pPr marL="36576" indent="0">
+              <a:buNone/>
+            </a:pPr>
+            <a:r>
+              <a:rPr lang="pl-PL" dirty="0" smtClean="0"/>
+              <a:t>Ważne jest, że do akcji POST zostaną przesłane tylko te pola, które zostały wykorzystane w wydzielonym przez @</a:t>
+            </a:r>
+            <a:r>
+              <a:rPr lang="pl-PL" dirty="0" err="1" smtClean="0"/>
+              <a:t>Html.BeginForm</a:t>
+            </a:r>
+            <a:r>
+              <a:rPr lang="pl-PL" dirty="0" smtClean="0"/>
+              <a:t>() fragmencie – pozostałe przyjmują wartości domyślne. Aby przesłać do akcji wartość, która nie jest wyświetlana (np. Id obiektu), należy zadeklarować ją w widoku jako używaną ale niewidoczną za pomocą wyrażenia:</a:t>
+            </a:r>
+          </a:p>
+          <a:p>
+            <a:pPr marL="36576" indent="0">
+              <a:buNone/>
+            </a:pPr>
+            <a:endParaRPr lang="pl-PL" dirty="0"/>
+          </a:p>
+          <a:p>
+            <a:pPr marL="36576" indent="0">
+              <a:buNone/>
+            </a:pPr>
             <a:r>
               <a:rPr lang="pl-PL" dirty="0" smtClean="0">
                 <a:solidFill>
@@ -6905,23 +9944,10 @@
                   </a:schemeClr>
                 </a:solidFill>
               </a:rPr>
-              <a:t>…</a:t>
-            </a:r>
-            <a:endParaRPr lang="pl-PL" dirty="0">
-              <a:solidFill>
-                <a:schemeClr val="accent6">
-                  <a:lumMod val="60000"/>
-                  <a:lumOff val="40000"/>
-                </a:schemeClr>
-              </a:solidFill>
-            </a:endParaRPr>
-          </a:p>
-          <a:p>
-            <a:pPr marL="36576" indent="0">
-              <a:buNone/>
-            </a:pPr>
-            <a:r>
-              <a:rPr lang="pl-PL" dirty="0" smtClean="0">
+              <a:t>@</a:t>
+            </a:r>
+            <a:r>
+              <a:rPr lang="pl-PL" dirty="0" err="1" smtClean="0">
                 <a:solidFill>
                   <a:schemeClr val="accent6">
                     <a:lumMod val="60000"/>
@@ -6929,67 +9955,10 @@
                   </a:schemeClr>
                 </a:solidFill>
               </a:rPr>
-              <a:t>}</a:t>
-            </a:r>
-          </a:p>
-          <a:p>
-            <a:pPr marL="36576" indent="0">
-              <a:buNone/>
-            </a:pPr>
-            <a:endParaRPr lang="pl-PL" dirty="0" smtClean="0"/>
-          </a:p>
-          <a:p>
-            <a:pPr marL="36576" indent="0">
-              <a:buNone/>
-            </a:pPr>
-            <a:r>
-              <a:rPr lang="pl-PL" dirty="0" smtClean="0"/>
-              <a:t>W przypadku nie podania argumentu, wywołana zostanie akcja POST o tej samej nazwie jak widok, w tym samym kontrolerze.</a:t>
-            </a:r>
-          </a:p>
-          <a:p>
-            <a:pPr marL="36576" indent="0">
-              <a:buNone/>
-            </a:pPr>
-            <a:r>
-              <a:rPr lang="pl-PL" dirty="0" smtClean="0"/>
-              <a:t>Możliwe jest usunięcie </a:t>
-            </a:r>
-            <a:r>
-              <a:rPr lang="pl-PL" dirty="0" err="1" smtClean="0"/>
-              <a:t>tokenu</a:t>
-            </a:r>
-            <a:r>
-              <a:rPr lang="pl-PL" dirty="0" smtClean="0"/>
-              <a:t> </a:t>
-            </a:r>
-            <a:r>
-              <a:rPr lang="pl-PL" dirty="0" err="1" smtClean="0"/>
-              <a:t>AntiForgeryToken</a:t>
-            </a:r>
-            <a:r>
-              <a:rPr lang="pl-PL" dirty="0" smtClean="0"/>
-              <a:t>, choć zapewnia on większe bezpieczeństwo aplikacji.</a:t>
-            </a:r>
-          </a:p>
-          <a:p>
-            <a:pPr marL="36576" indent="0">
-              <a:buNone/>
-            </a:pPr>
-            <a:r>
-              <a:rPr lang="pl-PL" dirty="0" smtClean="0"/>
-              <a:t>Aby </a:t>
-            </a:r>
-            <a:r>
-              <a:rPr lang="pl-PL" dirty="0" err="1" smtClean="0"/>
-              <a:t>token</a:t>
-            </a:r>
-            <a:r>
-              <a:rPr lang="pl-PL" dirty="0" smtClean="0"/>
-              <a:t> został zweryfikowany po stronie akcji, należy dodać do niej atrybut </a:t>
-            </a:r>
-            <a:r>
-              <a:rPr lang="pl-PL" dirty="0">
+              <a:t>Html.HiddenFor</a:t>
+            </a:r>
+            <a:r>
+              <a:rPr lang="pl-PL" dirty="0" smtClean="0">
                 <a:solidFill>
                   <a:schemeClr val="accent6">
                     <a:lumMod val="60000"/>
@@ -6997,10 +9966,10 @@
                   </a:schemeClr>
                 </a:solidFill>
               </a:rPr>
-              <a:t>[</a:t>
-            </a:r>
-            <a:r>
-              <a:rPr lang="pl-PL" dirty="0" err="1">
+              <a:t>(model =&gt; </a:t>
+            </a:r>
+            <a:r>
+              <a:rPr lang="pl-PL" dirty="0" err="1" smtClean="0">
                 <a:solidFill>
                   <a:schemeClr val="accent6">
                     <a:lumMod val="60000"/>
@@ -7008,10 +9977,10 @@
                   </a:schemeClr>
                 </a:solidFill>
               </a:rPr>
-              <a:t>ValidateAntiForgeryToken</a:t>
-            </a:r>
-            <a:r>
-              <a:rPr lang="pl-PL" dirty="0" smtClean="0">
+              <a:t>model.</a:t>
+            </a:r>
+            <a:r>
+              <a:rPr lang="pl-PL" i="1" dirty="0" err="1" smtClean="0">
                 <a:solidFill>
                   <a:schemeClr val="accent6">
                     <a:lumMod val="60000"/>
@@ -7019,21 +9988,20 @@
                   </a:schemeClr>
                 </a:solidFill>
               </a:rPr>
-              <a:t>]</a:t>
-            </a:r>
-            <a:r>
-              <a:rPr lang="pl-PL" dirty="0" smtClean="0"/>
-              <a:t>. W takim przypadku, jeśli strona nie zawiera takiego </a:t>
-            </a:r>
-            <a:r>
-              <a:rPr lang="pl-PL" dirty="0" err="1" smtClean="0"/>
-              <a:t>tokenu</a:t>
-            </a:r>
-            <a:r>
-              <a:rPr lang="pl-PL" dirty="0" smtClean="0"/>
-              <a:t>, aplikacja zwróci błąd.</a:t>
-            </a:r>
-            <a:endParaRPr lang="pl-PL" dirty="0"/>
+              <a:t>nazwa_właściwości</a:t>
+            </a:r>
+            <a:r>
+              <a:rPr lang="pl-PL" dirty="0" smtClean="0">
+                <a:solidFill>
+                  <a:schemeClr val="accent6">
+                    <a:lumMod val="60000"/>
+                    <a:lumOff val="40000"/>
+                  </a:schemeClr>
+                </a:solidFill>
+              </a:rPr>
+              <a:t>)</a:t>
+            </a:r>
+            <a:endParaRPr lang="pl-PL" dirty="0" smtClean="0"/>
           </a:p>
         </p:txBody>
       </p:sp>
@@ -7162,6 +10130,206 @@
           <a:lstStyle/>
           <a:p>
             <a:r>
+              <a:rPr lang="pl-PL" dirty="0"/>
+              <a:t>Akcje typu POST i GET</a:t>
+            </a:r>
+          </a:p>
+        </p:txBody>
+      </p:sp>
+      <p:sp>
+        <p:nvSpPr>
+          <p:cNvPr id="3" name="Symbol zastępczy zawartości 2"/>
+          <p:cNvSpPr>
+            <a:spLocks noGrp="1"/>
+          </p:cNvSpPr>
+          <p:nvPr>
+            <p:ph idx="1"/>
+          </p:nvPr>
+        </p:nvSpPr>
+        <p:spPr/>
+        <p:txBody>
+          <a:bodyPr>
+            <a:normAutofit fontScale="92500" lnSpcReduction="10000"/>
+          </a:bodyPr>
+          <a:lstStyle/>
+          <a:p>
+            <a:pPr marL="36576" indent="0">
+              <a:buNone/>
+            </a:pPr>
+            <a:r>
+              <a:rPr lang="pl-PL" dirty="0"/>
+              <a:t>Wskazane jest, aby w części wydzielonej przez @</a:t>
+            </a:r>
+            <a:r>
+              <a:rPr lang="pl-PL" dirty="0" err="1"/>
+              <a:t>Html.BeginForm</a:t>
+            </a:r>
+            <a:r>
+              <a:rPr lang="pl-PL" dirty="0"/>
+              <a:t> podany został </a:t>
+            </a:r>
+            <a:r>
+              <a:rPr lang="pl-PL" dirty="0" err="1"/>
+              <a:t>token</a:t>
+            </a:r>
+            <a:r>
+              <a:rPr lang="pl-PL" dirty="0"/>
+              <a:t> zapobiegający przekłamaniom danych – </a:t>
+            </a:r>
+            <a:r>
+              <a:rPr lang="pl-PL" dirty="0" err="1"/>
+              <a:t>AntiForgeryToken</a:t>
+            </a:r>
+            <a:r>
+              <a:rPr lang="pl-PL" dirty="0" smtClean="0"/>
+              <a:t>. Przy automatycznym generowaniu widoków jest on dodawany </a:t>
+            </a:r>
+            <a:r>
+              <a:rPr lang="pl-PL" dirty="0"/>
+              <a:t>wewnątrz wydzielonego fragmentu przy pomocy wyrażenia:</a:t>
+            </a:r>
+          </a:p>
+          <a:p>
+            <a:pPr marL="36576" indent="0">
+              <a:buNone/>
+            </a:pPr>
+            <a:r>
+              <a:rPr lang="pl-PL" dirty="0">
+                <a:solidFill>
+                  <a:schemeClr val="accent6">
+                    <a:lumMod val="60000"/>
+                    <a:lumOff val="40000"/>
+                  </a:schemeClr>
+                </a:solidFill>
+              </a:rPr>
+              <a:t>@</a:t>
+            </a:r>
+            <a:r>
+              <a:rPr lang="pl-PL" dirty="0" err="1">
+                <a:solidFill>
+                  <a:schemeClr val="accent6">
+                    <a:lumMod val="60000"/>
+                    <a:lumOff val="40000"/>
+                  </a:schemeClr>
+                </a:solidFill>
+              </a:rPr>
+              <a:t>Html.AntiForgeryToken</a:t>
+            </a:r>
+            <a:r>
+              <a:rPr lang="pl-PL" dirty="0">
+                <a:solidFill>
+                  <a:schemeClr val="accent6">
+                    <a:lumMod val="60000"/>
+                    <a:lumOff val="40000"/>
+                  </a:schemeClr>
+                </a:solidFill>
+              </a:rPr>
+              <a:t>()</a:t>
+            </a:r>
+          </a:p>
+          <a:p>
+            <a:pPr marL="36576" indent="0">
+              <a:buNone/>
+            </a:pPr>
+            <a:r>
+              <a:rPr lang="pl-PL" dirty="0"/>
+              <a:t>Aby </a:t>
+            </a:r>
+            <a:r>
+              <a:rPr lang="pl-PL" dirty="0" err="1"/>
+              <a:t>token</a:t>
+            </a:r>
+            <a:r>
+              <a:rPr lang="pl-PL" dirty="0"/>
+              <a:t> został zweryfikowany po stronie akcji, należy dodać do niej atrybut </a:t>
+            </a:r>
+            <a:r>
+              <a:rPr lang="pl-PL" dirty="0">
+                <a:solidFill>
+                  <a:schemeClr val="accent6">
+                    <a:lumMod val="60000"/>
+                    <a:lumOff val="40000"/>
+                  </a:schemeClr>
+                </a:solidFill>
+              </a:rPr>
+              <a:t>[</a:t>
+            </a:r>
+            <a:r>
+              <a:rPr lang="pl-PL" dirty="0" err="1">
+                <a:solidFill>
+                  <a:schemeClr val="accent6">
+                    <a:lumMod val="60000"/>
+                    <a:lumOff val="40000"/>
+                  </a:schemeClr>
+                </a:solidFill>
+              </a:rPr>
+              <a:t>ValidateAntiForgeryToken</a:t>
+            </a:r>
+            <a:r>
+              <a:rPr lang="pl-PL" dirty="0" smtClean="0">
+                <a:solidFill>
+                  <a:schemeClr val="accent6">
+                    <a:lumMod val="60000"/>
+                    <a:lumOff val="40000"/>
+                  </a:schemeClr>
+                </a:solidFill>
+              </a:rPr>
+              <a:t>]</a:t>
+            </a:r>
+            <a:r>
+              <a:rPr lang="pl-PL" dirty="0" smtClean="0"/>
+              <a:t>.</a:t>
+            </a:r>
+            <a:endParaRPr lang="pl-PL" dirty="0"/>
+          </a:p>
+        </p:txBody>
+      </p:sp>
+    </p:spTree>
+    <p:extLst>
+      <p:ext uri="{BB962C8B-B14F-4D97-AF65-F5344CB8AC3E}">
+        <p14:creationId xmlns:p14="http://schemas.microsoft.com/office/powerpoint/2010/main" val="3712636885"/>
+      </p:ext>
+    </p:extLst>
+  </p:cSld>
+  <p:clrMapOvr>
+    <a:masterClrMapping/>
+  </p:clrMapOvr>
+</p:sld>
+</file>
+
+<file path=ppt/slides/slide31.xml><?xml version="1.0" encoding="utf-8"?>
+<p:sld xmlns:a="http://schemas.openxmlformats.org/drawingml/2006/main" xmlns:r="http://schemas.openxmlformats.org/officeDocument/2006/relationships" xmlns:p="http://schemas.openxmlformats.org/presentationml/2006/main">
+  <p:cSld>
+    <p:spTree>
+      <p:nvGrpSpPr>
+        <p:cNvPr id="1" name=""/>
+        <p:cNvGrpSpPr/>
+        <p:nvPr/>
+      </p:nvGrpSpPr>
+      <p:grpSpPr>
+        <a:xfrm>
+          <a:off x="0" y="0"/>
+          <a:ext cx="0" cy="0"/>
+          <a:chOff x="0" y="0"/>
+          <a:chExt cx="0" cy="0"/>
+        </a:xfrm>
+      </p:grpSpPr>
+      <p:sp>
+        <p:nvSpPr>
+          <p:cNvPr id="2" name="Tytuł 1"/>
+          <p:cNvSpPr>
+            <a:spLocks noGrp="1"/>
+          </p:cNvSpPr>
+          <p:nvPr>
+            <p:ph type="title"/>
+          </p:nvPr>
+        </p:nvSpPr>
+        <p:spPr/>
+        <p:txBody>
+          <a:bodyPr/>
+          <a:lstStyle/>
+          <a:p>
+            <a:r>
               <a:rPr lang="pl-PL" dirty="0" smtClean="0"/>
               <a:t>Atrybuty modelu</a:t>
             </a:r>
@@ -7259,7 +10427,7 @@
 </p:sld>
 </file>
 
-<file path=ppt/slides/slide31.xml><?xml version="1.0" encoding="utf-8"?>
+<file path=ppt/slides/slide32.xml><?xml version="1.0" encoding="utf-8"?>
 <p:sld xmlns:a="http://schemas.openxmlformats.org/drawingml/2006/main" xmlns:r="http://schemas.openxmlformats.org/officeDocument/2006/relationships" xmlns:p="http://schemas.openxmlformats.org/presentationml/2006/main">
   <p:cSld>
     <p:spTree>
@@ -7857,7 +11025,7 @@
 </p:sld>
 </file>
 
-<file path=ppt/slides/slide32.xml><?xml version="1.0" encoding="utf-8"?>
+<file path=ppt/slides/slide33.xml><?xml version="1.0" encoding="utf-8"?>
 <p:sld xmlns:a="http://schemas.openxmlformats.org/drawingml/2006/main" xmlns:r="http://schemas.openxmlformats.org/officeDocument/2006/relationships" xmlns:p="http://schemas.openxmlformats.org/presentationml/2006/main">
   <p:cSld>
     <p:spTree>
@@ -8022,7 +11190,7 @@
 </p:sld>
 </file>
 
-<file path=ppt/slides/slide33.xml><?xml version="1.0" encoding="utf-8"?>
+<file path=ppt/slides/slide34.xml><?xml version="1.0" encoding="utf-8"?>
 <p:sld xmlns:a="http://schemas.openxmlformats.org/drawingml/2006/main" xmlns:r="http://schemas.openxmlformats.org/officeDocument/2006/relationships" xmlns:p="http://schemas.openxmlformats.org/presentationml/2006/main">
   <p:cSld>
     <p:spTree>
@@ -8121,7 +11289,7 @@
 </p:sld>
 </file>
 
-<file path=ppt/slides/slide34.xml><?xml version="1.0" encoding="utf-8"?>
+<file path=ppt/slides/slide35.xml><?xml version="1.0" encoding="utf-8"?>
 <p:sld xmlns:a="http://schemas.openxmlformats.org/drawingml/2006/main" xmlns:r="http://schemas.openxmlformats.org/officeDocument/2006/relationships" xmlns:p="http://schemas.openxmlformats.org/presentationml/2006/main">
   <p:cSld>
     <p:spTree>
@@ -8248,7 +11416,7 @@
 </p:sld>
 </file>
 
-<file path=ppt/slides/slide35.xml><?xml version="1.0" encoding="utf-8"?>
+<file path=ppt/slides/slide36.xml><?xml version="1.0" encoding="utf-8"?>
 <p:sld xmlns:a="http://schemas.openxmlformats.org/drawingml/2006/main" xmlns:r="http://schemas.openxmlformats.org/officeDocument/2006/relationships" xmlns:p="http://schemas.openxmlformats.org/presentationml/2006/main">
   <p:cSld>
     <p:spTree>
@@ -8412,7 +11580,7 @@
 </p:sld>
 </file>
 
-<file path=ppt/slides/slide36.xml><?xml version="1.0" encoding="utf-8"?>
+<file path=ppt/slides/slide37.xml><?xml version="1.0" encoding="utf-8"?>
 <p:sld xmlns:a="http://schemas.openxmlformats.org/drawingml/2006/main" xmlns:r="http://schemas.openxmlformats.org/officeDocument/2006/relationships" xmlns:p="http://schemas.openxmlformats.org/presentationml/2006/main">
   <p:cSld>
     <p:spTree>
@@ -8519,7 +11687,7 @@
 </p:sld>
 </file>
 
-<file path=ppt/slides/slide37.xml><?xml version="1.0" encoding="utf-8"?>
+<file path=ppt/slides/slide38.xml><?xml version="1.0" encoding="utf-8"?>
 <p:sld xmlns:a="http://schemas.openxmlformats.org/drawingml/2006/main" xmlns:r="http://schemas.openxmlformats.org/officeDocument/2006/relationships" xmlns:p="http://schemas.openxmlformats.org/presentationml/2006/main">
   <p:cSld>
     <p:spTree>
@@ -8600,7 +11768,7 @@
 </p:sld>
 </file>
 
-<file path=ppt/slides/slide38.xml><?xml version="1.0" encoding="utf-8"?>
+<file path=ppt/slides/slide39.xml><?xml version="1.0" encoding="utf-8"?>
 <p:sld xmlns:a="http://schemas.openxmlformats.org/drawingml/2006/main" xmlns:r="http://schemas.openxmlformats.org/officeDocument/2006/relationships" xmlns:p="http://schemas.openxmlformats.org/presentationml/2006/main">
   <p:cSld>
     <p:spTree>
@@ -8719,139 +11887,6 @@
     <p:extLst>
       <p:ext uri="{BB962C8B-B14F-4D97-AF65-F5344CB8AC3E}">
         <p14:creationId xmlns:p14="http://schemas.microsoft.com/office/powerpoint/2010/main" val="3382093802"/>
-      </p:ext>
-    </p:extLst>
-  </p:cSld>
-  <p:clrMapOvr>
-    <a:masterClrMapping/>
-  </p:clrMapOvr>
-</p:sld>
-</file>
-
-<file path=ppt/slides/slide39.xml><?xml version="1.0" encoding="utf-8"?>
-<p:sld xmlns:a="http://schemas.openxmlformats.org/drawingml/2006/main" xmlns:r="http://schemas.openxmlformats.org/officeDocument/2006/relationships" xmlns:p="http://schemas.openxmlformats.org/presentationml/2006/main">
-  <p:cSld>
-    <p:spTree>
-      <p:nvGrpSpPr>
-        <p:cNvPr id="1" name=""/>
-        <p:cNvGrpSpPr/>
-        <p:nvPr/>
-      </p:nvGrpSpPr>
-      <p:grpSpPr>
-        <a:xfrm>
-          <a:off x="0" y="0"/>
-          <a:ext cx="0" cy="0"/>
-          <a:chOff x="0" y="0"/>
-          <a:chExt cx="0" cy="0"/>
-        </a:xfrm>
-      </p:grpSpPr>
-      <p:sp>
-        <p:nvSpPr>
-          <p:cNvPr id="2" name="Tytuł 1"/>
-          <p:cNvSpPr>
-            <a:spLocks noGrp="1"/>
-          </p:cNvSpPr>
-          <p:nvPr>
-            <p:ph type="title"/>
-          </p:nvPr>
-        </p:nvSpPr>
-        <p:spPr/>
-        <p:txBody>
-          <a:bodyPr>
-            <a:normAutofit fontScale="90000"/>
-          </a:bodyPr>
-          <a:lstStyle/>
-          <a:p>
-            <a:r>
-              <a:rPr lang="pl-PL" dirty="0" smtClean="0"/>
-              <a:t>Dostosowywanie użytkowników - Widok</a:t>
-            </a:r>
-            <a:endParaRPr lang="pl-PL" dirty="0"/>
-          </a:p>
-        </p:txBody>
-      </p:sp>
-      <p:sp>
-        <p:nvSpPr>
-          <p:cNvPr id="3" name="Symbol zastępczy zawartości 2"/>
-          <p:cNvSpPr>
-            <a:spLocks noGrp="1"/>
-          </p:cNvSpPr>
-          <p:nvPr>
-            <p:ph idx="1"/>
-          </p:nvPr>
-        </p:nvSpPr>
-        <p:spPr/>
-        <p:txBody>
-          <a:bodyPr>
-            <a:normAutofit fontScale="77500" lnSpcReduction="20000"/>
-          </a:bodyPr>
-          <a:lstStyle/>
-          <a:p>
-            <a:pPr marL="36576" indent="0">
-              <a:buNone/>
-            </a:pPr>
-            <a:r>
-              <a:rPr lang="pl-PL" dirty="0" smtClean="0"/>
-              <a:t>Widok tworzony dla modelu zawiera automatycznie wygenerowane kontrolki umożliwiające wyświetlanie i edycję właściwości modelu. Po dodaniu nowych pól widok nie zostanie przegenerowany, dlatego należy dopisać je własnoręcznie, kopiując i odpowiednio modyfikując istniejące kontrolki.</a:t>
-            </a:r>
-          </a:p>
-          <a:p>
-            <a:pPr marL="36576" indent="0">
-              <a:buNone/>
-            </a:pPr>
-            <a:r>
-              <a:rPr lang="pl-PL" dirty="0" smtClean="0"/>
-              <a:t>Do wyświetlania wartości najczęściej służy obiekt </a:t>
-            </a:r>
-            <a:r>
-              <a:rPr lang="pl-PL" dirty="0" err="1" smtClean="0"/>
-              <a:t>Html.TextBoxFor</a:t>
-            </a:r>
-            <a:r>
-              <a:rPr lang="pl-PL" dirty="0" smtClean="0"/>
-              <a:t>, w którym specyfikuje się jaka wartość ma być wyświetlona.</a:t>
-            </a:r>
-          </a:p>
-          <a:p>
-            <a:pPr marL="36576" indent="0">
-              <a:buNone/>
-            </a:pPr>
-            <a:r>
-              <a:rPr lang="pl-PL" dirty="0" smtClean="0"/>
-              <a:t>Do opisu właściwości służy kontrolka </a:t>
-            </a:r>
-            <a:r>
-              <a:rPr lang="pl-PL" dirty="0" err="1" smtClean="0"/>
-              <a:t>Html.LabelFor</a:t>
-            </a:r>
-            <a:r>
-              <a:rPr lang="pl-PL" dirty="0" smtClean="0"/>
-              <a:t>, działająca podobnie jak </a:t>
-            </a:r>
-            <a:r>
-              <a:rPr lang="pl-PL" dirty="0" err="1" smtClean="0"/>
-              <a:t>TextBoxFor</a:t>
-            </a:r>
-            <a:r>
-              <a:rPr lang="pl-PL" dirty="0" smtClean="0"/>
-              <a:t>, jednak zamiast wartości wyświetla wartość </a:t>
-            </a:r>
-            <a:r>
-              <a:rPr lang="pl-PL" dirty="0" err="1" smtClean="0"/>
-              <a:t>Name</a:t>
-            </a:r>
-            <a:r>
-              <a:rPr lang="pl-PL" dirty="0" smtClean="0"/>
-              <a:t> ustawioną w atrybucie Display. W razie braku tego atrybutu, wyświetla nazwę właściwości.</a:t>
-            </a:r>
-            <a:endParaRPr lang="pl-PL" dirty="0"/>
-          </a:p>
-        </p:txBody>
-      </p:sp>
-    </p:spTree>
-    <p:extLst>
-      <p:ext uri="{BB962C8B-B14F-4D97-AF65-F5344CB8AC3E}">
-        <p14:creationId xmlns:p14="http://schemas.microsoft.com/office/powerpoint/2010/main" val="949312007"/>
       </p:ext>
     </p:extLst>
   </p:cSld>
@@ -8982,6 +12017,306 @@
           </a:p>
         </p:txBody>
       </p:sp>
+      <p:sp>
+        <p:nvSpPr>
+          <p:cNvPr id="3" name="Symbol zastępczy zawartości 2"/>
+          <p:cNvSpPr>
+            <a:spLocks noGrp="1"/>
+          </p:cNvSpPr>
+          <p:nvPr>
+            <p:ph idx="1"/>
+          </p:nvPr>
+        </p:nvSpPr>
+        <p:spPr/>
+        <p:txBody>
+          <a:bodyPr>
+            <a:normAutofit fontScale="62500" lnSpcReduction="20000"/>
+          </a:bodyPr>
+          <a:lstStyle/>
+          <a:p>
+            <a:pPr marL="36576" indent="0">
+              <a:buNone/>
+            </a:pPr>
+            <a:r>
+              <a:rPr lang="pl-PL" dirty="0" smtClean="0"/>
+              <a:t>Widok tworzony dla modelu zawiera automatycznie wygenerowane kontrolki umożliwiające wyświetlanie i edycję właściwości modelu. Po dodaniu nowych pól widok nie zostanie przegenerowany, dlatego należy dopisać je własnoręcznie, kopiując i odpowiednio modyfikując istniejące kontrolki.</a:t>
+            </a:r>
+          </a:p>
+          <a:p>
+            <a:pPr marL="36576" indent="0">
+              <a:buNone/>
+            </a:pPr>
+            <a:r>
+              <a:rPr lang="pl-PL" dirty="0" smtClean="0"/>
+              <a:t>Do wyświetlania wartości najczęściej służy obiekt </a:t>
+            </a:r>
+            <a:r>
+              <a:rPr lang="pl-PL" dirty="0" smtClean="0"/>
+              <a:t>@</a:t>
+            </a:r>
+            <a:r>
+              <a:rPr lang="pl-PL" dirty="0" err="1" smtClean="0"/>
+              <a:t>Html.EditorFor</a:t>
+            </a:r>
+            <a:r>
+              <a:rPr lang="pl-PL" dirty="0" smtClean="0"/>
+              <a:t> lub @</a:t>
+            </a:r>
+            <a:r>
+              <a:rPr lang="pl-PL" dirty="0" err="1" smtClean="0"/>
+              <a:t>Htm</a:t>
+            </a:r>
+            <a:r>
+              <a:rPr lang="pl-PL" dirty="0" err="1" smtClean="0"/>
+              <a:t>l.TextBoxFor</a:t>
+            </a:r>
+            <a:r>
+              <a:rPr lang="pl-PL" dirty="0" smtClean="0"/>
+              <a:t>, </a:t>
+            </a:r>
+            <a:r>
+              <a:rPr lang="pl-PL" dirty="0" smtClean="0"/>
+              <a:t>w którym specyfikuje się jaka wartość ma być </a:t>
+            </a:r>
+            <a:r>
+              <a:rPr lang="pl-PL" dirty="0" smtClean="0"/>
+              <a:t>wyświetlona przy pomocy wyrażenia lambda:</a:t>
+            </a:r>
+          </a:p>
+          <a:p>
+            <a:pPr marL="36576" indent="0">
+              <a:buNone/>
+            </a:pPr>
+            <a:endParaRPr lang="pl-PL" dirty="0" smtClean="0"/>
+          </a:p>
+          <a:p>
+            <a:pPr marL="36576" indent="0">
+              <a:buNone/>
+            </a:pPr>
+            <a:r>
+              <a:rPr lang="pl-PL" dirty="0">
+                <a:solidFill>
+                  <a:schemeClr val="accent6">
+                    <a:lumMod val="60000"/>
+                    <a:lumOff val="40000"/>
+                  </a:schemeClr>
+                </a:solidFill>
+              </a:rPr>
+              <a:t>@</a:t>
+            </a:r>
+            <a:r>
+              <a:rPr lang="pl-PL" dirty="0" err="1" smtClean="0">
+                <a:solidFill>
+                  <a:schemeClr val="accent6">
+                    <a:lumMod val="60000"/>
+                    <a:lumOff val="40000"/>
+                  </a:schemeClr>
+                </a:solidFill>
+              </a:rPr>
+              <a:t>Html.EditorFor</a:t>
+            </a:r>
+            <a:r>
+              <a:rPr lang="pl-PL" dirty="0" smtClean="0">
+                <a:solidFill>
+                  <a:schemeClr val="accent6">
+                    <a:lumMod val="60000"/>
+                    <a:lumOff val="40000"/>
+                  </a:schemeClr>
+                </a:solidFill>
+              </a:rPr>
+              <a:t>(model </a:t>
+            </a:r>
+            <a:r>
+              <a:rPr lang="pl-PL" dirty="0">
+                <a:solidFill>
+                  <a:schemeClr val="accent6">
+                    <a:lumMod val="60000"/>
+                    <a:lumOff val="40000"/>
+                  </a:schemeClr>
+                </a:solidFill>
+              </a:rPr>
+              <a:t>=&gt; </a:t>
+            </a:r>
+            <a:r>
+              <a:rPr lang="pl-PL" dirty="0" err="1">
+                <a:solidFill>
+                  <a:schemeClr val="accent6">
+                    <a:lumMod val="60000"/>
+                    <a:lumOff val="40000"/>
+                  </a:schemeClr>
+                </a:solidFill>
+              </a:rPr>
+              <a:t>model.</a:t>
+            </a:r>
+            <a:r>
+              <a:rPr lang="pl-PL" i="1" dirty="0" err="1">
+                <a:solidFill>
+                  <a:schemeClr val="accent6">
+                    <a:lumMod val="60000"/>
+                    <a:lumOff val="40000"/>
+                  </a:schemeClr>
+                </a:solidFill>
+              </a:rPr>
+              <a:t>nazwa_właściwości</a:t>
+            </a:r>
+            <a:r>
+              <a:rPr lang="pl-PL" dirty="0">
+                <a:solidFill>
+                  <a:schemeClr val="accent6">
+                    <a:lumMod val="60000"/>
+                    <a:lumOff val="40000"/>
+                  </a:schemeClr>
+                </a:solidFill>
+              </a:rPr>
+              <a:t>)</a:t>
+            </a:r>
+            <a:endParaRPr lang="pl-PL" dirty="0"/>
+          </a:p>
+          <a:p>
+            <a:pPr marL="36576" indent="0">
+              <a:buNone/>
+            </a:pPr>
+            <a:endParaRPr lang="pl-PL" dirty="0" smtClean="0"/>
+          </a:p>
+          <a:p>
+            <a:pPr marL="36576" indent="0">
+              <a:buNone/>
+            </a:pPr>
+            <a:r>
+              <a:rPr lang="pl-PL" dirty="0" smtClean="0"/>
+              <a:t>Do opisu właściwości służy kontrolka </a:t>
+            </a:r>
+            <a:r>
+              <a:rPr lang="pl-PL" dirty="0" smtClean="0"/>
+              <a:t>@</a:t>
+            </a:r>
+            <a:r>
+              <a:rPr lang="pl-PL" dirty="0" err="1" smtClean="0"/>
+              <a:t>Html.LabelFor</a:t>
+            </a:r>
+            <a:r>
+              <a:rPr lang="pl-PL" dirty="0" smtClean="0"/>
+              <a:t>, działająca podobnie jak </a:t>
+            </a:r>
+            <a:r>
+              <a:rPr lang="pl-PL" dirty="0" smtClean="0"/>
+              <a:t>@</a:t>
+            </a:r>
+            <a:r>
+              <a:rPr lang="pl-PL" dirty="0" err="1" smtClean="0"/>
+              <a:t>Html.EditorFor</a:t>
+            </a:r>
+            <a:r>
+              <a:rPr lang="pl-PL" dirty="0"/>
+              <a:t>, </a:t>
+            </a:r>
+            <a:r>
+              <a:rPr lang="pl-PL" dirty="0" smtClean="0"/>
+              <a:t>jednak zamiast wartości wyświetla wartość </a:t>
+            </a:r>
+            <a:r>
+              <a:rPr lang="pl-PL" dirty="0" err="1" smtClean="0"/>
+              <a:t>Name</a:t>
+            </a:r>
+            <a:r>
+              <a:rPr lang="pl-PL" dirty="0" smtClean="0"/>
+              <a:t> ustawioną w atrybucie </a:t>
+            </a:r>
+            <a:r>
+              <a:rPr lang="pl-PL" dirty="0" smtClean="0"/>
+              <a:t>Display. W </a:t>
+            </a:r>
+            <a:r>
+              <a:rPr lang="pl-PL" dirty="0" smtClean="0"/>
+              <a:t>razie braku </a:t>
+            </a:r>
+            <a:r>
+              <a:rPr lang="pl-PL" dirty="0" smtClean="0"/>
+              <a:t>tego atrybutu, </a:t>
+            </a:r>
+            <a:r>
+              <a:rPr lang="pl-PL" dirty="0" smtClean="0"/>
+              <a:t>wyświetla nazwę właściwości</a:t>
+            </a:r>
+            <a:r>
+              <a:rPr lang="pl-PL" dirty="0"/>
+              <a:t>. N</a:t>
+            </a:r>
+            <a:r>
+              <a:rPr lang="pl-PL" dirty="0" smtClean="0"/>
+              <a:t>ie </a:t>
+            </a:r>
+            <a:r>
+              <a:rPr lang="pl-PL" dirty="0"/>
+              <a:t>jest edytowalna i spełnia rolę </a:t>
+            </a:r>
+            <a:r>
+              <a:rPr lang="pl-PL" dirty="0" err="1"/>
+              <a:t>labelki</a:t>
+            </a:r>
+            <a:r>
+              <a:rPr lang="pl-PL" dirty="0"/>
+              <a:t>. </a:t>
+            </a:r>
+            <a:endParaRPr lang="pl-PL" dirty="0"/>
+          </a:p>
+        </p:txBody>
+      </p:sp>
+    </p:spTree>
+    <p:extLst>
+      <p:ext uri="{BB962C8B-B14F-4D97-AF65-F5344CB8AC3E}">
+        <p14:creationId xmlns:p14="http://schemas.microsoft.com/office/powerpoint/2010/main" val="949312007"/>
+      </p:ext>
+    </p:extLst>
+  </p:cSld>
+  <p:clrMapOvr>
+    <a:masterClrMapping/>
+  </p:clrMapOvr>
+</p:sld>
+</file>
+
+<file path=ppt/slides/slide41.xml><?xml version="1.0" encoding="utf-8"?>
+<p:sld xmlns:a="http://schemas.openxmlformats.org/drawingml/2006/main" xmlns:r="http://schemas.openxmlformats.org/officeDocument/2006/relationships" xmlns:p="http://schemas.openxmlformats.org/presentationml/2006/main">
+  <p:cSld>
+    <p:spTree>
+      <p:nvGrpSpPr>
+        <p:cNvPr id="1" name=""/>
+        <p:cNvGrpSpPr/>
+        <p:nvPr/>
+      </p:nvGrpSpPr>
+      <p:grpSpPr>
+        <a:xfrm>
+          <a:off x="0" y="0"/>
+          <a:ext cx="0" cy="0"/>
+          <a:chOff x="0" y="0"/>
+          <a:chExt cx="0" cy="0"/>
+        </a:xfrm>
+      </p:grpSpPr>
+      <p:sp>
+        <p:nvSpPr>
+          <p:cNvPr id="2" name="Tytuł 1"/>
+          <p:cNvSpPr>
+            <a:spLocks noGrp="1"/>
+          </p:cNvSpPr>
+          <p:nvPr>
+            <p:ph type="title"/>
+          </p:nvPr>
+        </p:nvSpPr>
+        <p:spPr/>
+        <p:txBody>
+          <a:bodyPr>
+            <a:normAutofit fontScale="90000"/>
+          </a:bodyPr>
+          <a:lstStyle/>
+          <a:p>
+            <a:r>
+              <a:rPr lang="pl-PL" dirty="0" smtClean="0"/>
+              <a:t>Dostosowywanie użytkowników - Widok</a:t>
+            </a:r>
+            <a:endParaRPr lang="pl-PL" dirty="0"/>
+          </a:p>
+        </p:txBody>
+      </p:sp>
       <p:pic>
         <p:nvPicPr>
           <p:cNvPr id="4" name="Symbol zastępczy zawartości 3"/>
@@ -9021,7 +12356,7 @@
 </p:sld>
 </file>
 
-<file path=ppt/slides/slide41.xml><?xml version="1.0" encoding="utf-8"?>
+<file path=ppt/slides/slide42.xml><?xml version="1.0" encoding="utf-8"?>
 <p:sld xmlns:a="http://schemas.openxmlformats.org/drawingml/2006/main" xmlns:r="http://schemas.openxmlformats.org/officeDocument/2006/relationships" xmlns:p="http://schemas.openxmlformats.org/presentationml/2006/main">
   <p:cSld>
     <p:spTree>
@@ -9144,7 +12479,7 @@
 </p:sld>
 </file>
 
-<file path=ppt/slides/slide42.xml><?xml version="1.0" encoding="utf-8"?>
+<file path=ppt/slides/slide43.xml><?xml version="1.0" encoding="utf-8"?>
 <p:sld xmlns:a="http://schemas.openxmlformats.org/drawingml/2006/main" xmlns:r="http://schemas.openxmlformats.org/officeDocument/2006/relationships" xmlns:p="http://schemas.openxmlformats.org/presentationml/2006/main">
   <p:cSld>
     <p:spTree>
@@ -9358,7 +12693,7 @@
 </p:sld>
 </file>
 
-<file path=ppt/slides/slide43.xml><?xml version="1.0" encoding="utf-8"?>
+<file path=ppt/slides/slide44.xml><?xml version="1.0" encoding="utf-8"?>
 <p:sld xmlns:a="http://schemas.openxmlformats.org/drawingml/2006/main" xmlns:r="http://schemas.openxmlformats.org/officeDocument/2006/relationships" xmlns:p="http://schemas.openxmlformats.org/presentationml/2006/main">
   <p:cSld>
     <p:spTree>
@@ -9494,7 +12829,7 @@
 </p:sld>
 </file>
 
-<file path=ppt/slides/slide44.xml><?xml version="1.0" encoding="utf-8"?>
+<file path=ppt/slides/slide45.xml><?xml version="1.0" encoding="utf-8"?>
 <p:sld xmlns:a="http://schemas.openxmlformats.org/drawingml/2006/main" xmlns:r="http://schemas.openxmlformats.org/officeDocument/2006/relationships" xmlns:p="http://schemas.openxmlformats.org/presentationml/2006/main">
   <p:cSld>
     <p:spTree>
@@ -9609,174 +12944,6 @@
 </p:sld>
 </file>
 
-<file path=ppt/slides/slide45.xml><?xml version="1.0" encoding="utf-8"?>
-<p:sld xmlns:a="http://schemas.openxmlformats.org/drawingml/2006/main" xmlns:r="http://schemas.openxmlformats.org/officeDocument/2006/relationships" xmlns:p="http://schemas.openxmlformats.org/presentationml/2006/main">
-  <p:cSld>
-    <p:spTree>
-      <p:nvGrpSpPr>
-        <p:cNvPr id="1" name=""/>
-        <p:cNvGrpSpPr/>
-        <p:nvPr/>
-      </p:nvGrpSpPr>
-      <p:grpSpPr>
-        <a:xfrm>
-          <a:off x="0" y="0"/>
-          <a:ext cx="0" cy="0"/>
-          <a:chOff x="0" y="0"/>
-          <a:chExt cx="0" cy="0"/>
-        </a:xfrm>
-      </p:grpSpPr>
-      <p:sp>
-        <p:nvSpPr>
-          <p:cNvPr id="2" name="Tytuł 1"/>
-          <p:cNvSpPr>
-            <a:spLocks noGrp="1"/>
-          </p:cNvSpPr>
-          <p:nvPr>
-            <p:ph type="title"/>
-          </p:nvPr>
-        </p:nvSpPr>
-        <p:spPr/>
-        <p:txBody>
-          <a:bodyPr>
-            <a:normAutofit fontScale="90000"/>
-          </a:bodyPr>
-          <a:lstStyle/>
-          <a:p>
-            <a:r>
-              <a:rPr lang="pl-PL" dirty="0" smtClean="0"/>
-              <a:t>Konfigurowanie bazy danych – </a:t>
-            </a:r>
-            <a:r>
-              <a:rPr lang="pl-PL" dirty="0" err="1" smtClean="0"/>
-              <a:t>Entity</a:t>
-            </a:r>
-            <a:r>
-              <a:rPr lang="pl-PL" dirty="0" smtClean="0"/>
-              <a:t> Framework</a:t>
-            </a:r>
-            <a:endParaRPr lang="pl-PL" dirty="0"/>
-          </a:p>
-        </p:txBody>
-      </p:sp>
-      <p:sp>
-        <p:nvSpPr>
-          <p:cNvPr id="3" name="Symbol zastępczy zawartości 2"/>
-          <p:cNvSpPr>
-            <a:spLocks noGrp="1"/>
-          </p:cNvSpPr>
-          <p:nvPr>
-            <p:ph idx="1"/>
-          </p:nvPr>
-        </p:nvSpPr>
-        <p:spPr/>
-        <p:txBody>
-          <a:bodyPr>
-            <a:normAutofit fontScale="85000" lnSpcReduction="20000"/>
-          </a:bodyPr>
-          <a:lstStyle/>
-          <a:p>
-            <a:pPr marL="36576" indent="0">
-              <a:buNone/>
-            </a:pPr>
-            <a:r>
-              <a:rPr lang="pl-PL" dirty="0" smtClean="0"/>
-              <a:t>Przy komunikowaniu się z obiektami z bazy MVC używa </a:t>
-            </a:r>
-            <a:r>
-              <a:rPr lang="pl-PL" dirty="0" err="1" smtClean="0"/>
-              <a:t>EntityFramework</a:t>
-            </a:r>
-            <a:r>
-              <a:rPr lang="pl-PL" dirty="0" smtClean="0"/>
-              <a:t>. Jest to pakiet który poprzez metody i zapytania </a:t>
-            </a:r>
-            <a:r>
-              <a:rPr lang="pl-PL" dirty="0" err="1" smtClean="0"/>
-              <a:t>Linq</a:t>
-            </a:r>
-            <a:r>
-              <a:rPr lang="pl-PL" dirty="0" smtClean="0"/>
-              <a:t> przekazuje do bazy polecenia o selekcji, tworzeniu, edycji lub usuwaniu obiektów. Każda encja jest reprezentowana przez klasę. Połączenie z bazą następuje poprzez obiekt dziedziczący z klasy </a:t>
-            </a:r>
-            <a:r>
-              <a:rPr lang="pl-PL" dirty="0" err="1" smtClean="0"/>
-              <a:t>DBContext</a:t>
-            </a:r>
-            <a:r>
-              <a:rPr lang="pl-PL" dirty="0" smtClean="0"/>
-              <a:t>.</a:t>
-            </a:r>
-          </a:p>
-          <a:p>
-            <a:pPr marL="36576" indent="0">
-              <a:buNone/>
-            </a:pPr>
-            <a:r>
-              <a:rPr lang="pl-PL" dirty="0" err="1" smtClean="0"/>
-              <a:t>Entity</a:t>
-            </a:r>
-            <a:r>
-              <a:rPr lang="pl-PL" dirty="0" err="1"/>
-              <a:t>F</a:t>
-            </a:r>
-            <a:r>
-              <a:rPr lang="pl-PL" dirty="0" err="1" smtClean="0"/>
-              <a:t>ramework</a:t>
-            </a:r>
-            <a:r>
-              <a:rPr lang="pl-PL" dirty="0" smtClean="0"/>
-              <a:t> pozwala zaimportować istniejące tabele do aplikacji (</a:t>
-            </a:r>
-            <a:r>
-              <a:rPr lang="pl-PL" dirty="0" err="1" smtClean="0"/>
-              <a:t>database</a:t>
-            </a:r>
-            <a:r>
-              <a:rPr lang="pl-PL" dirty="0" smtClean="0"/>
-              <a:t> </a:t>
-            </a:r>
-            <a:r>
-              <a:rPr lang="pl-PL" dirty="0" err="1" smtClean="0"/>
-              <a:t>first</a:t>
-            </a:r>
-            <a:r>
-              <a:rPr lang="pl-PL" dirty="0" smtClean="0"/>
-              <a:t>), jednak umożliwia też zdefiniowanie encji w kodzie i przeniesienie je do bazy (</a:t>
-            </a:r>
-            <a:r>
-              <a:rPr lang="pl-PL" dirty="0" err="1" smtClean="0"/>
-              <a:t>code</a:t>
-            </a:r>
-            <a:r>
-              <a:rPr lang="pl-PL" dirty="0" smtClean="0"/>
-              <a:t> </a:t>
-            </a:r>
-            <a:r>
-              <a:rPr lang="pl-PL" dirty="0" err="1" smtClean="0"/>
-              <a:t>first</a:t>
-            </a:r>
-            <a:r>
-              <a:rPr lang="pl-PL" dirty="0" smtClean="0"/>
-              <a:t>). W aplikacji wykorzystamy drugie podejście.</a:t>
-            </a:r>
-            <a:endParaRPr lang="pl-PL" dirty="0"/>
-          </a:p>
-        </p:txBody>
-      </p:sp>
-    </p:spTree>
-    <p:extLst>
-      <p:ext uri="{BB962C8B-B14F-4D97-AF65-F5344CB8AC3E}">
-        <p14:creationId xmlns:p14="http://schemas.microsoft.com/office/powerpoint/2010/main" val="4032355541"/>
-      </p:ext>
-    </p:extLst>
-  </p:cSld>
-  <p:clrMapOvr>
-    <a:masterClrMapping/>
-  </p:clrMapOvr>
-</p:sld>
-</file>
-
 <file path=ppt/slides/slide46.xml><?xml version="1.0" encoding="utf-8"?>
 <p:sld xmlns:a="http://schemas.openxmlformats.org/drawingml/2006/main" xmlns:r="http://schemas.openxmlformats.org/officeDocument/2006/relationships" xmlns:p="http://schemas.openxmlformats.org/presentationml/2006/main">
   <p:cSld>
@@ -9812,6 +12979,174 @@
           <a:lstStyle/>
           <a:p>
             <a:r>
+              <a:rPr lang="pl-PL" dirty="0" smtClean="0"/>
+              <a:t>Konfigurowanie bazy danych – </a:t>
+            </a:r>
+            <a:r>
+              <a:rPr lang="pl-PL" dirty="0" err="1" smtClean="0"/>
+              <a:t>Entity</a:t>
+            </a:r>
+            <a:r>
+              <a:rPr lang="pl-PL" dirty="0" smtClean="0"/>
+              <a:t> Framework</a:t>
+            </a:r>
+            <a:endParaRPr lang="pl-PL" dirty="0"/>
+          </a:p>
+        </p:txBody>
+      </p:sp>
+      <p:sp>
+        <p:nvSpPr>
+          <p:cNvPr id="3" name="Symbol zastępczy zawartości 2"/>
+          <p:cNvSpPr>
+            <a:spLocks noGrp="1"/>
+          </p:cNvSpPr>
+          <p:nvPr>
+            <p:ph idx="1"/>
+          </p:nvPr>
+        </p:nvSpPr>
+        <p:spPr/>
+        <p:txBody>
+          <a:bodyPr>
+            <a:normAutofit fontScale="85000" lnSpcReduction="20000"/>
+          </a:bodyPr>
+          <a:lstStyle/>
+          <a:p>
+            <a:pPr marL="36576" indent="0">
+              <a:buNone/>
+            </a:pPr>
+            <a:r>
+              <a:rPr lang="pl-PL" dirty="0" smtClean="0"/>
+              <a:t>Przy komunikowaniu się z obiektami z bazy MVC używa </a:t>
+            </a:r>
+            <a:r>
+              <a:rPr lang="pl-PL" dirty="0" err="1" smtClean="0"/>
+              <a:t>EntityFramework</a:t>
+            </a:r>
+            <a:r>
+              <a:rPr lang="pl-PL" dirty="0" smtClean="0"/>
+              <a:t>. Jest to pakiet który poprzez metody i zapytania </a:t>
+            </a:r>
+            <a:r>
+              <a:rPr lang="pl-PL" dirty="0" err="1" smtClean="0"/>
+              <a:t>Linq</a:t>
+            </a:r>
+            <a:r>
+              <a:rPr lang="pl-PL" dirty="0" smtClean="0"/>
+              <a:t> przekazuje do bazy polecenia o selekcji, tworzeniu, edycji lub usuwaniu obiektów. Każda encja jest reprezentowana przez klasę. Połączenie z bazą następuje poprzez obiekt dziedziczący z klasy </a:t>
+            </a:r>
+            <a:r>
+              <a:rPr lang="pl-PL" dirty="0" err="1" smtClean="0"/>
+              <a:t>DBContext</a:t>
+            </a:r>
+            <a:r>
+              <a:rPr lang="pl-PL" dirty="0" smtClean="0"/>
+              <a:t>.</a:t>
+            </a:r>
+          </a:p>
+          <a:p>
+            <a:pPr marL="36576" indent="0">
+              <a:buNone/>
+            </a:pPr>
+            <a:r>
+              <a:rPr lang="pl-PL" dirty="0" err="1" smtClean="0"/>
+              <a:t>Entity</a:t>
+            </a:r>
+            <a:r>
+              <a:rPr lang="pl-PL" dirty="0" err="1"/>
+              <a:t>F</a:t>
+            </a:r>
+            <a:r>
+              <a:rPr lang="pl-PL" dirty="0" err="1" smtClean="0"/>
+              <a:t>ramework</a:t>
+            </a:r>
+            <a:r>
+              <a:rPr lang="pl-PL" dirty="0" smtClean="0"/>
+              <a:t> pozwala zaimportować istniejące tabele do aplikacji (</a:t>
+            </a:r>
+            <a:r>
+              <a:rPr lang="pl-PL" dirty="0" err="1" smtClean="0"/>
+              <a:t>database</a:t>
+            </a:r>
+            <a:r>
+              <a:rPr lang="pl-PL" dirty="0" smtClean="0"/>
+              <a:t> </a:t>
+            </a:r>
+            <a:r>
+              <a:rPr lang="pl-PL" dirty="0" err="1" smtClean="0"/>
+              <a:t>first</a:t>
+            </a:r>
+            <a:r>
+              <a:rPr lang="pl-PL" dirty="0" smtClean="0"/>
+              <a:t>), jednak umożliwia też zdefiniowanie encji w kodzie i przeniesienie je do bazy (</a:t>
+            </a:r>
+            <a:r>
+              <a:rPr lang="pl-PL" dirty="0" err="1" smtClean="0"/>
+              <a:t>code</a:t>
+            </a:r>
+            <a:r>
+              <a:rPr lang="pl-PL" dirty="0" smtClean="0"/>
+              <a:t> </a:t>
+            </a:r>
+            <a:r>
+              <a:rPr lang="pl-PL" dirty="0" err="1" smtClean="0"/>
+              <a:t>first</a:t>
+            </a:r>
+            <a:r>
+              <a:rPr lang="pl-PL" dirty="0" smtClean="0"/>
+              <a:t>). W aplikacji wykorzystamy drugie podejście.</a:t>
+            </a:r>
+            <a:endParaRPr lang="pl-PL" dirty="0"/>
+          </a:p>
+        </p:txBody>
+      </p:sp>
+    </p:spTree>
+    <p:extLst>
+      <p:ext uri="{BB962C8B-B14F-4D97-AF65-F5344CB8AC3E}">
+        <p14:creationId xmlns:p14="http://schemas.microsoft.com/office/powerpoint/2010/main" val="4032355541"/>
+      </p:ext>
+    </p:extLst>
+  </p:cSld>
+  <p:clrMapOvr>
+    <a:masterClrMapping/>
+  </p:clrMapOvr>
+</p:sld>
+</file>
+
+<file path=ppt/slides/slide47.xml><?xml version="1.0" encoding="utf-8"?>
+<p:sld xmlns:a="http://schemas.openxmlformats.org/drawingml/2006/main" xmlns:r="http://schemas.openxmlformats.org/officeDocument/2006/relationships" xmlns:p="http://schemas.openxmlformats.org/presentationml/2006/main">
+  <p:cSld>
+    <p:spTree>
+      <p:nvGrpSpPr>
+        <p:cNvPr id="1" name=""/>
+        <p:cNvGrpSpPr/>
+        <p:nvPr/>
+      </p:nvGrpSpPr>
+      <p:grpSpPr>
+        <a:xfrm>
+          <a:off x="0" y="0"/>
+          <a:ext cx="0" cy="0"/>
+          <a:chOff x="0" y="0"/>
+          <a:chExt cx="0" cy="0"/>
+        </a:xfrm>
+      </p:grpSpPr>
+      <p:sp>
+        <p:nvSpPr>
+          <p:cNvPr id="2" name="Tytuł 1"/>
+          <p:cNvSpPr>
+            <a:spLocks noGrp="1"/>
+          </p:cNvSpPr>
+          <p:nvPr>
+            <p:ph type="title"/>
+          </p:nvPr>
+        </p:nvSpPr>
+        <p:spPr/>
+        <p:txBody>
+          <a:bodyPr>
+            <a:normAutofit fontScale="90000"/>
+          </a:bodyPr>
+          <a:lstStyle/>
+          <a:p>
+            <a:r>
               <a:rPr lang="pl-PL" dirty="0"/>
               <a:t>Konfigurowanie bazy danych</a:t>
             </a:r>
@@ -9995,7 +13330,7 @@
 </p:sld>
 </file>
 
-<file path=ppt/slides/slide47.xml><?xml version="1.0" encoding="utf-8"?>
+<file path=ppt/slides/slide48.xml><?xml version="1.0" encoding="utf-8"?>
 <p:sld xmlns:a="http://schemas.openxmlformats.org/drawingml/2006/main" xmlns:r="http://schemas.openxmlformats.org/officeDocument/2006/relationships" xmlns:p="http://schemas.openxmlformats.org/presentationml/2006/main">
   <p:cSld>
     <p:spTree>
@@ -10109,7 +13444,7 @@
 </p:sld>
 </file>
 
-<file path=ppt/slides/slide48.xml><?xml version="1.0" encoding="utf-8"?>
+<file path=ppt/slides/slide49.xml><?xml version="1.0" encoding="utf-8"?>
 <p:sld xmlns:a="http://schemas.openxmlformats.org/drawingml/2006/main" xmlns:r="http://schemas.openxmlformats.org/officeDocument/2006/relationships" xmlns:p="http://schemas.openxmlformats.org/presentationml/2006/main">
   <p:cSld>
     <p:spTree>
@@ -10214,159 +13549,6 @@
     <p:extLst>
       <p:ext uri="{BB962C8B-B14F-4D97-AF65-F5344CB8AC3E}">
         <p14:creationId xmlns:p14="http://schemas.microsoft.com/office/powerpoint/2010/main" val="3046932887"/>
-      </p:ext>
-    </p:extLst>
-  </p:cSld>
-  <p:clrMapOvr>
-    <a:masterClrMapping/>
-  </p:clrMapOvr>
-</p:sld>
-</file>
-
-<file path=ppt/slides/slide49.xml><?xml version="1.0" encoding="utf-8"?>
-<p:sld xmlns:a="http://schemas.openxmlformats.org/drawingml/2006/main" xmlns:r="http://schemas.openxmlformats.org/officeDocument/2006/relationships" xmlns:p="http://schemas.openxmlformats.org/presentationml/2006/main">
-  <p:cSld>
-    <p:spTree>
-      <p:nvGrpSpPr>
-        <p:cNvPr id="1" name=""/>
-        <p:cNvGrpSpPr/>
-        <p:nvPr/>
-      </p:nvGrpSpPr>
-      <p:grpSpPr>
-        <a:xfrm>
-          <a:off x="0" y="0"/>
-          <a:ext cx="0" cy="0"/>
-          <a:chOff x="0" y="0"/>
-          <a:chExt cx="0" cy="0"/>
-        </a:xfrm>
-      </p:grpSpPr>
-      <p:sp>
-        <p:nvSpPr>
-          <p:cNvPr id="2" name="Tytuł 1"/>
-          <p:cNvSpPr>
-            <a:spLocks noGrp="1"/>
-          </p:cNvSpPr>
-          <p:nvPr>
-            <p:ph type="title"/>
-          </p:nvPr>
-        </p:nvSpPr>
-        <p:spPr/>
-        <p:txBody>
-          <a:bodyPr>
-            <a:normAutofit fontScale="90000"/>
-          </a:bodyPr>
-          <a:lstStyle/>
-          <a:p>
-            <a:r>
-              <a:rPr lang="pl-PL" dirty="0"/>
-              <a:t>Tworzenie obiektów w bazie – Tworzenie </a:t>
-            </a:r>
-            <a:r>
-              <a:rPr lang="pl-PL" dirty="0" smtClean="0"/>
-              <a:t>kontekstu</a:t>
-            </a:r>
-            <a:endParaRPr lang="pl-PL" dirty="0"/>
-          </a:p>
-        </p:txBody>
-      </p:sp>
-      <p:sp>
-        <p:nvSpPr>
-          <p:cNvPr id="6" name="Symbol zastępczy zawartości 5"/>
-          <p:cNvSpPr>
-            <a:spLocks noGrp="1"/>
-          </p:cNvSpPr>
-          <p:nvPr>
-            <p:ph idx="1"/>
-          </p:nvPr>
-        </p:nvSpPr>
-        <p:spPr/>
-        <p:txBody>
-          <a:bodyPr>
-            <a:normAutofit fontScale="85000" lnSpcReduction="20000"/>
-          </a:bodyPr>
-          <a:lstStyle/>
-          <a:p>
-            <a:pPr marL="36576" indent="0">
-              <a:buNone/>
-            </a:pPr>
-            <a:r>
-              <a:rPr lang="pl-PL" dirty="0" smtClean="0"/>
-              <a:t>W kontekście należy zawrzeć następujące elementy:</a:t>
-            </a:r>
-          </a:p>
-          <a:p>
-            <a:r>
-              <a:rPr lang="pl-PL" dirty="0"/>
-              <a:t>b</a:t>
-            </a:r>
-            <a:r>
-              <a:rPr lang="pl-PL" dirty="0" smtClean="0"/>
-              <a:t>ezparametrowy konstruktor, wywołujący konstruktor klasy potomnej z nazwą ścieżki dostępu do bazy (nazwa określona w </a:t>
-            </a:r>
-            <a:r>
-              <a:rPr lang="pl-PL" dirty="0" err="1" smtClean="0"/>
-              <a:t>Web.config</a:t>
-            </a:r>
-            <a:r>
-              <a:rPr lang="pl-PL" dirty="0" smtClean="0"/>
-              <a:t>, domyślnie „</a:t>
-            </a:r>
-            <a:r>
-              <a:rPr lang="pl-PL" dirty="0" err="1" smtClean="0"/>
-              <a:t>DefaultConnection</a:t>
-            </a:r>
-            <a:r>
-              <a:rPr lang="pl-PL" dirty="0" smtClean="0"/>
-              <a:t>”)</a:t>
-            </a:r>
-          </a:p>
-          <a:p>
-            <a:r>
-              <a:rPr lang="pl-PL" dirty="0"/>
-              <a:t>p</a:t>
-            </a:r>
-            <a:r>
-              <a:rPr lang="pl-PL" dirty="0" smtClean="0"/>
-              <a:t>ubliczne właściwości typu </a:t>
-            </a:r>
-            <a:r>
-              <a:rPr lang="pl-PL" dirty="0" err="1" smtClean="0"/>
-              <a:t>DbSet</a:t>
-            </a:r>
-            <a:r>
-              <a:rPr lang="pl-PL" dirty="0" smtClean="0"/>
-              <a:t>&lt;</a:t>
-            </a:r>
-            <a:r>
-              <a:rPr lang="pl-PL" dirty="0" err="1" smtClean="0"/>
-              <a:t>typ_klasy_do_umieszczenia_w_bazie</a:t>
-            </a:r>
-            <a:r>
-              <a:rPr lang="pl-PL" dirty="0" smtClean="0"/>
-              <a:t>&gt; (zwykle ich nazwa odpowiada nazwie ich klasy)</a:t>
-            </a:r>
-          </a:p>
-          <a:p>
-            <a:r>
-              <a:rPr lang="pl-PL" dirty="0"/>
-              <a:t>o</a:t>
-            </a:r>
-            <a:r>
-              <a:rPr lang="pl-PL" dirty="0" smtClean="0"/>
-              <a:t>dpowiednio skonfigurowaną metodę </a:t>
-            </a:r>
-            <a:r>
-              <a:rPr lang="pl-PL" dirty="0" err="1" smtClean="0"/>
-              <a:t>OnModelCreating</a:t>
-            </a:r>
-            <a:endParaRPr lang="pl-PL" dirty="0"/>
-          </a:p>
-        </p:txBody>
-      </p:sp>
-    </p:spTree>
-    <p:extLst>
-      <p:ext uri="{BB962C8B-B14F-4D97-AF65-F5344CB8AC3E}">
-        <p14:creationId xmlns:p14="http://schemas.microsoft.com/office/powerpoint/2010/main" val="2088326357"/>
       </p:ext>
     </p:extLst>
   </p:cSld>
@@ -10613,6 +13795,159 @@
           <a:p>
             <a:r>
               <a:rPr lang="pl-PL" dirty="0"/>
+              <a:t>Tworzenie obiektów w bazie – Tworzenie </a:t>
+            </a:r>
+            <a:r>
+              <a:rPr lang="pl-PL" dirty="0" smtClean="0"/>
+              <a:t>kontekstu</a:t>
+            </a:r>
+            <a:endParaRPr lang="pl-PL" dirty="0"/>
+          </a:p>
+        </p:txBody>
+      </p:sp>
+      <p:sp>
+        <p:nvSpPr>
+          <p:cNvPr id="6" name="Symbol zastępczy zawartości 5"/>
+          <p:cNvSpPr>
+            <a:spLocks noGrp="1"/>
+          </p:cNvSpPr>
+          <p:nvPr>
+            <p:ph idx="1"/>
+          </p:nvPr>
+        </p:nvSpPr>
+        <p:spPr/>
+        <p:txBody>
+          <a:bodyPr>
+            <a:normAutofit fontScale="85000" lnSpcReduction="20000"/>
+          </a:bodyPr>
+          <a:lstStyle/>
+          <a:p>
+            <a:pPr marL="36576" indent="0">
+              <a:buNone/>
+            </a:pPr>
+            <a:r>
+              <a:rPr lang="pl-PL" dirty="0" smtClean="0"/>
+              <a:t>W kontekście należy zawrzeć następujące elementy:</a:t>
+            </a:r>
+          </a:p>
+          <a:p>
+            <a:r>
+              <a:rPr lang="pl-PL" dirty="0"/>
+              <a:t>b</a:t>
+            </a:r>
+            <a:r>
+              <a:rPr lang="pl-PL" dirty="0" smtClean="0"/>
+              <a:t>ezparametrowy konstruktor, wywołujący konstruktor klasy potomnej z nazwą ścieżki dostępu do bazy (nazwa określona w </a:t>
+            </a:r>
+            <a:r>
+              <a:rPr lang="pl-PL" dirty="0" err="1" smtClean="0"/>
+              <a:t>Web.config</a:t>
+            </a:r>
+            <a:r>
+              <a:rPr lang="pl-PL" dirty="0" smtClean="0"/>
+              <a:t>, domyślnie „</a:t>
+            </a:r>
+            <a:r>
+              <a:rPr lang="pl-PL" dirty="0" err="1" smtClean="0"/>
+              <a:t>DefaultConnection</a:t>
+            </a:r>
+            <a:r>
+              <a:rPr lang="pl-PL" dirty="0" smtClean="0"/>
+              <a:t>”)</a:t>
+            </a:r>
+          </a:p>
+          <a:p>
+            <a:r>
+              <a:rPr lang="pl-PL" dirty="0"/>
+              <a:t>p</a:t>
+            </a:r>
+            <a:r>
+              <a:rPr lang="pl-PL" dirty="0" smtClean="0"/>
+              <a:t>ubliczne właściwości typu </a:t>
+            </a:r>
+            <a:r>
+              <a:rPr lang="pl-PL" dirty="0" err="1" smtClean="0"/>
+              <a:t>DbSet</a:t>
+            </a:r>
+            <a:r>
+              <a:rPr lang="pl-PL" dirty="0" smtClean="0"/>
+              <a:t>&lt;</a:t>
+            </a:r>
+            <a:r>
+              <a:rPr lang="pl-PL" dirty="0" err="1" smtClean="0"/>
+              <a:t>typ_klasy_do_umieszczenia_w_bazie</a:t>
+            </a:r>
+            <a:r>
+              <a:rPr lang="pl-PL" dirty="0" smtClean="0"/>
+              <a:t>&gt; (zwykle ich nazwa odpowiada nazwie ich klasy)</a:t>
+            </a:r>
+          </a:p>
+          <a:p>
+            <a:r>
+              <a:rPr lang="pl-PL" dirty="0"/>
+              <a:t>o</a:t>
+            </a:r>
+            <a:r>
+              <a:rPr lang="pl-PL" dirty="0" smtClean="0"/>
+              <a:t>dpowiednio skonfigurowaną metodę </a:t>
+            </a:r>
+            <a:r>
+              <a:rPr lang="pl-PL" dirty="0" err="1" smtClean="0"/>
+              <a:t>OnModelCreating</a:t>
+            </a:r>
+            <a:endParaRPr lang="pl-PL" dirty="0"/>
+          </a:p>
+        </p:txBody>
+      </p:sp>
+    </p:spTree>
+    <p:extLst>
+      <p:ext uri="{BB962C8B-B14F-4D97-AF65-F5344CB8AC3E}">
+        <p14:creationId xmlns:p14="http://schemas.microsoft.com/office/powerpoint/2010/main" val="2088326357"/>
+      </p:ext>
+    </p:extLst>
+  </p:cSld>
+  <p:clrMapOvr>
+    <a:masterClrMapping/>
+  </p:clrMapOvr>
+</p:sld>
+</file>
+
+<file path=ppt/slides/slide51.xml><?xml version="1.0" encoding="utf-8"?>
+<p:sld xmlns:a="http://schemas.openxmlformats.org/drawingml/2006/main" xmlns:r="http://schemas.openxmlformats.org/officeDocument/2006/relationships" xmlns:p="http://schemas.openxmlformats.org/presentationml/2006/main">
+  <p:cSld>
+    <p:spTree>
+      <p:nvGrpSpPr>
+        <p:cNvPr id="1" name=""/>
+        <p:cNvGrpSpPr/>
+        <p:nvPr/>
+      </p:nvGrpSpPr>
+      <p:grpSpPr>
+        <a:xfrm>
+          <a:off x="0" y="0"/>
+          <a:ext cx="0" cy="0"/>
+          <a:chOff x="0" y="0"/>
+          <a:chExt cx="0" cy="0"/>
+        </a:xfrm>
+      </p:grpSpPr>
+      <p:sp>
+        <p:nvSpPr>
+          <p:cNvPr id="2" name="Tytuł 1"/>
+          <p:cNvSpPr>
+            <a:spLocks noGrp="1"/>
+          </p:cNvSpPr>
+          <p:nvPr>
+            <p:ph type="title"/>
+          </p:nvPr>
+        </p:nvSpPr>
+        <p:spPr/>
+        <p:txBody>
+          <a:bodyPr>
+            <a:normAutofit fontScale="90000"/>
+          </a:bodyPr>
+          <a:lstStyle/>
+          <a:p>
+            <a:r>
+              <a:rPr lang="pl-PL" dirty="0"/>
               <a:t>Konfigurowanie bazy </a:t>
             </a:r>
             <a:r>
@@ -10665,7 +14000,7 @@
 </p:sld>
 </file>
 
-<file path=ppt/slides/slide51.xml><?xml version="1.0" encoding="utf-8"?>
+<file path=ppt/slides/slide52.xml><?xml version="1.0" encoding="utf-8"?>
 <p:sld xmlns:a="http://schemas.openxmlformats.org/drawingml/2006/main" xmlns:r="http://schemas.openxmlformats.org/officeDocument/2006/relationships" xmlns:p="http://schemas.openxmlformats.org/presentationml/2006/main">
   <p:cSld>
     <p:spTree>
@@ -10785,7 +14120,7 @@
 </p:sld>
 </file>
 
-<file path=ppt/slides/slide52.xml><?xml version="1.0" encoding="utf-8"?>
+<file path=ppt/slides/slide53.xml><?xml version="1.0" encoding="utf-8"?>
 <p:sld xmlns:a="http://schemas.openxmlformats.org/drawingml/2006/main" xmlns:r="http://schemas.openxmlformats.org/officeDocument/2006/relationships" xmlns:p="http://schemas.openxmlformats.org/presentationml/2006/main">
   <p:cSld>
     <p:spTree>
@@ -10865,7 +14200,7 @@
 </p:sld>
 </file>
 
-<file path=ppt/slides/slide53.xml><?xml version="1.0" encoding="utf-8"?>
+<file path=ppt/slides/slide54.xml><?xml version="1.0" encoding="utf-8"?>
 <p:sld xmlns:a="http://schemas.openxmlformats.org/drawingml/2006/main" xmlns:r="http://schemas.openxmlformats.org/officeDocument/2006/relationships" xmlns:p="http://schemas.openxmlformats.org/presentationml/2006/main">
   <p:cSld>
     <p:spTree>
@@ -11009,7 +14344,7 @@
 </p:sld>
 </file>
 
-<file path=ppt/slides/slide54.xml><?xml version="1.0" encoding="utf-8"?>
+<file path=ppt/slides/slide55.xml><?xml version="1.0" encoding="utf-8"?>
 <p:sld xmlns:a="http://schemas.openxmlformats.org/drawingml/2006/main" xmlns:r="http://schemas.openxmlformats.org/officeDocument/2006/relationships" xmlns:p="http://schemas.openxmlformats.org/presentationml/2006/main">
   <p:cSld>
     <p:spTree>
@@ -11466,7 +14801,7 @@
 </p:sld>
 </file>
 
-<file path=ppt/slides/slide55.xml><?xml version="1.0" encoding="utf-8"?>
+<file path=ppt/slides/slide56.xml><?xml version="1.0" encoding="utf-8"?>
 <p:sld xmlns:a="http://schemas.openxmlformats.org/drawingml/2006/main" xmlns:r="http://schemas.openxmlformats.org/officeDocument/2006/relationships" xmlns:p="http://schemas.openxmlformats.org/presentationml/2006/main">
   <p:cSld>
     <p:spTree>
@@ -11547,7 +14882,7 @@
 </p:sld>
 </file>
 
-<file path=ppt/slides/slide56.xml><?xml version="1.0" encoding="utf-8"?>
+<file path=ppt/slides/slide57.xml><?xml version="1.0" encoding="utf-8"?>
 <p:sld xmlns:a="http://schemas.openxmlformats.org/drawingml/2006/main" xmlns:r="http://schemas.openxmlformats.org/officeDocument/2006/relationships" xmlns:p="http://schemas.openxmlformats.org/presentationml/2006/main">
   <p:cSld>
     <p:spTree>
@@ -11739,7 +15074,7 @@
 </p:sld>
 </file>
 
-<file path=ppt/slides/slide57.xml><?xml version="1.0" encoding="utf-8"?>
+<file path=ppt/slides/slide58.xml><?xml version="1.0" encoding="utf-8"?>
 <p:sld xmlns:a="http://schemas.openxmlformats.org/drawingml/2006/main" xmlns:r="http://schemas.openxmlformats.org/officeDocument/2006/relationships" xmlns:p="http://schemas.openxmlformats.org/presentationml/2006/main">
   <p:cSld>
     <p:spTree>
@@ -11869,134 +15204,6 @@
 </p:sld>
 </file>
 
-<file path=ppt/slides/slide58.xml><?xml version="1.0" encoding="utf-8"?>
-<p:sld xmlns:a="http://schemas.openxmlformats.org/drawingml/2006/main" xmlns:r="http://schemas.openxmlformats.org/officeDocument/2006/relationships" xmlns:p="http://schemas.openxmlformats.org/presentationml/2006/main">
-  <p:cSld>
-    <p:spTree>
-      <p:nvGrpSpPr>
-        <p:cNvPr id="1" name=""/>
-        <p:cNvGrpSpPr/>
-        <p:nvPr/>
-      </p:nvGrpSpPr>
-      <p:grpSpPr>
-        <a:xfrm>
-          <a:off x="0" y="0"/>
-          <a:ext cx="0" cy="0"/>
-          <a:chOff x="0" y="0"/>
-          <a:chExt cx="0" cy="0"/>
-        </a:xfrm>
-      </p:grpSpPr>
-      <p:sp>
-        <p:nvSpPr>
-          <p:cNvPr id="2" name="Tytuł 1"/>
-          <p:cNvSpPr>
-            <a:spLocks noGrp="1"/>
-          </p:cNvSpPr>
-          <p:nvPr>
-            <p:ph type="title"/>
-          </p:nvPr>
-        </p:nvSpPr>
-        <p:spPr/>
-        <p:txBody>
-          <a:bodyPr>
-            <a:normAutofit/>
-          </a:bodyPr>
-          <a:lstStyle/>
-          <a:p>
-            <a:r>
-              <a:rPr lang="pl-PL" dirty="0" smtClean="0"/>
-              <a:t>Widok </a:t>
-            </a:r>
-            <a:r>
-              <a:rPr lang="pl-PL" dirty="0" err="1" smtClean="0"/>
-              <a:t>MojeApartamenty</a:t>
-            </a:r>
-            <a:endParaRPr lang="pl-PL" dirty="0"/>
-          </a:p>
-        </p:txBody>
-      </p:sp>
-      <p:sp>
-        <p:nvSpPr>
-          <p:cNvPr id="3" name="Symbol zastępczy zawartości 2"/>
-          <p:cNvSpPr>
-            <a:spLocks noGrp="1"/>
-          </p:cNvSpPr>
-          <p:nvPr>
-            <p:ph idx="1"/>
-          </p:nvPr>
-        </p:nvSpPr>
-        <p:spPr/>
-        <p:txBody>
-          <a:bodyPr>
-            <a:normAutofit fontScale="77500" lnSpcReduction="20000"/>
-          </a:bodyPr>
-          <a:lstStyle/>
-          <a:p>
-            <a:pPr marL="36576" indent="0">
-              <a:buNone/>
-            </a:pPr>
-            <a:r>
-              <a:rPr lang="pl-PL" dirty="0" smtClean="0"/>
-              <a:t>W aplikacji znajdować się będą dwa widoki zawierające widok listy apartamentów - Index i </a:t>
-            </a:r>
-            <a:r>
-              <a:rPr lang="pl-PL" dirty="0" err="1" smtClean="0"/>
-              <a:t>MojeApartamenty</a:t>
-            </a:r>
-            <a:r>
-              <a:rPr lang="pl-PL" dirty="0" smtClean="0"/>
-              <a:t>. Drugi z widoków został wygenerowany poprzez skopiowanie pierwszego. Aby skopiować widok należy utworzyć nowy widok o tej samej treści i dodać w kontrolerze nową akcję o nazwie zgodnej z nazwą nowego widoku.</a:t>
-            </a:r>
-          </a:p>
-          <a:p>
-            <a:pPr marL="36576" indent="0">
-              <a:buNone/>
-            </a:pPr>
-            <a:r>
-              <a:rPr lang="pl-PL" dirty="0" smtClean="0"/>
-              <a:t>Widok Index będzie zawierał mechanizm wyszukiwania apartamentów przez użytkownika. Zostanie on wykonany w późniejszym etapie.</a:t>
-            </a:r>
-          </a:p>
-          <a:p>
-            <a:pPr marL="36576" indent="0">
-              <a:buNone/>
-            </a:pPr>
-            <a:r>
-              <a:rPr lang="pl-PL" dirty="0" smtClean="0"/>
-              <a:t>W widoku </a:t>
-            </a:r>
-            <a:r>
-              <a:rPr lang="pl-PL" dirty="0" err="1" smtClean="0"/>
-              <a:t>MojeApartamenty</a:t>
-            </a:r>
-            <a:r>
-              <a:rPr lang="pl-PL" dirty="0" smtClean="0"/>
-              <a:t> właściciel będzie miał wgląd w listę swoich apartamentów, wraz z możliwością ich dodania, edycji</a:t>
-            </a:r>
-            <a:r>
-              <a:rPr lang="pl-PL" dirty="0"/>
-              <a:t> </a:t>
-            </a:r>
-            <a:r>
-              <a:rPr lang="pl-PL" dirty="0" smtClean="0"/>
-              <a:t>lub usunięcia (tylko jeśli w apartamencie nie było jeszcze odwiedzających).</a:t>
-            </a:r>
-          </a:p>
-        </p:txBody>
-      </p:sp>
-    </p:spTree>
-    <p:extLst>
-      <p:ext uri="{BB962C8B-B14F-4D97-AF65-F5344CB8AC3E}">
-        <p14:creationId xmlns:p14="http://schemas.microsoft.com/office/powerpoint/2010/main" val="1993134855"/>
-      </p:ext>
-    </p:extLst>
-  </p:cSld>
-  <p:clrMapOvr>
-    <a:masterClrMapping/>
-  </p:clrMapOvr>
-</p:sld>
-</file>
-
 <file path=ppt/slides/slide59.xml><?xml version="1.0" encoding="utf-8"?>
 <p:sld xmlns:a="http://schemas.openxmlformats.org/drawingml/2006/main" xmlns:r="http://schemas.openxmlformats.org/officeDocument/2006/relationships" xmlns:p="http://schemas.openxmlformats.org/presentationml/2006/main">
   <p:cSld>
@@ -12027,7 +15234,7 @@
         <p:spPr/>
         <p:txBody>
           <a:bodyPr>
-            <a:normAutofit fontScale="90000"/>
+            <a:normAutofit/>
           </a:bodyPr>
           <a:lstStyle/>
           <a:p>
@@ -12039,10 +15246,6 @@
               <a:rPr lang="pl-PL" dirty="0" err="1" smtClean="0"/>
               <a:t>MojeApartamenty</a:t>
             </a:r>
-            <a:r>
-              <a:rPr lang="pl-PL" dirty="0" smtClean="0"/>
-              <a:t> – Tworzenie modelu</a:t>
-            </a:r>
             <a:endParaRPr lang="pl-PL" dirty="0"/>
           </a:p>
         </p:txBody>
@@ -12057,15 +15260,10 @@
             <p:ph idx="1"/>
           </p:nvPr>
         </p:nvSpPr>
-        <p:spPr>
-          <a:xfrm>
-            <a:off x="457200" y="1600200"/>
-            <a:ext cx="7467600" cy="4637112"/>
-          </a:xfrm>
-        </p:spPr>
+        <p:spPr/>
         <p:txBody>
           <a:bodyPr>
-            <a:normAutofit fontScale="62500" lnSpcReduction="20000"/>
+            <a:normAutofit fontScale="70000" lnSpcReduction="20000"/>
           </a:bodyPr>
           <a:lstStyle/>
           <a:p>
@@ -12074,27 +15272,15 @@
             </a:pPr>
             <a:r>
               <a:rPr lang="pl-PL" dirty="0" smtClean="0"/>
-              <a:t>Wyświetlanie danych na liście polega na zdefiniowaniu tabeli, jej nagłówka, a następnie w pętli </a:t>
-            </a:r>
-            <a:r>
-              <a:rPr lang="pl-PL" dirty="0" err="1" smtClean="0"/>
-              <a:t>foreach</a:t>
-            </a:r>
-            <a:r>
-              <a:rPr lang="pl-PL" dirty="0"/>
-              <a:t> </a:t>
-            </a:r>
-            <a:r>
-              <a:rPr lang="pl-PL" dirty="0" smtClean="0"/>
-              <a:t>generowaniu kolejnych wierszy za pomocą struktury </a:t>
-            </a:r>
-            <a:r>
-              <a:rPr lang="pl-PL" dirty="0" err="1" smtClean="0"/>
-              <a:t>Html.DisplayFor</a:t>
-            </a:r>
-            <a:r>
-              <a:rPr lang="pl-PL" dirty="0" smtClean="0"/>
-              <a:t>(). Wyświetlana wartość nie może być wyrażeniem, dlatego do każdej wartości nie podanej bezpośrednio należy dodać publiczną właściwość.</a:t>
+              <a:t>W aplikacji znajdować się będą dwa widoki zawierające widok listy apartamentów - Index i </a:t>
+            </a:r>
+            <a:r>
+              <a:rPr lang="pl-PL" dirty="0" err="1" smtClean="0"/>
+              <a:t>MojeApartamenty</a:t>
+            </a:r>
+            <a:r>
+              <a:rPr lang="pl-PL" dirty="0" smtClean="0"/>
+              <a:t>. Drugi z widoków został wygenerowany poprzez skopiowanie pierwszego. Aby skopiować widok należy utworzyć nowy widok o tej samej treści i dodać w kontrolerze nową akcję o nazwie zgodnej z nazwą nowego widoku.</a:t>
             </a:r>
           </a:p>
           <a:p>
@@ -12103,55 +15289,7 @@
             </a:pPr>
             <a:r>
               <a:rPr lang="pl-PL" dirty="0" smtClean="0"/>
-              <a:t>Do tego celu należy utworzyć nowy model, który będzie reprezentował obiekty wyświetlane na liście. Model ten zostanie zdefiniowany w nowym pliku </a:t>
-            </a:r>
-            <a:r>
-              <a:rPr lang="pl-PL" dirty="0" err="1" smtClean="0"/>
-              <a:t>ApartamentyModels</a:t>
-            </a:r>
-            <a:r>
-              <a:rPr lang="pl-PL" dirty="0" smtClean="0"/>
-              <a:t> i zostanie nazwany </a:t>
-            </a:r>
-            <a:r>
-              <a:rPr lang="pl-PL" dirty="0" err="1" smtClean="0"/>
-              <a:t>ApartamentyDisplayViewModel</a:t>
-            </a:r>
-            <a:r>
-              <a:rPr lang="pl-PL" dirty="0" smtClean="0"/>
-              <a:t>. Musi on zawierać te same pola co klasa Apartamenty, dlatego dodane zostanie do niego dziedziczenie z tej klasy. Ponadto dopisane zostaną następujące pola (tylko do odczytu):</a:t>
-            </a:r>
-          </a:p>
-          <a:p>
-            <a:r>
-              <a:rPr lang="pl-PL" dirty="0" err="1" smtClean="0"/>
-              <a:t>WlascicielImieNazwisko</a:t>
-            </a:r>
-            <a:r>
-              <a:rPr lang="pl-PL" dirty="0" smtClean="0"/>
-              <a:t> – imię i nazwisko właściciela</a:t>
-            </a:r>
-          </a:p>
-          <a:p>
-            <a:r>
-              <a:rPr lang="pl-PL" dirty="0" smtClean="0"/>
-              <a:t>Udogodnienia – lista udogodnień po przecinku</a:t>
-            </a:r>
-          </a:p>
-          <a:p>
-            <a:r>
-              <a:rPr lang="pl-PL" dirty="0" err="1" smtClean="0"/>
-              <a:t>IloscWizyt</a:t>
-            </a:r>
-            <a:r>
-              <a:rPr lang="pl-PL" dirty="0" smtClean="0"/>
-              <a:t> – ilość wizyt (zakończonych)</a:t>
-            </a:r>
-          </a:p>
-          <a:p>
-            <a:r>
-              <a:rPr lang="pl-PL" dirty="0" smtClean="0"/>
-              <a:t>Ocena – średnia ocena wizyt</a:t>
+              <a:t>Widok Index będzie zawierał mechanizm wyszukiwania apartamentów przez użytkownika. Zostanie on wykonany w późniejszym etapie. Na zostanie jedynie usunięty mechanizm Dodaj/Usuń/Edytuj, a zastąpiony zostanie linkiem Rezerwuj.</a:t>
             </a:r>
           </a:p>
           <a:p>
@@ -12160,7 +15298,23 @@
             </a:pPr>
             <a:r>
               <a:rPr lang="pl-PL" dirty="0" smtClean="0"/>
-              <a:t>Do modelu dodano też konstruktor przyjmujący obiekt klasy Apartamenty, przepisujący wszystkie wartości.</a:t>
+              <a:t>W widoku </a:t>
+            </a:r>
+            <a:r>
+              <a:rPr lang="pl-PL" dirty="0" err="1" smtClean="0"/>
+              <a:t>MojeApartamenty</a:t>
+            </a:r>
+            <a:r>
+              <a:rPr lang="pl-PL" dirty="0" smtClean="0"/>
+              <a:t> właściciel będzie miał wgląd w listę swoich apartamentów, wraz z możliwością ich dodania, edycji</a:t>
+            </a:r>
+            <a:r>
+              <a:rPr lang="pl-PL" dirty="0"/>
+              <a:t> </a:t>
+            </a:r>
+            <a:r>
+              <a:rPr lang="pl-PL" dirty="0" smtClean="0"/>
+              <a:t>lub usunięcia (tylko jeśli w apartamencie nie było jeszcze odwiedzających).</a:t>
             </a:r>
           </a:p>
         </p:txBody>
@@ -12168,7 +15322,7 @@
     </p:spTree>
     <p:extLst>
       <p:ext uri="{BB962C8B-B14F-4D97-AF65-F5344CB8AC3E}">
-        <p14:creationId xmlns:p14="http://schemas.microsoft.com/office/powerpoint/2010/main" val="2295927094"/>
+        <p14:creationId xmlns:p14="http://schemas.microsoft.com/office/powerpoint/2010/main" val="1993134855"/>
       </p:ext>
     </p:extLst>
   </p:cSld>
@@ -12377,168 +15531,143 @@
           <a:lstStyle/>
           <a:p>
             <a:r>
-              <a:rPr lang="pl-PL" dirty="0"/>
+              <a:rPr lang="pl-PL" dirty="0" smtClean="0"/>
               <a:t>Widok </a:t>
             </a:r>
             <a:r>
-              <a:rPr lang="pl-PL" dirty="0" err="1"/>
+              <a:rPr lang="pl-PL" dirty="0" err="1" smtClean="0"/>
               <a:t>MojeApartamenty</a:t>
             </a:r>
             <a:r>
-              <a:rPr lang="pl-PL" dirty="0"/>
+              <a:rPr lang="pl-PL" dirty="0" smtClean="0"/>
               <a:t> – Tworzenie modelu</a:t>
             </a:r>
-          </a:p>
-        </p:txBody>
-      </p:sp>
-      <p:pic>
-        <p:nvPicPr>
-          <p:cNvPr id="6" name="Symbol zastępczy zawartości 5"/>
-          <p:cNvPicPr>
-            <a:picLocks noGrp="1" noChangeAspect="1"/>
-          </p:cNvPicPr>
-          <p:nvPr>
-            <p:ph sz="half" idx="1"/>
-          </p:nvPr>
-        </p:nvPicPr>
-        <p:blipFill>
-          <a:blip r:embed="rId2"/>
-          <a:stretch>
-            <a:fillRect/>
-          </a:stretch>
-        </p:blipFill>
+            <a:endParaRPr lang="pl-PL" dirty="0"/>
+          </a:p>
+        </p:txBody>
+      </p:sp>
+      <p:sp>
+        <p:nvSpPr>
+          <p:cNvPr id="3" name="Symbol zastępczy zawartości 2"/>
+          <p:cNvSpPr>
+            <a:spLocks noGrp="1"/>
+          </p:cNvSpPr>
+          <p:nvPr>
+            <p:ph idx="1"/>
+          </p:nvPr>
+        </p:nvSpPr>
         <p:spPr>
           <a:xfrm>
-            <a:off x="457200" y="1700808"/>
-            <a:ext cx="3657600" cy="3189656"/>
+            <a:off x="457200" y="1600200"/>
+            <a:ext cx="7467600" cy="4637112"/>
           </a:xfrm>
-          <a:prstGeom prst="rect">
-            <a:avLst/>
-          </a:prstGeom>
         </p:spPr>
-      </p:pic>
-      <p:pic>
-        <p:nvPicPr>
-          <p:cNvPr id="7" name="Symbol zastępczy zawartości 6"/>
-          <p:cNvPicPr>
-            <a:picLocks noGrp="1" noChangeAspect="1"/>
-          </p:cNvPicPr>
-          <p:nvPr>
-            <p:ph sz="half" idx="2"/>
-          </p:nvPr>
-        </p:nvPicPr>
-        <p:blipFill>
-          <a:blip r:embed="rId3"/>
-          <a:stretch>
-            <a:fillRect/>
-          </a:stretch>
-        </p:blipFill>
-        <p:spPr>
-          <a:xfrm>
-            <a:off x="4267200" y="1700808"/>
-            <a:ext cx="3657600" cy="2890920"/>
-          </a:xfrm>
-          <a:prstGeom prst="rect">
-            <a:avLst/>
-          </a:prstGeom>
-        </p:spPr>
-      </p:pic>
-      <p:sp>
-        <p:nvSpPr>
-          <p:cNvPr id="8" name="pole tekstowe 7"/>
-          <p:cNvSpPr txBox="1"/>
-          <p:nvPr/>
-        </p:nvSpPr>
-        <p:spPr>
-          <a:xfrm>
-            <a:off x="457200" y="5013176"/>
-            <a:ext cx="7467600" cy="1600438"/>
-          </a:xfrm>
-          <a:prstGeom prst="rect">
-            <a:avLst/>
-          </a:prstGeom>
-          <a:noFill/>
-        </p:spPr>
-        <p:txBody>
-          <a:bodyPr wrap="square" rtlCol="0">
-            <a:spAutoFit/>
+        <p:txBody>
+          <a:bodyPr>
+            <a:normAutofit fontScale="62500" lnSpcReduction="20000"/>
           </a:bodyPr>
           <a:lstStyle/>
           <a:p>
-            <a:pPr marL="285750" indent="-285750">
-              <a:buFont typeface="Arial" panose="020B0604020202020204" pitchFamily="34" charset="0"/>
-              <a:buChar char="•"/>
+            <a:pPr marL="36576" indent="0">
+              <a:buNone/>
             </a:pPr>
             <a:r>
-              <a:rPr lang="pl-PL" sz="1400" dirty="0" err="1" smtClean="0"/>
+              <a:rPr lang="pl-PL" dirty="0" smtClean="0"/>
+              <a:t>Wyświetlanie danych na liście polega na zdefiniowaniu tabeli, jej nagłówka, a następnie w pętli </a:t>
+            </a:r>
+            <a:r>
+              <a:rPr lang="pl-PL" dirty="0" err="1" smtClean="0"/>
+              <a:t>foreach</a:t>
+            </a:r>
+            <a:r>
+              <a:rPr lang="pl-PL" dirty="0"/>
+              <a:t> </a:t>
+            </a:r>
+            <a:r>
+              <a:rPr lang="pl-PL" dirty="0" smtClean="0"/>
+              <a:t>generowaniu kolejnych wierszy za pomocą struktury </a:t>
+            </a:r>
+            <a:r>
+              <a:rPr lang="pl-PL" dirty="0" err="1" smtClean="0"/>
+              <a:t>Html.DisplayFor</a:t>
+            </a:r>
+            <a:r>
+              <a:rPr lang="pl-PL" dirty="0" smtClean="0"/>
+              <a:t>(). Wyświetlana wartość nie może być wyrażeniem, dlatego do każdej wartości nie podanej bezpośrednio należy dodać publiczną właściwość.</a:t>
+            </a:r>
+          </a:p>
+          <a:p>
+            <a:pPr marL="36576" indent="0">
+              <a:buNone/>
+            </a:pPr>
+            <a:r>
+              <a:rPr lang="pl-PL" dirty="0" smtClean="0"/>
+              <a:t>Do tego celu należy utworzyć nowy model, który będzie reprezentował obiekty wyświetlane na liście. Model ten zostanie zdefiniowany w nowym pliku </a:t>
+            </a:r>
+            <a:r>
+              <a:rPr lang="pl-PL" dirty="0" err="1" smtClean="0"/>
+              <a:t>ApartamentyModels</a:t>
+            </a:r>
+            <a:r>
+              <a:rPr lang="pl-PL" dirty="0" smtClean="0"/>
+              <a:t> i zostanie nazwany </a:t>
+            </a:r>
+            <a:r>
+              <a:rPr lang="pl-PL" dirty="0" err="1" smtClean="0"/>
+              <a:t>ApartamentyDisplayViewModel</a:t>
+            </a:r>
+            <a:r>
+              <a:rPr lang="pl-PL" dirty="0" smtClean="0"/>
+              <a:t>. Musi on zawierać te same pola co klasa Apartamenty, dlatego dodane zostanie do niego dziedziczenie z tej klasy. Ponadto dopisane zostaną następujące pola (tylko do odczytu):</a:t>
+            </a:r>
+          </a:p>
+          <a:p>
+            <a:r>
+              <a:rPr lang="pl-PL" dirty="0" err="1" smtClean="0"/>
               <a:t>WlascicielImieNazwisko</a:t>
             </a:r>
             <a:r>
-              <a:rPr lang="pl-PL" sz="1400" dirty="0" smtClean="0"/>
-              <a:t> – z kontekstu przechowującego informacje o użytkownikach pobierany jest obiekt klasy </a:t>
-            </a:r>
-            <a:r>
-              <a:rPr lang="pl-PL" sz="1400" dirty="0" err="1" smtClean="0"/>
-              <a:t>ApplicationUser</a:t>
-            </a:r>
-            <a:r>
-              <a:rPr lang="pl-PL" sz="1400" dirty="0"/>
-              <a:t> </a:t>
-            </a:r>
-            <a:r>
-              <a:rPr lang="pl-PL" sz="1400" dirty="0" smtClean="0"/>
-              <a:t>o odpowiednim Id.  Następnie tworzony jest string w formacie „&lt;</a:t>
-            </a:r>
-            <a:r>
-              <a:rPr lang="pl-PL" sz="1400" dirty="0" err="1" smtClean="0"/>
-              <a:t>Imie</a:t>
-            </a:r>
-            <a:r>
-              <a:rPr lang="pl-PL" sz="1400" dirty="0" smtClean="0"/>
-              <a:t>&gt; &lt;Nazwisko&gt;”</a:t>
-            </a:r>
-          </a:p>
-          <a:p>
-            <a:pPr marL="285750" indent="-285750">
-              <a:buFont typeface="Arial" panose="020B0604020202020204" pitchFamily="34" charset="0"/>
-              <a:buChar char="•"/>
+              <a:rPr lang="pl-PL" dirty="0" smtClean="0"/>
+              <a:t> – imię i nazwisko właściciela</a:t>
+            </a:r>
+          </a:p>
+          <a:p>
+            <a:r>
+              <a:rPr lang="pl-PL" dirty="0" smtClean="0"/>
+              <a:t>Udogodnienia – lista udogodnień po przecinku</a:t>
+            </a:r>
+          </a:p>
+          <a:p>
+            <a:r>
+              <a:rPr lang="pl-PL" dirty="0" err="1" smtClean="0"/>
+              <a:t>IloscWizyt</a:t>
+            </a:r>
+            <a:r>
+              <a:rPr lang="pl-PL" dirty="0" smtClean="0"/>
+              <a:t> – ilość wizyt (zakończonych)</a:t>
+            </a:r>
+          </a:p>
+          <a:p>
+            <a:r>
+              <a:rPr lang="pl-PL" dirty="0" smtClean="0"/>
+              <a:t>Ocena – średnia ocena wizyt</a:t>
+            </a:r>
+          </a:p>
+          <a:p>
+            <a:pPr marL="36576" indent="0">
+              <a:buNone/>
             </a:pPr>
             <a:r>
-              <a:rPr lang="pl-PL" sz="1400" dirty="0" smtClean="0"/>
-              <a:t>Udogodnienia – jeżeli nie ma żadnych udogodnień, zwróć pusty string; jeśli są, pobierz listę nazw wszystkich dodanych udogodnień i połącz je po przecinku.</a:t>
-            </a:r>
-          </a:p>
-          <a:p>
-            <a:pPr marL="285750" indent="-285750">
-              <a:buFont typeface="Arial" panose="020B0604020202020204" pitchFamily="34" charset="0"/>
-              <a:buChar char="•"/>
-            </a:pPr>
-            <a:r>
-              <a:rPr lang="pl-PL" sz="1400" dirty="0" err="1" smtClean="0"/>
-              <a:t>IliscWizyt</a:t>
-            </a:r>
-            <a:r>
-              <a:rPr lang="pl-PL" sz="1400" dirty="0" smtClean="0"/>
-              <a:t> – jeżeli nie ma wizyt, zwróć 0, jeżeli są, zwróć ilość wizyt zakończonych</a:t>
-            </a:r>
-          </a:p>
-          <a:p>
-            <a:pPr marL="285750" indent="-285750">
-              <a:buFont typeface="Arial" panose="020B0604020202020204" pitchFamily="34" charset="0"/>
-              <a:buChar char="•"/>
-            </a:pPr>
-            <a:r>
-              <a:rPr lang="pl-PL" sz="1400" dirty="0" smtClean="0"/>
-              <a:t>Ocena – jeżeli nie ma wizyt, zwróć 0, jeżeli ją, wylicz średnią ocenę z wizyt.</a:t>
-            </a:r>
-            <a:endParaRPr lang="pl-PL" sz="1400" dirty="0"/>
+              <a:rPr lang="pl-PL" dirty="0" smtClean="0"/>
+              <a:t>Do modelu dodano też konstruktor przyjmujący obiekt klasy Apartamenty, przepisujący wszystkie wartości.</a:t>
+            </a:r>
           </a:p>
         </p:txBody>
       </p:sp>
     </p:spTree>
     <p:extLst>
       <p:ext uri="{BB962C8B-B14F-4D97-AF65-F5344CB8AC3E}">
-        <p14:creationId xmlns:p14="http://schemas.microsoft.com/office/powerpoint/2010/main" val="3677362010"/>
+        <p14:creationId xmlns:p14="http://schemas.microsoft.com/office/powerpoint/2010/main" val="2295927094"/>
       </p:ext>
     </p:extLst>
   </p:cSld>
@@ -12567,7 +15696,7 @@
       </p:grpSpPr>
       <p:sp>
         <p:nvSpPr>
-          <p:cNvPr id="5" name="Tytuł 4"/>
+          <p:cNvPr id="2" name="Tytuł 1"/>
           <p:cNvSpPr>
             <a:spLocks noGrp="1"/>
           </p:cNvSpPr>
@@ -12592,64 +15721,20 @@
             </a:r>
             <a:r>
               <a:rPr lang="pl-PL" dirty="0"/>
-              <a:t> – </a:t>
-            </a:r>
-            <a:r>
-              <a:rPr lang="pl-PL" dirty="0" smtClean="0"/>
-              <a:t>Zmiany w kontrolerze</a:t>
-            </a:r>
-            <a:endParaRPr lang="pl-PL" dirty="0"/>
-          </a:p>
-        </p:txBody>
-      </p:sp>
-      <p:sp>
-        <p:nvSpPr>
-          <p:cNvPr id="6" name="Symbol zastępczy zawartości 5"/>
-          <p:cNvSpPr>
-            <a:spLocks noGrp="1"/>
-          </p:cNvSpPr>
-          <p:nvPr>
-            <p:ph idx="1"/>
-          </p:nvPr>
-        </p:nvSpPr>
-        <p:spPr>
-          <a:xfrm>
-            <a:off x="457200" y="1600201"/>
-            <a:ext cx="7467600" cy="388639"/>
-          </a:xfrm>
-        </p:spPr>
-        <p:txBody>
-          <a:bodyPr>
-            <a:normAutofit/>
-          </a:bodyPr>
-          <a:lstStyle/>
-          <a:p>
-            <a:pPr marL="36576" indent="0">
-              <a:buNone/>
-            </a:pPr>
-            <a:r>
-              <a:rPr lang="pl-PL" sz="1800" dirty="0" smtClean="0"/>
-              <a:t>Pierwotna postać akcji </a:t>
-            </a:r>
-            <a:r>
-              <a:rPr lang="pl-PL" sz="1800" dirty="0" err="1" smtClean="0"/>
-              <a:t>MojeApartamenty</a:t>
-            </a:r>
-            <a:r>
-              <a:rPr lang="pl-PL" sz="1800" dirty="0" smtClean="0"/>
-              <a:t>, skopiowanej z akcji Index:</a:t>
-            </a:r>
-            <a:endParaRPr lang="pl-PL" sz="1800" dirty="0"/>
+              <a:t> – Tworzenie modelu</a:t>
+            </a:r>
           </a:p>
         </p:txBody>
       </p:sp>
       <p:pic>
         <p:nvPicPr>
-          <p:cNvPr id="7" name="Obraz 6"/>
+          <p:cNvPr id="6" name="Symbol zastępczy zawartości 5"/>
           <p:cNvPicPr>
-            <a:picLocks noChangeAspect="1"/>
+            <a:picLocks noGrp="1" noChangeAspect="1"/>
           </p:cNvPicPr>
-          <p:nvPr/>
+          <p:nvPr>
+            <p:ph sz="half" idx="1"/>
+          </p:nvPr>
         </p:nvPicPr>
         <p:blipFill>
           <a:blip r:embed="rId2"/>
@@ -12659,241 +15744,23 @@
         </p:blipFill>
         <p:spPr>
           <a:xfrm>
-            <a:off x="2699792" y="2171403"/>
-            <a:ext cx="3333750" cy="771525"/>
+            <a:off x="457200" y="1700808"/>
+            <a:ext cx="3657600" cy="3189656"/>
           </a:xfrm>
           <a:prstGeom prst="rect">
             <a:avLst/>
           </a:prstGeom>
         </p:spPr>
       </p:pic>
-      <p:sp>
-        <p:nvSpPr>
-          <p:cNvPr id="8" name="Symbol zastępczy zawartości 5"/>
-          <p:cNvSpPr txBox="1">
-            <a:spLocks/>
-          </p:cNvSpPr>
-          <p:nvPr/>
-        </p:nvSpPr>
-        <p:spPr>
-          <a:xfrm>
-            <a:off x="457200" y="3125491"/>
-            <a:ext cx="7467600" cy="447524"/>
-          </a:xfrm>
-          <a:prstGeom prst="rect">
-            <a:avLst/>
-          </a:prstGeom>
-        </p:spPr>
-        <p:txBody>
-          <a:bodyPr vert="horz">
-            <a:normAutofit/>
-          </a:bodyPr>
-          <a:lstStyle>
-            <a:lvl1pPr marL="420624" indent="-384048" algn="l" rtl="0" eaLnBrk="1" latinLnBrk="0" hangingPunct="1">
-              <a:spcBef>
-                <a:spcPct val="20000"/>
-              </a:spcBef>
-              <a:buClr>
-                <a:schemeClr val="accent1"/>
-              </a:buClr>
-              <a:buSzPct val="80000"/>
-              <a:buFont typeface="Wingdings 2"/>
-              <a:buChar char=""/>
-              <a:defRPr kumimoji="0" sz="3000" kern="1200">
-                <a:solidFill>
-                  <a:schemeClr val="tx1"/>
-                </a:solidFill>
-                <a:latin typeface="+mn-lt"/>
-                <a:ea typeface="+mn-ea"/>
-                <a:cs typeface="+mn-cs"/>
-              </a:defRPr>
-            </a:lvl1pPr>
-            <a:lvl2pPr marL="722376" indent="-274320" algn="l" rtl="0" eaLnBrk="1" latinLnBrk="0" hangingPunct="1">
-              <a:spcBef>
-                <a:spcPct val="20000"/>
-              </a:spcBef>
-              <a:buClr>
-                <a:schemeClr val="accent1"/>
-              </a:buClr>
-              <a:buSzPct val="90000"/>
-              <a:buFont typeface="Wingdings 2"/>
-              <a:buChar char=""/>
-              <a:defRPr kumimoji="0" sz="2600" kern="1200">
-                <a:solidFill>
-                  <a:schemeClr val="tx1"/>
-                </a:solidFill>
-                <a:latin typeface="+mn-lt"/>
-                <a:ea typeface="+mn-ea"/>
-                <a:cs typeface="+mn-cs"/>
-              </a:defRPr>
-            </a:lvl2pPr>
-            <a:lvl3pPr marL="1005840" indent="-256032" algn="l" rtl="0" eaLnBrk="1" latinLnBrk="0" hangingPunct="1">
-              <a:spcBef>
-                <a:spcPct val="20000"/>
-              </a:spcBef>
-              <a:buClr>
-                <a:schemeClr val="accent2"/>
-              </a:buClr>
-              <a:buSzPct val="85000"/>
-              <a:buFont typeface="Arial"/>
-              <a:buChar char="○"/>
-              <a:defRPr kumimoji="0" sz="2400" kern="1200">
-                <a:solidFill>
-                  <a:schemeClr val="tx1"/>
-                </a:solidFill>
-                <a:latin typeface="+mn-lt"/>
-                <a:ea typeface="+mn-ea"/>
-                <a:cs typeface="+mn-cs"/>
-              </a:defRPr>
-            </a:lvl3pPr>
-            <a:lvl4pPr marL="1280160" indent="-237744" algn="l" rtl="0" eaLnBrk="1" latinLnBrk="0" hangingPunct="1">
-              <a:spcBef>
-                <a:spcPct val="20000"/>
-              </a:spcBef>
-              <a:buClr>
-                <a:schemeClr val="accent3"/>
-              </a:buClr>
-              <a:buSzPct val="90000"/>
-              <a:buFont typeface="Wingdings 2"/>
-              <a:buChar char=""/>
-              <a:defRPr kumimoji="0" sz="2000" kern="1200">
-                <a:solidFill>
-                  <a:schemeClr val="tx1"/>
-                </a:solidFill>
-                <a:latin typeface="+mn-lt"/>
-                <a:ea typeface="+mn-ea"/>
-                <a:cs typeface="+mn-cs"/>
-              </a:defRPr>
-            </a:lvl4pPr>
-            <a:lvl5pPr marL="1490472" indent="-182880" algn="l" rtl="0" eaLnBrk="1" latinLnBrk="0" hangingPunct="1">
-              <a:spcBef>
-                <a:spcPct val="20000"/>
-              </a:spcBef>
-              <a:buClr>
-                <a:schemeClr val="accent4"/>
-              </a:buClr>
-              <a:buSzPct val="100000"/>
-              <a:buFont typeface="Arial"/>
-              <a:buChar char="-"/>
-              <a:defRPr kumimoji="0" sz="2000" kern="1200">
-                <a:solidFill>
-                  <a:schemeClr val="tx1"/>
-                </a:solidFill>
-                <a:latin typeface="+mn-lt"/>
-                <a:ea typeface="+mn-ea"/>
-                <a:cs typeface="+mn-cs"/>
-              </a:defRPr>
-            </a:lvl5pPr>
-            <a:lvl6pPr marL="1700784" indent="-182880" algn="l" rtl="0" eaLnBrk="1" latinLnBrk="0" hangingPunct="1">
-              <a:spcBef>
-                <a:spcPct val="20000"/>
-              </a:spcBef>
-              <a:buClr>
-                <a:schemeClr val="accent5"/>
-              </a:buClr>
-              <a:buFont typeface="Arial"/>
-              <a:buChar char="-"/>
-              <a:defRPr kumimoji="0" sz="2000" kern="1200" baseline="0">
-                <a:solidFill>
-                  <a:schemeClr val="tx1"/>
-                </a:solidFill>
-                <a:latin typeface="+mn-lt"/>
-                <a:ea typeface="+mn-ea"/>
-                <a:cs typeface="+mn-cs"/>
-              </a:defRPr>
-            </a:lvl6pPr>
-            <a:lvl7pPr marL="1920240" indent="-182880" algn="l" rtl="0" eaLnBrk="1" latinLnBrk="0" hangingPunct="1">
-              <a:spcBef>
-                <a:spcPct val="20000"/>
-              </a:spcBef>
-              <a:buClr>
-                <a:schemeClr val="accent6"/>
-              </a:buClr>
-              <a:buSzPct val="100000"/>
-              <a:buFont typeface="Arial"/>
-              <a:buChar char="•"/>
-              <a:defRPr kumimoji="0" sz="1800" kern="1200" baseline="0">
-                <a:solidFill>
-                  <a:schemeClr val="tx1"/>
-                </a:solidFill>
-                <a:latin typeface="+mn-lt"/>
-                <a:ea typeface="+mn-ea"/>
-                <a:cs typeface="+mn-cs"/>
-              </a:defRPr>
-            </a:lvl7pPr>
-            <a:lvl8pPr marL="2139696" indent="-182880" algn="l" rtl="0" eaLnBrk="1" latinLnBrk="0" hangingPunct="1">
-              <a:spcBef>
-                <a:spcPct val="20000"/>
-              </a:spcBef>
-              <a:buClr>
-                <a:schemeClr val="accent6"/>
-              </a:buClr>
-              <a:buFont typeface="Arial"/>
-              <a:buChar char="▪"/>
-              <a:defRPr kumimoji="0" sz="1600" kern="1200">
-                <a:solidFill>
-                  <a:schemeClr val="tx1"/>
-                </a:solidFill>
-                <a:latin typeface="+mn-lt"/>
-                <a:ea typeface="+mn-ea"/>
-                <a:cs typeface="+mn-cs"/>
-              </a:defRPr>
-            </a:lvl8pPr>
-            <a:lvl9pPr marL="2331720" indent="-182880" algn="l" rtl="0" eaLnBrk="1" latinLnBrk="0" hangingPunct="1">
-              <a:spcBef>
-                <a:spcPct val="20000"/>
-              </a:spcBef>
-              <a:buClr>
-                <a:schemeClr val="accent6"/>
-              </a:buClr>
-              <a:buFont typeface="Arial"/>
-              <a:buChar char="•"/>
-              <a:defRPr kumimoji="0" sz="1600" kern="1200">
-                <a:solidFill>
-                  <a:schemeClr val="tx1"/>
-                </a:solidFill>
-                <a:latin typeface="+mn-lt"/>
-                <a:ea typeface="+mn-ea"/>
-                <a:cs typeface="+mn-cs"/>
-              </a:defRPr>
-            </a:lvl9pPr>
-          </a:lstStyle>
-          <a:p>
-            <a:pPr marL="36576" indent="0">
-              <a:buFont typeface="Wingdings 2"/>
-              <a:buNone/>
-            </a:pPr>
-            <a:r>
-              <a:rPr lang="pl-PL" sz="1800" dirty="0"/>
-              <a:t>P</a:t>
-            </a:r>
-            <a:r>
-              <a:rPr lang="pl-PL" sz="1800" dirty="0" smtClean="0"/>
-              <a:t>ostać akcji </a:t>
-            </a:r>
-            <a:r>
-              <a:rPr lang="pl-PL" sz="1800" dirty="0" err="1" smtClean="0"/>
-              <a:t>MojeApartamenty</a:t>
-            </a:r>
-            <a:r>
-              <a:rPr lang="pl-PL" sz="1800" dirty="0"/>
-              <a:t> </a:t>
-            </a:r>
-            <a:r>
-              <a:rPr lang="pl-PL" sz="1800" dirty="0" smtClean="0"/>
-              <a:t>po zmianie:</a:t>
-            </a:r>
-            <a:endParaRPr lang="pl-PL" sz="1800" dirty="0"/>
-          </a:p>
-        </p:txBody>
-      </p:sp>
       <p:pic>
         <p:nvPicPr>
-          <p:cNvPr id="9" name="Obraz 8"/>
+          <p:cNvPr id="7" name="Symbol zastępczy zawartości 6"/>
           <p:cNvPicPr>
-            <a:picLocks noChangeAspect="1"/>
+            <a:picLocks noGrp="1" noChangeAspect="1"/>
           </p:cNvPicPr>
-          <p:nvPr/>
+          <p:nvPr>
+            <p:ph sz="half" idx="2"/>
+          </p:nvPr>
         </p:nvPicPr>
         <p:blipFill>
           <a:blip r:embed="rId3"/>
@@ -12903,8 +15770,8 @@
         </p:blipFill>
         <p:spPr>
           <a:xfrm>
-            <a:off x="2023517" y="3755578"/>
-            <a:ext cx="4686300" cy="1600200"/>
+            <a:off x="4267200" y="1700808"/>
+            <a:ext cx="3657600" cy="2890920"/>
           </a:xfrm>
           <a:prstGeom prst="rect">
             <a:avLst/>
@@ -12913,243 +15780,100 @@
       </p:pic>
       <p:sp>
         <p:nvSpPr>
-          <p:cNvPr id="10" name="Symbol zastępczy zawartości 5"/>
-          <p:cNvSpPr txBox="1">
-            <a:spLocks/>
-          </p:cNvSpPr>
+          <p:cNvPr id="8" name="pole tekstowe 7"/>
+          <p:cNvSpPr txBox="1"/>
           <p:nvPr/>
         </p:nvSpPr>
         <p:spPr>
           <a:xfrm>
-            <a:off x="459559" y="5538340"/>
-            <a:ext cx="7467600" cy="1131020"/>
+            <a:off x="457200" y="5013176"/>
+            <a:ext cx="7467600" cy="1600438"/>
           </a:xfrm>
           <a:prstGeom prst="rect">
             <a:avLst/>
           </a:prstGeom>
+          <a:noFill/>
         </p:spPr>
         <p:txBody>
-          <a:bodyPr vert="horz">
-            <a:normAutofit fontScale="70000" lnSpcReduction="20000"/>
+          <a:bodyPr wrap="square" rtlCol="0">
+            <a:spAutoFit/>
           </a:bodyPr>
-          <a:lstStyle>
-            <a:lvl1pPr marL="420624" indent="-384048" algn="l" rtl="0" eaLnBrk="1" latinLnBrk="0" hangingPunct="1">
-              <a:spcBef>
-                <a:spcPct val="20000"/>
-              </a:spcBef>
-              <a:buClr>
-                <a:schemeClr val="accent1"/>
-              </a:buClr>
-              <a:buSzPct val="80000"/>
-              <a:buFont typeface="Wingdings 2"/>
-              <a:buChar char=""/>
-              <a:defRPr kumimoji="0" sz="3000" kern="1200">
-                <a:solidFill>
-                  <a:schemeClr val="tx1"/>
-                </a:solidFill>
-                <a:latin typeface="+mn-lt"/>
-                <a:ea typeface="+mn-ea"/>
-                <a:cs typeface="+mn-cs"/>
-              </a:defRPr>
-            </a:lvl1pPr>
-            <a:lvl2pPr marL="722376" indent="-274320" algn="l" rtl="0" eaLnBrk="1" latinLnBrk="0" hangingPunct="1">
-              <a:spcBef>
-                <a:spcPct val="20000"/>
-              </a:spcBef>
-              <a:buClr>
-                <a:schemeClr val="accent1"/>
-              </a:buClr>
-              <a:buSzPct val="90000"/>
-              <a:buFont typeface="Wingdings 2"/>
-              <a:buChar char=""/>
-              <a:defRPr kumimoji="0" sz="2600" kern="1200">
-                <a:solidFill>
-                  <a:schemeClr val="tx1"/>
-                </a:solidFill>
-                <a:latin typeface="+mn-lt"/>
-                <a:ea typeface="+mn-ea"/>
-                <a:cs typeface="+mn-cs"/>
-              </a:defRPr>
-            </a:lvl2pPr>
-            <a:lvl3pPr marL="1005840" indent="-256032" algn="l" rtl="0" eaLnBrk="1" latinLnBrk="0" hangingPunct="1">
-              <a:spcBef>
-                <a:spcPct val="20000"/>
-              </a:spcBef>
-              <a:buClr>
-                <a:schemeClr val="accent2"/>
-              </a:buClr>
-              <a:buSzPct val="85000"/>
-              <a:buFont typeface="Arial"/>
-              <a:buChar char="○"/>
-              <a:defRPr kumimoji="0" sz="2400" kern="1200">
-                <a:solidFill>
-                  <a:schemeClr val="tx1"/>
-                </a:solidFill>
-                <a:latin typeface="+mn-lt"/>
-                <a:ea typeface="+mn-ea"/>
-                <a:cs typeface="+mn-cs"/>
-              </a:defRPr>
-            </a:lvl3pPr>
-            <a:lvl4pPr marL="1280160" indent="-237744" algn="l" rtl="0" eaLnBrk="1" latinLnBrk="0" hangingPunct="1">
-              <a:spcBef>
-                <a:spcPct val="20000"/>
-              </a:spcBef>
-              <a:buClr>
-                <a:schemeClr val="accent3"/>
-              </a:buClr>
-              <a:buSzPct val="90000"/>
-              <a:buFont typeface="Wingdings 2"/>
-              <a:buChar char=""/>
-              <a:defRPr kumimoji="0" sz="2000" kern="1200">
-                <a:solidFill>
-                  <a:schemeClr val="tx1"/>
-                </a:solidFill>
-                <a:latin typeface="+mn-lt"/>
-                <a:ea typeface="+mn-ea"/>
-                <a:cs typeface="+mn-cs"/>
-              </a:defRPr>
-            </a:lvl4pPr>
-            <a:lvl5pPr marL="1490472" indent="-182880" algn="l" rtl="0" eaLnBrk="1" latinLnBrk="0" hangingPunct="1">
-              <a:spcBef>
-                <a:spcPct val="20000"/>
-              </a:spcBef>
-              <a:buClr>
-                <a:schemeClr val="accent4"/>
-              </a:buClr>
-              <a:buSzPct val="100000"/>
-              <a:buFont typeface="Arial"/>
-              <a:buChar char="-"/>
-              <a:defRPr kumimoji="0" sz="2000" kern="1200">
-                <a:solidFill>
-                  <a:schemeClr val="tx1"/>
-                </a:solidFill>
-                <a:latin typeface="+mn-lt"/>
-                <a:ea typeface="+mn-ea"/>
-                <a:cs typeface="+mn-cs"/>
-              </a:defRPr>
-            </a:lvl5pPr>
-            <a:lvl6pPr marL="1700784" indent="-182880" algn="l" rtl="0" eaLnBrk="1" latinLnBrk="0" hangingPunct="1">
-              <a:spcBef>
-                <a:spcPct val="20000"/>
-              </a:spcBef>
-              <a:buClr>
-                <a:schemeClr val="accent5"/>
-              </a:buClr>
-              <a:buFont typeface="Arial"/>
-              <a:buChar char="-"/>
-              <a:defRPr kumimoji="0" sz="2000" kern="1200" baseline="0">
-                <a:solidFill>
-                  <a:schemeClr val="tx1"/>
-                </a:solidFill>
-                <a:latin typeface="+mn-lt"/>
-                <a:ea typeface="+mn-ea"/>
-                <a:cs typeface="+mn-cs"/>
-              </a:defRPr>
-            </a:lvl6pPr>
-            <a:lvl7pPr marL="1920240" indent="-182880" algn="l" rtl="0" eaLnBrk="1" latinLnBrk="0" hangingPunct="1">
-              <a:spcBef>
-                <a:spcPct val="20000"/>
-              </a:spcBef>
-              <a:buClr>
-                <a:schemeClr val="accent6"/>
-              </a:buClr>
-              <a:buSzPct val="100000"/>
-              <a:buFont typeface="Arial"/>
+          <a:lstStyle/>
+          <a:p>
+            <a:pPr marL="285750" indent="-285750">
+              <a:buFont typeface="Arial" panose="020B0604020202020204" pitchFamily="34" charset="0"/>
               <a:buChar char="•"/>
-              <a:defRPr kumimoji="0" sz="1800" kern="1200" baseline="0">
-                <a:solidFill>
-                  <a:schemeClr val="tx1"/>
-                </a:solidFill>
-                <a:latin typeface="+mn-lt"/>
-                <a:ea typeface="+mn-ea"/>
-                <a:cs typeface="+mn-cs"/>
-              </a:defRPr>
-            </a:lvl7pPr>
-            <a:lvl8pPr marL="2139696" indent="-182880" algn="l" rtl="0" eaLnBrk="1" latinLnBrk="0" hangingPunct="1">
-              <a:spcBef>
-                <a:spcPct val="20000"/>
-              </a:spcBef>
-              <a:buClr>
-                <a:schemeClr val="accent6"/>
-              </a:buClr>
-              <a:buFont typeface="Arial"/>
-              <a:buChar char="▪"/>
-              <a:defRPr kumimoji="0" sz="1600" kern="1200">
-                <a:solidFill>
-                  <a:schemeClr val="tx1"/>
-                </a:solidFill>
-                <a:latin typeface="+mn-lt"/>
-                <a:ea typeface="+mn-ea"/>
-                <a:cs typeface="+mn-cs"/>
-              </a:defRPr>
-            </a:lvl8pPr>
-            <a:lvl9pPr marL="2331720" indent="-182880" algn="l" rtl="0" eaLnBrk="1" latinLnBrk="0" hangingPunct="1">
-              <a:spcBef>
-                <a:spcPct val="20000"/>
-              </a:spcBef>
-              <a:buClr>
-                <a:schemeClr val="accent6"/>
-              </a:buClr>
-              <a:buFont typeface="Arial"/>
+            </a:pPr>
+            <a:r>
+              <a:rPr lang="pl-PL" sz="1400" dirty="0" err="1" smtClean="0"/>
+              <a:t>WlascicielImieNazwisko</a:t>
+            </a:r>
+            <a:r>
+              <a:rPr lang="pl-PL" sz="1400" dirty="0" smtClean="0"/>
+              <a:t> – z kontekstu przechowującego informacje o użytkownikach pobierany jest obiekt klasy </a:t>
+            </a:r>
+            <a:r>
+              <a:rPr lang="pl-PL" sz="1400" dirty="0" err="1" smtClean="0"/>
+              <a:t>ApplicationUser</a:t>
+            </a:r>
+            <a:r>
+              <a:rPr lang="pl-PL" sz="1400" dirty="0"/>
+              <a:t> </a:t>
+            </a:r>
+            <a:r>
+              <a:rPr lang="pl-PL" sz="1400" dirty="0" smtClean="0"/>
+              <a:t>o odpowiednim Id.  Następnie tworzony jest string w formacie „&lt;</a:t>
+            </a:r>
+            <a:r>
+              <a:rPr lang="pl-PL" sz="1400" dirty="0" err="1" smtClean="0"/>
+              <a:t>Imie</a:t>
+            </a:r>
+            <a:r>
+              <a:rPr lang="pl-PL" sz="1400" dirty="0" smtClean="0"/>
+              <a:t>&gt; &lt;Nazwisko&gt;”</a:t>
+            </a:r>
+          </a:p>
+          <a:p>
+            <a:pPr marL="285750" indent="-285750">
+              <a:buFont typeface="Arial" panose="020B0604020202020204" pitchFamily="34" charset="0"/>
               <a:buChar char="•"/>
-              <a:defRPr kumimoji="0" sz="1600" kern="1200">
-                <a:solidFill>
-                  <a:schemeClr val="tx1"/>
-                </a:solidFill>
-                <a:latin typeface="+mn-lt"/>
-                <a:ea typeface="+mn-ea"/>
-                <a:cs typeface="+mn-cs"/>
-              </a:defRPr>
-            </a:lvl9pPr>
-          </a:lstStyle>
-          <a:p>
-            <a:pPr marL="36576" indent="0">
-              <a:buNone/>
             </a:pPr>
             <a:r>
-              <a:rPr lang="pl-PL" sz="2400" b="1" dirty="0" smtClean="0"/>
-              <a:t>Działanie: </a:t>
-            </a:r>
-            <a:r>
-              <a:rPr lang="pl-PL" sz="2400" dirty="0"/>
-              <a:t>P</a:t>
-            </a:r>
-            <a:r>
-              <a:rPr lang="pl-PL" sz="2400" dirty="0" smtClean="0"/>
-              <a:t>obierz listę apartamentów, wraz z nazwami udogodnień (</a:t>
-            </a:r>
-            <a:r>
-              <a:rPr lang="pl-PL" sz="2400" dirty="0" err="1" smtClean="0"/>
-              <a:t>Include</a:t>
-            </a:r>
-            <a:r>
-              <a:rPr lang="pl-PL" sz="2400" dirty="0" smtClean="0"/>
-              <a:t>), których właścicielem jest zalogowany użytkownik (</a:t>
-            </a:r>
-            <a:r>
-              <a:rPr lang="pl-PL" sz="2400" dirty="0" err="1" smtClean="0"/>
-              <a:t>Where</a:t>
-            </a:r>
-            <a:r>
-              <a:rPr lang="pl-PL" sz="2400" dirty="0" smtClean="0"/>
-              <a:t>), a następnie zamiast każdego elementu wyświetl wygenerowany z niego obiekt klasy </a:t>
-            </a:r>
-            <a:r>
-              <a:rPr lang="pl-PL" sz="2400" dirty="0" err="1" smtClean="0"/>
-              <a:t>ApartamentyDisplayViewModel</a:t>
-            </a:r>
-            <a:r>
-              <a:rPr lang="pl-PL" sz="2400" dirty="0" smtClean="0"/>
-              <a:t> (Select). Utworzoną listę przekaż do widoku.</a:t>
-            </a:r>
-            <a:endParaRPr lang="pl-PL" sz="2400" dirty="0"/>
+              <a:rPr lang="pl-PL" sz="1400" dirty="0" smtClean="0"/>
+              <a:t>Udogodnienia – jeżeli nie ma żadnych udogodnień, zwróć pusty string; jeśli są, pobierz listę nazw wszystkich dodanych udogodnień i połącz je po przecinku.</a:t>
+            </a:r>
+          </a:p>
+          <a:p>
+            <a:pPr marL="285750" indent="-285750">
+              <a:buFont typeface="Arial" panose="020B0604020202020204" pitchFamily="34" charset="0"/>
+              <a:buChar char="•"/>
+            </a:pPr>
+            <a:r>
+              <a:rPr lang="pl-PL" sz="1400" dirty="0" err="1" smtClean="0"/>
+              <a:t>IliscWizyt</a:t>
+            </a:r>
+            <a:r>
+              <a:rPr lang="pl-PL" sz="1400" dirty="0" smtClean="0"/>
+              <a:t> – jeżeli nie ma wizyt, zwróć 0, jeżeli są, zwróć ilość wizyt zakończonych</a:t>
+            </a:r>
+          </a:p>
+          <a:p>
+            <a:pPr marL="285750" indent="-285750">
+              <a:buFont typeface="Arial" panose="020B0604020202020204" pitchFamily="34" charset="0"/>
+              <a:buChar char="•"/>
+            </a:pPr>
+            <a:r>
+              <a:rPr lang="pl-PL" sz="1400" dirty="0" smtClean="0"/>
+              <a:t>Ocena – jeżeli nie ma wizyt, zwróć 0, jeżeli ją, wylicz średnią ocenę z wizyt.</a:t>
+            </a:r>
+            <a:endParaRPr lang="pl-PL" sz="1400" dirty="0"/>
           </a:p>
         </p:txBody>
       </p:sp>
     </p:spTree>
     <p:extLst>
       <p:ext uri="{BB962C8B-B14F-4D97-AF65-F5344CB8AC3E}">
-        <p14:creationId xmlns:p14="http://schemas.microsoft.com/office/powerpoint/2010/main" val="1764982693"/>
+        <p14:creationId xmlns:p14="http://schemas.microsoft.com/office/powerpoint/2010/main" val="3677362010"/>
       </p:ext>
     </p:extLst>
   </p:cSld>
@@ -13178,6 +15902,617 @@
       </p:grpSpPr>
       <p:sp>
         <p:nvSpPr>
+          <p:cNvPr id="5" name="Tytuł 4"/>
+          <p:cNvSpPr>
+            <a:spLocks noGrp="1"/>
+          </p:cNvSpPr>
+          <p:nvPr>
+            <p:ph type="title"/>
+          </p:nvPr>
+        </p:nvSpPr>
+        <p:spPr/>
+        <p:txBody>
+          <a:bodyPr>
+            <a:normAutofit fontScale="90000"/>
+          </a:bodyPr>
+          <a:lstStyle/>
+          <a:p>
+            <a:r>
+              <a:rPr lang="pl-PL" dirty="0"/>
+              <a:t>Widok </a:t>
+            </a:r>
+            <a:r>
+              <a:rPr lang="pl-PL" dirty="0" err="1"/>
+              <a:t>MojeApartamenty</a:t>
+            </a:r>
+            <a:r>
+              <a:rPr lang="pl-PL" dirty="0"/>
+              <a:t> – </a:t>
+            </a:r>
+            <a:r>
+              <a:rPr lang="pl-PL" dirty="0" smtClean="0"/>
+              <a:t>Zmiany w kontrolerze</a:t>
+            </a:r>
+            <a:endParaRPr lang="pl-PL" dirty="0"/>
+          </a:p>
+        </p:txBody>
+      </p:sp>
+      <p:sp>
+        <p:nvSpPr>
+          <p:cNvPr id="6" name="Symbol zastępczy zawartości 5"/>
+          <p:cNvSpPr>
+            <a:spLocks noGrp="1"/>
+          </p:cNvSpPr>
+          <p:nvPr>
+            <p:ph idx="1"/>
+          </p:nvPr>
+        </p:nvSpPr>
+        <p:spPr>
+          <a:xfrm>
+            <a:off x="457200" y="1600201"/>
+            <a:ext cx="7467600" cy="388639"/>
+          </a:xfrm>
+        </p:spPr>
+        <p:txBody>
+          <a:bodyPr>
+            <a:normAutofit/>
+          </a:bodyPr>
+          <a:lstStyle/>
+          <a:p>
+            <a:pPr marL="36576" indent="0">
+              <a:buNone/>
+            </a:pPr>
+            <a:r>
+              <a:rPr lang="pl-PL" sz="1800" dirty="0" smtClean="0"/>
+              <a:t>Pierwotna postać akcji </a:t>
+            </a:r>
+            <a:r>
+              <a:rPr lang="pl-PL" sz="1800" dirty="0" err="1" smtClean="0"/>
+              <a:t>MojeApartamenty</a:t>
+            </a:r>
+            <a:r>
+              <a:rPr lang="pl-PL" sz="1800" dirty="0" smtClean="0"/>
+              <a:t>, skopiowanej z akcji Index:</a:t>
+            </a:r>
+            <a:endParaRPr lang="pl-PL" sz="1800" dirty="0"/>
+          </a:p>
+        </p:txBody>
+      </p:sp>
+      <p:pic>
+        <p:nvPicPr>
+          <p:cNvPr id="7" name="Obraz 6"/>
+          <p:cNvPicPr>
+            <a:picLocks noChangeAspect="1"/>
+          </p:cNvPicPr>
+          <p:nvPr/>
+        </p:nvPicPr>
+        <p:blipFill>
+          <a:blip r:embed="rId2"/>
+          <a:stretch>
+            <a:fillRect/>
+          </a:stretch>
+        </p:blipFill>
+        <p:spPr>
+          <a:xfrm>
+            <a:off x="2699792" y="2171403"/>
+            <a:ext cx="3333750" cy="771525"/>
+          </a:xfrm>
+          <a:prstGeom prst="rect">
+            <a:avLst/>
+          </a:prstGeom>
+        </p:spPr>
+      </p:pic>
+      <p:sp>
+        <p:nvSpPr>
+          <p:cNvPr id="8" name="Symbol zastępczy zawartości 5"/>
+          <p:cNvSpPr txBox="1">
+            <a:spLocks/>
+          </p:cNvSpPr>
+          <p:nvPr/>
+        </p:nvSpPr>
+        <p:spPr>
+          <a:xfrm>
+            <a:off x="457200" y="3125491"/>
+            <a:ext cx="7467600" cy="447524"/>
+          </a:xfrm>
+          <a:prstGeom prst="rect">
+            <a:avLst/>
+          </a:prstGeom>
+        </p:spPr>
+        <p:txBody>
+          <a:bodyPr vert="horz">
+            <a:normAutofit/>
+          </a:bodyPr>
+          <a:lstStyle>
+            <a:lvl1pPr marL="420624" indent="-384048" algn="l" rtl="0" eaLnBrk="1" latinLnBrk="0" hangingPunct="1">
+              <a:spcBef>
+                <a:spcPct val="20000"/>
+              </a:spcBef>
+              <a:buClr>
+                <a:schemeClr val="accent1"/>
+              </a:buClr>
+              <a:buSzPct val="80000"/>
+              <a:buFont typeface="Wingdings 2"/>
+              <a:buChar char=""/>
+              <a:defRPr kumimoji="0" sz="3000" kern="1200">
+                <a:solidFill>
+                  <a:schemeClr val="tx1"/>
+                </a:solidFill>
+                <a:latin typeface="+mn-lt"/>
+                <a:ea typeface="+mn-ea"/>
+                <a:cs typeface="+mn-cs"/>
+              </a:defRPr>
+            </a:lvl1pPr>
+            <a:lvl2pPr marL="722376" indent="-274320" algn="l" rtl="0" eaLnBrk="1" latinLnBrk="0" hangingPunct="1">
+              <a:spcBef>
+                <a:spcPct val="20000"/>
+              </a:spcBef>
+              <a:buClr>
+                <a:schemeClr val="accent1"/>
+              </a:buClr>
+              <a:buSzPct val="90000"/>
+              <a:buFont typeface="Wingdings 2"/>
+              <a:buChar char=""/>
+              <a:defRPr kumimoji="0" sz="2600" kern="1200">
+                <a:solidFill>
+                  <a:schemeClr val="tx1"/>
+                </a:solidFill>
+                <a:latin typeface="+mn-lt"/>
+                <a:ea typeface="+mn-ea"/>
+                <a:cs typeface="+mn-cs"/>
+              </a:defRPr>
+            </a:lvl2pPr>
+            <a:lvl3pPr marL="1005840" indent="-256032" algn="l" rtl="0" eaLnBrk="1" latinLnBrk="0" hangingPunct="1">
+              <a:spcBef>
+                <a:spcPct val="20000"/>
+              </a:spcBef>
+              <a:buClr>
+                <a:schemeClr val="accent2"/>
+              </a:buClr>
+              <a:buSzPct val="85000"/>
+              <a:buFont typeface="Arial"/>
+              <a:buChar char="○"/>
+              <a:defRPr kumimoji="0" sz="2400" kern="1200">
+                <a:solidFill>
+                  <a:schemeClr val="tx1"/>
+                </a:solidFill>
+                <a:latin typeface="+mn-lt"/>
+                <a:ea typeface="+mn-ea"/>
+                <a:cs typeface="+mn-cs"/>
+              </a:defRPr>
+            </a:lvl3pPr>
+            <a:lvl4pPr marL="1280160" indent="-237744" algn="l" rtl="0" eaLnBrk="1" latinLnBrk="0" hangingPunct="1">
+              <a:spcBef>
+                <a:spcPct val="20000"/>
+              </a:spcBef>
+              <a:buClr>
+                <a:schemeClr val="accent3"/>
+              </a:buClr>
+              <a:buSzPct val="90000"/>
+              <a:buFont typeface="Wingdings 2"/>
+              <a:buChar char=""/>
+              <a:defRPr kumimoji="0" sz="2000" kern="1200">
+                <a:solidFill>
+                  <a:schemeClr val="tx1"/>
+                </a:solidFill>
+                <a:latin typeface="+mn-lt"/>
+                <a:ea typeface="+mn-ea"/>
+                <a:cs typeface="+mn-cs"/>
+              </a:defRPr>
+            </a:lvl4pPr>
+            <a:lvl5pPr marL="1490472" indent="-182880" algn="l" rtl="0" eaLnBrk="1" latinLnBrk="0" hangingPunct="1">
+              <a:spcBef>
+                <a:spcPct val="20000"/>
+              </a:spcBef>
+              <a:buClr>
+                <a:schemeClr val="accent4"/>
+              </a:buClr>
+              <a:buSzPct val="100000"/>
+              <a:buFont typeface="Arial"/>
+              <a:buChar char="-"/>
+              <a:defRPr kumimoji="0" sz="2000" kern="1200">
+                <a:solidFill>
+                  <a:schemeClr val="tx1"/>
+                </a:solidFill>
+                <a:latin typeface="+mn-lt"/>
+                <a:ea typeface="+mn-ea"/>
+                <a:cs typeface="+mn-cs"/>
+              </a:defRPr>
+            </a:lvl5pPr>
+            <a:lvl6pPr marL="1700784" indent="-182880" algn="l" rtl="0" eaLnBrk="1" latinLnBrk="0" hangingPunct="1">
+              <a:spcBef>
+                <a:spcPct val="20000"/>
+              </a:spcBef>
+              <a:buClr>
+                <a:schemeClr val="accent5"/>
+              </a:buClr>
+              <a:buFont typeface="Arial"/>
+              <a:buChar char="-"/>
+              <a:defRPr kumimoji="0" sz="2000" kern="1200" baseline="0">
+                <a:solidFill>
+                  <a:schemeClr val="tx1"/>
+                </a:solidFill>
+                <a:latin typeface="+mn-lt"/>
+                <a:ea typeface="+mn-ea"/>
+                <a:cs typeface="+mn-cs"/>
+              </a:defRPr>
+            </a:lvl6pPr>
+            <a:lvl7pPr marL="1920240" indent="-182880" algn="l" rtl="0" eaLnBrk="1" latinLnBrk="0" hangingPunct="1">
+              <a:spcBef>
+                <a:spcPct val="20000"/>
+              </a:spcBef>
+              <a:buClr>
+                <a:schemeClr val="accent6"/>
+              </a:buClr>
+              <a:buSzPct val="100000"/>
+              <a:buFont typeface="Arial"/>
+              <a:buChar char="•"/>
+              <a:defRPr kumimoji="0" sz="1800" kern="1200" baseline="0">
+                <a:solidFill>
+                  <a:schemeClr val="tx1"/>
+                </a:solidFill>
+                <a:latin typeface="+mn-lt"/>
+                <a:ea typeface="+mn-ea"/>
+                <a:cs typeface="+mn-cs"/>
+              </a:defRPr>
+            </a:lvl7pPr>
+            <a:lvl8pPr marL="2139696" indent="-182880" algn="l" rtl="0" eaLnBrk="1" latinLnBrk="0" hangingPunct="1">
+              <a:spcBef>
+                <a:spcPct val="20000"/>
+              </a:spcBef>
+              <a:buClr>
+                <a:schemeClr val="accent6"/>
+              </a:buClr>
+              <a:buFont typeface="Arial"/>
+              <a:buChar char="▪"/>
+              <a:defRPr kumimoji="0" sz="1600" kern="1200">
+                <a:solidFill>
+                  <a:schemeClr val="tx1"/>
+                </a:solidFill>
+                <a:latin typeface="+mn-lt"/>
+                <a:ea typeface="+mn-ea"/>
+                <a:cs typeface="+mn-cs"/>
+              </a:defRPr>
+            </a:lvl8pPr>
+            <a:lvl9pPr marL="2331720" indent="-182880" algn="l" rtl="0" eaLnBrk="1" latinLnBrk="0" hangingPunct="1">
+              <a:spcBef>
+                <a:spcPct val="20000"/>
+              </a:spcBef>
+              <a:buClr>
+                <a:schemeClr val="accent6"/>
+              </a:buClr>
+              <a:buFont typeface="Arial"/>
+              <a:buChar char="•"/>
+              <a:defRPr kumimoji="0" sz="1600" kern="1200">
+                <a:solidFill>
+                  <a:schemeClr val="tx1"/>
+                </a:solidFill>
+                <a:latin typeface="+mn-lt"/>
+                <a:ea typeface="+mn-ea"/>
+                <a:cs typeface="+mn-cs"/>
+              </a:defRPr>
+            </a:lvl9pPr>
+          </a:lstStyle>
+          <a:p>
+            <a:pPr marL="36576" indent="0">
+              <a:buFont typeface="Wingdings 2"/>
+              <a:buNone/>
+            </a:pPr>
+            <a:r>
+              <a:rPr lang="pl-PL" sz="1800" dirty="0"/>
+              <a:t>P</a:t>
+            </a:r>
+            <a:r>
+              <a:rPr lang="pl-PL" sz="1800" dirty="0" smtClean="0"/>
+              <a:t>ostać akcji </a:t>
+            </a:r>
+            <a:r>
+              <a:rPr lang="pl-PL" sz="1800" dirty="0" err="1" smtClean="0"/>
+              <a:t>MojeApartamenty</a:t>
+            </a:r>
+            <a:r>
+              <a:rPr lang="pl-PL" sz="1800" dirty="0"/>
+              <a:t> </a:t>
+            </a:r>
+            <a:r>
+              <a:rPr lang="pl-PL" sz="1800" dirty="0" smtClean="0"/>
+              <a:t>po zmianie:</a:t>
+            </a:r>
+            <a:endParaRPr lang="pl-PL" sz="1800" dirty="0"/>
+          </a:p>
+        </p:txBody>
+      </p:sp>
+      <p:pic>
+        <p:nvPicPr>
+          <p:cNvPr id="9" name="Obraz 8"/>
+          <p:cNvPicPr>
+            <a:picLocks noChangeAspect="1"/>
+          </p:cNvPicPr>
+          <p:nvPr/>
+        </p:nvPicPr>
+        <p:blipFill>
+          <a:blip r:embed="rId3"/>
+          <a:stretch>
+            <a:fillRect/>
+          </a:stretch>
+        </p:blipFill>
+        <p:spPr>
+          <a:xfrm>
+            <a:off x="2023517" y="3755578"/>
+            <a:ext cx="4686300" cy="1600200"/>
+          </a:xfrm>
+          <a:prstGeom prst="rect">
+            <a:avLst/>
+          </a:prstGeom>
+        </p:spPr>
+      </p:pic>
+      <p:sp>
+        <p:nvSpPr>
+          <p:cNvPr id="10" name="Symbol zastępczy zawartości 5"/>
+          <p:cNvSpPr txBox="1">
+            <a:spLocks/>
+          </p:cNvSpPr>
+          <p:nvPr/>
+        </p:nvSpPr>
+        <p:spPr>
+          <a:xfrm>
+            <a:off x="459559" y="5538340"/>
+            <a:ext cx="7467600" cy="1131020"/>
+          </a:xfrm>
+          <a:prstGeom prst="rect">
+            <a:avLst/>
+          </a:prstGeom>
+        </p:spPr>
+        <p:txBody>
+          <a:bodyPr vert="horz">
+            <a:normAutofit fontScale="70000" lnSpcReduction="20000"/>
+          </a:bodyPr>
+          <a:lstStyle>
+            <a:lvl1pPr marL="420624" indent="-384048" algn="l" rtl="0" eaLnBrk="1" latinLnBrk="0" hangingPunct="1">
+              <a:spcBef>
+                <a:spcPct val="20000"/>
+              </a:spcBef>
+              <a:buClr>
+                <a:schemeClr val="accent1"/>
+              </a:buClr>
+              <a:buSzPct val="80000"/>
+              <a:buFont typeface="Wingdings 2"/>
+              <a:buChar char=""/>
+              <a:defRPr kumimoji="0" sz="3000" kern="1200">
+                <a:solidFill>
+                  <a:schemeClr val="tx1"/>
+                </a:solidFill>
+                <a:latin typeface="+mn-lt"/>
+                <a:ea typeface="+mn-ea"/>
+                <a:cs typeface="+mn-cs"/>
+              </a:defRPr>
+            </a:lvl1pPr>
+            <a:lvl2pPr marL="722376" indent="-274320" algn="l" rtl="0" eaLnBrk="1" latinLnBrk="0" hangingPunct="1">
+              <a:spcBef>
+                <a:spcPct val="20000"/>
+              </a:spcBef>
+              <a:buClr>
+                <a:schemeClr val="accent1"/>
+              </a:buClr>
+              <a:buSzPct val="90000"/>
+              <a:buFont typeface="Wingdings 2"/>
+              <a:buChar char=""/>
+              <a:defRPr kumimoji="0" sz="2600" kern="1200">
+                <a:solidFill>
+                  <a:schemeClr val="tx1"/>
+                </a:solidFill>
+                <a:latin typeface="+mn-lt"/>
+                <a:ea typeface="+mn-ea"/>
+                <a:cs typeface="+mn-cs"/>
+              </a:defRPr>
+            </a:lvl2pPr>
+            <a:lvl3pPr marL="1005840" indent="-256032" algn="l" rtl="0" eaLnBrk="1" latinLnBrk="0" hangingPunct="1">
+              <a:spcBef>
+                <a:spcPct val="20000"/>
+              </a:spcBef>
+              <a:buClr>
+                <a:schemeClr val="accent2"/>
+              </a:buClr>
+              <a:buSzPct val="85000"/>
+              <a:buFont typeface="Arial"/>
+              <a:buChar char="○"/>
+              <a:defRPr kumimoji="0" sz="2400" kern="1200">
+                <a:solidFill>
+                  <a:schemeClr val="tx1"/>
+                </a:solidFill>
+                <a:latin typeface="+mn-lt"/>
+                <a:ea typeface="+mn-ea"/>
+                <a:cs typeface="+mn-cs"/>
+              </a:defRPr>
+            </a:lvl3pPr>
+            <a:lvl4pPr marL="1280160" indent="-237744" algn="l" rtl="0" eaLnBrk="1" latinLnBrk="0" hangingPunct="1">
+              <a:spcBef>
+                <a:spcPct val="20000"/>
+              </a:spcBef>
+              <a:buClr>
+                <a:schemeClr val="accent3"/>
+              </a:buClr>
+              <a:buSzPct val="90000"/>
+              <a:buFont typeface="Wingdings 2"/>
+              <a:buChar char=""/>
+              <a:defRPr kumimoji="0" sz="2000" kern="1200">
+                <a:solidFill>
+                  <a:schemeClr val="tx1"/>
+                </a:solidFill>
+                <a:latin typeface="+mn-lt"/>
+                <a:ea typeface="+mn-ea"/>
+                <a:cs typeface="+mn-cs"/>
+              </a:defRPr>
+            </a:lvl4pPr>
+            <a:lvl5pPr marL="1490472" indent="-182880" algn="l" rtl="0" eaLnBrk="1" latinLnBrk="0" hangingPunct="1">
+              <a:spcBef>
+                <a:spcPct val="20000"/>
+              </a:spcBef>
+              <a:buClr>
+                <a:schemeClr val="accent4"/>
+              </a:buClr>
+              <a:buSzPct val="100000"/>
+              <a:buFont typeface="Arial"/>
+              <a:buChar char="-"/>
+              <a:defRPr kumimoji="0" sz="2000" kern="1200">
+                <a:solidFill>
+                  <a:schemeClr val="tx1"/>
+                </a:solidFill>
+                <a:latin typeface="+mn-lt"/>
+                <a:ea typeface="+mn-ea"/>
+                <a:cs typeface="+mn-cs"/>
+              </a:defRPr>
+            </a:lvl5pPr>
+            <a:lvl6pPr marL="1700784" indent="-182880" algn="l" rtl="0" eaLnBrk="1" latinLnBrk="0" hangingPunct="1">
+              <a:spcBef>
+                <a:spcPct val="20000"/>
+              </a:spcBef>
+              <a:buClr>
+                <a:schemeClr val="accent5"/>
+              </a:buClr>
+              <a:buFont typeface="Arial"/>
+              <a:buChar char="-"/>
+              <a:defRPr kumimoji="0" sz="2000" kern="1200" baseline="0">
+                <a:solidFill>
+                  <a:schemeClr val="tx1"/>
+                </a:solidFill>
+                <a:latin typeface="+mn-lt"/>
+                <a:ea typeface="+mn-ea"/>
+                <a:cs typeface="+mn-cs"/>
+              </a:defRPr>
+            </a:lvl6pPr>
+            <a:lvl7pPr marL="1920240" indent="-182880" algn="l" rtl="0" eaLnBrk="1" latinLnBrk="0" hangingPunct="1">
+              <a:spcBef>
+                <a:spcPct val="20000"/>
+              </a:spcBef>
+              <a:buClr>
+                <a:schemeClr val="accent6"/>
+              </a:buClr>
+              <a:buSzPct val="100000"/>
+              <a:buFont typeface="Arial"/>
+              <a:buChar char="•"/>
+              <a:defRPr kumimoji="0" sz="1800" kern="1200" baseline="0">
+                <a:solidFill>
+                  <a:schemeClr val="tx1"/>
+                </a:solidFill>
+                <a:latin typeface="+mn-lt"/>
+                <a:ea typeface="+mn-ea"/>
+                <a:cs typeface="+mn-cs"/>
+              </a:defRPr>
+            </a:lvl7pPr>
+            <a:lvl8pPr marL="2139696" indent="-182880" algn="l" rtl="0" eaLnBrk="1" latinLnBrk="0" hangingPunct="1">
+              <a:spcBef>
+                <a:spcPct val="20000"/>
+              </a:spcBef>
+              <a:buClr>
+                <a:schemeClr val="accent6"/>
+              </a:buClr>
+              <a:buFont typeface="Arial"/>
+              <a:buChar char="▪"/>
+              <a:defRPr kumimoji="0" sz="1600" kern="1200">
+                <a:solidFill>
+                  <a:schemeClr val="tx1"/>
+                </a:solidFill>
+                <a:latin typeface="+mn-lt"/>
+                <a:ea typeface="+mn-ea"/>
+                <a:cs typeface="+mn-cs"/>
+              </a:defRPr>
+            </a:lvl8pPr>
+            <a:lvl9pPr marL="2331720" indent="-182880" algn="l" rtl="0" eaLnBrk="1" latinLnBrk="0" hangingPunct="1">
+              <a:spcBef>
+                <a:spcPct val="20000"/>
+              </a:spcBef>
+              <a:buClr>
+                <a:schemeClr val="accent6"/>
+              </a:buClr>
+              <a:buFont typeface="Arial"/>
+              <a:buChar char="•"/>
+              <a:defRPr kumimoji="0" sz="1600" kern="1200">
+                <a:solidFill>
+                  <a:schemeClr val="tx1"/>
+                </a:solidFill>
+                <a:latin typeface="+mn-lt"/>
+                <a:ea typeface="+mn-ea"/>
+                <a:cs typeface="+mn-cs"/>
+              </a:defRPr>
+            </a:lvl9pPr>
+          </a:lstStyle>
+          <a:p>
+            <a:pPr marL="36576" indent="0">
+              <a:buNone/>
+            </a:pPr>
+            <a:r>
+              <a:rPr lang="pl-PL" sz="2400" b="1" dirty="0" smtClean="0"/>
+              <a:t>Działanie: </a:t>
+            </a:r>
+            <a:r>
+              <a:rPr lang="pl-PL" sz="2400" dirty="0"/>
+              <a:t>P</a:t>
+            </a:r>
+            <a:r>
+              <a:rPr lang="pl-PL" sz="2400" dirty="0" smtClean="0"/>
+              <a:t>obierz listę apartamentów, wraz z nazwami udogodnień (</a:t>
+            </a:r>
+            <a:r>
+              <a:rPr lang="pl-PL" sz="2400" dirty="0" err="1" smtClean="0"/>
+              <a:t>Include</a:t>
+            </a:r>
+            <a:r>
+              <a:rPr lang="pl-PL" sz="2400" dirty="0" smtClean="0"/>
+              <a:t>), których właścicielem jest zalogowany użytkownik (</a:t>
+            </a:r>
+            <a:r>
+              <a:rPr lang="pl-PL" sz="2400" dirty="0" err="1" smtClean="0"/>
+              <a:t>Where</a:t>
+            </a:r>
+            <a:r>
+              <a:rPr lang="pl-PL" sz="2400" dirty="0" smtClean="0"/>
+              <a:t>), a następnie zamiast każdego elementu wyświetl wygenerowany z niego obiekt klasy </a:t>
+            </a:r>
+            <a:r>
+              <a:rPr lang="pl-PL" sz="2400" dirty="0" err="1" smtClean="0"/>
+              <a:t>ApartamentyDisplayViewModel</a:t>
+            </a:r>
+            <a:r>
+              <a:rPr lang="pl-PL" sz="2400" dirty="0" smtClean="0"/>
+              <a:t> (Select). Utworzoną listę przekaż do widoku.</a:t>
+            </a:r>
+            <a:endParaRPr lang="pl-PL" sz="2400" dirty="0"/>
+          </a:p>
+        </p:txBody>
+      </p:sp>
+    </p:spTree>
+    <p:extLst>
+      <p:ext uri="{BB962C8B-B14F-4D97-AF65-F5344CB8AC3E}">
+        <p14:creationId xmlns:p14="http://schemas.microsoft.com/office/powerpoint/2010/main" val="1764982693"/>
+      </p:ext>
+    </p:extLst>
+  </p:cSld>
+  <p:clrMapOvr>
+    <a:masterClrMapping/>
+  </p:clrMapOvr>
+</p:sld>
+</file>
+
+<file path=ppt/slides/slide63.xml><?xml version="1.0" encoding="utf-8"?>
+<p:sld xmlns:a="http://schemas.openxmlformats.org/drawingml/2006/main" xmlns:r="http://schemas.openxmlformats.org/officeDocument/2006/relationships" xmlns:p="http://schemas.openxmlformats.org/presentationml/2006/main">
+  <p:cSld>
+    <p:spTree>
+      <p:nvGrpSpPr>
+        <p:cNvPr id="1" name=""/>
+        <p:cNvGrpSpPr/>
+        <p:nvPr/>
+      </p:nvGrpSpPr>
+      <p:grpSpPr>
+        <a:xfrm>
+          <a:off x="0" y="0"/>
+          <a:ext cx="0" cy="0"/>
+          <a:chOff x="0" y="0"/>
+          <a:chExt cx="0" cy="0"/>
+        </a:xfrm>
+      </p:grpSpPr>
+      <p:sp>
+        <p:nvSpPr>
           <p:cNvPr id="2" name="Tytuł 1"/>
           <p:cNvSpPr>
             <a:spLocks noGrp="1"/>
@@ -13415,7 +16750,7 @@
 </p:sld>
 </file>
 
-<file path=ppt/slides/slide63.xml><?xml version="1.0" encoding="utf-8"?>
+<file path=ppt/slides/slide64.xml><?xml version="1.0" encoding="utf-8"?>
 <p:sld xmlns:a="http://schemas.openxmlformats.org/drawingml/2006/main" xmlns:r="http://schemas.openxmlformats.org/officeDocument/2006/relationships" xmlns:p="http://schemas.openxmlformats.org/presentationml/2006/main">
   <p:cSld>
     <p:spTree>
@@ -13534,7 +16869,7 @@
 </p:sld>
 </file>
 
-<file path=ppt/slides/slide64.xml><?xml version="1.0" encoding="utf-8"?>
+<file path=ppt/slides/slide65.xml><?xml version="1.0" encoding="utf-8"?>
 <p:sld xmlns:a="http://schemas.openxmlformats.org/drawingml/2006/main" xmlns:r="http://schemas.openxmlformats.org/officeDocument/2006/relationships" xmlns:p="http://schemas.openxmlformats.org/presentationml/2006/main">
   <p:cSld>
     <p:spTree>
@@ -13623,7 +16958,7 @@
 </p:sld>
 </file>
 
-<file path=ppt/slides/slide65.xml><?xml version="1.0" encoding="utf-8"?>
+<file path=ppt/slides/slide66.xml><?xml version="1.0" encoding="utf-8"?>
 <p:sld xmlns:a="http://schemas.openxmlformats.org/drawingml/2006/main" xmlns:r="http://schemas.openxmlformats.org/officeDocument/2006/relationships" xmlns:p="http://schemas.openxmlformats.org/presentationml/2006/main">
   <p:cSld>
     <p:spTree>
@@ -13826,7 +17161,7 @@
 </p:sld>
 </file>
 
-<file path=ppt/slides/slide66.xml><?xml version="1.0" encoding="utf-8"?>
+<file path=ppt/slides/slide67.xml><?xml version="1.0" encoding="utf-8"?>
 <p:sld xmlns:a="http://schemas.openxmlformats.org/drawingml/2006/main" xmlns:r="http://schemas.openxmlformats.org/officeDocument/2006/relationships" xmlns:p="http://schemas.openxmlformats.org/presentationml/2006/main">
   <p:cSld>
     <p:spTree>
@@ -13969,7 +17304,7 @@
 </p:sld>
 </file>
 
-<file path=ppt/slides/slide67.xml><?xml version="1.0" encoding="utf-8"?>
+<file path=ppt/slides/slide68.xml><?xml version="1.0" encoding="utf-8"?>
 <p:sld xmlns:a="http://schemas.openxmlformats.org/drawingml/2006/main" xmlns:r="http://schemas.openxmlformats.org/officeDocument/2006/relationships" xmlns:p="http://schemas.openxmlformats.org/presentationml/2006/main">
   <p:cSld>
     <p:spTree>
@@ -14061,7 +17396,7 @@
 </p:sld>
 </file>
 
-<file path=ppt/slides/slide68.xml><?xml version="1.0" encoding="utf-8"?>
+<file path=ppt/slides/slide69.xml><?xml version="1.0" encoding="utf-8"?>
 <p:sld xmlns:a="http://schemas.openxmlformats.org/drawingml/2006/main" xmlns:r="http://schemas.openxmlformats.org/officeDocument/2006/relationships" xmlns:p="http://schemas.openxmlformats.org/presentationml/2006/main">
   <p:cSld>
     <p:spTree>
@@ -14144,181 +17479,6 @@
     <p:extLst>
       <p:ext uri="{BB962C8B-B14F-4D97-AF65-F5344CB8AC3E}">
         <p14:creationId xmlns:p14="http://schemas.microsoft.com/office/powerpoint/2010/main" val="3585170288"/>
-      </p:ext>
-    </p:extLst>
-  </p:cSld>
-  <p:clrMapOvr>
-    <a:masterClrMapping/>
-  </p:clrMapOvr>
-</p:sld>
-</file>
-
-<file path=ppt/slides/slide69.xml><?xml version="1.0" encoding="utf-8"?>
-<p:sld xmlns:a="http://schemas.openxmlformats.org/drawingml/2006/main" xmlns:r="http://schemas.openxmlformats.org/officeDocument/2006/relationships" xmlns:p="http://schemas.openxmlformats.org/presentationml/2006/main">
-  <p:cSld>
-    <p:spTree>
-      <p:nvGrpSpPr>
-        <p:cNvPr id="1" name=""/>
-        <p:cNvGrpSpPr/>
-        <p:nvPr/>
-      </p:nvGrpSpPr>
-      <p:grpSpPr>
-        <a:xfrm>
-          <a:off x="0" y="0"/>
-          <a:ext cx="0" cy="0"/>
-          <a:chOff x="0" y="0"/>
-          <a:chExt cx="0" cy="0"/>
-        </a:xfrm>
-      </p:grpSpPr>
-      <p:sp>
-        <p:nvSpPr>
-          <p:cNvPr id="2" name="Tytuł 1"/>
-          <p:cNvSpPr>
-            <a:spLocks noGrp="1"/>
-          </p:cNvSpPr>
-          <p:nvPr>
-            <p:ph type="title"/>
-          </p:nvPr>
-        </p:nvSpPr>
-        <p:spPr/>
-        <p:txBody>
-          <a:bodyPr/>
-          <a:lstStyle/>
-          <a:p>
-            <a:r>
-              <a:rPr lang="pl-PL" dirty="0" smtClean="0"/>
-              <a:t>Widoki </a:t>
-            </a:r>
-            <a:r>
-              <a:rPr lang="pl-PL" dirty="0" err="1" smtClean="0"/>
-              <a:t>Create</a:t>
-            </a:r>
-            <a:r>
-              <a:rPr lang="pl-PL" dirty="0" smtClean="0"/>
-              <a:t> i Edit</a:t>
-            </a:r>
-            <a:endParaRPr lang="pl-PL" dirty="0"/>
-          </a:p>
-        </p:txBody>
-      </p:sp>
-      <p:sp>
-        <p:nvSpPr>
-          <p:cNvPr id="3" name="Symbol zastępczy zawartości 2"/>
-          <p:cNvSpPr>
-            <a:spLocks noGrp="1"/>
-          </p:cNvSpPr>
-          <p:nvPr>
-            <p:ph idx="1"/>
-          </p:nvPr>
-        </p:nvSpPr>
-        <p:spPr/>
-        <p:txBody>
-          <a:bodyPr>
-            <a:normAutofit fontScale="62500" lnSpcReduction="20000"/>
-          </a:bodyPr>
-          <a:lstStyle/>
-          <a:p>
-            <a:pPr marL="36576" indent="0">
-              <a:buNone/>
-            </a:pPr>
-            <a:r>
-              <a:rPr lang="pl-PL" dirty="0" smtClean="0"/>
-              <a:t>Widoki </a:t>
-            </a:r>
-            <a:r>
-              <a:rPr lang="pl-PL" dirty="0" err="1" smtClean="0"/>
-              <a:t>Create</a:t>
-            </a:r>
-            <a:r>
-              <a:rPr lang="pl-PL" dirty="0" smtClean="0"/>
-              <a:t> i Edit powinny mieć ten sam wygląd, gdyż każdą wprowadzoną przez właściciela daną można zmodyfikować.</a:t>
-            </a:r>
-          </a:p>
-          <a:p>
-            <a:pPr marL="36576" indent="0">
-              <a:buNone/>
-            </a:pPr>
-            <a:r>
-              <a:rPr lang="pl-PL" dirty="0" smtClean="0"/>
-              <a:t>Do edycji dostępne będzie każde pole, z wyjątkiem automatycznie generowanego Id apartamentu oraz Id właściciela, do którego będzie przypisywane Id obecnie zalogowanego właściciela.</a:t>
-            </a:r>
-            <a:r>
-              <a:rPr lang="pl-PL" dirty="0"/>
-              <a:t> </a:t>
-            </a:r>
-            <a:r>
-              <a:rPr lang="pl-PL" dirty="0" smtClean="0"/>
-              <a:t>Dostępna będzie również lista udogodnień do wyboru, zaprezentowana w formie </a:t>
-            </a:r>
-            <a:r>
-              <a:rPr lang="pl-PL" dirty="0" err="1" smtClean="0"/>
-              <a:t>checkboxów</a:t>
-            </a:r>
-            <a:r>
-              <a:rPr lang="pl-PL" dirty="0" smtClean="0"/>
-              <a:t> – jednak wykonanie jest nie jest tak proste, jak by się mogło wydawać.</a:t>
-            </a:r>
-          </a:p>
-          <a:p>
-            <a:pPr marL="36576" indent="0">
-              <a:buNone/>
-            </a:pPr>
-            <a:r>
-              <a:rPr lang="pl-PL" dirty="0" smtClean="0"/>
-              <a:t>Do akcji POST nie są przekazywane właściwości typu List&lt;&gt;, a wszelkie przekazywanie listy przez </a:t>
-            </a:r>
-            <a:r>
-              <a:rPr lang="pl-PL" dirty="0" err="1" smtClean="0"/>
-              <a:t>ViewBag</a:t>
-            </a:r>
-            <a:r>
-              <a:rPr lang="pl-PL" dirty="0" smtClean="0"/>
-              <a:t> czy </a:t>
-            </a:r>
-            <a:r>
-              <a:rPr lang="pl-PL" dirty="0" err="1" smtClean="0"/>
-              <a:t>ViewData</a:t>
-            </a:r>
-            <a:r>
-              <a:rPr lang="pl-PL" dirty="0"/>
-              <a:t> </a:t>
-            </a:r>
-            <a:r>
-              <a:rPr lang="pl-PL" dirty="0" smtClean="0"/>
-              <a:t>– widoczne jedynie na linii komunikacji widok-kontroler – są czyszczone przy wejściu do akcji POST. Z kolei przechowywanie listy w </a:t>
-            </a:r>
-            <a:r>
-              <a:rPr lang="pl-PL" dirty="0" err="1" smtClean="0"/>
-              <a:t>Session</a:t>
-            </a:r>
-            <a:r>
-              <a:rPr lang="pl-PL" dirty="0" smtClean="0"/>
-              <a:t> (obiekt trzymany przez całą sesję) nie zapisuje wprowadzonych w widoku zmian.</a:t>
-            </a:r>
-          </a:p>
-          <a:p>
-            <a:pPr marL="36576" indent="0">
-              <a:buNone/>
-            </a:pPr>
-            <a:r>
-              <a:rPr lang="pl-PL" dirty="0" smtClean="0"/>
-              <a:t>Po długich poszukiwaniach natrafiono na działające rozwiązanie. Wymaga ono utworzenia nowego modelu, </a:t>
-            </a:r>
-            <a:r>
-              <a:rPr lang="pl-PL" dirty="0" err="1" smtClean="0"/>
-              <a:t>ApartamentyEditViewModel</a:t>
-            </a:r>
-            <a:r>
-              <a:rPr lang="pl-PL" dirty="0" smtClean="0"/>
-              <a:t>.</a:t>
-            </a:r>
-          </a:p>
-        </p:txBody>
-      </p:sp>
-    </p:spTree>
-    <p:extLst>
-      <p:ext uri="{BB962C8B-B14F-4D97-AF65-F5344CB8AC3E}">
-        <p14:creationId xmlns:p14="http://schemas.microsoft.com/office/powerpoint/2010/main" val="1636461792"/>
       </p:ext>
     </p:extLst>
   </p:cSld>
@@ -14561,6 +17721,181 @@
         </p:nvSpPr>
         <p:spPr/>
         <p:txBody>
+          <a:bodyPr/>
+          <a:lstStyle/>
+          <a:p>
+            <a:r>
+              <a:rPr lang="pl-PL" dirty="0" smtClean="0"/>
+              <a:t>Widoki </a:t>
+            </a:r>
+            <a:r>
+              <a:rPr lang="pl-PL" dirty="0" err="1" smtClean="0"/>
+              <a:t>Create</a:t>
+            </a:r>
+            <a:r>
+              <a:rPr lang="pl-PL" dirty="0" smtClean="0"/>
+              <a:t> i Edit</a:t>
+            </a:r>
+            <a:endParaRPr lang="pl-PL" dirty="0"/>
+          </a:p>
+        </p:txBody>
+      </p:sp>
+      <p:sp>
+        <p:nvSpPr>
+          <p:cNvPr id="3" name="Symbol zastępczy zawartości 2"/>
+          <p:cNvSpPr>
+            <a:spLocks noGrp="1"/>
+          </p:cNvSpPr>
+          <p:nvPr>
+            <p:ph idx="1"/>
+          </p:nvPr>
+        </p:nvSpPr>
+        <p:spPr/>
+        <p:txBody>
+          <a:bodyPr>
+            <a:normAutofit fontScale="62500" lnSpcReduction="20000"/>
+          </a:bodyPr>
+          <a:lstStyle/>
+          <a:p>
+            <a:pPr marL="36576" indent="0">
+              <a:buNone/>
+            </a:pPr>
+            <a:r>
+              <a:rPr lang="pl-PL" dirty="0" smtClean="0"/>
+              <a:t>Widoki </a:t>
+            </a:r>
+            <a:r>
+              <a:rPr lang="pl-PL" dirty="0" err="1" smtClean="0"/>
+              <a:t>Create</a:t>
+            </a:r>
+            <a:r>
+              <a:rPr lang="pl-PL" dirty="0" smtClean="0"/>
+              <a:t> i Edit powinny mieć ten sam wygląd, gdyż każdą wprowadzoną przez właściciela daną można zmodyfikować.</a:t>
+            </a:r>
+          </a:p>
+          <a:p>
+            <a:pPr marL="36576" indent="0">
+              <a:buNone/>
+            </a:pPr>
+            <a:r>
+              <a:rPr lang="pl-PL" dirty="0" smtClean="0"/>
+              <a:t>Do edycji dostępne będzie każde pole, z wyjątkiem automatycznie generowanego Id apartamentu oraz Id właściciela, do którego będzie przypisywane Id obecnie zalogowanego właściciela.</a:t>
+            </a:r>
+            <a:r>
+              <a:rPr lang="pl-PL" dirty="0"/>
+              <a:t> </a:t>
+            </a:r>
+            <a:r>
+              <a:rPr lang="pl-PL" dirty="0" smtClean="0"/>
+              <a:t>Dostępna będzie również lista udogodnień do wyboru, zaprezentowana w formie </a:t>
+            </a:r>
+            <a:r>
+              <a:rPr lang="pl-PL" dirty="0" err="1" smtClean="0"/>
+              <a:t>checkboxów</a:t>
+            </a:r>
+            <a:r>
+              <a:rPr lang="pl-PL" dirty="0" smtClean="0"/>
+              <a:t> – jednak wykonanie jest nie jest tak proste, jak by się mogło wydawać.</a:t>
+            </a:r>
+          </a:p>
+          <a:p>
+            <a:pPr marL="36576" indent="0">
+              <a:buNone/>
+            </a:pPr>
+            <a:r>
+              <a:rPr lang="pl-PL" dirty="0" smtClean="0"/>
+              <a:t>Do akcji POST nie są przekazywane właściwości typu List&lt;&gt;, a wszelkie przekazywanie listy przez </a:t>
+            </a:r>
+            <a:r>
+              <a:rPr lang="pl-PL" dirty="0" err="1" smtClean="0"/>
+              <a:t>ViewBag</a:t>
+            </a:r>
+            <a:r>
+              <a:rPr lang="pl-PL" dirty="0" smtClean="0"/>
+              <a:t> czy </a:t>
+            </a:r>
+            <a:r>
+              <a:rPr lang="pl-PL" dirty="0" err="1" smtClean="0"/>
+              <a:t>ViewData</a:t>
+            </a:r>
+            <a:r>
+              <a:rPr lang="pl-PL" dirty="0"/>
+              <a:t> </a:t>
+            </a:r>
+            <a:r>
+              <a:rPr lang="pl-PL" dirty="0" smtClean="0"/>
+              <a:t>– widoczne jedynie na linii komunikacji widok-kontroler – są czyszczone przy wejściu do akcji POST. Z kolei przechowywanie listy w </a:t>
+            </a:r>
+            <a:r>
+              <a:rPr lang="pl-PL" dirty="0" err="1" smtClean="0"/>
+              <a:t>Session</a:t>
+            </a:r>
+            <a:r>
+              <a:rPr lang="pl-PL" dirty="0" smtClean="0"/>
+              <a:t> (obiekt trzymany przez całą sesję) nie zapisuje wprowadzonych w widoku zmian.</a:t>
+            </a:r>
+          </a:p>
+          <a:p>
+            <a:pPr marL="36576" indent="0">
+              <a:buNone/>
+            </a:pPr>
+            <a:r>
+              <a:rPr lang="pl-PL" dirty="0" smtClean="0"/>
+              <a:t>Po długich poszukiwaniach natrafiono na działające rozwiązanie. Wymaga ono utworzenia nowego modelu, </a:t>
+            </a:r>
+            <a:r>
+              <a:rPr lang="pl-PL" dirty="0" err="1" smtClean="0"/>
+              <a:t>ApartamentyEditViewModel</a:t>
+            </a:r>
+            <a:r>
+              <a:rPr lang="pl-PL" dirty="0" smtClean="0"/>
+              <a:t>.</a:t>
+            </a:r>
+          </a:p>
+        </p:txBody>
+      </p:sp>
+    </p:spTree>
+    <p:extLst>
+      <p:ext uri="{BB962C8B-B14F-4D97-AF65-F5344CB8AC3E}">
+        <p14:creationId xmlns:p14="http://schemas.microsoft.com/office/powerpoint/2010/main" val="1636461792"/>
+      </p:ext>
+    </p:extLst>
+  </p:cSld>
+  <p:clrMapOvr>
+    <a:masterClrMapping/>
+  </p:clrMapOvr>
+</p:sld>
+</file>
+
+<file path=ppt/slides/slide71.xml><?xml version="1.0" encoding="utf-8"?>
+<p:sld xmlns:a="http://schemas.openxmlformats.org/drawingml/2006/main" xmlns:r="http://schemas.openxmlformats.org/officeDocument/2006/relationships" xmlns:p="http://schemas.openxmlformats.org/presentationml/2006/main">
+  <p:cSld>
+    <p:spTree>
+      <p:nvGrpSpPr>
+        <p:cNvPr id="1" name=""/>
+        <p:cNvGrpSpPr/>
+        <p:nvPr/>
+      </p:nvGrpSpPr>
+      <p:grpSpPr>
+        <a:xfrm>
+          <a:off x="0" y="0"/>
+          <a:ext cx="0" cy="0"/>
+          <a:chOff x="0" y="0"/>
+          <a:chExt cx="0" cy="0"/>
+        </a:xfrm>
+      </p:grpSpPr>
+      <p:sp>
+        <p:nvSpPr>
+          <p:cNvPr id="2" name="Tytuł 1"/>
+          <p:cNvSpPr>
+            <a:spLocks noGrp="1"/>
+          </p:cNvSpPr>
+          <p:nvPr>
+            <p:ph type="title"/>
+          </p:nvPr>
+        </p:nvSpPr>
+        <p:spPr/>
+        <p:txBody>
           <a:bodyPr>
             <a:normAutofit fontScale="90000"/>
           </a:bodyPr>
@@ -14657,7 +17992,7 @@
 </p:sld>
 </file>
 
-<file path=ppt/slides/slide71.xml><?xml version="1.0" encoding="utf-8"?>
+<file path=ppt/slides/slide72.xml><?xml version="1.0" encoding="utf-8"?>
 <p:sld xmlns:a="http://schemas.openxmlformats.org/drawingml/2006/main" xmlns:r="http://schemas.openxmlformats.org/officeDocument/2006/relationships" xmlns:p="http://schemas.openxmlformats.org/presentationml/2006/main">
   <p:cSld>
     <p:spTree>
@@ -14785,7 +18120,7 @@
 </p:sld>
 </file>
 
-<file path=ppt/slides/slide72.xml><?xml version="1.0" encoding="utf-8"?>
+<file path=ppt/slides/slide73.xml><?xml version="1.0" encoding="utf-8"?>
 <p:sld xmlns:a="http://schemas.openxmlformats.org/drawingml/2006/main" xmlns:r="http://schemas.openxmlformats.org/officeDocument/2006/relationships" xmlns:p="http://schemas.openxmlformats.org/presentationml/2006/main">
   <p:cSld>
     <p:spTree>
@@ -14936,7 +18271,7 @@
 </p:sld>
 </file>
 
-<file path=ppt/slides/slide73.xml><?xml version="1.0" encoding="utf-8"?>
+<file path=ppt/slides/slide74.xml><?xml version="1.0" encoding="utf-8"?>
 <p:sld xmlns:a="http://schemas.openxmlformats.org/drawingml/2006/main" xmlns:r="http://schemas.openxmlformats.org/officeDocument/2006/relationships" xmlns:p="http://schemas.openxmlformats.org/presentationml/2006/main">
   <p:cSld>
     <p:spTree>
@@ -15024,7 +18359,7 @@
 </p:sld>
 </file>
 
-<file path=ppt/slides/slide74.xml><?xml version="1.0" encoding="utf-8"?>
+<file path=ppt/slides/slide75.xml><?xml version="1.0" encoding="utf-8"?>
 <p:sld xmlns:a="http://schemas.openxmlformats.org/drawingml/2006/main" xmlns:r="http://schemas.openxmlformats.org/officeDocument/2006/relationships" xmlns:p="http://schemas.openxmlformats.org/presentationml/2006/main">
   <p:cSld>
     <p:spTree>
@@ -15121,7 +18456,7 @@
 </p:sld>
 </file>
 
-<file path=ppt/slides/slide75.xml><?xml version="1.0" encoding="utf-8"?>
+<file path=ppt/slides/slide76.xml><?xml version="1.0" encoding="utf-8"?>
 <p:sld xmlns:a="http://schemas.openxmlformats.org/drawingml/2006/main" xmlns:r="http://schemas.openxmlformats.org/officeDocument/2006/relationships" xmlns:p="http://schemas.openxmlformats.org/presentationml/2006/main">
   <p:cSld>
     <p:spTree>
@@ -15261,7 +18596,7 @@
 </p:sld>
 </file>
 
-<file path=ppt/slides/slide76.xml><?xml version="1.0" encoding="utf-8"?>
+<file path=ppt/slides/slide77.xml><?xml version="1.0" encoding="utf-8"?>
 <p:sld xmlns:a="http://schemas.openxmlformats.org/drawingml/2006/main" xmlns:r="http://schemas.openxmlformats.org/officeDocument/2006/relationships" xmlns:p="http://schemas.openxmlformats.org/presentationml/2006/main">
   <p:cSld>
     <p:spTree>
@@ -15410,7 +18745,7 @@
 </p:sld>
 </file>
 
-<file path=ppt/slides/slide77.xml><?xml version="1.0" encoding="utf-8"?>
+<file path=ppt/slides/slide78.xml><?xml version="1.0" encoding="utf-8"?>
 <p:sld xmlns:a="http://schemas.openxmlformats.org/drawingml/2006/main" xmlns:r="http://schemas.openxmlformats.org/officeDocument/2006/relationships" xmlns:p="http://schemas.openxmlformats.org/presentationml/2006/main">
   <p:cSld>
     <p:spTree>
@@ -15499,7 +18834,7 @@
 </p:sld>
 </file>
 
-<file path=ppt/slides/slide78.xml><?xml version="1.0" encoding="utf-8"?>
+<file path=ppt/slides/slide79.xml><?xml version="1.0" encoding="utf-8"?>
 <p:sld xmlns:a="http://schemas.openxmlformats.org/drawingml/2006/main" xmlns:r="http://schemas.openxmlformats.org/officeDocument/2006/relationships" xmlns:p="http://schemas.openxmlformats.org/presentationml/2006/main">
   <p:cSld>
     <p:spTree>
@@ -15571,124 +18906,6 @@
     <p:extLst>
       <p:ext uri="{BB962C8B-B14F-4D97-AF65-F5344CB8AC3E}">
         <p14:creationId xmlns:p14="http://schemas.microsoft.com/office/powerpoint/2010/main" val="2186124955"/>
-      </p:ext>
-    </p:extLst>
-  </p:cSld>
-  <p:clrMapOvr>
-    <a:masterClrMapping/>
-  </p:clrMapOvr>
-</p:sld>
-</file>
-
-<file path=ppt/slides/slide79.xml><?xml version="1.0" encoding="utf-8"?>
-<p:sld xmlns:a="http://schemas.openxmlformats.org/drawingml/2006/main" xmlns:r="http://schemas.openxmlformats.org/officeDocument/2006/relationships" xmlns:p="http://schemas.openxmlformats.org/presentationml/2006/main">
-  <p:cSld>
-    <p:spTree>
-      <p:nvGrpSpPr>
-        <p:cNvPr id="1" name=""/>
-        <p:cNvGrpSpPr/>
-        <p:nvPr/>
-      </p:nvGrpSpPr>
-      <p:grpSpPr>
-        <a:xfrm>
-          <a:off x="0" y="0"/>
-          <a:ext cx="0" cy="0"/>
-          <a:chOff x="0" y="0"/>
-          <a:chExt cx="0" cy="0"/>
-        </a:xfrm>
-      </p:grpSpPr>
-      <p:sp>
-        <p:nvSpPr>
-          <p:cNvPr id="2" name="Tytuł 1"/>
-          <p:cNvSpPr>
-            <a:spLocks noGrp="1"/>
-          </p:cNvSpPr>
-          <p:nvPr>
-            <p:ph type="title"/>
-          </p:nvPr>
-        </p:nvSpPr>
-        <p:spPr/>
-        <p:txBody>
-          <a:bodyPr>
-            <a:normAutofit/>
-          </a:bodyPr>
-          <a:lstStyle/>
-          <a:p>
-            <a:r>
-              <a:rPr lang="pl-PL" dirty="0" smtClean="0"/>
-              <a:t>Zarządzanie użytkownikami</a:t>
-            </a:r>
-            <a:endParaRPr lang="pl-PL" dirty="0"/>
-          </a:p>
-        </p:txBody>
-      </p:sp>
-      <p:sp>
-        <p:nvSpPr>
-          <p:cNvPr id="3" name="Symbol zastępczy zawartości 2"/>
-          <p:cNvSpPr>
-            <a:spLocks noGrp="1"/>
-          </p:cNvSpPr>
-          <p:nvPr>
-            <p:ph idx="1"/>
-          </p:nvPr>
-        </p:nvSpPr>
-        <p:spPr/>
-        <p:txBody>
-          <a:bodyPr>
-            <a:normAutofit fontScale="77500" lnSpcReduction="20000"/>
-          </a:bodyPr>
-          <a:lstStyle/>
-          <a:p>
-            <a:pPr marL="36576" indent="0">
-              <a:buNone/>
-            </a:pPr>
-            <a:r>
-              <a:rPr lang="pl-PL" dirty="0" smtClean="0"/>
-              <a:t>W wykonywanej aplikacji zarządzanie użytkownikami przebiega w następujący sposób: nowy użytkownik może zarejestrować swoje konto sam, jednak konto takie ma jedynie uprawnienie klienta. Konta z uprawnieniami administratora lub właściciela mogą być zakładane jedynie po zalogowaniu do aplikacji przez innego użytkownika, posiadającego uprawnienia administratora. Aby umożliwić obsługę tego systemu dodano następujące widoki:</a:t>
-            </a:r>
-          </a:p>
-          <a:p>
-            <a:r>
-              <a:rPr lang="pl-PL" dirty="0" err="1" smtClean="0"/>
-              <a:t>UserList</a:t>
-            </a:r>
-            <a:r>
-              <a:rPr lang="pl-PL" dirty="0" smtClean="0"/>
-              <a:t> – lista wszystkich użytkowników</a:t>
-            </a:r>
-          </a:p>
-          <a:p>
-            <a:r>
-              <a:rPr lang="pl-PL" dirty="0" err="1" smtClean="0"/>
-              <a:t>Create</a:t>
-            </a:r>
-            <a:r>
-              <a:rPr lang="pl-PL" dirty="0" smtClean="0"/>
-              <a:t> – utwórz użytkownika</a:t>
-            </a:r>
-          </a:p>
-          <a:p>
-            <a:r>
-              <a:rPr lang="pl-PL" dirty="0" smtClean="0"/>
-              <a:t>Edit – zmodyfikuj użytkownika</a:t>
-            </a:r>
-          </a:p>
-          <a:p>
-            <a:r>
-              <a:rPr lang="pl-PL" dirty="0" err="1" smtClean="0"/>
-              <a:t>Delete</a:t>
-            </a:r>
-            <a:r>
-              <a:rPr lang="pl-PL" dirty="0" smtClean="0"/>
-              <a:t> – usuń użytkownika</a:t>
-            </a:r>
-          </a:p>
-        </p:txBody>
-      </p:sp>
-    </p:spTree>
-    <p:extLst>
-      <p:ext uri="{BB962C8B-B14F-4D97-AF65-F5344CB8AC3E}">
-        <p14:creationId xmlns:p14="http://schemas.microsoft.com/office/powerpoint/2010/main" val="3387403943"/>
       </p:ext>
     </p:extLst>
   </p:cSld>
@@ -15963,6 +19180,124 @@
         <p:spPr/>
         <p:txBody>
           <a:bodyPr>
+            <a:normAutofit/>
+          </a:bodyPr>
+          <a:lstStyle/>
+          <a:p>
+            <a:r>
+              <a:rPr lang="pl-PL" dirty="0" smtClean="0"/>
+              <a:t>Zarządzanie użytkownikami</a:t>
+            </a:r>
+            <a:endParaRPr lang="pl-PL" dirty="0"/>
+          </a:p>
+        </p:txBody>
+      </p:sp>
+      <p:sp>
+        <p:nvSpPr>
+          <p:cNvPr id="3" name="Symbol zastępczy zawartości 2"/>
+          <p:cNvSpPr>
+            <a:spLocks noGrp="1"/>
+          </p:cNvSpPr>
+          <p:nvPr>
+            <p:ph idx="1"/>
+          </p:nvPr>
+        </p:nvSpPr>
+        <p:spPr/>
+        <p:txBody>
+          <a:bodyPr>
+            <a:normAutofit fontScale="77500" lnSpcReduction="20000"/>
+          </a:bodyPr>
+          <a:lstStyle/>
+          <a:p>
+            <a:pPr marL="36576" indent="0">
+              <a:buNone/>
+            </a:pPr>
+            <a:r>
+              <a:rPr lang="pl-PL" dirty="0" smtClean="0"/>
+              <a:t>W wykonywanej aplikacji zarządzanie użytkownikami przebiega w następujący sposób: nowy użytkownik może zarejestrować swoje konto sam, jednak konto takie ma jedynie uprawnienie klienta. Konta z uprawnieniami administratora lub właściciela mogą być zakładane jedynie po zalogowaniu do aplikacji przez innego użytkownika, posiadającego uprawnienia administratora. Aby umożliwić obsługę tego systemu dodano następujące widoki:</a:t>
+            </a:r>
+          </a:p>
+          <a:p>
+            <a:r>
+              <a:rPr lang="pl-PL" dirty="0" err="1" smtClean="0"/>
+              <a:t>UserList</a:t>
+            </a:r>
+            <a:r>
+              <a:rPr lang="pl-PL" dirty="0" smtClean="0"/>
+              <a:t> – lista wszystkich użytkowników</a:t>
+            </a:r>
+          </a:p>
+          <a:p>
+            <a:r>
+              <a:rPr lang="pl-PL" dirty="0" err="1" smtClean="0"/>
+              <a:t>Create</a:t>
+            </a:r>
+            <a:r>
+              <a:rPr lang="pl-PL" dirty="0" smtClean="0"/>
+              <a:t> – utwórz użytkownika</a:t>
+            </a:r>
+          </a:p>
+          <a:p>
+            <a:r>
+              <a:rPr lang="pl-PL" dirty="0" smtClean="0"/>
+              <a:t>Edit – zmodyfikuj użytkownika</a:t>
+            </a:r>
+          </a:p>
+          <a:p>
+            <a:r>
+              <a:rPr lang="pl-PL" dirty="0" err="1" smtClean="0"/>
+              <a:t>Delete</a:t>
+            </a:r>
+            <a:r>
+              <a:rPr lang="pl-PL" dirty="0" smtClean="0"/>
+              <a:t> – usuń użytkownika</a:t>
+            </a:r>
+          </a:p>
+        </p:txBody>
+      </p:sp>
+    </p:spTree>
+    <p:extLst>
+      <p:ext uri="{BB962C8B-B14F-4D97-AF65-F5344CB8AC3E}">
+        <p14:creationId xmlns:p14="http://schemas.microsoft.com/office/powerpoint/2010/main" val="3387403943"/>
+      </p:ext>
+    </p:extLst>
+  </p:cSld>
+  <p:clrMapOvr>
+    <a:masterClrMapping/>
+  </p:clrMapOvr>
+</p:sld>
+</file>
+
+<file path=ppt/slides/slide81.xml><?xml version="1.0" encoding="utf-8"?>
+<p:sld xmlns:a="http://schemas.openxmlformats.org/drawingml/2006/main" xmlns:r="http://schemas.openxmlformats.org/officeDocument/2006/relationships" xmlns:p="http://schemas.openxmlformats.org/presentationml/2006/main">
+  <p:cSld>
+    <p:spTree>
+      <p:nvGrpSpPr>
+        <p:cNvPr id="1" name=""/>
+        <p:cNvGrpSpPr/>
+        <p:nvPr/>
+      </p:nvGrpSpPr>
+      <p:grpSpPr>
+        <a:xfrm>
+          <a:off x="0" y="0"/>
+          <a:ext cx="0" cy="0"/>
+          <a:chOff x="0" y="0"/>
+          <a:chExt cx="0" cy="0"/>
+        </a:xfrm>
+      </p:grpSpPr>
+      <p:sp>
+        <p:nvSpPr>
+          <p:cNvPr id="2" name="Tytuł 1"/>
+          <p:cNvSpPr>
+            <a:spLocks noGrp="1"/>
+          </p:cNvSpPr>
+          <p:nvPr>
+            <p:ph type="title"/>
+          </p:nvPr>
+        </p:nvSpPr>
+        <p:spPr/>
+        <p:txBody>
+          <a:bodyPr>
             <a:normAutofit fontScale="90000"/>
           </a:bodyPr>
           <a:lstStyle/>
@@ -16069,7 +19404,7 @@
 </p:sld>
 </file>
 
-<file path=ppt/slides/slide81.xml><?xml version="1.0" encoding="utf-8"?>
+<file path=ppt/slides/slide82.xml><?xml version="1.0" encoding="utf-8"?>
 <p:sld xmlns:a="http://schemas.openxmlformats.org/drawingml/2006/main" xmlns:r="http://schemas.openxmlformats.org/officeDocument/2006/relationships" xmlns:p="http://schemas.openxmlformats.org/presentationml/2006/main">
   <p:cSld>
     <p:spTree>
@@ -16154,7 +19489,7 @@
 </p:sld>
 </file>
 
-<file path=ppt/slides/slide82.xml><?xml version="1.0" encoding="utf-8"?>
+<file path=ppt/slides/slide83.xml><?xml version="1.0" encoding="utf-8"?>
 <p:sld xmlns:a="http://schemas.openxmlformats.org/drawingml/2006/main" xmlns:r="http://schemas.openxmlformats.org/officeDocument/2006/relationships" xmlns:p="http://schemas.openxmlformats.org/presentationml/2006/main">
   <p:cSld>
     <p:spTree>
@@ -16239,7 +19574,7 @@
 </p:sld>
 </file>
 
-<file path=ppt/slides/slide83.xml><?xml version="1.0" encoding="utf-8"?>
+<file path=ppt/slides/slide84.xml><?xml version="1.0" encoding="utf-8"?>
 <p:sld xmlns:a="http://schemas.openxmlformats.org/drawingml/2006/main" xmlns:r="http://schemas.openxmlformats.org/officeDocument/2006/relationships" xmlns:p="http://schemas.openxmlformats.org/presentationml/2006/main">
   <p:cSld>
     <p:spTree>
@@ -17048,7 +20383,7 @@
 </p:sld>
 </file>
 
-<file path=ppt/slides/slide84.xml><?xml version="1.0" encoding="utf-8"?>
+<file path=ppt/slides/slide85.xml><?xml version="1.0" encoding="utf-8"?>
 <p:sld xmlns:a="http://schemas.openxmlformats.org/drawingml/2006/main" xmlns:r="http://schemas.openxmlformats.org/officeDocument/2006/relationships" xmlns:p="http://schemas.openxmlformats.org/presentationml/2006/main">
   <p:cSld>
     <p:spTree>
@@ -17128,7 +20463,7 @@
 </p:sld>
 </file>
 
-<file path=ppt/slides/slide85.xml><?xml version="1.0" encoding="utf-8"?>
+<file path=ppt/slides/slide86.xml><?xml version="1.0" encoding="utf-8"?>
 <p:sld xmlns:a="http://schemas.openxmlformats.org/drawingml/2006/main" xmlns:r="http://schemas.openxmlformats.org/officeDocument/2006/relationships" xmlns:p="http://schemas.openxmlformats.org/presentationml/2006/main">
   <p:cSld>
     <p:spTree>
@@ -17338,7 +20673,7 @@
 </p:sld>
 </file>
 
-<file path=ppt/slides/slide86.xml><?xml version="1.0" encoding="utf-8"?>
+<file path=ppt/slides/slide87.xml><?xml version="1.0" encoding="utf-8"?>
 <p:sld xmlns:a="http://schemas.openxmlformats.org/drawingml/2006/main" xmlns:r="http://schemas.openxmlformats.org/officeDocument/2006/relationships" xmlns:p="http://schemas.openxmlformats.org/presentationml/2006/main">
   <p:cSld>
     <p:spTree>
@@ -17426,7 +20761,7 @@
 </p:sld>
 </file>
 
-<file path=ppt/slides/slide87.xml><?xml version="1.0" encoding="utf-8"?>
+<file path=ppt/slides/slide88.xml><?xml version="1.0" encoding="utf-8"?>
 <p:sld xmlns:a="http://schemas.openxmlformats.org/drawingml/2006/main" xmlns:r="http://schemas.openxmlformats.org/officeDocument/2006/relationships" xmlns:p="http://schemas.openxmlformats.org/presentationml/2006/main">
   <p:cSld>
     <p:spTree>
@@ -17590,7 +20925,7 @@
 </p:sld>
 </file>
 
-<file path=ppt/slides/slide88.xml><?xml version="1.0" encoding="utf-8"?>
+<file path=ppt/slides/slide89.xml><?xml version="1.0" encoding="utf-8"?>
 <p:sld xmlns:a="http://schemas.openxmlformats.org/drawingml/2006/main" xmlns:r="http://schemas.openxmlformats.org/officeDocument/2006/relationships" xmlns:p="http://schemas.openxmlformats.org/presentationml/2006/main">
   <p:cSld>
     <p:spTree>
@@ -17666,146 +21001,6 @@
     <p:extLst>
       <p:ext uri="{BB962C8B-B14F-4D97-AF65-F5344CB8AC3E}">
         <p14:creationId xmlns:p14="http://schemas.microsoft.com/office/powerpoint/2010/main" val="3918447842"/>
-      </p:ext>
-    </p:extLst>
-  </p:cSld>
-  <p:clrMapOvr>
-    <a:masterClrMapping/>
-  </p:clrMapOvr>
-</p:sld>
-</file>
-
-<file path=ppt/slides/slide89.xml><?xml version="1.0" encoding="utf-8"?>
-<p:sld xmlns:a="http://schemas.openxmlformats.org/drawingml/2006/main" xmlns:r="http://schemas.openxmlformats.org/officeDocument/2006/relationships" xmlns:p="http://schemas.openxmlformats.org/presentationml/2006/main">
-  <p:cSld>
-    <p:spTree>
-      <p:nvGrpSpPr>
-        <p:cNvPr id="1" name=""/>
-        <p:cNvGrpSpPr/>
-        <p:nvPr/>
-      </p:nvGrpSpPr>
-      <p:grpSpPr>
-        <a:xfrm>
-          <a:off x="0" y="0"/>
-          <a:ext cx="0" cy="0"/>
-          <a:chOff x="0" y="0"/>
-          <a:chExt cx="0" cy="0"/>
-        </a:xfrm>
-      </p:grpSpPr>
-      <p:sp>
-        <p:nvSpPr>
-          <p:cNvPr id="2" name="Tytuł 1"/>
-          <p:cNvSpPr>
-            <a:spLocks noGrp="1"/>
-          </p:cNvSpPr>
-          <p:nvPr>
-            <p:ph type="title"/>
-          </p:nvPr>
-        </p:nvSpPr>
-        <p:spPr/>
-        <p:txBody>
-          <a:bodyPr/>
-          <a:lstStyle/>
-          <a:p>
-            <a:r>
-              <a:rPr lang="pl-PL" dirty="0" smtClean="0"/>
-              <a:t>Edycja własnego konta</a:t>
-            </a:r>
-            <a:endParaRPr lang="pl-PL" dirty="0"/>
-          </a:p>
-        </p:txBody>
-      </p:sp>
-      <p:sp>
-        <p:nvSpPr>
-          <p:cNvPr id="3" name="Symbol zastępczy zawartości 2"/>
-          <p:cNvSpPr>
-            <a:spLocks noGrp="1"/>
-          </p:cNvSpPr>
-          <p:nvPr>
-            <p:ph idx="1"/>
-          </p:nvPr>
-        </p:nvSpPr>
-        <p:spPr/>
-        <p:txBody>
-          <a:bodyPr>
-            <a:normAutofit fontScale="77500" lnSpcReduction="20000"/>
-          </a:bodyPr>
-          <a:lstStyle/>
-          <a:p>
-            <a:pPr marL="36576" indent="0">
-              <a:buNone/>
-            </a:pPr>
-            <a:r>
-              <a:rPr lang="pl-PL" dirty="0" smtClean="0"/>
-              <a:t>Domyślnie w aplikacji MVC w ustawieniach konta można zmieniać jedynie hasło (można także definiować logowania z zewnętrznych kont i numery telefonów, jednak w tym przypadku aplikacja tego nie obejmuje, dlatego tę część należy usunąć).</a:t>
-            </a:r>
-          </a:p>
-          <a:p>
-            <a:pPr marL="36576" indent="0">
-              <a:buNone/>
-            </a:pPr>
-            <a:r>
-              <a:rPr lang="pl-PL" dirty="0" smtClean="0"/>
-              <a:t>Aby dodać możliwość zmiany innych pól użytkownika, należy dokonać następujących zmian:</a:t>
-            </a:r>
-          </a:p>
-          <a:p>
-            <a:r>
-              <a:rPr lang="pl-PL" b="1" dirty="0" smtClean="0"/>
-              <a:t>W modelu</a:t>
-            </a:r>
-            <a:r>
-              <a:rPr lang="pl-PL" dirty="0" smtClean="0"/>
-              <a:t>: do modelu </a:t>
-            </a:r>
-            <a:r>
-              <a:rPr lang="pl-PL" dirty="0" err="1" smtClean="0"/>
-              <a:t>IndexViewModel</a:t>
-            </a:r>
-            <a:r>
-              <a:rPr lang="pl-PL" dirty="0" smtClean="0"/>
-              <a:t> w pliku </a:t>
-            </a:r>
-            <a:r>
-              <a:rPr lang="pl-PL" dirty="0" err="1" smtClean="0"/>
-              <a:t>ManageViewModels.cs</a:t>
-            </a:r>
-            <a:r>
-              <a:rPr lang="pl-PL" dirty="0" smtClean="0"/>
-              <a:t> dodać pola </a:t>
-            </a:r>
-            <a:r>
-              <a:rPr lang="pl-PL" dirty="0" err="1" smtClean="0"/>
-              <a:t>Imie</a:t>
-            </a:r>
-            <a:r>
-              <a:rPr lang="pl-PL" dirty="0" smtClean="0"/>
-              <a:t>, Nazwisko i Email, takie jak w modelu </a:t>
-            </a:r>
-            <a:r>
-              <a:rPr lang="pl-PL" dirty="0" err="1" smtClean="0"/>
-              <a:t>RegisterViewModel</a:t>
-            </a:r>
-            <a:r>
-              <a:rPr lang="pl-PL" dirty="0" smtClean="0"/>
-              <a:t>. Usunąć wszystkie pozostałe pola, z wyjątkiem </a:t>
-            </a:r>
-            <a:r>
-              <a:rPr lang="pl-PL" dirty="0" err="1" smtClean="0"/>
-              <a:t>HasPassword</a:t>
-            </a:r>
-            <a:r>
-              <a:rPr lang="pl-PL" dirty="0" smtClean="0"/>
-              <a:t>.</a:t>
-            </a:r>
-            <a:endParaRPr lang="pl-PL" dirty="0"/>
-          </a:p>
-        </p:txBody>
-      </p:sp>
-    </p:spTree>
-    <p:extLst>
-      <p:ext uri="{BB962C8B-B14F-4D97-AF65-F5344CB8AC3E}">
-        <p14:creationId xmlns:p14="http://schemas.microsoft.com/office/powerpoint/2010/main" val="1695476067"/>
       </p:ext>
     </p:extLst>
   </p:cSld>
@@ -17958,6 +21153,146 @@
         <p:spPr/>
         <p:txBody>
           <a:bodyPr>
+            <a:normAutofit fontScale="77500" lnSpcReduction="20000"/>
+          </a:bodyPr>
+          <a:lstStyle/>
+          <a:p>
+            <a:pPr marL="36576" indent="0">
+              <a:buNone/>
+            </a:pPr>
+            <a:r>
+              <a:rPr lang="pl-PL" dirty="0" smtClean="0"/>
+              <a:t>Domyślnie w aplikacji MVC w ustawieniach konta można zmieniać jedynie hasło (można także definiować logowania z zewnętrznych kont i numery telefonów, jednak w tym przypadku aplikacja tego nie obejmuje, dlatego tę część należy usunąć).</a:t>
+            </a:r>
+          </a:p>
+          <a:p>
+            <a:pPr marL="36576" indent="0">
+              <a:buNone/>
+            </a:pPr>
+            <a:r>
+              <a:rPr lang="pl-PL" dirty="0" smtClean="0"/>
+              <a:t>Aby dodać możliwość zmiany innych pól użytkownika, należy dokonać następujących zmian:</a:t>
+            </a:r>
+          </a:p>
+          <a:p>
+            <a:r>
+              <a:rPr lang="pl-PL" b="1" dirty="0" smtClean="0"/>
+              <a:t>W modelu</a:t>
+            </a:r>
+            <a:r>
+              <a:rPr lang="pl-PL" dirty="0" smtClean="0"/>
+              <a:t>: do modelu </a:t>
+            </a:r>
+            <a:r>
+              <a:rPr lang="pl-PL" dirty="0" err="1" smtClean="0"/>
+              <a:t>IndexViewModel</a:t>
+            </a:r>
+            <a:r>
+              <a:rPr lang="pl-PL" dirty="0" smtClean="0"/>
+              <a:t> w pliku </a:t>
+            </a:r>
+            <a:r>
+              <a:rPr lang="pl-PL" dirty="0" err="1" smtClean="0"/>
+              <a:t>ManageViewModels.cs</a:t>
+            </a:r>
+            <a:r>
+              <a:rPr lang="pl-PL" dirty="0" smtClean="0"/>
+              <a:t> dodać pola </a:t>
+            </a:r>
+            <a:r>
+              <a:rPr lang="pl-PL" dirty="0" err="1" smtClean="0"/>
+              <a:t>Imie</a:t>
+            </a:r>
+            <a:r>
+              <a:rPr lang="pl-PL" dirty="0" smtClean="0"/>
+              <a:t>, Nazwisko i Email, takie jak w modelu </a:t>
+            </a:r>
+            <a:r>
+              <a:rPr lang="pl-PL" dirty="0" err="1" smtClean="0"/>
+              <a:t>RegisterViewModel</a:t>
+            </a:r>
+            <a:r>
+              <a:rPr lang="pl-PL" dirty="0" smtClean="0"/>
+              <a:t>. Usunąć wszystkie pozostałe pola, z wyjątkiem </a:t>
+            </a:r>
+            <a:r>
+              <a:rPr lang="pl-PL" dirty="0" err="1" smtClean="0"/>
+              <a:t>HasPassword</a:t>
+            </a:r>
+            <a:r>
+              <a:rPr lang="pl-PL" dirty="0" smtClean="0"/>
+              <a:t>.</a:t>
+            </a:r>
+            <a:endParaRPr lang="pl-PL" dirty="0"/>
+          </a:p>
+        </p:txBody>
+      </p:sp>
+    </p:spTree>
+    <p:extLst>
+      <p:ext uri="{BB962C8B-B14F-4D97-AF65-F5344CB8AC3E}">
+        <p14:creationId xmlns:p14="http://schemas.microsoft.com/office/powerpoint/2010/main" val="1695476067"/>
+      </p:ext>
+    </p:extLst>
+  </p:cSld>
+  <p:clrMapOvr>
+    <a:masterClrMapping/>
+  </p:clrMapOvr>
+</p:sld>
+</file>
+
+<file path=ppt/slides/slide91.xml><?xml version="1.0" encoding="utf-8"?>
+<p:sld xmlns:a="http://schemas.openxmlformats.org/drawingml/2006/main" xmlns:r="http://schemas.openxmlformats.org/officeDocument/2006/relationships" xmlns:p="http://schemas.openxmlformats.org/presentationml/2006/main">
+  <p:cSld>
+    <p:spTree>
+      <p:nvGrpSpPr>
+        <p:cNvPr id="1" name=""/>
+        <p:cNvGrpSpPr/>
+        <p:nvPr/>
+      </p:nvGrpSpPr>
+      <p:grpSpPr>
+        <a:xfrm>
+          <a:off x="0" y="0"/>
+          <a:ext cx="0" cy="0"/>
+          <a:chOff x="0" y="0"/>
+          <a:chExt cx="0" cy="0"/>
+        </a:xfrm>
+      </p:grpSpPr>
+      <p:sp>
+        <p:nvSpPr>
+          <p:cNvPr id="2" name="Tytuł 1"/>
+          <p:cNvSpPr>
+            <a:spLocks noGrp="1"/>
+          </p:cNvSpPr>
+          <p:nvPr>
+            <p:ph type="title"/>
+          </p:nvPr>
+        </p:nvSpPr>
+        <p:spPr/>
+        <p:txBody>
+          <a:bodyPr/>
+          <a:lstStyle/>
+          <a:p>
+            <a:r>
+              <a:rPr lang="pl-PL" dirty="0" smtClean="0"/>
+              <a:t>Edycja własnego konta</a:t>
+            </a:r>
+            <a:endParaRPr lang="pl-PL" dirty="0"/>
+          </a:p>
+        </p:txBody>
+      </p:sp>
+      <p:sp>
+        <p:nvSpPr>
+          <p:cNvPr id="3" name="Symbol zastępczy zawartości 2"/>
+          <p:cNvSpPr>
+            <a:spLocks noGrp="1"/>
+          </p:cNvSpPr>
+          <p:nvPr>
+            <p:ph idx="1"/>
+          </p:nvPr>
+        </p:nvSpPr>
+        <p:spPr/>
+        <p:txBody>
+          <a:bodyPr>
             <a:normAutofit fontScale="70000" lnSpcReduction="20000"/>
           </a:bodyPr>
           <a:lstStyle/>
@@ -18052,7 +21387,7 @@
 </p:sld>
 </file>
 
-<file path=ppt/slides/slide91.xml><?xml version="1.0" encoding="utf-8"?>
+<file path=ppt/slides/slide92.xml><?xml version="1.0" encoding="utf-8"?>
 <p:sld xmlns:a="http://schemas.openxmlformats.org/drawingml/2006/main" xmlns:r="http://schemas.openxmlformats.org/officeDocument/2006/relationships" xmlns:p="http://schemas.openxmlformats.org/presentationml/2006/main">
   <p:cSld>
     <p:spTree>
@@ -18133,113 +21468,6 @@
 </p:sld>
 </file>
 
-<file path=ppt/slides/slide92.xml><?xml version="1.0" encoding="utf-8"?>
-<p:sld xmlns:a="http://schemas.openxmlformats.org/drawingml/2006/main" xmlns:r="http://schemas.openxmlformats.org/officeDocument/2006/relationships" xmlns:p="http://schemas.openxmlformats.org/presentationml/2006/main">
-  <p:cSld>
-    <p:spTree>
-      <p:nvGrpSpPr>
-        <p:cNvPr id="1" name=""/>
-        <p:cNvGrpSpPr/>
-        <p:nvPr/>
-      </p:nvGrpSpPr>
-      <p:grpSpPr>
-        <a:xfrm>
-          <a:off x="0" y="0"/>
-          <a:ext cx="0" cy="0"/>
-          <a:chOff x="0" y="0"/>
-          <a:chExt cx="0" cy="0"/>
-        </a:xfrm>
-      </p:grpSpPr>
-      <p:sp>
-        <p:nvSpPr>
-          <p:cNvPr id="2" name="Tytuł 1"/>
-          <p:cNvSpPr>
-            <a:spLocks noGrp="1"/>
-          </p:cNvSpPr>
-          <p:nvPr>
-            <p:ph type="title"/>
-          </p:nvPr>
-        </p:nvSpPr>
-        <p:spPr/>
-        <p:txBody>
-          <a:bodyPr/>
-          <a:lstStyle/>
-          <a:p>
-            <a:r>
-              <a:rPr lang="pl-PL" dirty="0" smtClean="0"/>
-              <a:t>Wyszukiwanie apartamentów</a:t>
-            </a:r>
-            <a:endParaRPr lang="pl-PL" dirty="0"/>
-          </a:p>
-        </p:txBody>
-      </p:sp>
-      <p:sp>
-        <p:nvSpPr>
-          <p:cNvPr id="3" name="Symbol zastępczy zawartości 2"/>
-          <p:cNvSpPr>
-            <a:spLocks noGrp="1"/>
-          </p:cNvSpPr>
-          <p:nvPr>
-            <p:ph idx="1"/>
-          </p:nvPr>
-        </p:nvSpPr>
-        <p:spPr/>
-        <p:txBody>
-          <a:bodyPr>
-            <a:normAutofit fontScale="77500" lnSpcReduction="20000"/>
-          </a:bodyPr>
-          <a:lstStyle/>
-          <a:p>
-            <a:pPr marL="36576" indent="0">
-              <a:buNone/>
-            </a:pPr>
-            <a:r>
-              <a:rPr lang="pl-PL" dirty="0" smtClean="0"/>
-              <a:t>Automatycznie wygenerowany widok Apartamenty/Index, którego zawartość wykorzystano do utworzenia listy apartamentów dla właściciela, posłuży w aplikacji jako ekran wyszukiwania apartamentów zgodnych z wymaganiami klienta.</a:t>
-            </a:r>
-          </a:p>
-          <a:p>
-            <a:pPr marL="36576" indent="0">
-              <a:buNone/>
-            </a:pPr>
-            <a:r>
-              <a:rPr lang="pl-PL" dirty="0" smtClean="0"/>
-              <a:t>Do parametrów uwzględnionych w wyszukiwaniu będą należeć: miasto, ilość osób, cena minimalna i maksymalna, data dostępności i udogodnienia.</a:t>
-            </a:r>
-          </a:p>
-          <a:p>
-            <a:pPr marL="36576" indent="0">
-              <a:buNone/>
-            </a:pPr>
-            <a:r>
-              <a:rPr lang="pl-PL" dirty="0" smtClean="0"/>
-              <a:t>Apartamenty zgodne z wymaganiami wyświetlane będą w kolejności najlepiej ocenianych, a następnie po nazwie.</a:t>
-            </a:r>
-          </a:p>
-          <a:p>
-            <a:pPr marL="36576" indent="0">
-              <a:buNone/>
-            </a:pPr>
-            <a:r>
-              <a:rPr lang="pl-PL" dirty="0" smtClean="0"/>
-              <a:t>Lista apartamentów będzie się znajdowała na osobnym widoku, wygenerowanym wewnątrz widoku Index.</a:t>
-            </a:r>
-          </a:p>
-        </p:txBody>
-      </p:sp>
-    </p:spTree>
-    <p:extLst>
-      <p:ext uri="{BB962C8B-B14F-4D97-AF65-F5344CB8AC3E}">
-        <p14:creationId xmlns:p14="http://schemas.microsoft.com/office/powerpoint/2010/main" val="2337690827"/>
-      </p:ext>
-    </p:extLst>
-  </p:cSld>
-  <p:clrMapOvr>
-    <a:masterClrMapping/>
-  </p:clrMapOvr>
-</p:sld>
-</file>
-
 <file path=ppt/slides/slide93.xml><?xml version="1.0" encoding="utf-8"?>
 <p:sld xmlns:a="http://schemas.openxmlformats.org/drawingml/2006/main" xmlns:r="http://schemas.openxmlformats.org/officeDocument/2006/relationships" xmlns:p="http://schemas.openxmlformats.org/presentationml/2006/main">
   <p:cSld>
@@ -18274,7 +21502,7 @@
           <a:p>
             <a:r>
               <a:rPr lang="pl-PL" dirty="0" smtClean="0"/>
-              <a:t>Widoki częściowe</a:t>
+              <a:t>Wyszukiwanie apartamentów</a:t>
             </a:r>
             <a:endParaRPr lang="pl-PL" dirty="0"/>
           </a:p>
@@ -18293,85 +21521,43 @@
         <p:spPr/>
         <p:txBody>
           <a:bodyPr>
-            <a:normAutofit fontScale="70000" lnSpcReduction="20000"/>
+            <a:normAutofit fontScale="77500" lnSpcReduction="20000"/>
           </a:bodyPr>
           <a:lstStyle/>
           <a:p>
-            <a:r>
-              <a:rPr lang="pl-PL" dirty="0" smtClean="0"/>
-              <a:t>Widoki częściowe (</a:t>
-            </a:r>
-            <a:r>
-              <a:rPr lang="pl-PL" dirty="0" err="1" smtClean="0"/>
-              <a:t>partial</a:t>
-            </a:r>
-            <a:r>
-              <a:rPr lang="pl-PL" dirty="0" smtClean="0"/>
-              <a:t> </a:t>
-            </a:r>
-            <a:r>
-              <a:rPr lang="pl-PL" dirty="0" err="1" smtClean="0"/>
-              <a:t>views</a:t>
-            </a:r>
-            <a:r>
-              <a:rPr lang="pl-PL" dirty="0" smtClean="0"/>
-              <a:t>) służą do wydzielenia jakiejś części interfejsu strony, którą następnie można kilkakrotnie wykorzystywać. Tworzy się je także w celu oddzielenia jednego fragmentu interfejsu od drugiego, aby pokazać ich odrębność.</a:t>
-            </a:r>
-          </a:p>
-          <a:p>
-            <a:r>
-              <a:rPr lang="pl-PL" dirty="0" smtClean="0"/>
-              <a:t>Widok częściowy może być wywoływany z wnętrza widoku głównego bezpośrednio lub przez akcję zwracającą wynik </a:t>
-            </a:r>
-            <a:r>
-              <a:rPr lang="pl-PL" dirty="0" err="1" smtClean="0"/>
-              <a:t>Partial</a:t>
-            </a:r>
-            <a:r>
-              <a:rPr lang="pl-PL" dirty="0" smtClean="0"/>
-              <a:t>(</a:t>
-            </a:r>
-            <a:r>
-              <a:rPr lang="pl-PL" i="1" dirty="0" smtClean="0"/>
-              <a:t>widok</a:t>
-            </a:r>
-            <a:r>
-              <a:rPr lang="pl-PL" dirty="0" smtClean="0"/>
-              <a:t>).</a:t>
-            </a:r>
-          </a:p>
-          <a:p>
-            <a:r>
-              <a:rPr lang="pl-PL" dirty="0" smtClean="0"/>
-              <a:t>Ma on osobny model, a także osobne </a:t>
-            </a:r>
-            <a:r>
-              <a:rPr lang="pl-PL" dirty="0" err="1" smtClean="0"/>
-              <a:t>ViewBag</a:t>
-            </a:r>
-            <a:r>
-              <a:rPr lang="pl-PL" dirty="0" smtClean="0"/>
-              <a:t>, </a:t>
-            </a:r>
-            <a:r>
-              <a:rPr lang="pl-PL" dirty="0" err="1" smtClean="0"/>
-              <a:t>ViewData</a:t>
-            </a:r>
-            <a:r>
-              <a:rPr lang="pl-PL" dirty="0" smtClean="0"/>
-              <a:t> i inne elementy.</a:t>
-            </a:r>
-          </a:p>
-          <a:p>
-            <a:r>
-              <a:rPr lang="pl-PL" dirty="0" smtClean="0"/>
-              <a:t>Wywoływane w widoku częściowym skrypty powinny być definiowane w widoku głównym.</a:t>
-            </a:r>
-          </a:p>
-          <a:p>
-            <a:r>
-              <a:rPr lang="pl-PL" dirty="0" smtClean="0"/>
-              <a:t>Nazwa widoku częściowego powinna zaczynać się od znaku „_” – w MVC widoki rozpoczynające się od tego znaku nie są traktowane jako strony i nie można ich wywołać bezpośrednio z wyszukiwarki.</a:t>
+            <a:pPr marL="36576" indent="0">
+              <a:buNone/>
+            </a:pPr>
+            <a:r>
+              <a:rPr lang="pl-PL" dirty="0" smtClean="0"/>
+              <a:t>Automatycznie wygenerowany widok Apartamenty/Index, którego zawartość wykorzystano do utworzenia listy apartamentów dla właściciela, posłuży w aplikacji jako ekran wyszukiwania apartamentów zgodnych z wymaganiami klienta.</a:t>
+            </a:r>
+          </a:p>
+          <a:p>
+            <a:pPr marL="36576" indent="0">
+              <a:buNone/>
+            </a:pPr>
+            <a:r>
+              <a:rPr lang="pl-PL" dirty="0" smtClean="0"/>
+              <a:t>Do parametrów uwzględnionych w wyszukiwaniu będą należeć: miasto, ilość osób, cena minimalna i maksymalna, data dostępności i udogodnienia.</a:t>
+            </a:r>
+          </a:p>
+          <a:p>
+            <a:pPr marL="36576" indent="0">
+              <a:buNone/>
+            </a:pPr>
+            <a:r>
+              <a:rPr lang="pl-PL" dirty="0" smtClean="0"/>
+              <a:t>Apartamenty zgodne z wymaganiami wyświetlane będą w kolejności najlepiej ocenianych, a następnie po nazwie.</a:t>
+            </a:r>
+          </a:p>
+          <a:p>
+            <a:pPr marL="36576" indent="0">
+              <a:buNone/>
+            </a:pPr>
+            <a:r>
+              <a:rPr lang="pl-PL" dirty="0" smtClean="0"/>
+              <a:t>Lista apartamentów będzie się znajdowała na osobnym widoku, wygenerowanym wewnątrz widoku Index.</a:t>
             </a:r>
           </a:p>
         </p:txBody>
@@ -18379,7 +21565,7 @@
     </p:spTree>
     <p:extLst>
       <p:ext uri="{BB962C8B-B14F-4D97-AF65-F5344CB8AC3E}">
-        <p14:creationId xmlns:p14="http://schemas.microsoft.com/office/powerpoint/2010/main" val="3022055943"/>
+        <p14:creationId xmlns:p14="http://schemas.microsoft.com/office/powerpoint/2010/main" val="2337690827"/>
       </p:ext>
     </p:extLst>
   </p:cSld>
@@ -18418,6 +21604,155 @@
         </p:nvSpPr>
         <p:spPr/>
         <p:txBody>
+          <a:bodyPr/>
+          <a:lstStyle/>
+          <a:p>
+            <a:r>
+              <a:rPr lang="pl-PL" dirty="0" smtClean="0"/>
+              <a:t>Widoki częściowe</a:t>
+            </a:r>
+            <a:endParaRPr lang="pl-PL" dirty="0"/>
+          </a:p>
+        </p:txBody>
+      </p:sp>
+      <p:sp>
+        <p:nvSpPr>
+          <p:cNvPr id="3" name="Symbol zastępczy zawartości 2"/>
+          <p:cNvSpPr>
+            <a:spLocks noGrp="1"/>
+          </p:cNvSpPr>
+          <p:nvPr>
+            <p:ph idx="1"/>
+          </p:nvPr>
+        </p:nvSpPr>
+        <p:spPr/>
+        <p:txBody>
+          <a:bodyPr>
+            <a:normAutofit fontScale="70000" lnSpcReduction="20000"/>
+          </a:bodyPr>
+          <a:lstStyle/>
+          <a:p>
+            <a:r>
+              <a:rPr lang="pl-PL" dirty="0" smtClean="0"/>
+              <a:t>Widoki częściowe (</a:t>
+            </a:r>
+            <a:r>
+              <a:rPr lang="pl-PL" dirty="0" err="1" smtClean="0"/>
+              <a:t>partial</a:t>
+            </a:r>
+            <a:r>
+              <a:rPr lang="pl-PL" dirty="0" smtClean="0"/>
+              <a:t> </a:t>
+            </a:r>
+            <a:r>
+              <a:rPr lang="pl-PL" dirty="0" err="1" smtClean="0"/>
+              <a:t>views</a:t>
+            </a:r>
+            <a:r>
+              <a:rPr lang="pl-PL" dirty="0" smtClean="0"/>
+              <a:t>) służą do wydzielenia jakiejś części interfejsu strony, którą następnie można kilkakrotnie wykorzystywać. Tworzy się je także w celu oddzielenia jednego fragmentu interfejsu od drugiego, aby pokazać ich odrębność.</a:t>
+            </a:r>
+          </a:p>
+          <a:p>
+            <a:r>
+              <a:rPr lang="pl-PL" dirty="0" smtClean="0"/>
+              <a:t>Widok częściowy może być wywoływany z wnętrza widoku głównego bezpośrednio lub przez akcję zwracającą wynik </a:t>
+            </a:r>
+            <a:r>
+              <a:rPr lang="pl-PL" dirty="0" err="1" smtClean="0"/>
+              <a:t>Partial</a:t>
+            </a:r>
+            <a:r>
+              <a:rPr lang="pl-PL" dirty="0" smtClean="0"/>
+              <a:t>(</a:t>
+            </a:r>
+            <a:r>
+              <a:rPr lang="pl-PL" i="1" dirty="0" smtClean="0"/>
+              <a:t>widok</a:t>
+            </a:r>
+            <a:r>
+              <a:rPr lang="pl-PL" dirty="0" smtClean="0"/>
+              <a:t>).</a:t>
+            </a:r>
+          </a:p>
+          <a:p>
+            <a:r>
+              <a:rPr lang="pl-PL" dirty="0" smtClean="0"/>
+              <a:t>Ma on osobny model, a także osobne </a:t>
+            </a:r>
+            <a:r>
+              <a:rPr lang="pl-PL" dirty="0" err="1" smtClean="0"/>
+              <a:t>ViewBag</a:t>
+            </a:r>
+            <a:r>
+              <a:rPr lang="pl-PL" dirty="0" smtClean="0"/>
+              <a:t>, </a:t>
+            </a:r>
+            <a:r>
+              <a:rPr lang="pl-PL" dirty="0" err="1" smtClean="0"/>
+              <a:t>ViewData</a:t>
+            </a:r>
+            <a:r>
+              <a:rPr lang="pl-PL" dirty="0" smtClean="0"/>
+              <a:t> i inne elementy.</a:t>
+            </a:r>
+          </a:p>
+          <a:p>
+            <a:r>
+              <a:rPr lang="pl-PL" dirty="0" smtClean="0"/>
+              <a:t>Wywoływane w widoku częściowym skrypty powinny być definiowane w widoku głównym.</a:t>
+            </a:r>
+          </a:p>
+          <a:p>
+            <a:r>
+              <a:rPr lang="pl-PL" dirty="0" smtClean="0"/>
+              <a:t>Nazwa widoku częściowego powinna zaczynać się od znaku „_” – w MVC widoki rozpoczynające się od tego znaku nie są traktowane jako strony i nie można ich wywołać bezpośrednio z wyszukiwarki.</a:t>
+            </a:r>
+          </a:p>
+        </p:txBody>
+      </p:sp>
+    </p:spTree>
+    <p:extLst>
+      <p:ext uri="{BB962C8B-B14F-4D97-AF65-F5344CB8AC3E}">
+        <p14:creationId xmlns:p14="http://schemas.microsoft.com/office/powerpoint/2010/main" val="3022055943"/>
+      </p:ext>
+    </p:extLst>
+  </p:cSld>
+  <p:clrMapOvr>
+    <a:masterClrMapping/>
+  </p:clrMapOvr>
+</p:sld>
+</file>
+
+<file path=ppt/slides/slide95.xml><?xml version="1.0" encoding="utf-8"?>
+<p:sld xmlns:a="http://schemas.openxmlformats.org/drawingml/2006/main" xmlns:r="http://schemas.openxmlformats.org/officeDocument/2006/relationships" xmlns:p="http://schemas.openxmlformats.org/presentationml/2006/main">
+  <p:cSld>
+    <p:spTree>
+      <p:nvGrpSpPr>
+        <p:cNvPr id="1" name=""/>
+        <p:cNvGrpSpPr/>
+        <p:nvPr/>
+      </p:nvGrpSpPr>
+      <p:grpSpPr>
+        <a:xfrm>
+          <a:off x="0" y="0"/>
+          <a:ext cx="0" cy="0"/>
+          <a:chOff x="0" y="0"/>
+          <a:chExt cx="0" cy="0"/>
+        </a:xfrm>
+      </p:grpSpPr>
+      <p:sp>
+        <p:nvSpPr>
+          <p:cNvPr id="2" name="Tytuł 1"/>
+          <p:cNvSpPr>
+            <a:spLocks noGrp="1"/>
+          </p:cNvSpPr>
+          <p:nvPr>
+            <p:ph type="title"/>
+          </p:nvPr>
+        </p:nvSpPr>
+        <p:spPr/>
+        <p:txBody>
           <a:bodyPr>
             <a:normAutofit fontScale="90000"/>
           </a:bodyPr>
@@ -18502,7 +21837,15 @@
             </a:r>
             <a:r>
               <a:rPr lang="pl-PL" dirty="0" smtClean="0"/>
-              <a:t>”). W tej akcji zostanie później dodane pobieranie wyfiltrowanych apartamentów z bazy.</a:t>
+              <a:t>”). W tej akcji zostanie później dodane pobieranie wyfiltrowanych apartamentów z bazy. Do akcji dodano atrybut [</a:t>
+            </a:r>
+            <a:r>
+              <a:rPr lang="pl-PL" dirty="0" err="1" smtClean="0"/>
+              <a:t>ChildActionOnly</a:t>
+            </a:r>
+            <a:r>
+              <a:rPr lang="pl-PL" dirty="0" smtClean="0"/>
+              <a:t>], co sprawi, że nie będzie mogła być wywoływana jako główna akcja (odpowiedzialna za generowanie strony).</a:t>
             </a:r>
           </a:p>
         </p:txBody>
@@ -18520,7 +21863,7 @@
 </p:sld>
 </file>
 
-<file path=ppt/slides/slide95.xml><?xml version="1.0" encoding="utf-8"?>
+<file path=ppt/slides/slide96.xml><?xml version="1.0" encoding="utf-8"?>
 <p:sld xmlns:a="http://schemas.openxmlformats.org/drawingml/2006/main" xmlns:r="http://schemas.openxmlformats.org/officeDocument/2006/relationships" xmlns:p="http://schemas.openxmlformats.org/presentationml/2006/main">
   <p:cSld>
     <p:spTree>
@@ -18668,74 +22011,6 @@
 </p:sld>
 </file>
 
-<file path=ppt/slides/slide96.xml><?xml version="1.0" encoding="utf-8"?>
-<p:sld xmlns:a="http://schemas.openxmlformats.org/drawingml/2006/main" xmlns:r="http://schemas.openxmlformats.org/officeDocument/2006/relationships" xmlns:p="http://schemas.openxmlformats.org/presentationml/2006/main">
-  <p:cSld>
-    <p:spTree>
-      <p:nvGrpSpPr>
-        <p:cNvPr id="1" name=""/>
-        <p:cNvGrpSpPr/>
-        <p:nvPr/>
-      </p:nvGrpSpPr>
-      <p:grpSpPr>
-        <a:xfrm>
-          <a:off x="0" y="0"/>
-          <a:ext cx="0" cy="0"/>
-          <a:chOff x="0" y="0"/>
-          <a:chExt cx="0" cy="0"/>
-        </a:xfrm>
-      </p:grpSpPr>
-      <p:sp>
-        <p:nvSpPr>
-          <p:cNvPr id="2" name="Tytuł 1"/>
-          <p:cNvSpPr>
-            <a:spLocks noGrp="1"/>
-          </p:cNvSpPr>
-          <p:nvPr>
-            <p:ph type="title"/>
-          </p:nvPr>
-        </p:nvSpPr>
-        <p:spPr/>
-        <p:txBody>
-          <a:bodyPr/>
-          <a:lstStyle/>
-          <a:p>
-            <a:endParaRPr lang="pl-PL"/>
-          </a:p>
-        </p:txBody>
-      </p:sp>
-      <p:sp>
-        <p:nvSpPr>
-          <p:cNvPr id="3" name="Symbol zastępczy zawartości 2"/>
-          <p:cNvSpPr>
-            <a:spLocks noGrp="1"/>
-          </p:cNvSpPr>
-          <p:nvPr>
-            <p:ph idx="1"/>
-          </p:nvPr>
-        </p:nvSpPr>
-        <p:spPr/>
-        <p:txBody>
-          <a:bodyPr/>
-          <a:lstStyle/>
-          <a:p>
-            <a:endParaRPr lang="pl-PL"/>
-          </a:p>
-        </p:txBody>
-      </p:sp>
-    </p:spTree>
-    <p:extLst>
-      <p:ext uri="{BB962C8B-B14F-4D97-AF65-F5344CB8AC3E}">
-        <p14:creationId xmlns:p14="http://schemas.microsoft.com/office/powerpoint/2010/main" val="1151657519"/>
-      </p:ext>
-    </p:extLst>
-  </p:cSld>
-  <p:clrMapOvr>
-    <a:masterClrMapping/>
-  </p:clrMapOvr>
-</p:sld>
-</file>
-
 <file path=ppt/slides/slide97.xml><?xml version="1.0" encoding="utf-8"?>
 <p:sld xmlns:a="http://schemas.openxmlformats.org/drawingml/2006/main" xmlns:r="http://schemas.openxmlformats.org/officeDocument/2006/relationships" xmlns:p="http://schemas.openxmlformats.org/presentationml/2006/main">
   <p:cSld>
@@ -18771,12 +22046,12 @@
           <a:lstStyle/>
           <a:p>
             <a:r>
-              <a:rPr lang="pl-PL" dirty="0" smtClean="0"/>
-              <a:t>Kontrolka wyboru daty – instalowanie pakietu </a:t>
-            </a:r>
-            <a:r>
-              <a:rPr lang="pl-PL" dirty="0" err="1" smtClean="0"/>
-              <a:t>jQuery.UI</a:t>
+              <a:rPr lang="pl-PL" dirty="0"/>
+              <a:t>Wyszukiwanie apartamentów </a:t>
+            </a:r>
+            <a:r>
+              <a:rPr lang="pl-PL" dirty="0" smtClean="0"/>
+              <a:t>- kontroler</a:t>
             </a:r>
             <a:endParaRPr lang="pl-PL" dirty="0"/>
           </a:p>
@@ -18792,15 +22067,10 @@
             <p:ph idx="1"/>
           </p:nvPr>
         </p:nvSpPr>
-        <p:spPr>
-          <a:xfrm>
-            <a:off x="457200" y="1600200"/>
-            <a:ext cx="7467600" cy="2103439"/>
-          </a:xfrm>
-        </p:spPr>
+        <p:spPr/>
         <p:txBody>
           <a:bodyPr>
-            <a:normAutofit fontScale="77500" lnSpcReduction="20000"/>
+            <a:normAutofit fontScale="85000" lnSpcReduction="20000"/>
           </a:bodyPr>
           <a:lstStyle/>
           <a:p>
@@ -18809,7 +22079,7 @@
             </a:pPr>
             <a:r>
               <a:rPr lang="pl-PL" dirty="0" smtClean="0"/>
-              <a:t>Do widoku Apartamenty/Index należy dodać również opcję wyboru terminu pobytu. Należy to zrobić za pomocą kontrolki wyboru daty.</a:t>
+              <a:t>Po zdefiniowaniu modelu należało dokonać odpowiednich zmian w kontrolerze.</a:t>
             </a:r>
           </a:p>
           <a:p>
@@ -18818,80 +22088,57 @@
             </a:pPr>
             <a:r>
               <a:rPr lang="pl-PL" dirty="0" smtClean="0"/>
-              <a:t>Aby to zrobić należy dodać do aplikacji pakiet </a:t>
-            </a:r>
-            <a:r>
-              <a:rPr lang="pl-PL" dirty="0" err="1" smtClean="0"/>
-              <a:t>jQuery.UI.Combined</a:t>
-            </a:r>
-            <a:r>
-              <a:rPr lang="pl-PL" dirty="0" smtClean="0"/>
-              <a:t>, będący rozszerzeniem standardowo dołączonego do projektu pakietu </a:t>
-            </a:r>
-            <a:r>
-              <a:rPr lang="pl-PL" dirty="0" err="1" smtClean="0"/>
-              <a:t>jQuery</a:t>
-            </a:r>
-            <a:r>
-              <a:rPr lang="pl-PL" dirty="0" smtClean="0"/>
-              <a:t>.</a:t>
-            </a:r>
-            <a:endParaRPr lang="pl-PL" dirty="0"/>
-          </a:p>
-        </p:txBody>
-      </p:sp>
-      <p:pic>
-        <p:nvPicPr>
-          <p:cNvPr id="6" name="Obraz 5"/>
-          <p:cNvPicPr>
-            <a:picLocks noChangeAspect="1"/>
-          </p:cNvPicPr>
-          <p:nvPr/>
-        </p:nvPicPr>
-        <p:blipFill>
-          <a:blip r:embed="rId2"/>
-          <a:stretch>
-            <a:fillRect/>
-          </a:stretch>
-        </p:blipFill>
-        <p:spPr>
-          <a:xfrm>
-            <a:off x="457200" y="4302599"/>
-            <a:ext cx="7373268" cy="1606345"/>
-          </a:xfrm>
-          <a:prstGeom prst="rect">
-            <a:avLst/>
-          </a:prstGeom>
-        </p:spPr>
-      </p:pic>
-      <p:pic>
-        <p:nvPicPr>
-          <p:cNvPr id="4" name="Obraz 3"/>
-          <p:cNvPicPr>
-            <a:picLocks noChangeAspect="1"/>
-          </p:cNvPicPr>
-          <p:nvPr/>
-        </p:nvPicPr>
-        <p:blipFill>
-          <a:blip r:embed="rId3"/>
-          <a:stretch>
-            <a:fillRect/>
-          </a:stretch>
-        </p:blipFill>
-        <p:spPr>
-          <a:xfrm>
-            <a:off x="4860032" y="4077072"/>
-            <a:ext cx="3667125" cy="2057400"/>
-          </a:xfrm>
-          <a:prstGeom prst="rect">
-            <a:avLst/>
-          </a:prstGeom>
-        </p:spPr>
-      </p:pic>
+              <a:t>Należy zmodyfikować metodę GET Index tak, aby zwracała ona odpowiednio skonfigurowany model oraz przekazywała do </a:t>
+            </a:r>
+            <a:r>
+              <a:rPr lang="pl-PL" dirty="0" err="1" smtClean="0"/>
+              <a:t>ViewData</a:t>
+            </a:r>
+            <a:r>
+              <a:rPr lang="pl-PL" dirty="0" smtClean="0"/>
+              <a:t> listę miast w </a:t>
+            </a:r>
+            <a:r>
+              <a:rPr lang="pl-PL" dirty="0" err="1" smtClean="0"/>
+              <a:t>comboboxie</a:t>
+            </a:r>
+            <a:r>
+              <a:rPr lang="pl-PL" dirty="0" smtClean="0"/>
+              <a:t> i listę dostępnych udogodnień.</a:t>
+            </a:r>
+          </a:p>
+          <a:p>
+            <a:pPr marL="36576" indent="0">
+              <a:buNone/>
+            </a:pPr>
+            <a:r>
+              <a:rPr lang="pl-PL" dirty="0" smtClean="0"/>
+              <a:t>Należy także dodać metodę POST Index, która odbierałaby wybrane parametry filtra i przeładowywała stronę.</a:t>
+            </a:r>
+          </a:p>
+          <a:p>
+            <a:pPr marL="36576" indent="0">
+              <a:buNone/>
+            </a:pPr>
+            <a:r>
+              <a:rPr lang="pl-PL" dirty="0" smtClean="0"/>
+              <a:t>Na koniec należało we wcześniej dodanej akcji </a:t>
+            </a:r>
+            <a:r>
+              <a:rPr lang="pl-PL" dirty="0" err="1" smtClean="0"/>
+              <a:t>ApartamentyLista</a:t>
+            </a:r>
+            <a:r>
+              <a:rPr lang="pl-PL" dirty="0" smtClean="0"/>
+              <a:t> dodać mechanizm filtrowania.</a:t>
+            </a:r>
+          </a:p>
+        </p:txBody>
+      </p:sp>
     </p:spTree>
     <p:extLst>
       <p:ext uri="{BB962C8B-B14F-4D97-AF65-F5344CB8AC3E}">
-        <p14:creationId xmlns:p14="http://schemas.microsoft.com/office/powerpoint/2010/main" val="4098400564"/>
+        <p14:creationId xmlns:p14="http://schemas.microsoft.com/office/powerpoint/2010/main" val="1151657519"/>
       </p:ext>
     </p:extLst>
   </p:cSld>
@@ -18937,13 +22184,8 @@
           <a:p>
             <a:r>
               <a:rPr lang="pl-PL" dirty="0"/>
-              <a:t>Kontrolka wyboru </a:t>
-            </a:r>
-            <a:r>
-              <a:rPr lang="pl-PL" dirty="0" smtClean="0"/>
-              <a:t>daty – dołączanie skryptów i stylów</a:t>
-            </a:r>
-            <a:endParaRPr lang="pl-PL" dirty="0"/>
+              <a:t>Wyszukiwanie apartamentów - kontroler</a:t>
+            </a:r>
           </a:p>
         </p:txBody>
       </p:sp>
@@ -18959,183 +22201,128 @@
         </p:nvSpPr>
         <p:spPr>
           <a:xfrm>
-            <a:off x="457200" y="1600201"/>
-            <a:ext cx="7467600" cy="1900807"/>
+            <a:off x="457200" y="1600200"/>
+            <a:ext cx="7467600" cy="4709120"/>
           </a:xfrm>
         </p:spPr>
         <p:txBody>
           <a:bodyPr>
-            <a:normAutofit fontScale="47500" lnSpcReduction="20000"/>
+            <a:normAutofit fontScale="62500" lnSpcReduction="20000"/>
           </a:bodyPr>
           <a:lstStyle/>
           <a:p>
-            <a:pPr marL="36576" indent="0">
-              <a:buNone/>
-            </a:pPr>
-            <a:r>
-              <a:rPr lang="pl-PL" dirty="0" smtClean="0"/>
-              <a:t>Po zainstalowaniu pakietu należy dołączyć do aplikacji odpowiednie skrypty. Załączanie skryptów (a także innych elementów, np. stylów) definiowane jest w pliku </a:t>
-            </a:r>
-            <a:r>
-              <a:rPr lang="pl-PL" dirty="0" err="1" smtClean="0"/>
-              <a:t>App_Start</a:t>
-            </a:r>
-            <a:r>
-              <a:rPr lang="pl-PL" dirty="0" smtClean="0"/>
-              <a:t>/</a:t>
-            </a:r>
-            <a:r>
-              <a:rPr lang="pl-PL" dirty="0" err="1" smtClean="0"/>
-              <a:t>BundleConfig.cs</a:t>
-            </a:r>
-            <a:r>
-              <a:rPr lang="pl-PL" dirty="0" smtClean="0"/>
-              <a:t>. Załączone w tym miejscu pliki umieszczane są w wirtualnej lokalizacji, z której należy je „wyciągnąć” w widoku </a:t>
-            </a:r>
-            <a:r>
-              <a:rPr lang="pl-PL" dirty="0" err="1" smtClean="0"/>
-              <a:t>Views</a:t>
-            </a:r>
-            <a:r>
-              <a:rPr lang="pl-PL" dirty="0" smtClean="0"/>
-              <a:t>/</a:t>
-            </a:r>
-            <a:r>
-              <a:rPr lang="pl-PL" dirty="0" err="1" smtClean="0"/>
-              <a:t>Shared</a:t>
-            </a:r>
-            <a:r>
-              <a:rPr lang="pl-PL" dirty="0" smtClean="0"/>
-              <a:t>/_</a:t>
-            </a:r>
-            <a:r>
-              <a:rPr lang="pl-PL" dirty="0" err="1" smtClean="0"/>
-              <a:t>Layout.cshtml</a:t>
-            </a:r>
-            <a:r>
-              <a:rPr lang="pl-PL" dirty="0" smtClean="0"/>
-              <a:t> za pomocą wyrażenia @</a:t>
-            </a:r>
-            <a:r>
-              <a:rPr lang="pl-PL" dirty="0" err="1" smtClean="0"/>
-              <a:t>Scripts.Render</a:t>
-            </a:r>
-            <a:r>
-              <a:rPr lang="pl-PL" dirty="0" smtClean="0"/>
-              <a:t>(„</a:t>
-            </a:r>
-            <a:r>
-              <a:rPr lang="pl-PL" i="1" dirty="0" smtClean="0"/>
-              <a:t>ścieżka</a:t>
-            </a:r>
-            <a:r>
-              <a:rPr lang="pl-PL" dirty="0" smtClean="0"/>
-              <a:t>”) (kod załączający domyślne skrypty znajduje się na końcu pliku). Na koniec należy dodać odpowiednią funkcję do widoku, w którym planujemy użyć kontrolki. Funkcja </a:t>
-            </a:r>
-            <a:r>
-              <a:rPr lang="pl-PL" dirty="0" err="1" smtClean="0"/>
-              <a:t>function</a:t>
-            </a:r>
-            <a:r>
-              <a:rPr lang="pl-PL" dirty="0" smtClean="0"/>
-              <a:t>(), umieszczona w górnej części pliku w sekcji @</a:t>
-            </a:r>
-            <a:r>
-              <a:rPr lang="pl-PL" dirty="0" err="1" smtClean="0"/>
-              <a:t>section</a:t>
-            </a:r>
-            <a:r>
-              <a:rPr lang="pl-PL" dirty="0" smtClean="0"/>
-              <a:t> scripts { }  powinna mieć postać jak przedstawiono poniżej. Wywoływana jest ona automatycznie przy ładowaniu strony i dla każdej kontrolki z klasy „</a:t>
-            </a:r>
-            <a:r>
-              <a:rPr lang="pl-PL" dirty="0" err="1" smtClean="0"/>
-              <a:t>datepicker</a:t>
-            </a:r>
-            <a:r>
-              <a:rPr lang="pl-PL" dirty="0" smtClean="0"/>
-              <a:t>” inicjalizuje ona obsługę wyświetlania kalendarza.</a:t>
+            <a:r>
+              <a:rPr lang="pl-PL" b="1" dirty="0" smtClean="0"/>
+              <a:t>W akcji GET Index</a:t>
+            </a:r>
+            <a:r>
+              <a:rPr lang="pl-PL" dirty="0" smtClean="0"/>
+              <a:t>: Jako </a:t>
+            </a:r>
+            <a:r>
+              <a:rPr lang="pl-PL" dirty="0"/>
+              <a:t>listę miast należy przekazać listę obiektów klasy </a:t>
+            </a:r>
+            <a:r>
+              <a:rPr lang="pl-PL" dirty="0" err="1"/>
+              <a:t>SelectListItem</a:t>
+            </a:r>
+            <a:r>
+              <a:rPr lang="pl-PL" dirty="0"/>
+              <a:t>. Ważne jest, żeby lista zawierała na początku element, dla którego wartość jest pustym stringiem, w przeciwnym razie domyśla wartość w filtrze (pusty string) nie zostanie znaleziona, a wiązanie zostanie rozpięte. Jako listę udogodnień do wyświetlenia należy pobrać listę obiektów typu Udogodnienia bezpośrednio z bazy. Jako wartości początkowe dla modelu należy przypisać: daty od i do (obie na datę dzisiejszą) oraz tablicę </a:t>
+            </a:r>
+            <a:r>
+              <a:rPr lang="pl-PL" dirty="0" err="1"/>
+              <a:t>WybraneUdogodeniniaIds</a:t>
+            </a:r>
+            <a:r>
+              <a:rPr lang="pl-PL" dirty="0"/>
+              <a:t> (pusta tablica).</a:t>
+            </a:r>
+          </a:p>
+          <a:p>
+            <a:r>
+              <a:rPr lang="pl-PL" b="1" dirty="0" smtClean="0"/>
+              <a:t>W akcji POST Index</a:t>
+            </a:r>
+            <a:r>
+              <a:rPr lang="pl-PL" dirty="0" smtClean="0"/>
+              <a:t>: Pobrać model jako argument wejściowy, wygenerować na nowo listy miast i udogodnień i zapisać w </a:t>
+            </a:r>
+            <a:r>
+              <a:rPr lang="pl-PL" dirty="0" err="1" smtClean="0"/>
+              <a:t>ViewData</a:t>
+            </a:r>
+            <a:r>
+              <a:rPr lang="pl-PL" dirty="0" smtClean="0"/>
+              <a:t> (</a:t>
+            </a:r>
+            <a:r>
+              <a:rPr lang="pl-PL" dirty="0" err="1" smtClean="0"/>
+              <a:t>ViewData</a:t>
+            </a:r>
+            <a:r>
+              <a:rPr lang="pl-PL" dirty="0" smtClean="0"/>
+              <a:t> i </a:t>
+            </a:r>
+            <a:r>
+              <a:rPr lang="pl-PL" dirty="0" err="1" smtClean="0"/>
+              <a:t>ViewBag</a:t>
+            </a:r>
+            <a:r>
+              <a:rPr lang="pl-PL" dirty="0" smtClean="0"/>
+              <a:t> kasują się po przejściu do akcji POST). Ważne: jeżeli tablica </a:t>
+            </a:r>
+            <a:r>
+              <a:rPr lang="pl-PL" dirty="0" err="1"/>
+              <a:t>WybraneUdogodeniniaIds</a:t>
+            </a:r>
+            <a:r>
+              <a:rPr lang="pl-PL" dirty="0"/>
+              <a:t> </a:t>
+            </a:r>
+            <a:r>
+              <a:rPr lang="pl-PL" dirty="0" smtClean="0"/>
+              <a:t>ma wartość </a:t>
+            </a:r>
+            <a:r>
+              <a:rPr lang="pl-PL" dirty="0" err="1" smtClean="0"/>
+              <a:t>null</a:t>
+            </a:r>
+            <a:r>
+              <a:rPr lang="pl-PL" dirty="0" smtClean="0"/>
+              <a:t>, należy ponownie przypisać do niej pustą tablicę. Na koniec ponownie przekazać model do widoku.</a:t>
+            </a:r>
+          </a:p>
+          <a:p>
+            <a:r>
+              <a:rPr lang="pl-PL" b="1" dirty="0" smtClean="0"/>
+              <a:t>W akcji </a:t>
+            </a:r>
+            <a:r>
+              <a:rPr lang="pl-PL" b="1" dirty="0" err="1" smtClean="0"/>
+              <a:t>ApartamentyLista</a:t>
+            </a:r>
+            <a:r>
+              <a:rPr lang="pl-PL" dirty="0" smtClean="0"/>
+              <a:t>: dodać argument wejściowy klasy </a:t>
+            </a:r>
+            <a:r>
+              <a:rPr lang="pl-PL" dirty="0" err="1" smtClean="0"/>
+              <a:t>ApartamentyFilterViewModel</a:t>
+            </a:r>
+            <a:r>
+              <a:rPr lang="pl-PL" dirty="0" smtClean="0"/>
+              <a:t> o nazwie „filtr” i w oparciu o niego wyfiltrować dane, później przekazane do widoku częściowego.</a:t>
             </a:r>
             <a:endParaRPr lang="pl-PL" dirty="0"/>
           </a:p>
         </p:txBody>
       </p:sp>
-      <p:pic>
-        <p:nvPicPr>
-          <p:cNvPr id="9" name="Obraz 8"/>
-          <p:cNvPicPr>
-            <a:picLocks noChangeAspect="1"/>
-          </p:cNvPicPr>
-          <p:nvPr/>
-        </p:nvPicPr>
-        <p:blipFill>
-          <a:blip r:embed="rId2"/>
-          <a:stretch>
-            <a:fillRect/>
-          </a:stretch>
-        </p:blipFill>
-        <p:spPr>
-          <a:xfrm>
-            <a:off x="457200" y="3501008"/>
-            <a:ext cx="4565919" cy="3057587"/>
-          </a:xfrm>
-          <a:prstGeom prst="rect">
-            <a:avLst/>
-          </a:prstGeom>
-        </p:spPr>
-      </p:pic>
-      <p:pic>
-        <p:nvPicPr>
-          <p:cNvPr id="8" name="Obraz 7"/>
-          <p:cNvPicPr>
-            <a:picLocks noChangeAspect="1"/>
-          </p:cNvPicPr>
-          <p:nvPr/>
-        </p:nvPicPr>
-        <p:blipFill>
-          <a:blip r:embed="rId3"/>
-          <a:stretch>
-            <a:fillRect/>
-          </a:stretch>
-        </p:blipFill>
-        <p:spPr>
-          <a:xfrm>
-            <a:off x="5364088" y="3501008"/>
-            <a:ext cx="2436887" cy="790730"/>
-          </a:xfrm>
-          <a:prstGeom prst="rect">
-            <a:avLst/>
-          </a:prstGeom>
-        </p:spPr>
-      </p:pic>
-      <p:pic>
-        <p:nvPicPr>
-          <p:cNvPr id="10" name="Obraz 9"/>
-          <p:cNvPicPr>
-            <a:picLocks noChangeAspect="1"/>
-          </p:cNvPicPr>
-          <p:nvPr/>
-        </p:nvPicPr>
-        <p:blipFill>
-          <a:blip r:embed="rId4"/>
-          <a:stretch>
-            <a:fillRect/>
-          </a:stretch>
-        </p:blipFill>
-        <p:spPr>
-          <a:xfrm>
-            <a:off x="5364088" y="4473304"/>
-            <a:ext cx="2436887" cy="1184067"/>
-          </a:xfrm>
-          <a:prstGeom prst="rect">
-            <a:avLst/>
-          </a:prstGeom>
-        </p:spPr>
-      </p:pic>
     </p:spTree>
     <p:extLst>
       <p:ext uri="{BB962C8B-B14F-4D97-AF65-F5344CB8AC3E}">
-        <p14:creationId xmlns:p14="http://schemas.microsoft.com/office/powerpoint/2010/main" val="4190425181"/>
+        <p14:creationId xmlns:p14="http://schemas.microsoft.com/office/powerpoint/2010/main" val="3191387578"/>
       </p:ext>
     </p:extLst>
   </p:cSld>
@@ -19181,111 +22368,25 @@
           <a:p>
             <a:r>
               <a:rPr lang="pl-PL" dirty="0"/>
-              <a:t>Kontrolka wyboru </a:t>
-            </a:r>
-            <a:r>
-              <a:rPr lang="pl-PL" dirty="0" smtClean="0"/>
-              <a:t>daty – dodawanie kontrolek</a:t>
+              <a:t>Wyszukiwanie apartamentów </a:t>
+            </a:r>
+            <a:r>
+              <a:rPr lang="pl-PL" dirty="0" smtClean="0"/>
+              <a:t>– akcje POST i GET Index</a:t>
             </a:r>
             <a:endParaRPr lang="pl-PL" dirty="0"/>
-          </a:p>
-        </p:txBody>
-      </p:sp>
-      <p:sp>
-        <p:nvSpPr>
-          <p:cNvPr id="3" name="Symbol zastępczy zawartości 2"/>
-          <p:cNvSpPr>
-            <a:spLocks noGrp="1"/>
-          </p:cNvSpPr>
-          <p:nvPr>
-            <p:ph idx="1"/>
-          </p:nvPr>
-        </p:nvSpPr>
-        <p:spPr>
-          <a:xfrm>
-            <a:off x="457200" y="1600201"/>
-            <a:ext cx="7467600" cy="2332856"/>
-          </a:xfrm>
-        </p:spPr>
-        <p:txBody>
-          <a:bodyPr>
-            <a:normAutofit fontScale="62500" lnSpcReduction="20000"/>
-          </a:bodyPr>
-          <a:lstStyle/>
-          <a:p>
-            <a:pPr marL="36576" indent="0">
-              <a:buNone/>
-            </a:pPr>
-            <a:r>
-              <a:rPr lang="pl-PL" dirty="0" smtClean="0"/>
-              <a:t>Po załączeniu odpowiednich elementów należało dodać do widoku dwa elementy typu </a:t>
-            </a:r>
-            <a:r>
-              <a:rPr lang="pl-PL" dirty="0" err="1" smtClean="0"/>
-              <a:t>Html.TextBoxFor</a:t>
-            </a:r>
-            <a:r>
-              <a:rPr lang="pl-PL" dirty="0" smtClean="0"/>
-              <a:t> – jeden dla daty od, drugi dla daty do – skopiowane z poprzednio używanych kontrolek. Należało w nich określić format wyświetlanego łańcucha znaków – w tym przypadku będzie to </a:t>
-            </a:r>
-            <a:r>
-              <a:rPr lang="pl-PL" dirty="0" err="1" smtClean="0"/>
-              <a:t>dd</a:t>
-            </a:r>
-            <a:r>
-              <a:rPr lang="pl-PL" dirty="0" smtClean="0"/>
-              <a:t>/MM/</a:t>
-            </a:r>
-            <a:r>
-              <a:rPr lang="pl-PL" dirty="0" err="1" smtClean="0"/>
-              <a:t>yyyy</a:t>
-            </a:r>
-            <a:r>
-              <a:rPr lang="pl-PL" dirty="0" smtClean="0"/>
-              <a:t>. Format należało podać jako drugi parametr obiektu </a:t>
-            </a:r>
-            <a:r>
-              <a:rPr lang="pl-PL" dirty="0" err="1" smtClean="0"/>
-              <a:t>Html.TextBoxFor</a:t>
-            </a:r>
-            <a:r>
-              <a:rPr lang="pl-PL" dirty="0" smtClean="0"/>
-              <a:t> (przed definiowaniem parametrów HTML) w formie: „{0:</a:t>
-            </a:r>
-            <a:r>
-              <a:rPr lang="pl-PL" i="1" dirty="0" smtClean="0"/>
-              <a:t>format</a:t>
-            </a:r>
-            <a:r>
-              <a:rPr lang="pl-PL" dirty="0" smtClean="0"/>
-              <a:t>}”. Do parametru </a:t>
-            </a:r>
-            <a:r>
-              <a:rPr lang="pl-PL" dirty="0" err="1" smtClean="0"/>
-              <a:t>class</a:t>
-            </a:r>
-            <a:r>
-              <a:rPr lang="pl-PL" dirty="0" smtClean="0"/>
-              <a:t> w trzecim argumencie należało dodać klasę „</a:t>
-            </a:r>
-            <a:r>
-              <a:rPr lang="pl-PL" dirty="0" err="1" smtClean="0"/>
-              <a:t>datepicker</a:t>
-            </a:r>
-            <a:r>
-              <a:rPr lang="pl-PL" dirty="0" smtClean="0"/>
-              <a:t>”. Tak zmodyfikowany kod powinien mieć następującą postać:</a:t>
-            </a:r>
           </a:p>
         </p:txBody>
       </p:sp>
       <p:pic>
         <p:nvPicPr>
-          <p:cNvPr id="4" name="Obraz 3"/>
+          <p:cNvPr id="4" name="Symbol zastępczy zawartości 3"/>
           <p:cNvPicPr>
-            <a:picLocks noChangeAspect="1"/>
+            <a:picLocks noGrp="1" noChangeAspect="1"/>
           </p:cNvPicPr>
-          <p:nvPr/>
+          <p:nvPr>
+            <p:ph idx="1"/>
+          </p:nvPr>
         </p:nvPicPr>
         <p:blipFill>
           <a:blip r:embed="rId2"/>
@@ -19295,8 +22396,8 @@
         </p:blipFill>
         <p:spPr>
           <a:xfrm>
-            <a:off x="179512" y="3933057"/>
-            <a:ext cx="8705850" cy="2076450"/>
+            <a:off x="581966" y="1600200"/>
+            <a:ext cx="7218067" cy="4525963"/>
           </a:xfrm>
           <a:prstGeom prst="rect">
             <a:avLst/>
@@ -19306,7 +22407,7 @@
     </p:spTree>
     <p:extLst>
       <p:ext uri="{BB962C8B-B14F-4D97-AF65-F5344CB8AC3E}">
-        <p14:creationId xmlns:p14="http://schemas.microsoft.com/office/powerpoint/2010/main" val="3940521010"/>
+        <p14:creationId xmlns:p14="http://schemas.microsoft.com/office/powerpoint/2010/main" val="1965877423"/>
       </p:ext>
     </p:extLst>
   </p:cSld>
